--- a/Presentation.pptx
+++ b/Presentation.pptx
@@ -2975,7 +2975,7 @@
             <a:pPr rtl="0"/>
             <a:fld id="{5BD5BFF2-36B0-40CE-983F-64CA5BF905E6}" type="datetime1">
               <a:rPr lang="ru-RU" smtClean="0"/>
-              <a:t>15.05.2018</a:t>
+              <a:t>07.06.2018</a:t>
             </a:fld>
             <a:endParaRPr lang="ru-RU" dirty="0"/>
           </a:p>
@@ -3145,7 +3145,7 @@
             <a:pPr rtl="0"/>
             <a:fld id="{6B74801A-CACC-46E2-B8AA-437C9E8A750C}" type="datetime1">
               <a:rPr lang="ru-RU" smtClean="0"/>
-              <a:t>15.05.2018</a:t>
+              <a:t>07.06.2018</a:t>
             </a:fld>
             <a:endParaRPr lang="ru-RU" dirty="0"/>
           </a:p>
@@ -5136,7 +5136,7 @@
             <a:pPr rtl="0"/>
             <a:fld id="{140575E8-20DE-4252-9577-F47C50C1B37A}" type="datetime1">
               <a:rPr lang="ru-RU" smtClean="0"/>
-              <a:t>15.05.2018</a:t>
+              <a:t>07.06.2018</a:t>
             </a:fld>
             <a:endParaRPr lang="ru-RU" dirty="0"/>
           </a:p>
@@ -5751,7 +5751,7 @@
             <a:pPr rtl="0"/>
             <a:fld id="{4CBB2D27-AFF1-4B8F-B8A4-E700F781D02D}" type="datetime1">
               <a:rPr lang="ru-RU" smtClean="0"/>
-              <a:t>15.05.2018</a:t>
+              <a:t>07.06.2018</a:t>
             </a:fld>
             <a:endParaRPr lang="ru-RU" dirty="0"/>
           </a:p>
@@ -5941,7 +5941,7 @@
             <a:pPr rtl="0"/>
             <a:fld id="{6C80CA05-2CA9-48C2-A2A2-F70EC9B7976F}" type="datetime1">
               <a:rPr lang="ru-RU" smtClean="0"/>
-              <a:t>15.05.2018</a:t>
+              <a:t>07.06.2018</a:t>
             </a:fld>
             <a:endParaRPr lang="ru-RU" dirty="0"/>
           </a:p>
@@ -6281,7 +6281,7 @@
             <a:pPr rtl="0"/>
             <a:fld id="{B4A58D3D-3011-410D-B5E8-9AA1758E7836}" type="datetime1">
               <a:rPr lang="ru-RU" smtClean="0"/>
-              <a:t>15.05.2018</a:t>
+              <a:t>07.06.2018</a:t>
             </a:fld>
             <a:endParaRPr lang="ru-RU" dirty="0"/>
           </a:p>
@@ -6480,7 +6480,7 @@
             <a:pPr rtl="0"/>
             <a:fld id="{FDCF8B90-C5EE-4840-9D92-1C12066C774B}" type="datetime1">
               <a:rPr lang="ru-RU" smtClean="0"/>
-              <a:t>15.05.2018</a:t>
+              <a:t>07.06.2018</a:t>
             </a:fld>
             <a:endParaRPr lang="ru-RU" dirty="0"/>
           </a:p>
@@ -7662,7 +7662,7 @@
             <a:pPr rtl="0"/>
             <a:fld id="{D0B65557-1451-43E1-9AE5-4BF1475D4D1F}" type="datetime1">
               <a:rPr lang="ru-RU" smtClean="0"/>
-              <a:t>15.05.2018</a:t>
+              <a:t>07.06.2018</a:t>
             </a:fld>
             <a:endParaRPr lang="ru-RU" dirty="0"/>
           </a:p>
@@ -8053,7 +8053,7 @@
             <a:pPr rtl="0"/>
             <a:fld id="{62E58E16-40AA-41E4-A4FF-9BEA6A78A973}" type="datetime1">
               <a:rPr lang="ru-RU" smtClean="0"/>
-              <a:t>15.05.2018</a:t>
+              <a:t>07.06.2018</a:t>
             </a:fld>
             <a:endParaRPr lang="ru-RU" dirty="0"/>
           </a:p>
@@ -8191,7 +8191,7 @@
             <a:pPr rtl="0"/>
             <a:fld id="{475D3081-5B82-4D9C-864E-0FF48C8922DF}" type="datetime1">
               <a:rPr lang="ru-RU" smtClean="0"/>
-              <a:t>15.05.2018</a:t>
+              <a:t>07.06.2018</a:t>
             </a:fld>
             <a:endParaRPr lang="ru-RU" dirty="0"/>
           </a:p>
@@ -8305,7 +8305,7 @@
             <a:pPr rtl="0"/>
             <a:fld id="{324F1F8F-3FA7-4DE2-BFC3-204A60A31AF6}" type="datetime1">
               <a:rPr lang="ru-RU" smtClean="0"/>
-              <a:t>15.05.2018</a:t>
+              <a:t>07.06.2018</a:t>
             </a:fld>
             <a:endParaRPr lang="ru-RU" dirty="0"/>
           </a:p>
@@ -8604,7 +8604,7 @@
             <a:pPr rtl="0"/>
             <a:fld id="{5144496B-DA29-42D1-8823-4C2E233F6E2C}" type="datetime1">
               <a:rPr lang="ru-RU" smtClean="0"/>
-              <a:t>15.05.2018</a:t>
+              <a:t>07.06.2018</a:t>
             </a:fld>
             <a:endParaRPr lang="ru-RU" dirty="0"/>
           </a:p>
@@ -8991,7 +8991,7 @@
             <a:pPr rtl="0"/>
             <a:fld id="{29BD460F-BF29-45B1-9B3A-A20D54FADEC1}" type="datetime1">
               <a:rPr lang="ru-RU" smtClean="0"/>
-              <a:t>15.05.2018</a:t>
+              <a:t>07.06.2018</a:t>
             </a:fld>
             <a:endParaRPr lang="ru-RU" dirty="0"/>
           </a:p>
@@ -9485,6 +9485,13 @@
       </p:transition>
     </mc:Fallback>
   </mc:AlternateContent>
+  <p:timing>
+    <p:tnLst>
+      <p:par>
+        <p:cTn id="1" dur="indefinite" restart="never" nodeType="tmRoot"/>
+      </p:par>
+    </p:tnLst>
+  </p:timing>
 </p:sld>
 </file>
 
@@ -9914,7 +9921,7 @@
         <p:spPr>
           <a:xfrm>
             <a:off x="1480458" y="2002970"/>
-            <a:ext cx="9416142" cy="646331"/>
+            <a:ext cx="9416142" cy="1200329"/>
           </a:xfrm>
           <a:prstGeom prst="rect">
             <a:avLst/>
@@ -9928,10 +9935,16 @@
           <a:lstStyle/>
           <a:p>
             <a:r>
-              <a:rPr lang="ru-RU" dirty="0" smtClean="0"/>
+              <a:rPr lang="ru-RU" sz="2400" dirty="0" smtClean="0">
+                <a:latin typeface="Times New Roman" panose="02020603050405020304" pitchFamily="18" charset="0"/>
+                <a:cs typeface="Times New Roman" panose="02020603050405020304" pitchFamily="18" charset="0"/>
+              </a:rPr>
               <a:t>Целью данной дипломной работы является реализация комплекса ПО, необходимого для функционирования сервиса облачного хранения файлов.</a:t>
             </a:r>
-            <a:endParaRPr lang="ru-RU" dirty="0"/>
+            <a:endParaRPr lang="ru-RU" sz="2400" dirty="0">
+              <a:latin typeface="Times New Roman" panose="02020603050405020304" pitchFamily="18" charset="0"/>
+              <a:cs typeface="Times New Roman" panose="02020603050405020304" pitchFamily="18" charset="0"/>
+            </a:endParaRPr>
           </a:p>
         </p:txBody>
       </p:sp>
@@ -9943,8 +9956,8 @@
         </p:nvSpPr>
         <p:spPr>
           <a:xfrm>
-            <a:off x="1632858" y="3223175"/>
-            <a:ext cx="9416142" cy="2031325"/>
+            <a:off x="1387929" y="4031175"/>
+            <a:ext cx="9416142" cy="2862322"/>
           </a:xfrm>
           <a:prstGeom prst="rect">
             <a:avLst/>
@@ -9961,11 +9974,12 @@
               <a:buAutoNum type="arabicPeriod"/>
             </a:pPr>
             <a:r>
-              <a:rPr lang="ru-RU" dirty="0" smtClean="0">
+              <a:rPr lang="ru-RU" sz="2400" i="1" dirty="0" smtClean="0">
                 <a:solidFill>
                   <a:srgbClr val="000000"/>
                 </a:solidFill>
-                <a:latin typeface="-apple-system"/>
+                <a:latin typeface="Times New Roman" panose="02020603050405020304" pitchFamily="18" charset="0"/>
+                <a:cs typeface="Times New Roman" panose="02020603050405020304" pitchFamily="18" charset="0"/>
               </a:rPr>
               <a:t>Регистрация, авторизация, аутентификация пользователей в системе.</a:t>
             </a:r>
@@ -9976,11 +9990,12 @@
               <a:buAutoNum type="arabicPeriod"/>
             </a:pPr>
             <a:r>
-              <a:rPr lang="ru-RU" dirty="0" smtClean="0">
+              <a:rPr lang="ru-RU" sz="2400" i="1" dirty="0" smtClean="0">
                 <a:solidFill>
                   <a:srgbClr val="000000"/>
                 </a:solidFill>
-                <a:latin typeface="-apple-system"/>
+                <a:latin typeface="Times New Roman" panose="02020603050405020304" pitchFamily="18" charset="0"/>
+                <a:cs typeface="Times New Roman" panose="02020603050405020304" pitchFamily="18" charset="0"/>
               </a:rPr>
               <a:t>Настройка аккаунта пользователя.</a:t>
             </a:r>
@@ -9991,11 +10006,12 @@
               <a:buAutoNum type="arabicPeriod"/>
             </a:pPr>
             <a:r>
-              <a:rPr lang="ru-RU" dirty="0" smtClean="0">
+              <a:rPr lang="ru-RU" sz="2400" i="1" dirty="0" smtClean="0">
                 <a:solidFill>
                   <a:srgbClr val="000000"/>
                 </a:solidFill>
-                <a:latin typeface="-apple-system"/>
+                <a:latin typeface="Times New Roman" panose="02020603050405020304" pitchFamily="18" charset="0"/>
+                <a:cs typeface="Times New Roman" panose="02020603050405020304" pitchFamily="18" charset="0"/>
               </a:rPr>
               <a:t>Добавление, удаление файлов всех типов, а также редактирование «офисных» файлов, включая текстовый документ.</a:t>
             </a:r>
@@ -10006,11 +10022,12 @@
               <a:buAutoNum type="arabicPeriod"/>
             </a:pPr>
             <a:r>
-              <a:rPr lang="ru-RU" dirty="0" smtClean="0">
+              <a:rPr lang="ru-RU" sz="2400" i="1" dirty="0" smtClean="0">
                 <a:solidFill>
                   <a:srgbClr val="000000"/>
                 </a:solidFill>
-                <a:latin typeface="-apple-system"/>
+                <a:latin typeface="Times New Roman" panose="02020603050405020304" pitchFamily="18" charset="0"/>
+                <a:cs typeface="Times New Roman" panose="02020603050405020304" pitchFamily="18" charset="0"/>
               </a:rPr>
               <a:t>Шифрование и дешифрование файлов.</a:t>
             </a:r>
@@ -10044,8 +10061,8 @@
         </p:nvSpPr>
         <p:spPr>
           <a:xfrm>
-            <a:off x="1632858" y="2801701"/>
-            <a:ext cx="9416142" cy="369332"/>
+            <a:off x="1480458" y="3537121"/>
+            <a:ext cx="9416142" cy="461665"/>
           </a:xfrm>
           <a:prstGeom prst="rect">
             <a:avLst/>
@@ -10058,15 +10075,19 @@
           <a:lstStyle/>
           <a:p>
             <a:r>
-              <a:rPr lang="ru-RU" dirty="0" smtClean="0">
+              <a:rPr lang="ru-RU" sz="2400" b="1" i="1" dirty="0" smtClean="0">
                 <a:solidFill>
                   <a:srgbClr val="000000"/>
                 </a:solidFill>
-                <a:latin typeface="-apple-system"/>
+                <a:latin typeface="Times New Roman" panose="02020603050405020304" pitchFamily="18" charset="0"/>
+                <a:cs typeface="Times New Roman" panose="02020603050405020304" pitchFamily="18" charset="0"/>
               </a:rPr>
               <a:t>Задачи дипломной работы:</a:t>
             </a:r>
-            <a:endParaRPr lang="ru-RU" dirty="0"/>
+            <a:endParaRPr lang="ru-RU" sz="2400" b="1" i="1" dirty="0">
+              <a:latin typeface="Times New Roman" panose="02020603050405020304" pitchFamily="18" charset="0"/>
+              <a:cs typeface="Times New Roman" panose="02020603050405020304" pitchFamily="18" charset="0"/>
+            </a:endParaRPr>
           </a:p>
         </p:txBody>
       </p:sp>
@@ -10095,9 +10116,492 @@
   <p:timing>
     <p:tnLst>
       <p:par>
-        <p:cTn id="1" dur="indefinite" restart="never" nodeType="tmRoot"/>
+        <p:cTn id="1" dur="indefinite" restart="never" nodeType="tmRoot">
+          <p:childTnLst>
+            <p:seq concurrent="1" nextAc="seek">
+              <p:cTn id="2" dur="indefinite" nodeType="mainSeq">
+                <p:childTnLst>
+                  <p:par>
+                    <p:cTn id="3" fill="hold">
+                      <p:stCondLst>
+                        <p:cond delay="indefinite"/>
+                      </p:stCondLst>
+                      <p:childTnLst>
+                        <p:par>
+                          <p:cTn id="4" fill="hold">
+                            <p:stCondLst>
+                              <p:cond delay="0"/>
+                            </p:stCondLst>
+                            <p:childTnLst>
+                              <p:par>
+                                <p:cTn id="5" presetID="1" presetClass="entr" presetSubtype="0" fill="hold" grpId="0" nodeType="clickEffect">
+                                  <p:stCondLst>
+                                    <p:cond delay="0"/>
+                                  </p:stCondLst>
+                                  <p:childTnLst>
+                                    <p:set>
+                                      <p:cBhvr>
+                                        <p:cTn id="6" dur="1" fill="hold">
+                                          <p:stCondLst>
+                                            <p:cond delay="0"/>
+                                          </p:stCondLst>
+                                        </p:cTn>
+                                        <p:tgtEl>
+                                          <p:spTgt spid="6"/>
+                                        </p:tgtEl>
+                                        <p:attrNameLst>
+                                          <p:attrName>style.visibility</p:attrName>
+                                        </p:attrNameLst>
+                                      </p:cBhvr>
+                                      <p:to>
+                                        <p:strVal val="visible"/>
+                                      </p:to>
+                                    </p:set>
+                                  </p:childTnLst>
+                                </p:cTn>
+                              </p:par>
+                            </p:childTnLst>
+                          </p:cTn>
+                        </p:par>
+                      </p:childTnLst>
+                    </p:cTn>
+                  </p:par>
+                  <p:par>
+                    <p:cTn id="7" fill="hold">
+                      <p:stCondLst>
+                        <p:cond delay="indefinite"/>
+                      </p:stCondLst>
+                      <p:childTnLst>
+                        <p:par>
+                          <p:cTn id="8" fill="hold">
+                            <p:stCondLst>
+                              <p:cond delay="0"/>
+                            </p:stCondLst>
+                            <p:childTnLst>
+                              <p:par>
+                                <p:cTn id="9" presetID="2" presetClass="entr" presetSubtype="4" fill="hold" nodeType="clickEffect">
+                                  <p:stCondLst>
+                                    <p:cond delay="0"/>
+                                  </p:stCondLst>
+                                  <p:childTnLst>
+                                    <p:set>
+                                      <p:cBhvr>
+                                        <p:cTn id="10" dur="1" fill="hold">
+                                          <p:stCondLst>
+                                            <p:cond delay="0"/>
+                                          </p:stCondLst>
+                                        </p:cTn>
+                                        <p:tgtEl>
+                                          <p:spTgt spid="5">
+                                            <p:txEl>
+                                              <p:pRg st="0" end="0"/>
+                                            </p:txEl>
+                                          </p:spTgt>
+                                        </p:tgtEl>
+                                        <p:attrNameLst>
+                                          <p:attrName>style.visibility</p:attrName>
+                                        </p:attrNameLst>
+                                      </p:cBhvr>
+                                      <p:to>
+                                        <p:strVal val="visible"/>
+                                      </p:to>
+                                    </p:set>
+                                    <p:anim calcmode="lin" valueType="num">
+                                      <p:cBhvr additive="base">
+                                        <p:cTn id="11" dur="500" fill="hold"/>
+                                        <p:tgtEl>
+                                          <p:spTgt spid="5">
+                                            <p:txEl>
+                                              <p:pRg st="0" end="0"/>
+                                            </p:txEl>
+                                          </p:spTgt>
+                                        </p:tgtEl>
+                                        <p:attrNameLst>
+                                          <p:attrName>ppt_x</p:attrName>
+                                        </p:attrNameLst>
+                                      </p:cBhvr>
+                                      <p:tavLst>
+                                        <p:tav tm="0">
+                                          <p:val>
+                                            <p:strVal val="#ppt_x"/>
+                                          </p:val>
+                                        </p:tav>
+                                        <p:tav tm="100000">
+                                          <p:val>
+                                            <p:strVal val="#ppt_x"/>
+                                          </p:val>
+                                        </p:tav>
+                                      </p:tavLst>
+                                    </p:anim>
+                                    <p:anim calcmode="lin" valueType="num">
+                                      <p:cBhvr additive="base">
+                                        <p:cTn id="12" dur="500" fill="hold"/>
+                                        <p:tgtEl>
+                                          <p:spTgt spid="5">
+                                            <p:txEl>
+                                              <p:pRg st="0" end="0"/>
+                                            </p:txEl>
+                                          </p:spTgt>
+                                        </p:tgtEl>
+                                        <p:attrNameLst>
+                                          <p:attrName>ppt_y</p:attrName>
+                                        </p:attrNameLst>
+                                      </p:cBhvr>
+                                      <p:tavLst>
+                                        <p:tav tm="0">
+                                          <p:val>
+                                            <p:strVal val="1+#ppt_h/2"/>
+                                          </p:val>
+                                        </p:tav>
+                                        <p:tav tm="100000">
+                                          <p:val>
+                                            <p:strVal val="#ppt_y"/>
+                                          </p:val>
+                                        </p:tav>
+                                      </p:tavLst>
+                                    </p:anim>
+                                  </p:childTnLst>
+                                </p:cTn>
+                              </p:par>
+                            </p:childTnLst>
+                          </p:cTn>
+                        </p:par>
+                      </p:childTnLst>
+                    </p:cTn>
+                  </p:par>
+                  <p:par>
+                    <p:cTn id="13" fill="hold">
+                      <p:stCondLst>
+                        <p:cond delay="indefinite"/>
+                      </p:stCondLst>
+                      <p:childTnLst>
+                        <p:par>
+                          <p:cTn id="14" fill="hold">
+                            <p:stCondLst>
+                              <p:cond delay="0"/>
+                            </p:stCondLst>
+                            <p:childTnLst>
+                              <p:par>
+                                <p:cTn id="15" presetID="2" presetClass="entr" presetSubtype="4" fill="hold" nodeType="clickEffect">
+                                  <p:stCondLst>
+                                    <p:cond delay="0"/>
+                                  </p:stCondLst>
+                                  <p:childTnLst>
+                                    <p:set>
+                                      <p:cBhvr>
+                                        <p:cTn id="16" dur="1" fill="hold">
+                                          <p:stCondLst>
+                                            <p:cond delay="0"/>
+                                          </p:stCondLst>
+                                        </p:cTn>
+                                        <p:tgtEl>
+                                          <p:spTgt spid="5">
+                                            <p:txEl>
+                                              <p:pRg st="1" end="1"/>
+                                            </p:txEl>
+                                          </p:spTgt>
+                                        </p:tgtEl>
+                                        <p:attrNameLst>
+                                          <p:attrName>style.visibility</p:attrName>
+                                        </p:attrNameLst>
+                                      </p:cBhvr>
+                                      <p:to>
+                                        <p:strVal val="visible"/>
+                                      </p:to>
+                                    </p:set>
+                                    <p:anim calcmode="lin" valueType="num">
+                                      <p:cBhvr additive="base">
+                                        <p:cTn id="17" dur="500" fill="hold"/>
+                                        <p:tgtEl>
+                                          <p:spTgt spid="5">
+                                            <p:txEl>
+                                              <p:pRg st="1" end="1"/>
+                                            </p:txEl>
+                                          </p:spTgt>
+                                        </p:tgtEl>
+                                        <p:attrNameLst>
+                                          <p:attrName>ppt_x</p:attrName>
+                                        </p:attrNameLst>
+                                      </p:cBhvr>
+                                      <p:tavLst>
+                                        <p:tav tm="0">
+                                          <p:val>
+                                            <p:strVal val="#ppt_x"/>
+                                          </p:val>
+                                        </p:tav>
+                                        <p:tav tm="100000">
+                                          <p:val>
+                                            <p:strVal val="#ppt_x"/>
+                                          </p:val>
+                                        </p:tav>
+                                      </p:tavLst>
+                                    </p:anim>
+                                    <p:anim calcmode="lin" valueType="num">
+                                      <p:cBhvr additive="base">
+                                        <p:cTn id="18" dur="500" fill="hold"/>
+                                        <p:tgtEl>
+                                          <p:spTgt spid="5">
+                                            <p:txEl>
+                                              <p:pRg st="1" end="1"/>
+                                            </p:txEl>
+                                          </p:spTgt>
+                                        </p:tgtEl>
+                                        <p:attrNameLst>
+                                          <p:attrName>ppt_y</p:attrName>
+                                        </p:attrNameLst>
+                                      </p:cBhvr>
+                                      <p:tavLst>
+                                        <p:tav tm="0">
+                                          <p:val>
+                                            <p:strVal val="1+#ppt_h/2"/>
+                                          </p:val>
+                                        </p:tav>
+                                        <p:tav tm="100000">
+                                          <p:val>
+                                            <p:strVal val="#ppt_y"/>
+                                          </p:val>
+                                        </p:tav>
+                                      </p:tavLst>
+                                    </p:anim>
+                                  </p:childTnLst>
+                                </p:cTn>
+                              </p:par>
+                            </p:childTnLst>
+                          </p:cTn>
+                        </p:par>
+                      </p:childTnLst>
+                    </p:cTn>
+                  </p:par>
+                  <p:par>
+                    <p:cTn id="19" fill="hold">
+                      <p:stCondLst>
+                        <p:cond delay="indefinite"/>
+                      </p:stCondLst>
+                      <p:childTnLst>
+                        <p:par>
+                          <p:cTn id="20" fill="hold">
+                            <p:stCondLst>
+                              <p:cond delay="0"/>
+                            </p:stCondLst>
+                            <p:childTnLst>
+                              <p:par>
+                                <p:cTn id="21" presetID="2" presetClass="entr" presetSubtype="4" fill="hold" nodeType="clickEffect">
+                                  <p:stCondLst>
+                                    <p:cond delay="0"/>
+                                  </p:stCondLst>
+                                  <p:childTnLst>
+                                    <p:set>
+                                      <p:cBhvr>
+                                        <p:cTn id="22" dur="1" fill="hold">
+                                          <p:stCondLst>
+                                            <p:cond delay="0"/>
+                                          </p:stCondLst>
+                                        </p:cTn>
+                                        <p:tgtEl>
+                                          <p:spTgt spid="5">
+                                            <p:txEl>
+                                              <p:pRg st="2" end="2"/>
+                                            </p:txEl>
+                                          </p:spTgt>
+                                        </p:tgtEl>
+                                        <p:attrNameLst>
+                                          <p:attrName>style.visibility</p:attrName>
+                                        </p:attrNameLst>
+                                      </p:cBhvr>
+                                      <p:to>
+                                        <p:strVal val="visible"/>
+                                      </p:to>
+                                    </p:set>
+                                    <p:anim calcmode="lin" valueType="num">
+                                      <p:cBhvr additive="base">
+                                        <p:cTn id="23" dur="500" fill="hold"/>
+                                        <p:tgtEl>
+                                          <p:spTgt spid="5">
+                                            <p:txEl>
+                                              <p:pRg st="2" end="2"/>
+                                            </p:txEl>
+                                          </p:spTgt>
+                                        </p:tgtEl>
+                                        <p:attrNameLst>
+                                          <p:attrName>ppt_x</p:attrName>
+                                        </p:attrNameLst>
+                                      </p:cBhvr>
+                                      <p:tavLst>
+                                        <p:tav tm="0">
+                                          <p:val>
+                                            <p:strVal val="#ppt_x"/>
+                                          </p:val>
+                                        </p:tav>
+                                        <p:tav tm="100000">
+                                          <p:val>
+                                            <p:strVal val="#ppt_x"/>
+                                          </p:val>
+                                        </p:tav>
+                                      </p:tavLst>
+                                    </p:anim>
+                                    <p:anim calcmode="lin" valueType="num">
+                                      <p:cBhvr additive="base">
+                                        <p:cTn id="24" dur="500" fill="hold"/>
+                                        <p:tgtEl>
+                                          <p:spTgt spid="5">
+                                            <p:txEl>
+                                              <p:pRg st="2" end="2"/>
+                                            </p:txEl>
+                                          </p:spTgt>
+                                        </p:tgtEl>
+                                        <p:attrNameLst>
+                                          <p:attrName>ppt_y</p:attrName>
+                                        </p:attrNameLst>
+                                      </p:cBhvr>
+                                      <p:tavLst>
+                                        <p:tav tm="0">
+                                          <p:val>
+                                            <p:strVal val="1+#ppt_h/2"/>
+                                          </p:val>
+                                        </p:tav>
+                                        <p:tav tm="100000">
+                                          <p:val>
+                                            <p:strVal val="#ppt_y"/>
+                                          </p:val>
+                                        </p:tav>
+                                      </p:tavLst>
+                                    </p:anim>
+                                  </p:childTnLst>
+                                </p:cTn>
+                              </p:par>
+                            </p:childTnLst>
+                          </p:cTn>
+                        </p:par>
+                      </p:childTnLst>
+                    </p:cTn>
+                  </p:par>
+                  <p:par>
+                    <p:cTn id="25" fill="hold">
+                      <p:stCondLst>
+                        <p:cond delay="indefinite"/>
+                      </p:stCondLst>
+                      <p:childTnLst>
+                        <p:par>
+                          <p:cTn id="26" fill="hold">
+                            <p:stCondLst>
+                              <p:cond delay="0"/>
+                            </p:stCondLst>
+                            <p:childTnLst>
+                              <p:par>
+                                <p:cTn id="27" presetID="2" presetClass="entr" presetSubtype="4" fill="hold" nodeType="clickEffect">
+                                  <p:stCondLst>
+                                    <p:cond delay="0"/>
+                                  </p:stCondLst>
+                                  <p:childTnLst>
+                                    <p:set>
+                                      <p:cBhvr>
+                                        <p:cTn id="28" dur="1" fill="hold">
+                                          <p:stCondLst>
+                                            <p:cond delay="0"/>
+                                          </p:stCondLst>
+                                        </p:cTn>
+                                        <p:tgtEl>
+                                          <p:spTgt spid="5">
+                                            <p:txEl>
+                                              <p:pRg st="3" end="3"/>
+                                            </p:txEl>
+                                          </p:spTgt>
+                                        </p:tgtEl>
+                                        <p:attrNameLst>
+                                          <p:attrName>style.visibility</p:attrName>
+                                        </p:attrNameLst>
+                                      </p:cBhvr>
+                                      <p:to>
+                                        <p:strVal val="visible"/>
+                                      </p:to>
+                                    </p:set>
+                                    <p:anim calcmode="lin" valueType="num">
+                                      <p:cBhvr additive="base">
+                                        <p:cTn id="29" dur="500" fill="hold"/>
+                                        <p:tgtEl>
+                                          <p:spTgt spid="5">
+                                            <p:txEl>
+                                              <p:pRg st="3" end="3"/>
+                                            </p:txEl>
+                                          </p:spTgt>
+                                        </p:tgtEl>
+                                        <p:attrNameLst>
+                                          <p:attrName>ppt_x</p:attrName>
+                                        </p:attrNameLst>
+                                      </p:cBhvr>
+                                      <p:tavLst>
+                                        <p:tav tm="0">
+                                          <p:val>
+                                            <p:strVal val="#ppt_x"/>
+                                          </p:val>
+                                        </p:tav>
+                                        <p:tav tm="100000">
+                                          <p:val>
+                                            <p:strVal val="#ppt_x"/>
+                                          </p:val>
+                                        </p:tav>
+                                      </p:tavLst>
+                                    </p:anim>
+                                    <p:anim calcmode="lin" valueType="num">
+                                      <p:cBhvr additive="base">
+                                        <p:cTn id="30" dur="500" fill="hold"/>
+                                        <p:tgtEl>
+                                          <p:spTgt spid="5">
+                                            <p:txEl>
+                                              <p:pRg st="3" end="3"/>
+                                            </p:txEl>
+                                          </p:spTgt>
+                                        </p:tgtEl>
+                                        <p:attrNameLst>
+                                          <p:attrName>ppt_y</p:attrName>
+                                        </p:attrNameLst>
+                                      </p:cBhvr>
+                                      <p:tavLst>
+                                        <p:tav tm="0">
+                                          <p:val>
+                                            <p:strVal val="1+#ppt_h/2"/>
+                                          </p:val>
+                                        </p:tav>
+                                        <p:tav tm="100000">
+                                          <p:val>
+                                            <p:strVal val="#ppt_y"/>
+                                          </p:val>
+                                        </p:tav>
+                                      </p:tavLst>
+                                    </p:anim>
+                                  </p:childTnLst>
+                                </p:cTn>
+                              </p:par>
+                            </p:childTnLst>
+                          </p:cTn>
+                        </p:par>
+                      </p:childTnLst>
+                    </p:cTn>
+                  </p:par>
+                </p:childTnLst>
+              </p:cTn>
+              <p:prevCondLst>
+                <p:cond evt="onPrev" delay="0">
+                  <p:tgtEl>
+                    <p:sldTgt/>
+                  </p:tgtEl>
+                </p:cond>
+              </p:prevCondLst>
+              <p:nextCondLst>
+                <p:cond evt="onNext" delay="0">
+                  <p:tgtEl>
+                    <p:sldTgt/>
+                  </p:tgtEl>
+                </p:cond>
+              </p:nextCondLst>
+            </p:seq>
+          </p:childTnLst>
+        </p:cTn>
       </p:par>
     </p:tnLst>
+    <p:bldLst>
+      <p:bldP spid="6" grpId="0"/>
+    </p:bldLst>
   </p:timing>
 </p:sld>
 </file>
@@ -10181,8 +10685,8 @@
         </p:nvSpPr>
         <p:spPr>
           <a:xfrm>
-            <a:off x="1422400" y="2394857"/>
-            <a:ext cx="7879080" cy="3416320"/>
+            <a:off x="177800" y="2518985"/>
+            <a:ext cx="6919686" cy="3785652"/>
           </a:xfrm>
           <a:prstGeom prst="rect">
             <a:avLst/>
@@ -10190,83 +10694,568 @@
           <a:noFill/>
         </p:spPr>
         <p:txBody>
-          <a:bodyPr wrap="none" rtlCol="0">
+          <a:bodyPr wrap="square" rtlCol="0">
             <a:spAutoFit/>
           </a:bodyPr>
           <a:lstStyle/>
           <a:p>
-            <a:r>
-              <a:rPr lang="ru-RU" dirty="0"/>
-              <a:t>25-20 тысяч лет </a:t>
-            </a:r>
-            <a:r>
-              <a:rPr lang="ru-RU" dirty="0" smtClean="0"/>
-              <a:t>назад: 	скалы, каменные плиты, кости, дерево, глина</a:t>
-            </a:r>
-          </a:p>
-          <a:p>
-            <a:r>
-              <a:rPr lang="ru-RU" dirty="0" smtClean="0"/>
-              <a:t>5 в. до н.э. – пергаментные свитки</a:t>
-            </a:r>
-          </a:p>
-          <a:p>
-            <a:r>
-              <a:rPr lang="ru-RU" dirty="0" smtClean="0"/>
-              <a:t>2 в. До н.э. – бумага </a:t>
-            </a:r>
-          </a:p>
-          <a:p>
-            <a:r>
-              <a:rPr lang="en-US" dirty="0" smtClean="0"/>
-              <a:t>XIX</a:t>
-            </a:r>
-            <a:r>
-              <a:rPr lang="ru-RU" dirty="0" smtClean="0"/>
-              <a:t> в – фотобумага и фотопленка </a:t>
-            </a:r>
-          </a:p>
-          <a:p>
-            <a:r>
-              <a:rPr lang="ru-RU" dirty="0" smtClean="0"/>
-              <a:t>1877 – фонограф</a:t>
-            </a:r>
-          </a:p>
-          <a:p>
-            <a:r>
-              <a:rPr lang="en-US" dirty="0"/>
-              <a:t>N</a:t>
-            </a:r>
-            <a:r>
-              <a:rPr lang="ru-RU" dirty="0" smtClean="0"/>
-              <a:t> - механический граммофон, патефон</a:t>
-            </a:r>
-            <a:endParaRPr lang="en-US" dirty="0" smtClean="0"/>
-          </a:p>
-          <a:p>
-            <a:r>
-              <a:rPr lang="en-US" dirty="0" smtClean="0"/>
-              <a:t>XX – </a:t>
-            </a:r>
-            <a:r>
-              <a:rPr lang="ru-RU" dirty="0" smtClean="0"/>
-              <a:t>электрофон, магнитофон, видеомагнитофон</a:t>
-            </a:r>
-          </a:p>
-          <a:p>
-            <a:endParaRPr lang="ru-RU" dirty="0" smtClean="0"/>
-          </a:p>
-          <a:p>
-            <a:endParaRPr lang="ru-RU" dirty="0" smtClean="0"/>
-          </a:p>
-          <a:p>
-            <a:endParaRPr lang="ru-RU" dirty="0" smtClean="0"/>
-          </a:p>
-          <a:p>
-            <a:endParaRPr lang="ru-RU" dirty="0" smtClean="0"/>
-          </a:p>
-          <a:p>
-            <a:endParaRPr lang="ru-RU" dirty="0"/>
+            <a:pPr marL="342900" indent="-342900">
+              <a:buFont typeface="Arial" panose="020B0604020202020204" pitchFamily="34" charset="0"/>
+              <a:buChar char="•"/>
+            </a:pPr>
+            <a:r>
+              <a:rPr lang="ru-RU" sz="2400" dirty="0">
+                <a:latin typeface="Times New Roman" panose="02020603050405020304" pitchFamily="18" charset="0"/>
+                <a:cs typeface="Times New Roman" panose="02020603050405020304" pitchFamily="18" charset="0"/>
+              </a:rPr>
+              <a:t>25-20 </a:t>
+            </a:r>
+            <a:r>
+              <a:rPr lang="ru-RU" sz="2400" dirty="0" smtClean="0">
+                <a:latin typeface="Times New Roman" panose="02020603050405020304" pitchFamily="18" charset="0"/>
+                <a:cs typeface="Times New Roman" panose="02020603050405020304" pitchFamily="18" charset="0"/>
+              </a:rPr>
+              <a:t>тыс. </a:t>
+            </a:r>
+            <a:r>
+              <a:rPr lang="ru-RU" sz="2400" dirty="0">
+                <a:latin typeface="Times New Roman" panose="02020603050405020304" pitchFamily="18" charset="0"/>
+                <a:cs typeface="Times New Roman" panose="02020603050405020304" pitchFamily="18" charset="0"/>
+              </a:rPr>
+              <a:t>лет </a:t>
+            </a:r>
+            <a:r>
+              <a:rPr lang="ru-RU" sz="2400" dirty="0">
+                <a:latin typeface="Times New Roman" panose="02020603050405020304" pitchFamily="18" charset="0"/>
+                <a:cs typeface="Times New Roman" panose="02020603050405020304" pitchFamily="18" charset="0"/>
+              </a:rPr>
+              <a:t>назад </a:t>
+            </a:r>
+            <a:r>
+              <a:rPr lang="ru-RU" sz="2400" dirty="0" smtClean="0">
+                <a:latin typeface="Times New Roman" panose="02020603050405020304" pitchFamily="18" charset="0"/>
+                <a:cs typeface="Times New Roman" panose="02020603050405020304" pitchFamily="18" charset="0"/>
+              </a:rPr>
+              <a:t>– </a:t>
+            </a:r>
+            <a:r>
+              <a:rPr lang="ru-RU" sz="2400" dirty="0" smtClean="0">
+                <a:latin typeface="Times New Roman" panose="02020603050405020304" pitchFamily="18" charset="0"/>
+                <a:cs typeface="Times New Roman" panose="02020603050405020304" pitchFamily="18" charset="0"/>
+              </a:rPr>
+              <a:t>скалы</a:t>
+            </a:r>
+            <a:r>
+              <a:rPr lang="ru-RU" sz="2400" dirty="0" smtClean="0">
+                <a:latin typeface="Times New Roman" panose="02020603050405020304" pitchFamily="18" charset="0"/>
+                <a:cs typeface="Times New Roman" panose="02020603050405020304" pitchFamily="18" charset="0"/>
+              </a:rPr>
+              <a:t>, каменные плиты, кости, дерево, </a:t>
+            </a:r>
+            <a:r>
+              <a:rPr lang="ru-RU" sz="2400" dirty="0" smtClean="0">
+                <a:latin typeface="Times New Roman" panose="02020603050405020304" pitchFamily="18" charset="0"/>
+                <a:cs typeface="Times New Roman" panose="02020603050405020304" pitchFamily="18" charset="0"/>
+              </a:rPr>
+              <a:t>глина</a:t>
+            </a:r>
+            <a:endParaRPr lang="ru-RU" sz="2400" dirty="0" smtClean="0">
+              <a:latin typeface="Times New Roman" panose="02020603050405020304" pitchFamily="18" charset="0"/>
+              <a:cs typeface="Times New Roman" panose="02020603050405020304" pitchFamily="18" charset="0"/>
+            </a:endParaRPr>
+          </a:p>
+          <a:p>
+            <a:pPr marL="342900" indent="-342900">
+              <a:buFont typeface="Arial" panose="020B0604020202020204" pitchFamily="34" charset="0"/>
+              <a:buChar char="•"/>
+            </a:pPr>
+            <a:r>
+              <a:rPr lang="ru-RU" sz="2400" dirty="0" smtClean="0">
+                <a:latin typeface="Times New Roman" panose="02020603050405020304" pitchFamily="18" charset="0"/>
+                <a:cs typeface="Times New Roman" panose="02020603050405020304" pitchFamily="18" charset="0"/>
+              </a:rPr>
+              <a:t>5 в. до н.э</a:t>
+            </a:r>
+            <a:r>
+              <a:rPr lang="ru-RU" sz="2400" dirty="0" smtClean="0">
+                <a:latin typeface="Times New Roman" panose="02020603050405020304" pitchFamily="18" charset="0"/>
+                <a:cs typeface="Times New Roman" panose="02020603050405020304" pitchFamily="18" charset="0"/>
+              </a:rPr>
+              <a:t>. </a:t>
+            </a:r>
+            <a:r>
+              <a:rPr lang="ru-RU" sz="2400" dirty="0" smtClean="0">
+                <a:latin typeface="Times New Roman" panose="02020603050405020304" pitchFamily="18" charset="0"/>
+                <a:cs typeface="Times New Roman" panose="02020603050405020304" pitchFamily="18" charset="0"/>
+              </a:rPr>
+              <a:t>– пергаментные свитки</a:t>
+            </a:r>
+          </a:p>
+          <a:p>
+            <a:pPr marL="342900" indent="-342900">
+              <a:buFont typeface="Arial" panose="020B0604020202020204" pitchFamily="34" charset="0"/>
+              <a:buChar char="•"/>
+            </a:pPr>
+            <a:r>
+              <a:rPr lang="ru-RU" sz="2400" dirty="0" smtClean="0">
+                <a:latin typeface="Times New Roman" panose="02020603050405020304" pitchFamily="18" charset="0"/>
+                <a:cs typeface="Times New Roman" panose="02020603050405020304" pitchFamily="18" charset="0"/>
+              </a:rPr>
+              <a:t>2 в. </a:t>
+            </a:r>
+            <a:r>
+              <a:rPr lang="ru-RU" sz="2400" dirty="0" smtClean="0">
+                <a:latin typeface="Times New Roman" panose="02020603050405020304" pitchFamily="18" charset="0"/>
+                <a:cs typeface="Times New Roman" panose="02020603050405020304" pitchFamily="18" charset="0"/>
+              </a:rPr>
+              <a:t>до </a:t>
+            </a:r>
+            <a:r>
+              <a:rPr lang="ru-RU" sz="2400" dirty="0" smtClean="0">
+                <a:latin typeface="Times New Roman" panose="02020603050405020304" pitchFamily="18" charset="0"/>
+                <a:cs typeface="Times New Roman" panose="02020603050405020304" pitchFamily="18" charset="0"/>
+              </a:rPr>
+              <a:t>н.э</a:t>
+            </a:r>
+            <a:r>
+              <a:rPr lang="ru-RU" sz="2400" dirty="0" smtClean="0">
+                <a:latin typeface="Times New Roman" panose="02020603050405020304" pitchFamily="18" charset="0"/>
+                <a:cs typeface="Times New Roman" panose="02020603050405020304" pitchFamily="18" charset="0"/>
+              </a:rPr>
+              <a:t>. </a:t>
+            </a:r>
+            <a:r>
+              <a:rPr lang="ru-RU" sz="2400" dirty="0" smtClean="0">
+                <a:latin typeface="Times New Roman" panose="02020603050405020304" pitchFamily="18" charset="0"/>
+                <a:cs typeface="Times New Roman" panose="02020603050405020304" pitchFamily="18" charset="0"/>
+              </a:rPr>
+              <a:t>– бумага </a:t>
+            </a:r>
+          </a:p>
+          <a:p>
+            <a:pPr marL="342900" indent="-342900">
+              <a:buFont typeface="Arial" panose="020B0604020202020204" pitchFamily="34" charset="0"/>
+              <a:buChar char="•"/>
+            </a:pPr>
+            <a:r>
+              <a:rPr lang="ru-RU" sz="2400" dirty="0" smtClean="0">
+                <a:latin typeface="Times New Roman" panose="02020603050405020304" pitchFamily="18" charset="0"/>
+                <a:cs typeface="Times New Roman" panose="02020603050405020304" pitchFamily="18" charset="0"/>
+              </a:rPr>
+              <a:t>начало </a:t>
+            </a:r>
+            <a:r>
+              <a:rPr lang="en-US" sz="2400" dirty="0">
+                <a:latin typeface="Times New Roman" panose="02020603050405020304" pitchFamily="18" charset="0"/>
+                <a:cs typeface="Times New Roman" panose="02020603050405020304" pitchFamily="18" charset="0"/>
+              </a:rPr>
+              <a:t>XIX </a:t>
+            </a:r>
+            <a:r>
+              <a:rPr lang="ru-RU" sz="2400" dirty="0" smtClean="0">
+                <a:latin typeface="Times New Roman" panose="02020603050405020304" pitchFamily="18" charset="0"/>
+                <a:cs typeface="Times New Roman" panose="02020603050405020304" pitchFamily="18" charset="0"/>
+              </a:rPr>
+              <a:t>в. – перфокарты, </a:t>
+            </a:r>
+            <a:r>
+              <a:rPr lang="ru-RU" sz="2400" dirty="0">
+                <a:latin typeface="Times New Roman" panose="02020603050405020304" pitchFamily="18" charset="0"/>
+                <a:cs typeface="Times New Roman" panose="02020603050405020304" pitchFamily="18" charset="0"/>
+              </a:rPr>
+              <a:t>фотобумага и </a:t>
+            </a:r>
+            <a:r>
+              <a:rPr lang="ru-RU" sz="2400" dirty="0" smtClean="0">
+                <a:latin typeface="Times New Roman" panose="02020603050405020304" pitchFamily="18" charset="0"/>
+                <a:cs typeface="Times New Roman" panose="02020603050405020304" pitchFamily="18" charset="0"/>
+              </a:rPr>
+              <a:t>фотопленка</a:t>
+            </a:r>
+            <a:endParaRPr lang="ru-RU" sz="2400" dirty="0" smtClean="0">
+              <a:latin typeface="Times New Roman" panose="02020603050405020304" pitchFamily="18" charset="0"/>
+              <a:cs typeface="Times New Roman" panose="02020603050405020304" pitchFamily="18" charset="0"/>
+            </a:endParaRPr>
+          </a:p>
+          <a:p>
+            <a:pPr marL="342900" indent="-342900">
+              <a:buFont typeface="Arial" panose="020B0604020202020204" pitchFamily="34" charset="0"/>
+              <a:buChar char="•"/>
+            </a:pPr>
+            <a:r>
+              <a:rPr lang="ru-RU" sz="2400" dirty="0" smtClean="0">
+                <a:latin typeface="Times New Roman" panose="02020603050405020304" pitchFamily="18" charset="0"/>
+                <a:cs typeface="Times New Roman" panose="02020603050405020304" pitchFamily="18" charset="0"/>
+              </a:rPr>
+              <a:t>1877 </a:t>
+            </a:r>
+            <a:r>
+              <a:rPr lang="ru-RU" sz="2400" dirty="0" smtClean="0">
+                <a:latin typeface="Times New Roman" panose="02020603050405020304" pitchFamily="18" charset="0"/>
+                <a:cs typeface="Times New Roman" panose="02020603050405020304" pitchFamily="18" charset="0"/>
+              </a:rPr>
+              <a:t>– </a:t>
+            </a:r>
+            <a:r>
+              <a:rPr lang="ru-RU" sz="2400" dirty="0" smtClean="0">
+                <a:latin typeface="Times New Roman" panose="02020603050405020304" pitchFamily="18" charset="0"/>
+                <a:cs typeface="Times New Roman" panose="02020603050405020304" pitchFamily="18" charset="0"/>
+              </a:rPr>
+              <a:t>фонограф</a:t>
+            </a:r>
+          </a:p>
+          <a:p>
+            <a:pPr marL="342900" indent="-342900">
+              <a:buFont typeface="Arial" panose="020B0604020202020204" pitchFamily="34" charset="0"/>
+              <a:buChar char="•"/>
+            </a:pPr>
+            <a:r>
+              <a:rPr lang="ru-RU" sz="2400" dirty="0" smtClean="0">
+                <a:latin typeface="Times New Roman" panose="02020603050405020304" pitchFamily="18" charset="0"/>
+                <a:cs typeface="Times New Roman" panose="02020603050405020304" pitchFamily="18" charset="0"/>
+              </a:rPr>
+              <a:t>1944 </a:t>
+            </a:r>
+            <a:r>
+              <a:rPr lang="ru-RU" sz="2400" dirty="0">
+                <a:latin typeface="Times New Roman" panose="02020603050405020304" pitchFamily="18" charset="0"/>
+                <a:cs typeface="Times New Roman" panose="02020603050405020304" pitchFamily="18" charset="0"/>
+              </a:rPr>
+              <a:t>Перфорированная бумажная </a:t>
+            </a:r>
+            <a:r>
+              <a:rPr lang="ru-RU" sz="2400" dirty="0" smtClean="0">
+                <a:latin typeface="Times New Roman" panose="02020603050405020304" pitchFamily="18" charset="0"/>
+                <a:cs typeface="Times New Roman" panose="02020603050405020304" pitchFamily="18" charset="0"/>
+              </a:rPr>
+              <a:t>лента</a:t>
+            </a:r>
+          </a:p>
+          <a:p>
+            <a:pPr marL="342900" indent="-342900">
+              <a:buFont typeface="Arial" panose="020B0604020202020204" pitchFamily="34" charset="0"/>
+              <a:buChar char="•"/>
+            </a:pPr>
+            <a:r>
+              <a:rPr lang="ru-RU" sz="2400" dirty="0" smtClean="0">
+                <a:latin typeface="Times New Roman" panose="02020603050405020304" pitchFamily="18" charset="0"/>
+                <a:cs typeface="Times New Roman" panose="02020603050405020304" pitchFamily="18" charset="0"/>
+              </a:rPr>
+              <a:t>1951 – магнитная лента</a:t>
+            </a:r>
+          </a:p>
+          <a:p>
+            <a:pPr marL="342900" indent="-342900">
+              <a:buFont typeface="Arial" panose="020B0604020202020204" pitchFamily="34" charset="0"/>
+              <a:buChar char="•"/>
+            </a:pPr>
+            <a:r>
+              <a:rPr lang="ru-RU" sz="2400" dirty="0" smtClean="0">
+                <a:latin typeface="Times New Roman" panose="02020603050405020304" pitchFamily="18" charset="0"/>
+                <a:cs typeface="Times New Roman" panose="02020603050405020304" pitchFamily="18" charset="0"/>
+              </a:rPr>
+              <a:t>1960 </a:t>
+            </a:r>
+            <a:r>
+              <a:rPr lang="ru-RU" sz="2400" dirty="0">
+                <a:latin typeface="Times New Roman" panose="02020603050405020304" pitchFamily="18" charset="0"/>
+                <a:cs typeface="Times New Roman" panose="02020603050405020304" pitchFamily="18" charset="0"/>
+              </a:rPr>
+              <a:t>–</a:t>
+            </a:r>
+            <a:r>
+              <a:rPr lang="ru-RU" sz="2400" dirty="0" smtClean="0">
+                <a:latin typeface="Times New Roman" panose="02020603050405020304" pitchFamily="18" charset="0"/>
+                <a:cs typeface="Times New Roman" panose="02020603050405020304" pitchFamily="18" charset="0"/>
+              </a:rPr>
+              <a:t> ленточные картриджи</a:t>
+            </a:r>
+            <a:endParaRPr lang="ru-RU" sz="2400" dirty="0" smtClean="0">
+              <a:latin typeface="Times New Roman" panose="02020603050405020304" pitchFamily="18" charset="0"/>
+              <a:cs typeface="Times New Roman" panose="02020603050405020304" pitchFamily="18" charset="0"/>
+            </a:endParaRPr>
+          </a:p>
+        </p:txBody>
+      </p:sp>
+      <p:sp>
+        <p:nvSpPr>
+          <p:cNvPr id="6" name="TextBox 5"/>
+          <p:cNvSpPr txBox="1"/>
+          <p:nvPr/>
+        </p:nvSpPr>
+        <p:spPr>
+          <a:xfrm>
+            <a:off x="7313317" y="2518985"/>
+            <a:ext cx="4180114" cy="4154984"/>
+          </a:xfrm>
+          <a:prstGeom prst="rect">
+            <a:avLst/>
+          </a:prstGeom>
+          <a:noFill/>
+        </p:spPr>
+        <p:txBody>
+          <a:bodyPr wrap="square" rtlCol="0">
+            <a:spAutoFit/>
+          </a:bodyPr>
+          <a:lstStyle/>
+          <a:p>
+            <a:pPr marL="342900" indent="-342900">
+              <a:buFont typeface="Arial" panose="020B0604020202020204" pitchFamily="34" charset="0"/>
+              <a:buChar char="•"/>
+            </a:pPr>
+            <a:r>
+              <a:rPr lang="ru-RU" sz="2400" dirty="0" smtClean="0">
+                <a:latin typeface="Times New Roman" panose="02020603050405020304" pitchFamily="18" charset="0"/>
+                <a:cs typeface="Times New Roman" panose="02020603050405020304" pitchFamily="18" charset="0"/>
+              </a:rPr>
+              <a:t>1963 – съемные диски </a:t>
+            </a:r>
+            <a:endParaRPr lang="ru-RU" sz="2400" dirty="0" smtClean="0">
+              <a:latin typeface="Times New Roman" panose="02020603050405020304" pitchFamily="18" charset="0"/>
+              <a:cs typeface="Times New Roman" panose="02020603050405020304" pitchFamily="18" charset="0"/>
+            </a:endParaRPr>
+          </a:p>
+          <a:p>
+            <a:pPr marL="342900" indent="-342900">
+              <a:buFont typeface="Arial" panose="020B0604020202020204" pitchFamily="34" charset="0"/>
+              <a:buChar char="•"/>
+            </a:pPr>
+            <a:r>
+              <a:rPr lang="ru-RU" sz="2400" dirty="0">
+                <a:latin typeface="Times New Roman" panose="02020603050405020304" pitchFamily="18" charset="0"/>
+                <a:cs typeface="Times New Roman" panose="02020603050405020304" pitchFamily="18" charset="0"/>
+              </a:rPr>
+              <a:t>1971 – </a:t>
+            </a:r>
+            <a:r>
+              <a:rPr lang="ru-RU" sz="2400" dirty="0" smtClean="0">
+                <a:latin typeface="Times New Roman" panose="02020603050405020304" pitchFamily="18" charset="0"/>
+                <a:cs typeface="Times New Roman" panose="02020603050405020304" pitchFamily="18" charset="0"/>
+              </a:rPr>
+              <a:t>дискеты</a:t>
+            </a:r>
+          </a:p>
+          <a:p>
+            <a:pPr marL="342900" indent="-342900">
+              <a:buFont typeface="Arial" panose="020B0604020202020204" pitchFamily="34" charset="0"/>
+              <a:buChar char="•"/>
+            </a:pPr>
+            <a:r>
+              <a:rPr lang="ru-RU" sz="2400" dirty="0">
+                <a:latin typeface="Times New Roman" panose="02020603050405020304" pitchFamily="18" charset="0"/>
+                <a:cs typeface="Times New Roman" panose="02020603050405020304" pitchFamily="18" charset="0"/>
+              </a:rPr>
+              <a:t>1976 – </a:t>
+            </a:r>
+            <a:r>
+              <a:rPr lang="en-US" sz="2400" dirty="0">
+                <a:latin typeface="Times New Roman" panose="02020603050405020304" pitchFamily="18" charset="0"/>
+                <a:cs typeface="Times New Roman" panose="02020603050405020304" pitchFamily="18" charset="0"/>
+              </a:rPr>
+              <a:t>ROM-</a:t>
+            </a:r>
+            <a:r>
+              <a:rPr lang="ru-RU" sz="2400" dirty="0" smtClean="0">
+                <a:latin typeface="Times New Roman" panose="02020603050405020304" pitchFamily="18" charset="0"/>
+                <a:cs typeface="Times New Roman" panose="02020603050405020304" pitchFamily="18" charset="0"/>
+              </a:rPr>
+              <a:t>картридж</a:t>
+            </a:r>
+          </a:p>
+          <a:p>
+            <a:pPr marL="342900" indent="-342900">
+              <a:buFont typeface="Arial" panose="020B0604020202020204" pitchFamily="34" charset="0"/>
+              <a:buChar char="•"/>
+            </a:pPr>
+            <a:r>
+              <a:rPr lang="ru-RU" sz="2400" dirty="0">
+                <a:latin typeface="Times New Roman" panose="02020603050405020304" pitchFamily="18" charset="0"/>
+                <a:cs typeface="Times New Roman" panose="02020603050405020304" pitchFamily="18" charset="0"/>
+              </a:rPr>
+              <a:t>1980 – </a:t>
+            </a:r>
+            <a:r>
+              <a:rPr lang="ru-RU" sz="2400" dirty="0" err="1" smtClean="0">
+                <a:latin typeface="Times New Roman" panose="02020603050405020304" pitchFamily="18" charset="0"/>
+                <a:cs typeface="Times New Roman" panose="02020603050405020304" pitchFamily="18" charset="0"/>
+              </a:rPr>
+              <a:t>флеш</a:t>
+            </a:r>
+            <a:r>
+              <a:rPr lang="ru-RU" sz="2400" dirty="0" smtClean="0">
+                <a:latin typeface="Times New Roman" panose="02020603050405020304" pitchFamily="18" charset="0"/>
+                <a:cs typeface="Times New Roman" panose="02020603050405020304" pitchFamily="18" charset="0"/>
+              </a:rPr>
+              <a:t>-память</a:t>
+            </a:r>
+            <a:endParaRPr lang="ru-RU" sz="2400" dirty="0" smtClean="0">
+              <a:latin typeface="Times New Roman" panose="02020603050405020304" pitchFamily="18" charset="0"/>
+              <a:cs typeface="Times New Roman" panose="02020603050405020304" pitchFamily="18" charset="0"/>
+            </a:endParaRPr>
+          </a:p>
+          <a:p>
+            <a:pPr marL="342900" indent="-342900">
+              <a:buFont typeface="Arial" panose="020B0604020202020204" pitchFamily="34" charset="0"/>
+              <a:buChar char="•"/>
+            </a:pPr>
+            <a:r>
+              <a:rPr lang="ru-RU" sz="2400" dirty="0">
+                <a:latin typeface="Times New Roman" panose="02020603050405020304" pitchFamily="18" charset="0"/>
+                <a:cs typeface="Times New Roman" panose="02020603050405020304" pitchFamily="18" charset="0"/>
+              </a:rPr>
+              <a:t>1982 – </a:t>
+            </a:r>
+            <a:r>
+              <a:rPr lang="ru-RU" sz="2400" dirty="0" smtClean="0">
+                <a:latin typeface="Times New Roman" panose="02020603050405020304" pitchFamily="18" charset="0"/>
+                <a:cs typeface="Times New Roman" panose="02020603050405020304" pitchFamily="18" charset="0"/>
+              </a:rPr>
+              <a:t>оптический диск</a:t>
+            </a:r>
+            <a:endParaRPr lang="ru-RU" sz="2400" dirty="0" smtClean="0">
+              <a:latin typeface="Times New Roman" panose="02020603050405020304" pitchFamily="18" charset="0"/>
+              <a:cs typeface="Times New Roman" panose="02020603050405020304" pitchFamily="18" charset="0"/>
+            </a:endParaRPr>
+          </a:p>
+          <a:p>
+            <a:pPr marL="342900" indent="-342900">
+              <a:buFont typeface="Arial" panose="020B0604020202020204" pitchFamily="34" charset="0"/>
+              <a:buChar char="•"/>
+            </a:pPr>
+            <a:r>
+              <a:rPr lang="ru-RU" sz="2400" dirty="0" smtClean="0">
+                <a:latin typeface="Times New Roman" panose="02020603050405020304" pitchFamily="18" charset="0"/>
+                <a:cs typeface="Times New Roman" panose="02020603050405020304" pitchFamily="18" charset="0"/>
+              </a:rPr>
+              <a:t>1988 </a:t>
+            </a:r>
+            <a:r>
+              <a:rPr lang="ru-RU" sz="2400" dirty="0">
+                <a:latin typeface="Times New Roman" panose="02020603050405020304" pitchFamily="18" charset="0"/>
+                <a:cs typeface="Times New Roman" panose="02020603050405020304" pitchFamily="18" charset="0"/>
+              </a:rPr>
+              <a:t>–</a:t>
+            </a:r>
+            <a:r>
+              <a:rPr lang="ru-RU" sz="2400" dirty="0" smtClean="0">
+                <a:latin typeface="Times New Roman" panose="02020603050405020304" pitchFamily="18" charset="0"/>
+                <a:cs typeface="Times New Roman" panose="02020603050405020304" pitchFamily="18" charset="0"/>
+              </a:rPr>
+              <a:t> магнитооптические носители</a:t>
+            </a:r>
+          </a:p>
+          <a:p>
+            <a:pPr marL="342900" indent="-342900">
+              <a:buFont typeface="Arial" panose="020B0604020202020204" pitchFamily="34" charset="0"/>
+              <a:buChar char="•"/>
+            </a:pPr>
+            <a:r>
+              <a:rPr lang="ru-RU" sz="2400" dirty="0">
+                <a:latin typeface="Times New Roman" panose="02020603050405020304" pitchFamily="18" charset="0"/>
+                <a:cs typeface="Times New Roman" panose="02020603050405020304" pitchFamily="18" charset="0"/>
+              </a:rPr>
+              <a:t>1992 – </a:t>
+            </a:r>
+            <a:r>
+              <a:rPr lang="ru-RU" sz="2400" dirty="0" err="1">
+                <a:latin typeface="Times New Roman" panose="02020603050405020304" pitchFamily="18" charset="0"/>
+                <a:cs typeface="Times New Roman" panose="02020603050405020304" pitchFamily="18" charset="0"/>
+              </a:rPr>
+              <a:t>ф</a:t>
+            </a:r>
+            <a:r>
+              <a:rPr lang="ru-RU" sz="2400" dirty="0" err="1" smtClean="0">
+                <a:latin typeface="Times New Roman" panose="02020603050405020304" pitchFamily="18" charset="0"/>
+                <a:cs typeface="Times New Roman" panose="02020603050405020304" pitchFamily="18" charset="0"/>
+              </a:rPr>
+              <a:t>лоппиобразные</a:t>
+            </a:r>
+            <a:r>
+              <a:rPr lang="ru-RU" sz="2400" dirty="0" smtClean="0">
+                <a:latin typeface="Times New Roman" panose="02020603050405020304" pitchFamily="18" charset="0"/>
+                <a:cs typeface="Times New Roman" panose="02020603050405020304" pitchFamily="18" charset="0"/>
+              </a:rPr>
+              <a:t>-диски</a:t>
+            </a:r>
+          </a:p>
+          <a:p>
+            <a:pPr marL="342900" indent="-342900">
+              <a:buFont typeface="Arial" panose="020B0604020202020204" pitchFamily="34" charset="0"/>
+              <a:buChar char="•"/>
+            </a:pPr>
+            <a:r>
+              <a:rPr lang="ru-RU" sz="2400" dirty="0" smtClean="0">
+                <a:latin typeface="Times New Roman" panose="02020603050405020304" pitchFamily="18" charset="0"/>
+                <a:cs typeface="Times New Roman" panose="02020603050405020304" pitchFamily="18" charset="0"/>
+              </a:rPr>
+              <a:t>2001 – </a:t>
+            </a:r>
+            <a:r>
+              <a:rPr lang="en-US" sz="2400" dirty="0" smtClean="0">
+                <a:latin typeface="Times New Roman" panose="02020603050405020304" pitchFamily="18" charset="0"/>
+                <a:cs typeface="Times New Roman" panose="02020603050405020304" pitchFamily="18" charset="0"/>
+              </a:rPr>
+              <a:t>USB</a:t>
+            </a:r>
+            <a:r>
+              <a:rPr lang="uk-UA" sz="2400" dirty="0" smtClean="0">
+                <a:latin typeface="Times New Roman" panose="02020603050405020304" pitchFamily="18" charset="0"/>
+                <a:cs typeface="Times New Roman" panose="02020603050405020304" pitchFamily="18" charset="0"/>
+              </a:rPr>
+              <a:t>-</a:t>
+            </a:r>
+            <a:r>
+              <a:rPr lang="ru-RU" sz="2400" dirty="0" smtClean="0">
+                <a:latin typeface="Times New Roman" panose="02020603050405020304" pitchFamily="18" charset="0"/>
+                <a:cs typeface="Times New Roman" panose="02020603050405020304" pitchFamily="18" charset="0"/>
+              </a:rPr>
+              <a:t>накопители</a:t>
+            </a:r>
+          </a:p>
+          <a:p>
+            <a:pPr marL="342900" indent="-342900">
+              <a:buFont typeface="Arial" panose="020B0604020202020204" pitchFamily="34" charset="0"/>
+              <a:buChar char="•"/>
+            </a:pPr>
+            <a:r>
+              <a:rPr lang="en-US" sz="2400" dirty="0" smtClean="0">
+                <a:latin typeface="Times New Roman" panose="02020603050405020304" pitchFamily="18" charset="0"/>
+                <a:cs typeface="Times New Roman" panose="02020603050405020304" pitchFamily="18" charset="0"/>
+              </a:rPr>
+              <a:t>2006 </a:t>
+            </a:r>
+            <a:r>
+              <a:rPr lang="ru-RU" sz="2400" dirty="0" smtClean="0">
+                <a:latin typeface="Times New Roman" panose="02020603050405020304" pitchFamily="18" charset="0"/>
+                <a:cs typeface="Times New Roman" panose="02020603050405020304" pitchFamily="18" charset="0"/>
+              </a:rPr>
+              <a:t>–</a:t>
+            </a:r>
+            <a:r>
+              <a:rPr lang="en-US" sz="2400" dirty="0" smtClean="0">
+                <a:latin typeface="Times New Roman" panose="02020603050405020304" pitchFamily="18" charset="0"/>
+                <a:cs typeface="Times New Roman" panose="02020603050405020304" pitchFamily="18" charset="0"/>
+              </a:rPr>
+              <a:t> </a:t>
+            </a:r>
+            <a:r>
+              <a:rPr lang="ru-RU" sz="2400" dirty="0">
+                <a:latin typeface="Times New Roman" panose="02020603050405020304" pitchFamily="18" charset="0"/>
+                <a:cs typeface="Times New Roman" panose="02020603050405020304" pitchFamily="18" charset="0"/>
+              </a:rPr>
+              <a:t>о</a:t>
+            </a:r>
+            <a:r>
+              <a:rPr lang="ru-RU" sz="2400" dirty="0" smtClean="0">
+                <a:latin typeface="Times New Roman" panose="02020603050405020304" pitchFamily="18" charset="0"/>
+                <a:cs typeface="Times New Roman" panose="02020603050405020304" pitchFamily="18" charset="0"/>
+              </a:rPr>
+              <a:t>блачные сервисы</a:t>
+            </a:r>
+            <a:endParaRPr lang="ru-RU" sz="2400" dirty="0">
+              <a:latin typeface="Times New Roman" panose="02020603050405020304" pitchFamily="18" charset="0"/>
+              <a:cs typeface="Times New Roman" panose="02020603050405020304" pitchFamily="18" charset="0"/>
+            </a:endParaRPr>
           </a:p>
         </p:txBody>
       </p:sp>
@@ -10295,9 +11284,921 @@
   <p:timing>
     <p:tnLst>
       <p:par>
-        <p:cTn id="1" dur="indefinite" restart="never" nodeType="tmRoot"/>
+        <p:cTn id="1" dur="indefinite" restart="never" nodeType="tmRoot">
+          <p:childTnLst>
+            <p:seq concurrent="1" nextAc="seek">
+              <p:cTn id="2" dur="indefinite" nodeType="mainSeq">
+                <p:childTnLst>
+                  <p:par>
+                    <p:cTn id="3" fill="hold">
+                      <p:stCondLst>
+                        <p:cond delay="indefinite"/>
+                      </p:stCondLst>
+                      <p:childTnLst>
+                        <p:par>
+                          <p:cTn id="4" fill="hold">
+                            <p:stCondLst>
+                              <p:cond delay="0"/>
+                            </p:stCondLst>
+                            <p:childTnLst>
+                              <p:par>
+                                <p:cTn id="5" presetID="16" presetClass="entr" presetSubtype="21" fill="hold" grpId="0" nodeType="clickEffect">
+                                  <p:stCondLst>
+                                    <p:cond delay="0"/>
+                                  </p:stCondLst>
+                                  <p:childTnLst>
+                                    <p:set>
+                                      <p:cBhvr>
+                                        <p:cTn id="6" dur="1" fill="hold">
+                                          <p:stCondLst>
+                                            <p:cond delay="0"/>
+                                          </p:stCondLst>
+                                        </p:cTn>
+                                        <p:tgtEl>
+                                          <p:spTgt spid="4"/>
+                                        </p:tgtEl>
+                                        <p:attrNameLst>
+                                          <p:attrName>style.visibility</p:attrName>
+                                        </p:attrNameLst>
+                                      </p:cBhvr>
+                                      <p:to>
+                                        <p:strVal val="visible"/>
+                                      </p:to>
+                                    </p:set>
+                                    <p:animEffect transition="in" filter="barn(inVertical)">
+                                      <p:cBhvr>
+                                        <p:cTn id="7" dur="500"/>
+                                        <p:tgtEl>
+                                          <p:spTgt spid="4"/>
+                                        </p:tgtEl>
+                                      </p:cBhvr>
+                                    </p:animEffect>
+                                  </p:childTnLst>
+                                </p:cTn>
+                              </p:par>
+                            </p:childTnLst>
+                          </p:cTn>
+                        </p:par>
+                      </p:childTnLst>
+                    </p:cTn>
+                  </p:par>
+                  <p:par>
+                    <p:cTn id="8" fill="hold">
+                      <p:stCondLst>
+                        <p:cond delay="indefinite"/>
+                      </p:stCondLst>
+                      <p:childTnLst>
+                        <p:par>
+                          <p:cTn id="9" fill="hold">
+                            <p:stCondLst>
+                              <p:cond delay="0"/>
+                            </p:stCondLst>
+                            <p:childTnLst>
+                              <p:par>
+                                <p:cTn id="10" presetID="1" presetClass="entr" presetSubtype="0" fill="hold" nodeType="clickEffect">
+                                  <p:stCondLst>
+                                    <p:cond delay="0"/>
+                                  </p:stCondLst>
+                                  <p:childTnLst>
+                                    <p:set>
+                                      <p:cBhvr>
+                                        <p:cTn id="11" dur="1" fill="hold">
+                                          <p:stCondLst>
+                                            <p:cond delay="0"/>
+                                          </p:stCondLst>
+                                        </p:cTn>
+                                        <p:tgtEl>
+                                          <p:spTgt spid="7">
+                                            <p:txEl>
+                                              <p:pRg st="0" end="0"/>
+                                            </p:txEl>
+                                          </p:spTgt>
+                                        </p:tgtEl>
+                                        <p:attrNameLst>
+                                          <p:attrName>style.visibility</p:attrName>
+                                        </p:attrNameLst>
+                                      </p:cBhvr>
+                                      <p:to>
+                                        <p:strVal val="visible"/>
+                                      </p:to>
+                                    </p:set>
+                                  </p:childTnLst>
+                                </p:cTn>
+                              </p:par>
+                            </p:childTnLst>
+                          </p:cTn>
+                        </p:par>
+                      </p:childTnLst>
+                    </p:cTn>
+                  </p:par>
+                  <p:par>
+                    <p:cTn id="12" fill="hold">
+                      <p:stCondLst>
+                        <p:cond delay="indefinite"/>
+                      </p:stCondLst>
+                      <p:childTnLst>
+                        <p:par>
+                          <p:cTn id="13" fill="hold">
+                            <p:stCondLst>
+                              <p:cond delay="0"/>
+                            </p:stCondLst>
+                            <p:childTnLst>
+                              <p:par>
+                                <p:cTn id="14" presetID="1" presetClass="entr" presetSubtype="0" fill="hold" nodeType="clickEffect">
+                                  <p:stCondLst>
+                                    <p:cond delay="0"/>
+                                  </p:stCondLst>
+                                  <p:childTnLst>
+                                    <p:set>
+                                      <p:cBhvr>
+                                        <p:cTn id="15" dur="1" fill="hold">
+                                          <p:stCondLst>
+                                            <p:cond delay="0"/>
+                                          </p:stCondLst>
+                                        </p:cTn>
+                                        <p:tgtEl>
+                                          <p:spTgt spid="7">
+                                            <p:txEl>
+                                              <p:pRg st="1" end="1"/>
+                                            </p:txEl>
+                                          </p:spTgt>
+                                        </p:tgtEl>
+                                        <p:attrNameLst>
+                                          <p:attrName>style.visibility</p:attrName>
+                                        </p:attrNameLst>
+                                      </p:cBhvr>
+                                      <p:to>
+                                        <p:strVal val="visible"/>
+                                      </p:to>
+                                    </p:set>
+                                  </p:childTnLst>
+                                </p:cTn>
+                              </p:par>
+                            </p:childTnLst>
+                          </p:cTn>
+                        </p:par>
+                      </p:childTnLst>
+                    </p:cTn>
+                  </p:par>
+                  <p:par>
+                    <p:cTn id="16" fill="hold">
+                      <p:stCondLst>
+                        <p:cond delay="indefinite"/>
+                      </p:stCondLst>
+                      <p:childTnLst>
+                        <p:par>
+                          <p:cTn id="17" fill="hold">
+                            <p:stCondLst>
+                              <p:cond delay="0"/>
+                            </p:stCondLst>
+                            <p:childTnLst>
+                              <p:par>
+                                <p:cTn id="18" presetID="1" presetClass="entr" presetSubtype="0" fill="hold" nodeType="clickEffect">
+                                  <p:stCondLst>
+                                    <p:cond delay="0"/>
+                                  </p:stCondLst>
+                                  <p:childTnLst>
+                                    <p:set>
+                                      <p:cBhvr>
+                                        <p:cTn id="19" dur="1" fill="hold">
+                                          <p:stCondLst>
+                                            <p:cond delay="0"/>
+                                          </p:stCondLst>
+                                        </p:cTn>
+                                        <p:tgtEl>
+                                          <p:spTgt spid="7">
+                                            <p:txEl>
+                                              <p:pRg st="2" end="2"/>
+                                            </p:txEl>
+                                          </p:spTgt>
+                                        </p:tgtEl>
+                                        <p:attrNameLst>
+                                          <p:attrName>style.visibility</p:attrName>
+                                        </p:attrNameLst>
+                                      </p:cBhvr>
+                                      <p:to>
+                                        <p:strVal val="visible"/>
+                                      </p:to>
+                                    </p:set>
+                                  </p:childTnLst>
+                                </p:cTn>
+                              </p:par>
+                            </p:childTnLst>
+                          </p:cTn>
+                        </p:par>
+                      </p:childTnLst>
+                    </p:cTn>
+                  </p:par>
+                  <p:par>
+                    <p:cTn id="20" fill="hold">
+                      <p:stCondLst>
+                        <p:cond delay="indefinite"/>
+                      </p:stCondLst>
+                      <p:childTnLst>
+                        <p:par>
+                          <p:cTn id="21" fill="hold">
+                            <p:stCondLst>
+                              <p:cond delay="0"/>
+                            </p:stCondLst>
+                            <p:childTnLst>
+                              <p:par>
+                                <p:cTn id="22" presetID="1" presetClass="entr" presetSubtype="0" fill="hold" nodeType="clickEffect">
+                                  <p:stCondLst>
+                                    <p:cond delay="0"/>
+                                  </p:stCondLst>
+                                  <p:childTnLst>
+                                    <p:set>
+                                      <p:cBhvr>
+                                        <p:cTn id="23" dur="1" fill="hold">
+                                          <p:stCondLst>
+                                            <p:cond delay="0"/>
+                                          </p:stCondLst>
+                                        </p:cTn>
+                                        <p:tgtEl>
+                                          <p:spTgt spid="7">
+                                            <p:txEl>
+                                              <p:pRg st="3" end="3"/>
+                                            </p:txEl>
+                                          </p:spTgt>
+                                        </p:tgtEl>
+                                        <p:attrNameLst>
+                                          <p:attrName>style.visibility</p:attrName>
+                                        </p:attrNameLst>
+                                      </p:cBhvr>
+                                      <p:to>
+                                        <p:strVal val="visible"/>
+                                      </p:to>
+                                    </p:set>
+                                  </p:childTnLst>
+                                </p:cTn>
+                              </p:par>
+                            </p:childTnLst>
+                          </p:cTn>
+                        </p:par>
+                      </p:childTnLst>
+                    </p:cTn>
+                  </p:par>
+                  <p:par>
+                    <p:cTn id="24" fill="hold">
+                      <p:stCondLst>
+                        <p:cond delay="indefinite"/>
+                      </p:stCondLst>
+                      <p:childTnLst>
+                        <p:par>
+                          <p:cTn id="25" fill="hold">
+                            <p:stCondLst>
+                              <p:cond delay="0"/>
+                            </p:stCondLst>
+                            <p:childTnLst>
+                              <p:par>
+                                <p:cTn id="26" presetID="1" presetClass="entr" presetSubtype="0" fill="hold" nodeType="clickEffect">
+                                  <p:stCondLst>
+                                    <p:cond delay="0"/>
+                                  </p:stCondLst>
+                                  <p:childTnLst>
+                                    <p:set>
+                                      <p:cBhvr>
+                                        <p:cTn id="27" dur="1" fill="hold">
+                                          <p:stCondLst>
+                                            <p:cond delay="0"/>
+                                          </p:stCondLst>
+                                        </p:cTn>
+                                        <p:tgtEl>
+                                          <p:spTgt spid="7">
+                                            <p:txEl>
+                                              <p:pRg st="4" end="4"/>
+                                            </p:txEl>
+                                          </p:spTgt>
+                                        </p:tgtEl>
+                                        <p:attrNameLst>
+                                          <p:attrName>style.visibility</p:attrName>
+                                        </p:attrNameLst>
+                                      </p:cBhvr>
+                                      <p:to>
+                                        <p:strVal val="visible"/>
+                                      </p:to>
+                                    </p:set>
+                                  </p:childTnLst>
+                                </p:cTn>
+                              </p:par>
+                            </p:childTnLst>
+                          </p:cTn>
+                        </p:par>
+                      </p:childTnLst>
+                    </p:cTn>
+                  </p:par>
+                  <p:par>
+                    <p:cTn id="28" fill="hold">
+                      <p:stCondLst>
+                        <p:cond delay="indefinite"/>
+                      </p:stCondLst>
+                      <p:childTnLst>
+                        <p:par>
+                          <p:cTn id="29" fill="hold">
+                            <p:stCondLst>
+                              <p:cond delay="0"/>
+                            </p:stCondLst>
+                            <p:childTnLst>
+                              <p:par>
+                                <p:cTn id="30" presetID="1" presetClass="entr" presetSubtype="0" fill="hold" nodeType="clickEffect">
+                                  <p:stCondLst>
+                                    <p:cond delay="0"/>
+                                  </p:stCondLst>
+                                  <p:childTnLst>
+                                    <p:set>
+                                      <p:cBhvr>
+                                        <p:cTn id="31" dur="1" fill="hold">
+                                          <p:stCondLst>
+                                            <p:cond delay="0"/>
+                                          </p:stCondLst>
+                                        </p:cTn>
+                                        <p:tgtEl>
+                                          <p:spTgt spid="7">
+                                            <p:txEl>
+                                              <p:pRg st="5" end="5"/>
+                                            </p:txEl>
+                                          </p:spTgt>
+                                        </p:tgtEl>
+                                        <p:attrNameLst>
+                                          <p:attrName>style.visibility</p:attrName>
+                                        </p:attrNameLst>
+                                      </p:cBhvr>
+                                      <p:to>
+                                        <p:strVal val="visible"/>
+                                      </p:to>
+                                    </p:set>
+                                  </p:childTnLst>
+                                </p:cTn>
+                              </p:par>
+                            </p:childTnLst>
+                          </p:cTn>
+                        </p:par>
+                      </p:childTnLst>
+                    </p:cTn>
+                  </p:par>
+                  <p:par>
+                    <p:cTn id="32" fill="hold">
+                      <p:stCondLst>
+                        <p:cond delay="indefinite"/>
+                      </p:stCondLst>
+                      <p:childTnLst>
+                        <p:par>
+                          <p:cTn id="33" fill="hold">
+                            <p:stCondLst>
+                              <p:cond delay="0"/>
+                            </p:stCondLst>
+                            <p:childTnLst>
+                              <p:par>
+                                <p:cTn id="34" presetID="1" presetClass="entr" presetSubtype="0" fill="hold" nodeType="clickEffect">
+                                  <p:stCondLst>
+                                    <p:cond delay="0"/>
+                                  </p:stCondLst>
+                                  <p:childTnLst>
+                                    <p:set>
+                                      <p:cBhvr>
+                                        <p:cTn id="35" dur="1" fill="hold">
+                                          <p:stCondLst>
+                                            <p:cond delay="0"/>
+                                          </p:stCondLst>
+                                        </p:cTn>
+                                        <p:tgtEl>
+                                          <p:spTgt spid="7">
+                                            <p:txEl>
+                                              <p:pRg st="6" end="6"/>
+                                            </p:txEl>
+                                          </p:spTgt>
+                                        </p:tgtEl>
+                                        <p:attrNameLst>
+                                          <p:attrName>style.visibility</p:attrName>
+                                        </p:attrNameLst>
+                                      </p:cBhvr>
+                                      <p:to>
+                                        <p:strVal val="visible"/>
+                                      </p:to>
+                                    </p:set>
+                                  </p:childTnLst>
+                                </p:cTn>
+                              </p:par>
+                            </p:childTnLst>
+                          </p:cTn>
+                        </p:par>
+                      </p:childTnLst>
+                    </p:cTn>
+                  </p:par>
+                  <p:par>
+                    <p:cTn id="36" fill="hold">
+                      <p:stCondLst>
+                        <p:cond delay="indefinite"/>
+                      </p:stCondLst>
+                      <p:childTnLst>
+                        <p:par>
+                          <p:cTn id="37" fill="hold">
+                            <p:stCondLst>
+                              <p:cond delay="0"/>
+                            </p:stCondLst>
+                            <p:childTnLst>
+                              <p:par>
+                                <p:cTn id="38" presetID="1" presetClass="entr" presetSubtype="0" fill="hold" nodeType="clickEffect">
+                                  <p:stCondLst>
+                                    <p:cond delay="0"/>
+                                  </p:stCondLst>
+                                  <p:childTnLst>
+                                    <p:set>
+                                      <p:cBhvr>
+                                        <p:cTn id="39" dur="1" fill="hold">
+                                          <p:stCondLst>
+                                            <p:cond delay="0"/>
+                                          </p:stCondLst>
+                                        </p:cTn>
+                                        <p:tgtEl>
+                                          <p:spTgt spid="7">
+                                            <p:txEl>
+                                              <p:pRg st="7" end="7"/>
+                                            </p:txEl>
+                                          </p:spTgt>
+                                        </p:tgtEl>
+                                        <p:attrNameLst>
+                                          <p:attrName>style.visibility</p:attrName>
+                                        </p:attrNameLst>
+                                      </p:cBhvr>
+                                      <p:to>
+                                        <p:strVal val="visible"/>
+                                      </p:to>
+                                    </p:set>
+                                  </p:childTnLst>
+                                </p:cTn>
+                              </p:par>
+                            </p:childTnLst>
+                          </p:cTn>
+                        </p:par>
+                      </p:childTnLst>
+                    </p:cTn>
+                  </p:par>
+                  <p:par>
+                    <p:cTn id="40" fill="hold">
+                      <p:stCondLst>
+                        <p:cond delay="indefinite"/>
+                      </p:stCondLst>
+                      <p:childTnLst>
+                        <p:par>
+                          <p:cTn id="41" fill="hold">
+                            <p:stCondLst>
+                              <p:cond delay="0"/>
+                            </p:stCondLst>
+                            <p:childTnLst>
+                              <p:par>
+                                <p:cTn id="42" presetID="1" presetClass="entr" presetSubtype="0" fill="hold" nodeType="clickEffect">
+                                  <p:stCondLst>
+                                    <p:cond delay="0"/>
+                                  </p:stCondLst>
+                                  <p:childTnLst>
+                                    <p:set>
+                                      <p:cBhvr>
+                                        <p:cTn id="43" dur="1" fill="hold">
+                                          <p:stCondLst>
+                                            <p:cond delay="0"/>
+                                          </p:stCondLst>
+                                        </p:cTn>
+                                        <p:tgtEl>
+                                          <p:spTgt spid="6">
+                                            <p:txEl>
+                                              <p:pRg st="0" end="0"/>
+                                            </p:txEl>
+                                          </p:spTgt>
+                                        </p:tgtEl>
+                                        <p:attrNameLst>
+                                          <p:attrName>style.visibility</p:attrName>
+                                        </p:attrNameLst>
+                                      </p:cBhvr>
+                                      <p:to>
+                                        <p:strVal val="visible"/>
+                                      </p:to>
+                                    </p:set>
+                                  </p:childTnLst>
+                                </p:cTn>
+                              </p:par>
+                            </p:childTnLst>
+                          </p:cTn>
+                        </p:par>
+                      </p:childTnLst>
+                    </p:cTn>
+                  </p:par>
+                  <p:par>
+                    <p:cTn id="44" fill="hold">
+                      <p:stCondLst>
+                        <p:cond delay="indefinite"/>
+                      </p:stCondLst>
+                      <p:childTnLst>
+                        <p:par>
+                          <p:cTn id="45" fill="hold">
+                            <p:stCondLst>
+                              <p:cond delay="0"/>
+                            </p:stCondLst>
+                            <p:childTnLst>
+                              <p:par>
+                                <p:cTn id="46" presetID="1" presetClass="entr" presetSubtype="0" fill="hold" nodeType="clickEffect">
+                                  <p:stCondLst>
+                                    <p:cond delay="0"/>
+                                  </p:stCondLst>
+                                  <p:childTnLst>
+                                    <p:set>
+                                      <p:cBhvr>
+                                        <p:cTn id="47" dur="1" fill="hold">
+                                          <p:stCondLst>
+                                            <p:cond delay="0"/>
+                                          </p:stCondLst>
+                                        </p:cTn>
+                                        <p:tgtEl>
+                                          <p:spTgt spid="6">
+                                            <p:txEl>
+                                              <p:pRg st="1" end="1"/>
+                                            </p:txEl>
+                                          </p:spTgt>
+                                        </p:tgtEl>
+                                        <p:attrNameLst>
+                                          <p:attrName>style.visibility</p:attrName>
+                                        </p:attrNameLst>
+                                      </p:cBhvr>
+                                      <p:to>
+                                        <p:strVal val="visible"/>
+                                      </p:to>
+                                    </p:set>
+                                  </p:childTnLst>
+                                </p:cTn>
+                              </p:par>
+                            </p:childTnLst>
+                          </p:cTn>
+                        </p:par>
+                      </p:childTnLst>
+                    </p:cTn>
+                  </p:par>
+                  <p:par>
+                    <p:cTn id="48" fill="hold">
+                      <p:stCondLst>
+                        <p:cond delay="indefinite"/>
+                      </p:stCondLst>
+                      <p:childTnLst>
+                        <p:par>
+                          <p:cTn id="49" fill="hold">
+                            <p:stCondLst>
+                              <p:cond delay="0"/>
+                            </p:stCondLst>
+                            <p:childTnLst>
+                              <p:par>
+                                <p:cTn id="50" presetID="1" presetClass="entr" presetSubtype="0" fill="hold" nodeType="clickEffect">
+                                  <p:stCondLst>
+                                    <p:cond delay="0"/>
+                                  </p:stCondLst>
+                                  <p:childTnLst>
+                                    <p:set>
+                                      <p:cBhvr>
+                                        <p:cTn id="51" dur="1" fill="hold">
+                                          <p:stCondLst>
+                                            <p:cond delay="0"/>
+                                          </p:stCondLst>
+                                        </p:cTn>
+                                        <p:tgtEl>
+                                          <p:spTgt spid="6">
+                                            <p:txEl>
+                                              <p:pRg st="2" end="2"/>
+                                            </p:txEl>
+                                          </p:spTgt>
+                                        </p:tgtEl>
+                                        <p:attrNameLst>
+                                          <p:attrName>style.visibility</p:attrName>
+                                        </p:attrNameLst>
+                                      </p:cBhvr>
+                                      <p:to>
+                                        <p:strVal val="visible"/>
+                                      </p:to>
+                                    </p:set>
+                                  </p:childTnLst>
+                                </p:cTn>
+                              </p:par>
+                            </p:childTnLst>
+                          </p:cTn>
+                        </p:par>
+                      </p:childTnLst>
+                    </p:cTn>
+                  </p:par>
+                  <p:par>
+                    <p:cTn id="52" fill="hold">
+                      <p:stCondLst>
+                        <p:cond delay="indefinite"/>
+                      </p:stCondLst>
+                      <p:childTnLst>
+                        <p:par>
+                          <p:cTn id="53" fill="hold">
+                            <p:stCondLst>
+                              <p:cond delay="0"/>
+                            </p:stCondLst>
+                            <p:childTnLst>
+                              <p:par>
+                                <p:cTn id="54" presetID="1" presetClass="entr" presetSubtype="0" fill="hold" nodeType="clickEffect">
+                                  <p:stCondLst>
+                                    <p:cond delay="0"/>
+                                  </p:stCondLst>
+                                  <p:childTnLst>
+                                    <p:set>
+                                      <p:cBhvr>
+                                        <p:cTn id="55" dur="1" fill="hold">
+                                          <p:stCondLst>
+                                            <p:cond delay="0"/>
+                                          </p:stCondLst>
+                                        </p:cTn>
+                                        <p:tgtEl>
+                                          <p:spTgt spid="6">
+                                            <p:txEl>
+                                              <p:pRg st="3" end="3"/>
+                                            </p:txEl>
+                                          </p:spTgt>
+                                        </p:tgtEl>
+                                        <p:attrNameLst>
+                                          <p:attrName>style.visibility</p:attrName>
+                                        </p:attrNameLst>
+                                      </p:cBhvr>
+                                      <p:to>
+                                        <p:strVal val="visible"/>
+                                      </p:to>
+                                    </p:set>
+                                  </p:childTnLst>
+                                </p:cTn>
+                              </p:par>
+                            </p:childTnLst>
+                          </p:cTn>
+                        </p:par>
+                      </p:childTnLst>
+                    </p:cTn>
+                  </p:par>
+                  <p:par>
+                    <p:cTn id="56" fill="hold">
+                      <p:stCondLst>
+                        <p:cond delay="indefinite"/>
+                      </p:stCondLst>
+                      <p:childTnLst>
+                        <p:par>
+                          <p:cTn id="57" fill="hold">
+                            <p:stCondLst>
+                              <p:cond delay="0"/>
+                            </p:stCondLst>
+                            <p:childTnLst>
+                              <p:par>
+                                <p:cTn id="58" presetID="1" presetClass="entr" presetSubtype="0" fill="hold" nodeType="clickEffect">
+                                  <p:stCondLst>
+                                    <p:cond delay="0"/>
+                                  </p:stCondLst>
+                                  <p:childTnLst>
+                                    <p:set>
+                                      <p:cBhvr>
+                                        <p:cTn id="59" dur="1" fill="hold">
+                                          <p:stCondLst>
+                                            <p:cond delay="0"/>
+                                          </p:stCondLst>
+                                        </p:cTn>
+                                        <p:tgtEl>
+                                          <p:spTgt spid="6">
+                                            <p:txEl>
+                                              <p:pRg st="4" end="4"/>
+                                            </p:txEl>
+                                          </p:spTgt>
+                                        </p:tgtEl>
+                                        <p:attrNameLst>
+                                          <p:attrName>style.visibility</p:attrName>
+                                        </p:attrNameLst>
+                                      </p:cBhvr>
+                                      <p:to>
+                                        <p:strVal val="visible"/>
+                                      </p:to>
+                                    </p:set>
+                                  </p:childTnLst>
+                                </p:cTn>
+                              </p:par>
+                            </p:childTnLst>
+                          </p:cTn>
+                        </p:par>
+                      </p:childTnLst>
+                    </p:cTn>
+                  </p:par>
+                  <p:par>
+                    <p:cTn id="60" fill="hold">
+                      <p:stCondLst>
+                        <p:cond delay="indefinite"/>
+                      </p:stCondLst>
+                      <p:childTnLst>
+                        <p:par>
+                          <p:cTn id="61" fill="hold">
+                            <p:stCondLst>
+                              <p:cond delay="0"/>
+                            </p:stCondLst>
+                            <p:childTnLst>
+                              <p:par>
+                                <p:cTn id="62" presetID="1" presetClass="entr" presetSubtype="0" fill="hold" nodeType="clickEffect">
+                                  <p:stCondLst>
+                                    <p:cond delay="0"/>
+                                  </p:stCondLst>
+                                  <p:childTnLst>
+                                    <p:set>
+                                      <p:cBhvr>
+                                        <p:cTn id="63" dur="1" fill="hold">
+                                          <p:stCondLst>
+                                            <p:cond delay="0"/>
+                                          </p:stCondLst>
+                                        </p:cTn>
+                                        <p:tgtEl>
+                                          <p:spTgt spid="6">
+                                            <p:txEl>
+                                              <p:pRg st="5" end="5"/>
+                                            </p:txEl>
+                                          </p:spTgt>
+                                        </p:tgtEl>
+                                        <p:attrNameLst>
+                                          <p:attrName>style.visibility</p:attrName>
+                                        </p:attrNameLst>
+                                      </p:cBhvr>
+                                      <p:to>
+                                        <p:strVal val="visible"/>
+                                      </p:to>
+                                    </p:set>
+                                  </p:childTnLst>
+                                </p:cTn>
+                              </p:par>
+                            </p:childTnLst>
+                          </p:cTn>
+                        </p:par>
+                      </p:childTnLst>
+                    </p:cTn>
+                  </p:par>
+                  <p:par>
+                    <p:cTn id="64" fill="hold">
+                      <p:stCondLst>
+                        <p:cond delay="indefinite"/>
+                      </p:stCondLst>
+                      <p:childTnLst>
+                        <p:par>
+                          <p:cTn id="65" fill="hold">
+                            <p:stCondLst>
+                              <p:cond delay="0"/>
+                            </p:stCondLst>
+                            <p:childTnLst>
+                              <p:par>
+                                <p:cTn id="66" presetID="1" presetClass="entr" presetSubtype="0" fill="hold" nodeType="clickEffect">
+                                  <p:stCondLst>
+                                    <p:cond delay="0"/>
+                                  </p:stCondLst>
+                                  <p:childTnLst>
+                                    <p:set>
+                                      <p:cBhvr>
+                                        <p:cTn id="67" dur="1" fill="hold">
+                                          <p:stCondLst>
+                                            <p:cond delay="0"/>
+                                          </p:stCondLst>
+                                        </p:cTn>
+                                        <p:tgtEl>
+                                          <p:spTgt spid="6">
+                                            <p:txEl>
+                                              <p:pRg st="6" end="6"/>
+                                            </p:txEl>
+                                          </p:spTgt>
+                                        </p:tgtEl>
+                                        <p:attrNameLst>
+                                          <p:attrName>style.visibility</p:attrName>
+                                        </p:attrNameLst>
+                                      </p:cBhvr>
+                                      <p:to>
+                                        <p:strVal val="visible"/>
+                                      </p:to>
+                                    </p:set>
+                                  </p:childTnLst>
+                                </p:cTn>
+                              </p:par>
+                            </p:childTnLst>
+                          </p:cTn>
+                        </p:par>
+                      </p:childTnLst>
+                    </p:cTn>
+                  </p:par>
+                  <p:par>
+                    <p:cTn id="68" fill="hold">
+                      <p:stCondLst>
+                        <p:cond delay="indefinite"/>
+                      </p:stCondLst>
+                      <p:childTnLst>
+                        <p:par>
+                          <p:cTn id="69" fill="hold">
+                            <p:stCondLst>
+                              <p:cond delay="0"/>
+                            </p:stCondLst>
+                            <p:childTnLst>
+                              <p:par>
+                                <p:cTn id="70" presetID="1" presetClass="entr" presetSubtype="0" fill="hold" nodeType="clickEffect">
+                                  <p:stCondLst>
+                                    <p:cond delay="0"/>
+                                  </p:stCondLst>
+                                  <p:childTnLst>
+                                    <p:set>
+                                      <p:cBhvr>
+                                        <p:cTn id="71" dur="1" fill="hold">
+                                          <p:stCondLst>
+                                            <p:cond delay="0"/>
+                                          </p:stCondLst>
+                                        </p:cTn>
+                                        <p:tgtEl>
+                                          <p:spTgt spid="6">
+                                            <p:txEl>
+                                              <p:pRg st="7" end="7"/>
+                                            </p:txEl>
+                                          </p:spTgt>
+                                        </p:tgtEl>
+                                        <p:attrNameLst>
+                                          <p:attrName>style.visibility</p:attrName>
+                                        </p:attrNameLst>
+                                      </p:cBhvr>
+                                      <p:to>
+                                        <p:strVal val="visible"/>
+                                      </p:to>
+                                    </p:set>
+                                  </p:childTnLst>
+                                </p:cTn>
+                              </p:par>
+                            </p:childTnLst>
+                          </p:cTn>
+                        </p:par>
+                      </p:childTnLst>
+                    </p:cTn>
+                  </p:par>
+                  <p:par>
+                    <p:cTn id="72" fill="hold">
+                      <p:stCondLst>
+                        <p:cond delay="indefinite"/>
+                      </p:stCondLst>
+                      <p:childTnLst>
+                        <p:par>
+                          <p:cTn id="73" fill="hold">
+                            <p:stCondLst>
+                              <p:cond delay="0"/>
+                            </p:stCondLst>
+                            <p:childTnLst>
+                              <p:par>
+                                <p:cTn id="74" presetID="1" presetClass="entr" presetSubtype="0" fill="hold" nodeType="clickEffect">
+                                  <p:stCondLst>
+                                    <p:cond delay="0"/>
+                                  </p:stCondLst>
+                                  <p:childTnLst>
+                                    <p:set>
+                                      <p:cBhvr>
+                                        <p:cTn id="75" dur="1" fill="hold">
+                                          <p:stCondLst>
+                                            <p:cond delay="0"/>
+                                          </p:stCondLst>
+                                        </p:cTn>
+                                        <p:tgtEl>
+                                          <p:spTgt spid="6">
+                                            <p:txEl>
+                                              <p:pRg st="8" end="8"/>
+                                            </p:txEl>
+                                          </p:spTgt>
+                                        </p:tgtEl>
+                                        <p:attrNameLst>
+                                          <p:attrName>style.visibility</p:attrName>
+                                        </p:attrNameLst>
+                                      </p:cBhvr>
+                                      <p:to>
+                                        <p:strVal val="visible"/>
+                                      </p:to>
+                                    </p:set>
+                                  </p:childTnLst>
+                                </p:cTn>
+                              </p:par>
+                            </p:childTnLst>
+                          </p:cTn>
+                        </p:par>
+                      </p:childTnLst>
+                    </p:cTn>
+                  </p:par>
+                </p:childTnLst>
+              </p:cTn>
+              <p:prevCondLst>
+                <p:cond evt="onPrev" delay="0">
+                  <p:tgtEl>
+                    <p:sldTgt/>
+                  </p:tgtEl>
+                </p:cond>
+              </p:prevCondLst>
+              <p:nextCondLst>
+                <p:cond evt="onNext" delay="0">
+                  <p:tgtEl>
+                    <p:sldTgt/>
+                  </p:tgtEl>
+                </p:cond>
+              </p:nextCondLst>
+            </p:seq>
+          </p:childTnLst>
+        </p:cTn>
       </p:par>
     </p:tnLst>
+    <p:bldLst>
+      <p:bldP spid="4" grpId="0"/>
+    </p:bldLst>
   </p:timing>
 </p:sld>
 </file>

--- a/Presentation.pptx
+++ b/Presentation.pptx
@@ -5,25 +5,36 @@
     <p:sldMasterId id="2147483648" r:id="rId1"/>
   </p:sldMasterIdLst>
   <p:notesMasterIdLst>
-    <p:notesMasterId r:id="rId15"/>
+    <p:notesMasterId r:id="rId26"/>
   </p:notesMasterIdLst>
   <p:handoutMasterIdLst>
-    <p:handoutMasterId r:id="rId16"/>
+    <p:handoutMasterId r:id="rId27"/>
   </p:handoutMasterIdLst>
   <p:sldIdLst>
     <p:sldId id="257" r:id="rId2"/>
     <p:sldId id="258" r:id="rId3"/>
     <p:sldId id="259" r:id="rId4"/>
-    <p:sldId id="260" r:id="rId5"/>
-    <p:sldId id="261" r:id="rId6"/>
-    <p:sldId id="262" r:id="rId7"/>
-    <p:sldId id="263" r:id="rId8"/>
-    <p:sldId id="264" r:id="rId9"/>
-    <p:sldId id="265" r:id="rId10"/>
-    <p:sldId id="266" r:id="rId11"/>
-    <p:sldId id="267" r:id="rId12"/>
-    <p:sldId id="268" r:id="rId13"/>
-    <p:sldId id="269" r:id="rId14"/>
+    <p:sldId id="270" r:id="rId5"/>
+    <p:sldId id="271" r:id="rId6"/>
+    <p:sldId id="272" r:id="rId7"/>
+    <p:sldId id="273" r:id="rId8"/>
+    <p:sldId id="274" r:id="rId9"/>
+    <p:sldId id="275" r:id="rId10"/>
+    <p:sldId id="276" r:id="rId11"/>
+    <p:sldId id="277" r:id="rId12"/>
+    <p:sldId id="278" r:id="rId13"/>
+    <p:sldId id="279" r:id="rId14"/>
+    <p:sldId id="280" r:id="rId15"/>
+    <p:sldId id="281" r:id="rId16"/>
+    <p:sldId id="261" r:id="rId17"/>
+    <p:sldId id="262" r:id="rId18"/>
+    <p:sldId id="263" r:id="rId19"/>
+    <p:sldId id="264" r:id="rId20"/>
+    <p:sldId id="265" r:id="rId21"/>
+    <p:sldId id="266" r:id="rId22"/>
+    <p:sldId id="267" r:id="rId23"/>
+    <p:sldId id="268" r:id="rId24"/>
+    <p:sldId id="269" r:id="rId25"/>
   </p:sldIdLst>
   <p:sldSz cx="12192000" cy="6858000"/>
   <p:notesSz cx="6858000" cy="9144000"/>
@@ -2975,7 +2986,7 @@
             <a:pPr rtl="0"/>
             <a:fld id="{5BD5BFF2-36B0-40CE-983F-64CA5BF905E6}" type="datetime1">
               <a:rPr lang="ru-RU" smtClean="0"/>
-              <a:t>07.06.2018</a:t>
+              <a:t>08.06.2018</a:t>
             </a:fld>
             <a:endParaRPr lang="ru-RU" dirty="0"/>
           </a:p>
@@ -3145,7 +3156,7 @@
             <a:pPr rtl="0"/>
             <a:fld id="{6B74801A-CACC-46E2-B8AA-437C9E8A750C}" type="datetime1">
               <a:rPr lang="ru-RU" smtClean="0"/>
-              <a:t>07.06.2018</a:t>
+              <a:t>08.06.2018</a:t>
             </a:fld>
             <a:endParaRPr lang="ru-RU" dirty="0"/>
           </a:p>
@@ -3579,7 +3590,7 @@
             <a:pPr rtl="0"/>
             <a:fld id="{1B9A179D-2D27-49E2-B022-8EDDA2EFE682}" type="slidenum">
               <a:rPr lang="ru-RU" smtClean="0"/>
-              <a:t>10</a:t>
+              <a:t>22</a:t>
             </a:fld>
             <a:endParaRPr lang="ru-RU" dirty="0"/>
           </a:p>
@@ -3588,7 +3599,7 @@
     </p:spTree>
     <p:extLst>
       <p:ext uri="{BB962C8B-B14F-4D97-AF65-F5344CB8AC3E}">
-        <p14:creationId xmlns:p14="http://schemas.microsoft.com/office/powerpoint/2010/main" val="3454980106"/>
+        <p14:creationId xmlns:p14="http://schemas.microsoft.com/office/powerpoint/2010/main" val="762595405"/>
       </p:ext>
     </p:extLst>
   </p:cSld>
@@ -3664,7 +3675,7 @@
             <a:pPr rtl="0"/>
             <a:fld id="{1B9A179D-2D27-49E2-B022-8EDDA2EFE682}" type="slidenum">
               <a:rPr lang="ru-RU" smtClean="0"/>
-              <a:t>11</a:t>
+              <a:t>23</a:t>
             </a:fld>
             <a:endParaRPr lang="ru-RU" dirty="0"/>
           </a:p>
@@ -3673,7 +3684,7 @@
     </p:spTree>
     <p:extLst>
       <p:ext uri="{BB962C8B-B14F-4D97-AF65-F5344CB8AC3E}">
-        <p14:creationId xmlns:p14="http://schemas.microsoft.com/office/powerpoint/2010/main" val="762595405"/>
+        <p14:creationId xmlns:p14="http://schemas.microsoft.com/office/powerpoint/2010/main" val="1482267385"/>
       </p:ext>
     </p:extLst>
   </p:cSld>
@@ -3749,92 +3760,7 @@
             <a:pPr rtl="0"/>
             <a:fld id="{1B9A179D-2D27-49E2-B022-8EDDA2EFE682}" type="slidenum">
               <a:rPr lang="ru-RU" smtClean="0"/>
-              <a:t>12</a:t>
-            </a:fld>
-            <a:endParaRPr lang="ru-RU" dirty="0"/>
-          </a:p>
-        </p:txBody>
-      </p:sp>
-    </p:spTree>
-    <p:extLst>
-      <p:ext uri="{BB962C8B-B14F-4D97-AF65-F5344CB8AC3E}">
-        <p14:creationId xmlns:p14="http://schemas.microsoft.com/office/powerpoint/2010/main" val="1482267385"/>
-      </p:ext>
-    </p:extLst>
-  </p:cSld>
-  <p:clrMapOvr>
-    <a:masterClrMapping/>
-  </p:clrMapOvr>
-</p:notes>
-</file>
-
-<file path=ppt/notesSlides/notesSlide13.xml><?xml version="1.0" encoding="utf-8"?>
-<p:notes xmlns:a="http://schemas.openxmlformats.org/drawingml/2006/main" xmlns:r="http://schemas.openxmlformats.org/officeDocument/2006/relationships" xmlns:p="http://schemas.openxmlformats.org/presentationml/2006/main">
-  <p:cSld>
-    <p:spTree>
-      <p:nvGrpSpPr>
-        <p:cNvPr id="1" name=""/>
-        <p:cNvGrpSpPr/>
-        <p:nvPr/>
-      </p:nvGrpSpPr>
-      <p:grpSpPr>
-        <a:xfrm>
-          <a:off x="0" y="0"/>
-          <a:ext cx="0" cy="0"/>
-          <a:chOff x="0" y="0"/>
-          <a:chExt cx="0" cy="0"/>
-        </a:xfrm>
-      </p:grpSpPr>
-      <p:sp>
-        <p:nvSpPr>
-          <p:cNvPr id="2" name="Образ слайда 1"/>
-          <p:cNvSpPr>
-            <a:spLocks noGrp="1" noRot="1" noChangeAspect="1"/>
-          </p:cNvSpPr>
-          <p:nvPr>
-            <p:ph type="sldImg"/>
-          </p:nvPr>
-        </p:nvSpPr>
-        <p:spPr/>
-      </p:sp>
-      <p:sp>
-        <p:nvSpPr>
-          <p:cNvPr id="3" name="Заметки 2"/>
-          <p:cNvSpPr>
-            <a:spLocks noGrp="1"/>
-          </p:cNvSpPr>
-          <p:nvPr>
-            <p:ph type="body" idx="1"/>
-          </p:nvPr>
-        </p:nvSpPr>
-        <p:spPr/>
-        <p:txBody>
-          <a:bodyPr/>
-          <a:lstStyle/>
-          <a:p>
-            <a:endParaRPr lang="ru-RU" dirty="0"/>
-          </a:p>
-        </p:txBody>
-      </p:sp>
-      <p:sp>
-        <p:nvSpPr>
-          <p:cNvPr id="4" name="Номер слайда 3"/>
-          <p:cNvSpPr>
-            <a:spLocks noGrp="1"/>
-          </p:cNvSpPr>
-          <p:nvPr>
-            <p:ph type="sldNum" sz="quarter" idx="10"/>
-          </p:nvPr>
-        </p:nvSpPr>
-        <p:spPr/>
-        <p:txBody>
-          <a:bodyPr/>
-          <a:lstStyle/>
-          <a:p>
-            <a:pPr rtl="0"/>
-            <a:fld id="{1B9A179D-2D27-49E2-B022-8EDDA2EFE682}" type="slidenum">
-              <a:rPr lang="ru-RU" smtClean="0"/>
-              <a:t>13</a:t>
+              <a:t>24</a:t>
             </a:fld>
             <a:endParaRPr lang="ru-RU" dirty="0"/>
           </a:p>
@@ -4089,7 +4015,7 @@
             <a:pPr rtl="0"/>
             <a:fld id="{1B9A179D-2D27-49E2-B022-8EDDA2EFE682}" type="slidenum">
               <a:rPr lang="ru-RU" smtClean="0"/>
-              <a:t>4</a:t>
+              <a:t>16</a:t>
             </a:fld>
             <a:endParaRPr lang="ru-RU" dirty="0"/>
           </a:p>
@@ -4098,7 +4024,7 @@
     </p:spTree>
     <p:extLst>
       <p:ext uri="{BB962C8B-B14F-4D97-AF65-F5344CB8AC3E}">
-        <p14:creationId xmlns:p14="http://schemas.microsoft.com/office/powerpoint/2010/main" val="1997629362"/>
+        <p14:creationId xmlns:p14="http://schemas.microsoft.com/office/powerpoint/2010/main" val="3916484599"/>
       </p:ext>
     </p:extLst>
   </p:cSld>
@@ -4174,7 +4100,7 @@
             <a:pPr rtl="0"/>
             <a:fld id="{1B9A179D-2D27-49E2-B022-8EDDA2EFE682}" type="slidenum">
               <a:rPr lang="ru-RU" smtClean="0"/>
-              <a:t>5</a:t>
+              <a:t>17</a:t>
             </a:fld>
             <a:endParaRPr lang="ru-RU" dirty="0"/>
           </a:p>
@@ -4183,7 +4109,7 @@
     </p:spTree>
     <p:extLst>
       <p:ext uri="{BB962C8B-B14F-4D97-AF65-F5344CB8AC3E}">
-        <p14:creationId xmlns:p14="http://schemas.microsoft.com/office/powerpoint/2010/main" val="3916484599"/>
+        <p14:creationId xmlns:p14="http://schemas.microsoft.com/office/powerpoint/2010/main" val="2670305104"/>
       </p:ext>
     </p:extLst>
   </p:cSld>
@@ -4259,7 +4185,7 @@
             <a:pPr rtl="0"/>
             <a:fld id="{1B9A179D-2D27-49E2-B022-8EDDA2EFE682}" type="slidenum">
               <a:rPr lang="ru-RU" smtClean="0"/>
-              <a:t>6</a:t>
+              <a:t>18</a:t>
             </a:fld>
             <a:endParaRPr lang="ru-RU" dirty="0"/>
           </a:p>
@@ -4268,7 +4194,7 @@
     </p:spTree>
     <p:extLst>
       <p:ext uri="{BB962C8B-B14F-4D97-AF65-F5344CB8AC3E}">
-        <p14:creationId xmlns:p14="http://schemas.microsoft.com/office/powerpoint/2010/main" val="2670305104"/>
+        <p14:creationId xmlns:p14="http://schemas.microsoft.com/office/powerpoint/2010/main" val="3857200049"/>
       </p:ext>
     </p:extLst>
   </p:cSld>
@@ -4344,7 +4270,7 @@
             <a:pPr rtl="0"/>
             <a:fld id="{1B9A179D-2D27-49E2-B022-8EDDA2EFE682}" type="slidenum">
               <a:rPr lang="ru-RU" smtClean="0"/>
-              <a:t>7</a:t>
+              <a:t>19</a:t>
             </a:fld>
             <a:endParaRPr lang="ru-RU" dirty="0"/>
           </a:p>
@@ -4353,7 +4279,7 @@
     </p:spTree>
     <p:extLst>
       <p:ext uri="{BB962C8B-B14F-4D97-AF65-F5344CB8AC3E}">
-        <p14:creationId xmlns:p14="http://schemas.microsoft.com/office/powerpoint/2010/main" val="3857200049"/>
+        <p14:creationId xmlns:p14="http://schemas.microsoft.com/office/powerpoint/2010/main" val="1735083036"/>
       </p:ext>
     </p:extLst>
   </p:cSld>
@@ -4429,7 +4355,7 @@
             <a:pPr rtl="0"/>
             <a:fld id="{1B9A179D-2D27-49E2-B022-8EDDA2EFE682}" type="slidenum">
               <a:rPr lang="ru-RU" smtClean="0"/>
-              <a:t>8</a:t>
+              <a:t>20</a:t>
             </a:fld>
             <a:endParaRPr lang="ru-RU" dirty="0"/>
           </a:p>
@@ -4438,7 +4364,7 @@
     </p:spTree>
     <p:extLst>
       <p:ext uri="{BB962C8B-B14F-4D97-AF65-F5344CB8AC3E}">
-        <p14:creationId xmlns:p14="http://schemas.microsoft.com/office/powerpoint/2010/main" val="1735083036"/>
+        <p14:creationId xmlns:p14="http://schemas.microsoft.com/office/powerpoint/2010/main" val="1682704142"/>
       </p:ext>
     </p:extLst>
   </p:cSld>
@@ -4514,7 +4440,7 @@
             <a:pPr rtl="0"/>
             <a:fld id="{1B9A179D-2D27-49E2-B022-8EDDA2EFE682}" type="slidenum">
               <a:rPr lang="ru-RU" smtClean="0"/>
-              <a:t>9</a:t>
+              <a:t>21</a:t>
             </a:fld>
             <a:endParaRPr lang="ru-RU" dirty="0"/>
           </a:p>
@@ -4523,7 +4449,7 @@
     </p:spTree>
     <p:extLst>
       <p:ext uri="{BB962C8B-B14F-4D97-AF65-F5344CB8AC3E}">
-        <p14:creationId xmlns:p14="http://schemas.microsoft.com/office/powerpoint/2010/main" val="1682704142"/>
+        <p14:creationId xmlns:p14="http://schemas.microsoft.com/office/powerpoint/2010/main" val="3454980106"/>
       </p:ext>
     </p:extLst>
   </p:cSld>
@@ -5136,7 +5062,7 @@
             <a:pPr rtl="0"/>
             <a:fld id="{140575E8-20DE-4252-9577-F47C50C1B37A}" type="datetime1">
               <a:rPr lang="ru-RU" smtClean="0"/>
-              <a:t>07.06.2018</a:t>
+              <a:t>08.06.2018</a:t>
             </a:fld>
             <a:endParaRPr lang="ru-RU" dirty="0"/>
           </a:p>
@@ -5751,7 +5677,7 @@
             <a:pPr rtl="0"/>
             <a:fld id="{4CBB2D27-AFF1-4B8F-B8A4-E700F781D02D}" type="datetime1">
               <a:rPr lang="ru-RU" smtClean="0"/>
-              <a:t>07.06.2018</a:t>
+              <a:t>08.06.2018</a:t>
             </a:fld>
             <a:endParaRPr lang="ru-RU" dirty="0"/>
           </a:p>
@@ -5941,7 +5867,7 @@
             <a:pPr rtl="0"/>
             <a:fld id="{6C80CA05-2CA9-48C2-A2A2-F70EC9B7976F}" type="datetime1">
               <a:rPr lang="ru-RU" smtClean="0"/>
-              <a:t>07.06.2018</a:t>
+              <a:t>08.06.2018</a:t>
             </a:fld>
             <a:endParaRPr lang="ru-RU" dirty="0"/>
           </a:p>
@@ -6281,7 +6207,7 @@
             <a:pPr rtl="0"/>
             <a:fld id="{B4A58D3D-3011-410D-B5E8-9AA1758E7836}" type="datetime1">
               <a:rPr lang="ru-RU" smtClean="0"/>
-              <a:t>07.06.2018</a:t>
+              <a:t>08.06.2018</a:t>
             </a:fld>
             <a:endParaRPr lang="ru-RU" dirty="0"/>
           </a:p>
@@ -6480,7 +6406,7 @@
             <a:pPr rtl="0"/>
             <a:fld id="{FDCF8B90-C5EE-4840-9D92-1C12066C774B}" type="datetime1">
               <a:rPr lang="ru-RU" smtClean="0"/>
-              <a:t>07.06.2018</a:t>
+              <a:t>08.06.2018</a:t>
             </a:fld>
             <a:endParaRPr lang="ru-RU" dirty="0"/>
           </a:p>
@@ -7662,7 +7588,7 @@
             <a:pPr rtl="0"/>
             <a:fld id="{D0B65557-1451-43E1-9AE5-4BF1475D4D1F}" type="datetime1">
               <a:rPr lang="ru-RU" smtClean="0"/>
-              <a:t>07.06.2018</a:t>
+              <a:t>08.06.2018</a:t>
             </a:fld>
             <a:endParaRPr lang="ru-RU" dirty="0"/>
           </a:p>
@@ -8053,7 +7979,7 @@
             <a:pPr rtl="0"/>
             <a:fld id="{62E58E16-40AA-41E4-A4FF-9BEA6A78A973}" type="datetime1">
               <a:rPr lang="ru-RU" smtClean="0"/>
-              <a:t>07.06.2018</a:t>
+              <a:t>08.06.2018</a:t>
             </a:fld>
             <a:endParaRPr lang="ru-RU" dirty="0"/>
           </a:p>
@@ -8191,7 +8117,7 @@
             <a:pPr rtl="0"/>
             <a:fld id="{475D3081-5B82-4D9C-864E-0FF48C8922DF}" type="datetime1">
               <a:rPr lang="ru-RU" smtClean="0"/>
-              <a:t>07.06.2018</a:t>
+              <a:t>08.06.2018</a:t>
             </a:fld>
             <a:endParaRPr lang="ru-RU" dirty="0"/>
           </a:p>
@@ -8305,7 +8231,7 @@
             <a:pPr rtl="0"/>
             <a:fld id="{324F1F8F-3FA7-4DE2-BFC3-204A60A31AF6}" type="datetime1">
               <a:rPr lang="ru-RU" smtClean="0"/>
-              <a:t>07.06.2018</a:t>
+              <a:t>08.06.2018</a:t>
             </a:fld>
             <a:endParaRPr lang="ru-RU" dirty="0"/>
           </a:p>
@@ -8604,7 +8530,7 @@
             <a:pPr rtl="0"/>
             <a:fld id="{5144496B-DA29-42D1-8823-4C2E233F6E2C}" type="datetime1">
               <a:rPr lang="ru-RU" smtClean="0"/>
-              <a:t>07.06.2018</a:t>
+              <a:t>08.06.2018</a:t>
             </a:fld>
             <a:endParaRPr lang="ru-RU" dirty="0"/>
           </a:p>
@@ -8991,7 +8917,7 @@
             <a:pPr rtl="0"/>
             <a:fld id="{29BD460F-BF29-45B1-9B3A-A20D54FADEC1}" type="datetime1">
               <a:rPr lang="ru-RU" smtClean="0"/>
-              <a:t>07.06.2018</a:t>
+              <a:t>08.06.2018</a:t>
             </a:fld>
             <a:endParaRPr lang="ru-RU" dirty="0"/>
           </a:p>
@@ -9357,12 +9283,12 @@
   <p:extLst mod="1">
     <p:ext uri="{27BBF7A9-308A-43DC-89C8-2F10F3537804}">
       <p15:sldGuideLst xmlns:p15="http://schemas.microsoft.com/office/powerpoint/2012/main">
-        <p15:guide id="1" orient="horz" pos="2160" userDrawn="1">
+        <p15:guide id="1" orient="horz" pos="2160">
           <p15:clr>
             <a:srgbClr val="F26B43"/>
           </p15:clr>
         </p15:guide>
-        <p15:guide id="7" pos="3840" userDrawn="1">
+        <p15:guide id="7" pos="3840">
           <p15:clr>
             <a:srgbClr val="F26B43"/>
           </p15:clr>
@@ -9512,10 +9438,253 @@
           <a:chExt cx="0" cy="0"/>
         </a:xfrm>
       </p:grpSpPr>
+      <p:sp>
+        <p:nvSpPr>
+          <p:cNvPr id="2" name="Заголовок 1"/>
+          <p:cNvSpPr>
+            <a:spLocks noGrp="1"/>
+          </p:cNvSpPr>
+          <p:nvPr>
+            <p:ph type="title"/>
+          </p:nvPr>
+        </p:nvSpPr>
+        <p:spPr/>
+        <p:txBody>
+          <a:bodyPr/>
+          <a:lstStyle/>
+          <a:p>
+            <a:r>
+              <a:rPr lang="ru-RU" dirty="0" smtClean="0"/>
+              <a:t>Преимущества </a:t>
+            </a:r>
+            <a:r>
+              <a:rPr lang="en-US" dirty="0" smtClean="0"/>
+              <a:t>ASP.NET MVC 5</a:t>
+            </a:r>
+            <a:endParaRPr lang="ru-RU" dirty="0"/>
+          </a:p>
+        </p:txBody>
+      </p:sp>
+      <p:sp>
+        <p:nvSpPr>
+          <p:cNvPr id="3" name="TextBox 2"/>
+          <p:cNvSpPr txBox="1"/>
+          <p:nvPr/>
+        </p:nvSpPr>
+        <p:spPr>
+          <a:xfrm>
+            <a:off x="2209800" y="2641600"/>
+            <a:ext cx="8323817" cy="3046988"/>
+          </a:xfrm>
+          <a:prstGeom prst="rect">
+            <a:avLst/>
+          </a:prstGeom>
+          <a:noFill/>
+        </p:spPr>
+        <p:txBody>
+          <a:bodyPr wrap="none" rtlCol="0">
+            <a:spAutoFit/>
+          </a:bodyPr>
+          <a:lstStyle/>
+          <a:p>
+            <a:pPr marL="342900" indent="-342900">
+              <a:buFont typeface="Wingdings" panose="05000000000000000000" pitchFamily="2" charset="2"/>
+              <a:buChar char="Ø"/>
+            </a:pPr>
+            <a:r>
+              <a:rPr lang="en-US" sz="2400" dirty="0" smtClean="0">
+                <a:latin typeface="Times New Roman" panose="02020603050405020304" pitchFamily="18" charset="0"/>
+                <a:cs typeface="Times New Roman" panose="02020603050405020304" pitchFamily="18" charset="0"/>
+              </a:rPr>
+              <a:t>ASP.NET MVC </a:t>
+            </a:r>
+            <a:r>
+              <a:rPr lang="ru-RU" sz="2400" dirty="0" smtClean="0">
+                <a:latin typeface="Times New Roman" panose="02020603050405020304" pitchFamily="18" charset="0"/>
+                <a:cs typeface="Times New Roman" panose="02020603050405020304" pitchFamily="18" charset="0"/>
+              </a:rPr>
+              <a:t>реализует шаблон </a:t>
+            </a:r>
+            <a:r>
+              <a:rPr lang="en-US" sz="2400" dirty="0" smtClean="0">
+                <a:latin typeface="Times New Roman" panose="02020603050405020304" pitchFamily="18" charset="0"/>
+                <a:cs typeface="Times New Roman" panose="02020603050405020304" pitchFamily="18" charset="0"/>
+              </a:rPr>
+              <a:t>MVC</a:t>
+            </a:r>
+            <a:r>
+              <a:rPr lang="ru-RU" sz="2400" dirty="0" smtClean="0">
+                <a:latin typeface="Times New Roman" panose="02020603050405020304" pitchFamily="18" charset="0"/>
+                <a:cs typeface="Times New Roman" panose="02020603050405020304" pitchFamily="18" charset="0"/>
+              </a:rPr>
+              <a:t>.</a:t>
+            </a:r>
+            <a:endParaRPr lang="en-US" sz="2400" dirty="0" smtClean="0">
+              <a:latin typeface="Times New Roman" panose="02020603050405020304" pitchFamily="18" charset="0"/>
+              <a:cs typeface="Times New Roman" panose="02020603050405020304" pitchFamily="18" charset="0"/>
+            </a:endParaRPr>
+          </a:p>
+          <a:p>
+            <a:pPr marL="342900" indent="-342900">
+              <a:buFont typeface="Wingdings" panose="05000000000000000000" pitchFamily="2" charset="2"/>
+              <a:buChar char="Ø"/>
+            </a:pPr>
+            <a:r>
+              <a:rPr lang="ru-RU" sz="2400" dirty="0" smtClean="0">
+                <a:latin typeface="Times New Roman" panose="02020603050405020304" pitchFamily="18" charset="0"/>
+                <a:cs typeface="Times New Roman" panose="02020603050405020304" pitchFamily="18" charset="0"/>
+              </a:rPr>
+              <a:t>Тестируемость.</a:t>
+            </a:r>
+          </a:p>
+          <a:p>
+            <a:pPr marL="342900" indent="-342900">
+              <a:buFont typeface="Wingdings" panose="05000000000000000000" pitchFamily="2" charset="2"/>
+              <a:buChar char="Ø"/>
+            </a:pPr>
+            <a:r>
+              <a:rPr lang="ru-RU" sz="2400" dirty="0" smtClean="0">
+                <a:latin typeface="Times New Roman" panose="02020603050405020304" pitchFamily="18" charset="0"/>
+                <a:cs typeface="Times New Roman" panose="02020603050405020304" pitchFamily="18" charset="0"/>
+              </a:rPr>
+              <a:t>Расширяемость.</a:t>
+            </a:r>
+          </a:p>
+          <a:p>
+            <a:pPr marL="342900" indent="-342900">
+              <a:buFont typeface="Wingdings" panose="05000000000000000000" pitchFamily="2" charset="2"/>
+              <a:buChar char="Ø"/>
+            </a:pPr>
+            <a:r>
+              <a:rPr lang="ru-RU" sz="2400" dirty="0" smtClean="0">
+                <a:latin typeface="Times New Roman" panose="02020603050405020304" pitchFamily="18" charset="0"/>
+                <a:cs typeface="Times New Roman" panose="02020603050405020304" pitchFamily="18" charset="0"/>
+              </a:rPr>
+              <a:t>Жесткий контроль над </a:t>
+            </a:r>
+            <a:r>
+              <a:rPr lang="en-US" sz="2400" dirty="0" smtClean="0">
+                <a:latin typeface="Times New Roman" panose="02020603050405020304" pitchFamily="18" charset="0"/>
+                <a:cs typeface="Times New Roman" panose="02020603050405020304" pitchFamily="18" charset="0"/>
+              </a:rPr>
+              <a:t>HTTP </a:t>
+            </a:r>
+            <a:r>
+              <a:rPr lang="ru-RU" sz="2400" dirty="0" smtClean="0">
+                <a:latin typeface="Times New Roman" panose="02020603050405020304" pitchFamily="18" charset="0"/>
+                <a:cs typeface="Times New Roman" panose="02020603050405020304" pitchFamily="18" charset="0"/>
+              </a:rPr>
+              <a:t>и</a:t>
+            </a:r>
+            <a:r>
+              <a:rPr lang="en-US" sz="2400" dirty="0" smtClean="0">
+                <a:latin typeface="Times New Roman" panose="02020603050405020304" pitchFamily="18" charset="0"/>
+                <a:cs typeface="Times New Roman" panose="02020603050405020304" pitchFamily="18" charset="0"/>
+              </a:rPr>
+              <a:t> HTML</a:t>
+            </a:r>
+            <a:r>
+              <a:rPr lang="ru-RU" sz="2400" dirty="0" smtClean="0">
+                <a:latin typeface="Times New Roman" panose="02020603050405020304" pitchFamily="18" charset="0"/>
+                <a:cs typeface="Times New Roman" panose="02020603050405020304" pitchFamily="18" charset="0"/>
+              </a:rPr>
+              <a:t>.</a:t>
+            </a:r>
+            <a:endParaRPr lang="en-US" sz="2400" dirty="0" smtClean="0">
+              <a:latin typeface="Times New Roman" panose="02020603050405020304" pitchFamily="18" charset="0"/>
+              <a:cs typeface="Times New Roman" panose="02020603050405020304" pitchFamily="18" charset="0"/>
+            </a:endParaRPr>
+          </a:p>
+          <a:p>
+            <a:pPr marL="342900" indent="-342900">
+              <a:buFont typeface="Wingdings" panose="05000000000000000000" pitchFamily="2" charset="2"/>
+              <a:buChar char="Ø"/>
+            </a:pPr>
+            <a:r>
+              <a:rPr lang="ru-RU" sz="2400" dirty="0" smtClean="0">
+                <a:latin typeface="Times New Roman" panose="02020603050405020304" pitchFamily="18" charset="0"/>
+                <a:cs typeface="Times New Roman" panose="02020603050405020304" pitchFamily="18" charset="0"/>
+              </a:rPr>
+              <a:t>Мощная система маршрутизации.</a:t>
+            </a:r>
+          </a:p>
+          <a:p>
+            <a:pPr marL="342900" indent="-342900">
+              <a:buFont typeface="Wingdings" panose="05000000000000000000" pitchFamily="2" charset="2"/>
+              <a:buChar char="Ø"/>
+            </a:pPr>
+            <a:r>
+              <a:rPr lang="ru-RU" sz="2400" dirty="0">
+                <a:latin typeface="Times New Roman" panose="02020603050405020304" pitchFamily="18" charset="0"/>
+                <a:cs typeface="Times New Roman" panose="02020603050405020304" pitchFamily="18" charset="0"/>
+              </a:rPr>
+              <a:t>Построение на основе лучших частей платформы </a:t>
+            </a:r>
+            <a:r>
+              <a:rPr lang="ru-RU" sz="2400" dirty="0" smtClean="0">
+                <a:latin typeface="Times New Roman" panose="02020603050405020304" pitchFamily="18" charset="0"/>
+                <a:cs typeface="Times New Roman" panose="02020603050405020304" pitchFamily="18" charset="0"/>
+              </a:rPr>
+              <a:t>ASP.NET.</a:t>
+            </a:r>
+          </a:p>
+          <a:p>
+            <a:pPr marL="342900" indent="-342900">
+              <a:buFont typeface="Wingdings" panose="05000000000000000000" pitchFamily="2" charset="2"/>
+              <a:buChar char="Ø"/>
+            </a:pPr>
+            <a:r>
+              <a:rPr lang="ru-RU" sz="2400" dirty="0">
+                <a:latin typeface="Times New Roman" panose="02020603050405020304" pitchFamily="18" charset="0"/>
+                <a:cs typeface="Times New Roman" panose="02020603050405020304" pitchFamily="18" charset="0"/>
+              </a:rPr>
+              <a:t>Современный </a:t>
+            </a:r>
+            <a:r>
+              <a:rPr lang="en-US" sz="2400" dirty="0">
+                <a:latin typeface="Times New Roman" panose="02020603050405020304" pitchFamily="18" charset="0"/>
+                <a:cs typeface="Times New Roman" panose="02020603050405020304" pitchFamily="18" charset="0"/>
+              </a:rPr>
+              <a:t>API-</a:t>
+            </a:r>
+            <a:r>
+              <a:rPr lang="ru-RU" sz="2400" dirty="0" smtClean="0">
+                <a:latin typeface="Times New Roman" panose="02020603050405020304" pitchFamily="18" charset="0"/>
+                <a:cs typeface="Times New Roman" panose="02020603050405020304" pitchFamily="18" charset="0"/>
+              </a:rPr>
+              <a:t>интерфейс.</a:t>
+            </a:r>
+          </a:p>
+          <a:p>
+            <a:pPr marL="342900" indent="-342900">
+              <a:buFont typeface="Wingdings" panose="05000000000000000000" pitchFamily="2" charset="2"/>
+              <a:buChar char="Ø"/>
+            </a:pPr>
+            <a:r>
+              <a:rPr lang="ru-RU" sz="2400" dirty="0">
+                <a:latin typeface="Times New Roman" panose="02020603050405020304" pitchFamily="18" charset="0"/>
+                <a:cs typeface="Times New Roman" panose="02020603050405020304" pitchFamily="18" charset="0"/>
+              </a:rPr>
+              <a:t>Инфраструктура ASP.NET MVC имеет открытый </a:t>
+            </a:r>
+            <a:r>
+              <a:rPr lang="ru-RU" sz="2400" dirty="0" smtClean="0">
+                <a:latin typeface="Times New Roman" panose="02020603050405020304" pitchFamily="18" charset="0"/>
+                <a:cs typeface="Times New Roman" panose="02020603050405020304" pitchFamily="18" charset="0"/>
+              </a:rPr>
+              <a:t>код.</a:t>
+            </a:r>
+            <a:endParaRPr lang="ru-RU" sz="2400" dirty="0">
+              <a:latin typeface="Times New Roman" panose="02020603050405020304" pitchFamily="18" charset="0"/>
+              <a:cs typeface="Times New Roman" panose="02020603050405020304" pitchFamily="18" charset="0"/>
+            </a:endParaRPr>
+          </a:p>
+        </p:txBody>
+      </p:sp>
     </p:spTree>
     <p:extLst>
       <p:ext uri="{BB962C8B-B14F-4D97-AF65-F5344CB8AC3E}">
-        <p14:creationId xmlns:p14="http://schemas.microsoft.com/office/powerpoint/2010/main" val="1455343978"/>
+        <p14:creationId xmlns:p14="http://schemas.microsoft.com/office/powerpoint/2010/main" val="4127767440"/>
       </p:ext>
     </p:extLst>
   </p:cSld>
@@ -9534,6 +9703,860 @@
       </p:transition>
     </mc:Fallback>
   </mc:AlternateContent>
+  <p:timing>
+    <p:tnLst>
+      <p:par>
+        <p:cTn id="1" dur="indefinite" restart="never" nodeType="tmRoot">
+          <p:childTnLst>
+            <p:seq concurrent="1" nextAc="seek">
+              <p:cTn id="2" dur="indefinite" nodeType="mainSeq">
+                <p:childTnLst>
+                  <p:par>
+                    <p:cTn id="3" fill="hold">
+                      <p:stCondLst>
+                        <p:cond delay="indefinite"/>
+                      </p:stCondLst>
+                      <p:childTnLst>
+                        <p:par>
+                          <p:cTn id="4" fill="hold">
+                            <p:stCondLst>
+                              <p:cond delay="0"/>
+                            </p:stCondLst>
+                            <p:childTnLst>
+                              <p:par>
+                                <p:cTn id="5" presetID="2" presetClass="entr" presetSubtype="4" fill="hold" nodeType="clickEffect">
+                                  <p:stCondLst>
+                                    <p:cond delay="0"/>
+                                  </p:stCondLst>
+                                  <p:childTnLst>
+                                    <p:set>
+                                      <p:cBhvr>
+                                        <p:cTn id="6" dur="1" fill="hold">
+                                          <p:stCondLst>
+                                            <p:cond delay="0"/>
+                                          </p:stCondLst>
+                                        </p:cTn>
+                                        <p:tgtEl>
+                                          <p:spTgt spid="3">
+                                            <p:txEl>
+                                              <p:pRg st="0" end="0"/>
+                                            </p:txEl>
+                                          </p:spTgt>
+                                        </p:tgtEl>
+                                        <p:attrNameLst>
+                                          <p:attrName>style.visibility</p:attrName>
+                                        </p:attrNameLst>
+                                      </p:cBhvr>
+                                      <p:to>
+                                        <p:strVal val="visible"/>
+                                      </p:to>
+                                    </p:set>
+                                    <p:anim calcmode="lin" valueType="num">
+                                      <p:cBhvr additive="base">
+                                        <p:cTn id="7" dur="500" fill="hold"/>
+                                        <p:tgtEl>
+                                          <p:spTgt spid="3">
+                                            <p:txEl>
+                                              <p:pRg st="0" end="0"/>
+                                            </p:txEl>
+                                          </p:spTgt>
+                                        </p:tgtEl>
+                                        <p:attrNameLst>
+                                          <p:attrName>ppt_x</p:attrName>
+                                        </p:attrNameLst>
+                                      </p:cBhvr>
+                                      <p:tavLst>
+                                        <p:tav tm="0">
+                                          <p:val>
+                                            <p:strVal val="#ppt_x"/>
+                                          </p:val>
+                                        </p:tav>
+                                        <p:tav tm="100000">
+                                          <p:val>
+                                            <p:strVal val="#ppt_x"/>
+                                          </p:val>
+                                        </p:tav>
+                                      </p:tavLst>
+                                    </p:anim>
+                                    <p:anim calcmode="lin" valueType="num">
+                                      <p:cBhvr additive="base">
+                                        <p:cTn id="8" dur="500" fill="hold"/>
+                                        <p:tgtEl>
+                                          <p:spTgt spid="3">
+                                            <p:txEl>
+                                              <p:pRg st="0" end="0"/>
+                                            </p:txEl>
+                                          </p:spTgt>
+                                        </p:tgtEl>
+                                        <p:attrNameLst>
+                                          <p:attrName>ppt_y</p:attrName>
+                                        </p:attrNameLst>
+                                      </p:cBhvr>
+                                      <p:tavLst>
+                                        <p:tav tm="0">
+                                          <p:val>
+                                            <p:strVal val="1+#ppt_h/2"/>
+                                          </p:val>
+                                        </p:tav>
+                                        <p:tav tm="100000">
+                                          <p:val>
+                                            <p:strVal val="#ppt_y"/>
+                                          </p:val>
+                                        </p:tav>
+                                      </p:tavLst>
+                                    </p:anim>
+                                  </p:childTnLst>
+                                </p:cTn>
+                              </p:par>
+                            </p:childTnLst>
+                          </p:cTn>
+                        </p:par>
+                      </p:childTnLst>
+                    </p:cTn>
+                  </p:par>
+                  <p:par>
+                    <p:cTn id="9" fill="hold">
+                      <p:stCondLst>
+                        <p:cond delay="indefinite"/>
+                      </p:stCondLst>
+                      <p:childTnLst>
+                        <p:par>
+                          <p:cTn id="10" fill="hold">
+                            <p:stCondLst>
+                              <p:cond delay="0"/>
+                            </p:stCondLst>
+                            <p:childTnLst>
+                              <p:par>
+                                <p:cTn id="11" presetID="2" presetClass="entr" presetSubtype="4" fill="hold" nodeType="clickEffect">
+                                  <p:stCondLst>
+                                    <p:cond delay="0"/>
+                                  </p:stCondLst>
+                                  <p:childTnLst>
+                                    <p:set>
+                                      <p:cBhvr>
+                                        <p:cTn id="12" dur="1" fill="hold">
+                                          <p:stCondLst>
+                                            <p:cond delay="0"/>
+                                          </p:stCondLst>
+                                        </p:cTn>
+                                        <p:tgtEl>
+                                          <p:spTgt spid="3">
+                                            <p:txEl>
+                                              <p:pRg st="1" end="1"/>
+                                            </p:txEl>
+                                          </p:spTgt>
+                                        </p:tgtEl>
+                                        <p:attrNameLst>
+                                          <p:attrName>style.visibility</p:attrName>
+                                        </p:attrNameLst>
+                                      </p:cBhvr>
+                                      <p:to>
+                                        <p:strVal val="visible"/>
+                                      </p:to>
+                                    </p:set>
+                                    <p:anim calcmode="lin" valueType="num">
+                                      <p:cBhvr additive="base">
+                                        <p:cTn id="13" dur="500" fill="hold"/>
+                                        <p:tgtEl>
+                                          <p:spTgt spid="3">
+                                            <p:txEl>
+                                              <p:pRg st="1" end="1"/>
+                                            </p:txEl>
+                                          </p:spTgt>
+                                        </p:tgtEl>
+                                        <p:attrNameLst>
+                                          <p:attrName>ppt_x</p:attrName>
+                                        </p:attrNameLst>
+                                      </p:cBhvr>
+                                      <p:tavLst>
+                                        <p:tav tm="0">
+                                          <p:val>
+                                            <p:strVal val="#ppt_x"/>
+                                          </p:val>
+                                        </p:tav>
+                                        <p:tav tm="100000">
+                                          <p:val>
+                                            <p:strVal val="#ppt_x"/>
+                                          </p:val>
+                                        </p:tav>
+                                      </p:tavLst>
+                                    </p:anim>
+                                    <p:anim calcmode="lin" valueType="num">
+                                      <p:cBhvr additive="base">
+                                        <p:cTn id="14" dur="500" fill="hold"/>
+                                        <p:tgtEl>
+                                          <p:spTgt spid="3">
+                                            <p:txEl>
+                                              <p:pRg st="1" end="1"/>
+                                            </p:txEl>
+                                          </p:spTgt>
+                                        </p:tgtEl>
+                                        <p:attrNameLst>
+                                          <p:attrName>ppt_y</p:attrName>
+                                        </p:attrNameLst>
+                                      </p:cBhvr>
+                                      <p:tavLst>
+                                        <p:tav tm="0">
+                                          <p:val>
+                                            <p:strVal val="1+#ppt_h/2"/>
+                                          </p:val>
+                                        </p:tav>
+                                        <p:tav tm="100000">
+                                          <p:val>
+                                            <p:strVal val="#ppt_y"/>
+                                          </p:val>
+                                        </p:tav>
+                                      </p:tavLst>
+                                    </p:anim>
+                                  </p:childTnLst>
+                                </p:cTn>
+                              </p:par>
+                            </p:childTnLst>
+                          </p:cTn>
+                        </p:par>
+                      </p:childTnLst>
+                    </p:cTn>
+                  </p:par>
+                  <p:par>
+                    <p:cTn id="15" fill="hold">
+                      <p:stCondLst>
+                        <p:cond delay="indefinite"/>
+                      </p:stCondLst>
+                      <p:childTnLst>
+                        <p:par>
+                          <p:cTn id="16" fill="hold">
+                            <p:stCondLst>
+                              <p:cond delay="0"/>
+                            </p:stCondLst>
+                            <p:childTnLst>
+                              <p:par>
+                                <p:cTn id="17" presetID="2" presetClass="entr" presetSubtype="4" fill="hold" nodeType="clickEffect">
+                                  <p:stCondLst>
+                                    <p:cond delay="0"/>
+                                  </p:stCondLst>
+                                  <p:childTnLst>
+                                    <p:set>
+                                      <p:cBhvr>
+                                        <p:cTn id="18" dur="1" fill="hold">
+                                          <p:stCondLst>
+                                            <p:cond delay="0"/>
+                                          </p:stCondLst>
+                                        </p:cTn>
+                                        <p:tgtEl>
+                                          <p:spTgt spid="3">
+                                            <p:txEl>
+                                              <p:pRg st="2" end="2"/>
+                                            </p:txEl>
+                                          </p:spTgt>
+                                        </p:tgtEl>
+                                        <p:attrNameLst>
+                                          <p:attrName>style.visibility</p:attrName>
+                                        </p:attrNameLst>
+                                      </p:cBhvr>
+                                      <p:to>
+                                        <p:strVal val="visible"/>
+                                      </p:to>
+                                    </p:set>
+                                    <p:anim calcmode="lin" valueType="num">
+                                      <p:cBhvr additive="base">
+                                        <p:cTn id="19" dur="500" fill="hold"/>
+                                        <p:tgtEl>
+                                          <p:spTgt spid="3">
+                                            <p:txEl>
+                                              <p:pRg st="2" end="2"/>
+                                            </p:txEl>
+                                          </p:spTgt>
+                                        </p:tgtEl>
+                                        <p:attrNameLst>
+                                          <p:attrName>ppt_x</p:attrName>
+                                        </p:attrNameLst>
+                                      </p:cBhvr>
+                                      <p:tavLst>
+                                        <p:tav tm="0">
+                                          <p:val>
+                                            <p:strVal val="#ppt_x"/>
+                                          </p:val>
+                                        </p:tav>
+                                        <p:tav tm="100000">
+                                          <p:val>
+                                            <p:strVal val="#ppt_x"/>
+                                          </p:val>
+                                        </p:tav>
+                                      </p:tavLst>
+                                    </p:anim>
+                                    <p:anim calcmode="lin" valueType="num">
+                                      <p:cBhvr additive="base">
+                                        <p:cTn id="20" dur="500" fill="hold"/>
+                                        <p:tgtEl>
+                                          <p:spTgt spid="3">
+                                            <p:txEl>
+                                              <p:pRg st="2" end="2"/>
+                                            </p:txEl>
+                                          </p:spTgt>
+                                        </p:tgtEl>
+                                        <p:attrNameLst>
+                                          <p:attrName>ppt_y</p:attrName>
+                                        </p:attrNameLst>
+                                      </p:cBhvr>
+                                      <p:tavLst>
+                                        <p:tav tm="0">
+                                          <p:val>
+                                            <p:strVal val="1+#ppt_h/2"/>
+                                          </p:val>
+                                        </p:tav>
+                                        <p:tav tm="100000">
+                                          <p:val>
+                                            <p:strVal val="#ppt_y"/>
+                                          </p:val>
+                                        </p:tav>
+                                      </p:tavLst>
+                                    </p:anim>
+                                  </p:childTnLst>
+                                </p:cTn>
+                              </p:par>
+                            </p:childTnLst>
+                          </p:cTn>
+                        </p:par>
+                      </p:childTnLst>
+                    </p:cTn>
+                  </p:par>
+                  <p:par>
+                    <p:cTn id="21" fill="hold">
+                      <p:stCondLst>
+                        <p:cond delay="indefinite"/>
+                      </p:stCondLst>
+                      <p:childTnLst>
+                        <p:par>
+                          <p:cTn id="22" fill="hold">
+                            <p:stCondLst>
+                              <p:cond delay="0"/>
+                            </p:stCondLst>
+                            <p:childTnLst>
+                              <p:par>
+                                <p:cTn id="23" presetID="2" presetClass="entr" presetSubtype="4" fill="hold" nodeType="clickEffect">
+                                  <p:stCondLst>
+                                    <p:cond delay="0"/>
+                                  </p:stCondLst>
+                                  <p:childTnLst>
+                                    <p:set>
+                                      <p:cBhvr>
+                                        <p:cTn id="24" dur="1" fill="hold">
+                                          <p:stCondLst>
+                                            <p:cond delay="0"/>
+                                          </p:stCondLst>
+                                        </p:cTn>
+                                        <p:tgtEl>
+                                          <p:spTgt spid="3">
+                                            <p:txEl>
+                                              <p:pRg st="3" end="3"/>
+                                            </p:txEl>
+                                          </p:spTgt>
+                                        </p:tgtEl>
+                                        <p:attrNameLst>
+                                          <p:attrName>style.visibility</p:attrName>
+                                        </p:attrNameLst>
+                                      </p:cBhvr>
+                                      <p:to>
+                                        <p:strVal val="visible"/>
+                                      </p:to>
+                                    </p:set>
+                                    <p:anim calcmode="lin" valueType="num">
+                                      <p:cBhvr additive="base">
+                                        <p:cTn id="25" dur="500" fill="hold"/>
+                                        <p:tgtEl>
+                                          <p:spTgt spid="3">
+                                            <p:txEl>
+                                              <p:pRg st="3" end="3"/>
+                                            </p:txEl>
+                                          </p:spTgt>
+                                        </p:tgtEl>
+                                        <p:attrNameLst>
+                                          <p:attrName>ppt_x</p:attrName>
+                                        </p:attrNameLst>
+                                      </p:cBhvr>
+                                      <p:tavLst>
+                                        <p:tav tm="0">
+                                          <p:val>
+                                            <p:strVal val="#ppt_x"/>
+                                          </p:val>
+                                        </p:tav>
+                                        <p:tav tm="100000">
+                                          <p:val>
+                                            <p:strVal val="#ppt_x"/>
+                                          </p:val>
+                                        </p:tav>
+                                      </p:tavLst>
+                                    </p:anim>
+                                    <p:anim calcmode="lin" valueType="num">
+                                      <p:cBhvr additive="base">
+                                        <p:cTn id="26" dur="500" fill="hold"/>
+                                        <p:tgtEl>
+                                          <p:spTgt spid="3">
+                                            <p:txEl>
+                                              <p:pRg st="3" end="3"/>
+                                            </p:txEl>
+                                          </p:spTgt>
+                                        </p:tgtEl>
+                                        <p:attrNameLst>
+                                          <p:attrName>ppt_y</p:attrName>
+                                        </p:attrNameLst>
+                                      </p:cBhvr>
+                                      <p:tavLst>
+                                        <p:tav tm="0">
+                                          <p:val>
+                                            <p:strVal val="1+#ppt_h/2"/>
+                                          </p:val>
+                                        </p:tav>
+                                        <p:tav tm="100000">
+                                          <p:val>
+                                            <p:strVal val="#ppt_y"/>
+                                          </p:val>
+                                        </p:tav>
+                                      </p:tavLst>
+                                    </p:anim>
+                                  </p:childTnLst>
+                                </p:cTn>
+                              </p:par>
+                            </p:childTnLst>
+                          </p:cTn>
+                        </p:par>
+                      </p:childTnLst>
+                    </p:cTn>
+                  </p:par>
+                  <p:par>
+                    <p:cTn id="27" fill="hold">
+                      <p:stCondLst>
+                        <p:cond delay="indefinite"/>
+                      </p:stCondLst>
+                      <p:childTnLst>
+                        <p:par>
+                          <p:cTn id="28" fill="hold">
+                            <p:stCondLst>
+                              <p:cond delay="0"/>
+                            </p:stCondLst>
+                            <p:childTnLst>
+                              <p:par>
+                                <p:cTn id="29" presetID="2" presetClass="entr" presetSubtype="4" fill="hold" nodeType="clickEffect">
+                                  <p:stCondLst>
+                                    <p:cond delay="0"/>
+                                  </p:stCondLst>
+                                  <p:childTnLst>
+                                    <p:set>
+                                      <p:cBhvr>
+                                        <p:cTn id="30" dur="1" fill="hold">
+                                          <p:stCondLst>
+                                            <p:cond delay="0"/>
+                                          </p:stCondLst>
+                                        </p:cTn>
+                                        <p:tgtEl>
+                                          <p:spTgt spid="3">
+                                            <p:txEl>
+                                              <p:pRg st="4" end="4"/>
+                                            </p:txEl>
+                                          </p:spTgt>
+                                        </p:tgtEl>
+                                        <p:attrNameLst>
+                                          <p:attrName>style.visibility</p:attrName>
+                                        </p:attrNameLst>
+                                      </p:cBhvr>
+                                      <p:to>
+                                        <p:strVal val="visible"/>
+                                      </p:to>
+                                    </p:set>
+                                    <p:anim calcmode="lin" valueType="num">
+                                      <p:cBhvr additive="base">
+                                        <p:cTn id="31" dur="500" fill="hold"/>
+                                        <p:tgtEl>
+                                          <p:spTgt spid="3">
+                                            <p:txEl>
+                                              <p:pRg st="4" end="4"/>
+                                            </p:txEl>
+                                          </p:spTgt>
+                                        </p:tgtEl>
+                                        <p:attrNameLst>
+                                          <p:attrName>ppt_x</p:attrName>
+                                        </p:attrNameLst>
+                                      </p:cBhvr>
+                                      <p:tavLst>
+                                        <p:tav tm="0">
+                                          <p:val>
+                                            <p:strVal val="#ppt_x"/>
+                                          </p:val>
+                                        </p:tav>
+                                        <p:tav tm="100000">
+                                          <p:val>
+                                            <p:strVal val="#ppt_x"/>
+                                          </p:val>
+                                        </p:tav>
+                                      </p:tavLst>
+                                    </p:anim>
+                                    <p:anim calcmode="lin" valueType="num">
+                                      <p:cBhvr additive="base">
+                                        <p:cTn id="32" dur="500" fill="hold"/>
+                                        <p:tgtEl>
+                                          <p:spTgt spid="3">
+                                            <p:txEl>
+                                              <p:pRg st="4" end="4"/>
+                                            </p:txEl>
+                                          </p:spTgt>
+                                        </p:tgtEl>
+                                        <p:attrNameLst>
+                                          <p:attrName>ppt_y</p:attrName>
+                                        </p:attrNameLst>
+                                      </p:cBhvr>
+                                      <p:tavLst>
+                                        <p:tav tm="0">
+                                          <p:val>
+                                            <p:strVal val="1+#ppt_h/2"/>
+                                          </p:val>
+                                        </p:tav>
+                                        <p:tav tm="100000">
+                                          <p:val>
+                                            <p:strVal val="#ppt_y"/>
+                                          </p:val>
+                                        </p:tav>
+                                      </p:tavLst>
+                                    </p:anim>
+                                  </p:childTnLst>
+                                </p:cTn>
+                              </p:par>
+                            </p:childTnLst>
+                          </p:cTn>
+                        </p:par>
+                      </p:childTnLst>
+                    </p:cTn>
+                  </p:par>
+                  <p:par>
+                    <p:cTn id="33" fill="hold">
+                      <p:stCondLst>
+                        <p:cond delay="indefinite"/>
+                      </p:stCondLst>
+                      <p:childTnLst>
+                        <p:par>
+                          <p:cTn id="34" fill="hold">
+                            <p:stCondLst>
+                              <p:cond delay="0"/>
+                            </p:stCondLst>
+                            <p:childTnLst>
+                              <p:par>
+                                <p:cTn id="35" presetID="2" presetClass="entr" presetSubtype="4" fill="hold" nodeType="clickEffect">
+                                  <p:stCondLst>
+                                    <p:cond delay="0"/>
+                                  </p:stCondLst>
+                                  <p:childTnLst>
+                                    <p:set>
+                                      <p:cBhvr>
+                                        <p:cTn id="36" dur="1" fill="hold">
+                                          <p:stCondLst>
+                                            <p:cond delay="0"/>
+                                          </p:stCondLst>
+                                        </p:cTn>
+                                        <p:tgtEl>
+                                          <p:spTgt spid="3">
+                                            <p:txEl>
+                                              <p:pRg st="5" end="5"/>
+                                            </p:txEl>
+                                          </p:spTgt>
+                                        </p:tgtEl>
+                                        <p:attrNameLst>
+                                          <p:attrName>style.visibility</p:attrName>
+                                        </p:attrNameLst>
+                                      </p:cBhvr>
+                                      <p:to>
+                                        <p:strVal val="visible"/>
+                                      </p:to>
+                                    </p:set>
+                                    <p:anim calcmode="lin" valueType="num">
+                                      <p:cBhvr additive="base">
+                                        <p:cTn id="37" dur="500" fill="hold"/>
+                                        <p:tgtEl>
+                                          <p:spTgt spid="3">
+                                            <p:txEl>
+                                              <p:pRg st="5" end="5"/>
+                                            </p:txEl>
+                                          </p:spTgt>
+                                        </p:tgtEl>
+                                        <p:attrNameLst>
+                                          <p:attrName>ppt_x</p:attrName>
+                                        </p:attrNameLst>
+                                      </p:cBhvr>
+                                      <p:tavLst>
+                                        <p:tav tm="0">
+                                          <p:val>
+                                            <p:strVal val="#ppt_x"/>
+                                          </p:val>
+                                        </p:tav>
+                                        <p:tav tm="100000">
+                                          <p:val>
+                                            <p:strVal val="#ppt_x"/>
+                                          </p:val>
+                                        </p:tav>
+                                      </p:tavLst>
+                                    </p:anim>
+                                    <p:anim calcmode="lin" valueType="num">
+                                      <p:cBhvr additive="base">
+                                        <p:cTn id="38" dur="500" fill="hold"/>
+                                        <p:tgtEl>
+                                          <p:spTgt spid="3">
+                                            <p:txEl>
+                                              <p:pRg st="5" end="5"/>
+                                            </p:txEl>
+                                          </p:spTgt>
+                                        </p:tgtEl>
+                                        <p:attrNameLst>
+                                          <p:attrName>ppt_y</p:attrName>
+                                        </p:attrNameLst>
+                                      </p:cBhvr>
+                                      <p:tavLst>
+                                        <p:tav tm="0">
+                                          <p:val>
+                                            <p:strVal val="1+#ppt_h/2"/>
+                                          </p:val>
+                                        </p:tav>
+                                        <p:tav tm="100000">
+                                          <p:val>
+                                            <p:strVal val="#ppt_y"/>
+                                          </p:val>
+                                        </p:tav>
+                                      </p:tavLst>
+                                    </p:anim>
+                                  </p:childTnLst>
+                                </p:cTn>
+                              </p:par>
+                            </p:childTnLst>
+                          </p:cTn>
+                        </p:par>
+                      </p:childTnLst>
+                    </p:cTn>
+                  </p:par>
+                  <p:par>
+                    <p:cTn id="39" fill="hold">
+                      <p:stCondLst>
+                        <p:cond delay="indefinite"/>
+                      </p:stCondLst>
+                      <p:childTnLst>
+                        <p:par>
+                          <p:cTn id="40" fill="hold">
+                            <p:stCondLst>
+                              <p:cond delay="0"/>
+                            </p:stCondLst>
+                            <p:childTnLst>
+                              <p:par>
+                                <p:cTn id="41" presetID="2" presetClass="entr" presetSubtype="4" fill="hold" nodeType="clickEffect">
+                                  <p:stCondLst>
+                                    <p:cond delay="0"/>
+                                  </p:stCondLst>
+                                  <p:childTnLst>
+                                    <p:set>
+                                      <p:cBhvr>
+                                        <p:cTn id="42" dur="1" fill="hold">
+                                          <p:stCondLst>
+                                            <p:cond delay="0"/>
+                                          </p:stCondLst>
+                                        </p:cTn>
+                                        <p:tgtEl>
+                                          <p:spTgt spid="3">
+                                            <p:txEl>
+                                              <p:pRg st="6" end="6"/>
+                                            </p:txEl>
+                                          </p:spTgt>
+                                        </p:tgtEl>
+                                        <p:attrNameLst>
+                                          <p:attrName>style.visibility</p:attrName>
+                                        </p:attrNameLst>
+                                      </p:cBhvr>
+                                      <p:to>
+                                        <p:strVal val="visible"/>
+                                      </p:to>
+                                    </p:set>
+                                    <p:anim calcmode="lin" valueType="num">
+                                      <p:cBhvr additive="base">
+                                        <p:cTn id="43" dur="500" fill="hold"/>
+                                        <p:tgtEl>
+                                          <p:spTgt spid="3">
+                                            <p:txEl>
+                                              <p:pRg st="6" end="6"/>
+                                            </p:txEl>
+                                          </p:spTgt>
+                                        </p:tgtEl>
+                                        <p:attrNameLst>
+                                          <p:attrName>ppt_x</p:attrName>
+                                        </p:attrNameLst>
+                                      </p:cBhvr>
+                                      <p:tavLst>
+                                        <p:tav tm="0">
+                                          <p:val>
+                                            <p:strVal val="#ppt_x"/>
+                                          </p:val>
+                                        </p:tav>
+                                        <p:tav tm="100000">
+                                          <p:val>
+                                            <p:strVal val="#ppt_x"/>
+                                          </p:val>
+                                        </p:tav>
+                                      </p:tavLst>
+                                    </p:anim>
+                                    <p:anim calcmode="lin" valueType="num">
+                                      <p:cBhvr additive="base">
+                                        <p:cTn id="44" dur="500" fill="hold"/>
+                                        <p:tgtEl>
+                                          <p:spTgt spid="3">
+                                            <p:txEl>
+                                              <p:pRg st="6" end="6"/>
+                                            </p:txEl>
+                                          </p:spTgt>
+                                        </p:tgtEl>
+                                        <p:attrNameLst>
+                                          <p:attrName>ppt_y</p:attrName>
+                                        </p:attrNameLst>
+                                      </p:cBhvr>
+                                      <p:tavLst>
+                                        <p:tav tm="0">
+                                          <p:val>
+                                            <p:strVal val="1+#ppt_h/2"/>
+                                          </p:val>
+                                        </p:tav>
+                                        <p:tav tm="100000">
+                                          <p:val>
+                                            <p:strVal val="#ppt_y"/>
+                                          </p:val>
+                                        </p:tav>
+                                      </p:tavLst>
+                                    </p:anim>
+                                  </p:childTnLst>
+                                </p:cTn>
+                              </p:par>
+                            </p:childTnLst>
+                          </p:cTn>
+                        </p:par>
+                      </p:childTnLst>
+                    </p:cTn>
+                  </p:par>
+                  <p:par>
+                    <p:cTn id="45" fill="hold">
+                      <p:stCondLst>
+                        <p:cond delay="indefinite"/>
+                      </p:stCondLst>
+                      <p:childTnLst>
+                        <p:par>
+                          <p:cTn id="46" fill="hold">
+                            <p:stCondLst>
+                              <p:cond delay="0"/>
+                            </p:stCondLst>
+                            <p:childTnLst>
+                              <p:par>
+                                <p:cTn id="47" presetID="2" presetClass="entr" presetSubtype="4" fill="hold" nodeType="clickEffect">
+                                  <p:stCondLst>
+                                    <p:cond delay="0"/>
+                                  </p:stCondLst>
+                                  <p:childTnLst>
+                                    <p:set>
+                                      <p:cBhvr>
+                                        <p:cTn id="48" dur="1" fill="hold">
+                                          <p:stCondLst>
+                                            <p:cond delay="0"/>
+                                          </p:stCondLst>
+                                        </p:cTn>
+                                        <p:tgtEl>
+                                          <p:spTgt spid="3">
+                                            <p:txEl>
+                                              <p:pRg st="7" end="7"/>
+                                            </p:txEl>
+                                          </p:spTgt>
+                                        </p:tgtEl>
+                                        <p:attrNameLst>
+                                          <p:attrName>style.visibility</p:attrName>
+                                        </p:attrNameLst>
+                                      </p:cBhvr>
+                                      <p:to>
+                                        <p:strVal val="visible"/>
+                                      </p:to>
+                                    </p:set>
+                                    <p:anim calcmode="lin" valueType="num">
+                                      <p:cBhvr additive="base">
+                                        <p:cTn id="49" dur="500" fill="hold"/>
+                                        <p:tgtEl>
+                                          <p:spTgt spid="3">
+                                            <p:txEl>
+                                              <p:pRg st="7" end="7"/>
+                                            </p:txEl>
+                                          </p:spTgt>
+                                        </p:tgtEl>
+                                        <p:attrNameLst>
+                                          <p:attrName>ppt_x</p:attrName>
+                                        </p:attrNameLst>
+                                      </p:cBhvr>
+                                      <p:tavLst>
+                                        <p:tav tm="0">
+                                          <p:val>
+                                            <p:strVal val="#ppt_x"/>
+                                          </p:val>
+                                        </p:tav>
+                                        <p:tav tm="100000">
+                                          <p:val>
+                                            <p:strVal val="#ppt_x"/>
+                                          </p:val>
+                                        </p:tav>
+                                      </p:tavLst>
+                                    </p:anim>
+                                    <p:anim calcmode="lin" valueType="num">
+                                      <p:cBhvr additive="base">
+                                        <p:cTn id="50" dur="500" fill="hold"/>
+                                        <p:tgtEl>
+                                          <p:spTgt spid="3">
+                                            <p:txEl>
+                                              <p:pRg st="7" end="7"/>
+                                            </p:txEl>
+                                          </p:spTgt>
+                                        </p:tgtEl>
+                                        <p:attrNameLst>
+                                          <p:attrName>ppt_y</p:attrName>
+                                        </p:attrNameLst>
+                                      </p:cBhvr>
+                                      <p:tavLst>
+                                        <p:tav tm="0">
+                                          <p:val>
+                                            <p:strVal val="1+#ppt_h/2"/>
+                                          </p:val>
+                                        </p:tav>
+                                        <p:tav tm="100000">
+                                          <p:val>
+                                            <p:strVal val="#ppt_y"/>
+                                          </p:val>
+                                        </p:tav>
+                                      </p:tavLst>
+                                    </p:anim>
+                                  </p:childTnLst>
+                                </p:cTn>
+                              </p:par>
+                            </p:childTnLst>
+                          </p:cTn>
+                        </p:par>
+                      </p:childTnLst>
+                    </p:cTn>
+                  </p:par>
+                </p:childTnLst>
+              </p:cTn>
+              <p:prevCondLst>
+                <p:cond evt="onPrev" delay="0">
+                  <p:tgtEl>
+                    <p:sldTgt/>
+                  </p:tgtEl>
+                </p:cond>
+              </p:prevCondLst>
+              <p:nextCondLst>
+                <p:cond evt="onNext" delay="0">
+                  <p:tgtEl>
+                    <p:sldTgt/>
+                  </p:tgtEl>
+                </p:cond>
+              </p:nextCondLst>
+            </p:seq>
+          </p:childTnLst>
+        </p:cTn>
+      </p:par>
+    </p:tnLst>
+  </p:timing>
 </p:sld>
 </file>
 
@@ -9566,62 +10589,62 @@
         </p:nvSpPr>
         <p:spPr/>
         <p:txBody>
-          <a:bodyPr rtlCol="0"/>
+          <a:bodyPr/>
           <a:lstStyle/>
           <a:p>
-            <a:pPr rtl="0"/>
             <a:r>
               <a:rPr lang="ru-RU" dirty="0" smtClean="0"/>
-              <a:t>Добавить заголовок слайда — 5</a:t>
+              <a:t>Сервис</a:t>
             </a:r>
             <a:endParaRPr lang="ru-RU" dirty="0"/>
           </a:p>
         </p:txBody>
       </p:sp>
-      <p:sp>
-        <p:nvSpPr>
-          <p:cNvPr id="5" name="Объект 4"/>
-          <p:cNvSpPr>
-            <a:spLocks noGrp="1"/>
-          </p:cNvSpPr>
-          <p:nvPr>
-            <p:ph idx="1"/>
-          </p:nvPr>
-        </p:nvSpPr>
-        <p:spPr/>
-        <p:txBody>
-          <a:bodyPr rtlCol="0"/>
-          <a:lstStyle/>
-          <a:p>
-            <a:pPr rtl="0"/>
-            <a:endParaRPr lang="ru-RU" dirty="0"/>
-          </a:p>
-        </p:txBody>
-      </p:sp>
-      <p:sp>
-        <p:nvSpPr>
-          <p:cNvPr id="6" name="Текст 5"/>
-          <p:cNvSpPr>
-            <a:spLocks noGrp="1"/>
-          </p:cNvSpPr>
-          <p:nvPr>
-            <p:ph type="body" sz="half" idx="2"/>
-          </p:nvPr>
-        </p:nvSpPr>
-        <p:spPr/>
-        <p:txBody>
-          <a:bodyPr rtlCol="0"/>
-          <a:lstStyle/>
-          <a:p>
-            <a:pPr rtl="0"/>
-            <a:endParaRPr lang="ru-RU" dirty="0"/>
-          </a:p>
-        </p:txBody>
-      </p:sp>
+      <p:pic>
+        <p:nvPicPr>
+          <p:cNvPr id="2050" name="Picture 2" descr="https://www.differencebtw.com/wp-content/uploads/2016/10/windows-communication-foundation-wcf.jpg"/>
+          <p:cNvPicPr>
+            <a:picLocks noChangeAspect="1" noChangeArrowheads="1"/>
+          </p:cNvPicPr>
+          <p:nvPr/>
+        </p:nvPicPr>
+        <p:blipFill>
+          <a:blip r:embed="rId2">
+            <a:extLst>
+              <a:ext uri="{28A0092B-C50C-407E-A947-70E740481C1C}">
+                <a14:useLocalDpi xmlns:a14="http://schemas.microsoft.com/office/drawing/2010/main" val="0"/>
+              </a:ext>
+            </a:extLst>
+          </a:blip>
+          <a:srcRect/>
+          <a:stretch>
+            <a:fillRect/>
+          </a:stretch>
+        </p:blipFill>
+        <p:spPr bwMode="auto">
+          <a:xfrm>
+            <a:off x="4333875" y="3051174"/>
+            <a:ext cx="3524250" cy="2607945"/>
+          </a:xfrm>
+          <a:prstGeom prst="rect">
+            <a:avLst/>
+          </a:prstGeom>
+          <a:noFill/>
+          <a:extLst>
+            <a:ext uri="{909E8E84-426E-40DD-AFC4-6F175D3DCCD1}">
+              <a14:hiddenFill xmlns:a14="http://schemas.microsoft.com/office/drawing/2010/main">
+                <a:solidFill>
+                  <a:srgbClr val="FFFFFF"/>
+                </a:solidFill>
+              </a14:hiddenFill>
+            </a:ext>
+          </a:extLst>
+        </p:spPr>
+      </p:pic>
     </p:spTree>
     <p:extLst>
       <p:ext uri="{BB962C8B-B14F-4D97-AF65-F5344CB8AC3E}">
-        <p14:creationId xmlns:p14="http://schemas.microsoft.com/office/powerpoint/2010/main" val="332843759"/>
+        <p14:creationId xmlns:p14="http://schemas.microsoft.com/office/powerpoint/2010/main" val="1817209574"/>
       </p:ext>
     </p:extLst>
   </p:cSld>
@@ -9640,6 +10663,13 @@
       </p:transition>
     </mc:Fallback>
   </mc:AlternateContent>
+  <p:timing>
+    <p:tnLst>
+      <p:par>
+        <p:cTn id="1" dur="indefinite" restart="never" nodeType="tmRoot"/>
+      </p:par>
+    </p:tnLst>
+  </p:timing>
 </p:sld>
 </file>
 
@@ -9672,54 +10702,160 @@
         </p:nvSpPr>
         <p:spPr/>
         <p:txBody>
-          <a:bodyPr rtlCol="0"/>
+          <a:bodyPr/>
           <a:lstStyle/>
           <a:p>
-            <a:pPr rtl="0"/>
             <a:r>
               <a:rPr lang="ru-RU" dirty="0" smtClean="0"/>
-              <a:t>Добавить заголовок слайда — 6</a:t>
+              <a:t>Уровень хранилищ</a:t>
             </a:r>
             <a:endParaRPr lang="ru-RU" dirty="0"/>
           </a:p>
         </p:txBody>
       </p:sp>
-      <p:sp>
-        <p:nvSpPr>
-          <p:cNvPr id="5" name="Рисунок 4" descr="Пустой заполнитель, вместо которого можно добавить изображение. Щелкните заполнитель и выберите изображение, которое необходимо добавить"/>
-          <p:cNvSpPr>
-            <a:spLocks noGrp="1"/>
-          </p:cNvSpPr>
-          <p:nvPr>
-            <p:ph type="pic" idx="1"/>
-          </p:nvPr>
-        </p:nvSpPr>
-        <p:spPr/>
-      </p:sp>
-      <p:sp>
-        <p:nvSpPr>
-          <p:cNvPr id="6" name="Текст 5"/>
-          <p:cNvSpPr>
-            <a:spLocks noGrp="1"/>
-          </p:cNvSpPr>
-          <p:nvPr>
-            <p:ph type="body" sz="half" idx="2"/>
-          </p:nvPr>
-        </p:nvSpPr>
-        <p:spPr/>
-        <p:txBody>
-          <a:bodyPr rtlCol="0"/>
-          <a:lstStyle/>
-          <a:p>
-            <a:pPr rtl="0"/>
-            <a:endParaRPr lang="ru-RU" dirty="0"/>
-          </a:p>
-        </p:txBody>
-      </p:sp>
+      <p:grpSp>
+        <p:nvGrpSpPr>
+          <p:cNvPr id="6" name="Группа 5"/>
+          <p:cNvGrpSpPr/>
+          <p:nvPr/>
+        </p:nvGrpSpPr>
+        <p:grpSpPr>
+          <a:xfrm>
+            <a:off x="434975" y="2017713"/>
+            <a:ext cx="3959225" cy="4126155"/>
+            <a:chOff x="650875" y="1458913"/>
+            <a:chExt cx="3959225" cy="4126155"/>
+          </a:xfrm>
+        </p:grpSpPr>
+        <p:pic>
+          <p:nvPicPr>
+            <p:cNvPr id="3078" name="Picture 6" descr="https://lh3.googleusercontent.com/1nT-mYsLKH5EsShgoE5Wt0z0zh29YGudbbQBStr1dtmIrBbPMSMzT0huEOnazm1PSg"/>
+            <p:cNvPicPr>
+              <a:picLocks noChangeAspect="1" noChangeArrowheads="1"/>
+            </p:cNvPicPr>
+            <p:nvPr/>
+          </p:nvPicPr>
+          <p:blipFill>
+            <a:blip r:embed="rId2">
+              <a:extLst>
+                <a:ext uri="{28A0092B-C50C-407E-A947-70E740481C1C}">
+                  <a14:useLocalDpi xmlns:a14="http://schemas.microsoft.com/office/drawing/2010/main" val="0"/>
+                </a:ext>
+              </a:extLst>
+            </a:blip>
+            <a:srcRect/>
+            <a:stretch>
+              <a:fillRect/>
+            </a:stretch>
+          </p:blipFill>
+          <p:spPr bwMode="auto">
+            <a:xfrm>
+              <a:off x="650875" y="1458913"/>
+              <a:ext cx="3959225" cy="3959226"/>
+            </a:xfrm>
+            <a:prstGeom prst="rect">
+              <a:avLst/>
+            </a:prstGeom>
+            <a:noFill/>
+            <a:extLst>
+              <a:ext uri="{909E8E84-426E-40DD-AFC4-6F175D3DCCD1}">
+                <a14:hiddenFill xmlns:a14="http://schemas.microsoft.com/office/drawing/2010/main">
+                  <a:solidFill>
+                    <a:srgbClr val="FFFFFF"/>
+                  </a:solidFill>
+                </a14:hiddenFill>
+              </a:ext>
+            </a:extLst>
+          </p:spPr>
+        </p:pic>
+        <p:sp>
+          <p:nvSpPr>
+            <p:cNvPr id="5" name="TextBox 4"/>
+            <p:cNvSpPr txBox="1"/>
+            <p:nvPr/>
+          </p:nvSpPr>
+          <p:spPr>
+            <a:xfrm>
+              <a:off x="1566734" y="5123403"/>
+              <a:ext cx="2127505" cy="461665"/>
+            </a:xfrm>
+            <a:prstGeom prst="rect">
+              <a:avLst/>
+            </a:prstGeom>
+            <a:noFill/>
+          </p:spPr>
+          <p:txBody>
+            <a:bodyPr wrap="square" rtlCol="0">
+              <a:spAutoFit/>
+            </a:bodyPr>
+            <a:lstStyle/>
+            <a:p>
+              <a:r>
+                <a:rPr lang="en-US" sz="2400" b="1" i="1" dirty="0">
+                  <a:solidFill>
+                    <a:srgbClr val="E65100"/>
+                  </a:solidFill>
+                  <a:latin typeface="Times New Roman" panose="02020603050405020304" pitchFamily="18" charset="0"/>
+                  <a:cs typeface="Times New Roman" panose="02020603050405020304" pitchFamily="18" charset="0"/>
+                </a:rPr>
+                <a:t>Banana Studio</a:t>
+              </a:r>
+              <a:endParaRPr lang="ru-RU" sz="2400" b="1" i="1" dirty="0">
+                <a:solidFill>
+                  <a:srgbClr val="E65100"/>
+                </a:solidFill>
+                <a:latin typeface="Times New Roman" panose="02020603050405020304" pitchFamily="18" charset="0"/>
+                <a:cs typeface="Times New Roman" panose="02020603050405020304" pitchFamily="18" charset="0"/>
+              </a:endParaRPr>
+            </a:p>
+          </p:txBody>
+        </p:sp>
+      </p:grpSp>
+      <p:pic>
+        <p:nvPicPr>
+          <p:cNvPr id="3080" name="Picture 8" descr="http://chyrun.com/wp-content/uploads/2016/07/Android-4.1.jpg"/>
+          <p:cNvPicPr>
+            <a:picLocks noChangeAspect="1" noChangeArrowheads="1"/>
+          </p:cNvPicPr>
+          <p:nvPr/>
+        </p:nvPicPr>
+        <p:blipFill>
+          <a:blip r:embed="rId3">
+            <a:extLst>
+              <a:ext uri="{28A0092B-C50C-407E-A947-70E740481C1C}">
+                <a14:useLocalDpi xmlns:a14="http://schemas.microsoft.com/office/drawing/2010/main" val="0"/>
+              </a:ext>
+            </a:extLst>
+          </a:blip>
+          <a:srcRect/>
+          <a:stretch>
+            <a:fillRect/>
+          </a:stretch>
+        </p:blipFill>
+        <p:spPr bwMode="auto">
+          <a:xfrm>
+            <a:off x="5565775" y="2933701"/>
+            <a:ext cx="5715000" cy="2381250"/>
+          </a:xfrm>
+          <a:prstGeom prst="rect">
+            <a:avLst/>
+          </a:prstGeom>
+          <a:noFill/>
+          <a:extLst>
+            <a:ext uri="{909E8E84-426E-40DD-AFC4-6F175D3DCCD1}">
+              <a14:hiddenFill xmlns:a14="http://schemas.microsoft.com/office/drawing/2010/main">
+                <a:solidFill>
+                  <a:srgbClr val="FFFFFF"/>
+                </a:solidFill>
+              </a14:hiddenFill>
+            </a:ext>
+          </a:extLst>
+        </p:spPr>
+      </p:pic>
     </p:spTree>
     <p:extLst>
       <p:ext uri="{BB962C8B-B14F-4D97-AF65-F5344CB8AC3E}">
-        <p14:creationId xmlns:p14="http://schemas.microsoft.com/office/powerpoint/2010/main" val="4129926194"/>
+        <p14:creationId xmlns:p14="http://schemas.microsoft.com/office/powerpoint/2010/main" val="2263755176"/>
       </p:ext>
     </p:extLst>
   </p:cSld>
@@ -9738,6 +10874,13 @@
       </p:transition>
     </mc:Fallback>
   </mc:AlternateContent>
+  <p:timing>
+    <p:tnLst>
+      <p:par>
+        <p:cTn id="1" dur="indefinite" restart="never" nodeType="tmRoot"/>
+      </p:par>
+    </p:tnLst>
+  </p:timing>
 </p:sld>
 </file>
 
@@ -9770,86 +10913,53 @@
         </p:nvSpPr>
         <p:spPr/>
         <p:txBody>
-          <a:bodyPr rtlCol="0"/>
+          <a:bodyPr/>
           <a:lstStyle/>
           <a:p>
-            <a:pPr rtl="0"/>
+            <a:r>
+              <a:rPr lang="en-US" dirty="0"/>
+              <a:t>UML –</a:t>
+            </a:r>
+            <a:r>
+              <a:rPr lang="ru-RU" dirty="0"/>
+              <a:t>диаграмма </a:t>
+            </a:r>
             <a:r>
               <a:rPr lang="ru-RU" dirty="0" smtClean="0"/>
-              <a:t>Добавить заголовок слайда — 7</a:t>
+              <a:t>использования</a:t>
             </a:r>
             <a:endParaRPr lang="ru-RU" dirty="0"/>
           </a:p>
         </p:txBody>
       </p:sp>
-      <p:sp>
-        <p:nvSpPr>
-          <p:cNvPr id="4" name="Рисунок 3"/>
-          <p:cNvSpPr>
-            <a:spLocks noGrp="1"/>
-          </p:cNvSpPr>
-          <p:nvPr>
-            <p:ph type="pic" idx="1"/>
-          </p:nvPr>
-        </p:nvSpPr>
-        <p:spPr/>
-      </p:sp>
-      <p:sp>
-        <p:nvSpPr>
-          <p:cNvPr id="5" name="Текст 4"/>
-          <p:cNvSpPr>
-            <a:spLocks noGrp="1"/>
-          </p:cNvSpPr>
-          <p:nvPr>
-            <p:ph type="body" sz="half" idx="2"/>
-          </p:nvPr>
-        </p:nvSpPr>
-        <p:spPr/>
-        <p:txBody>
-          <a:bodyPr rtlCol="0"/>
-          <a:lstStyle/>
-          <a:p>
-            <a:pPr rtl="0"/>
-            <a:endParaRPr lang="ru-RU" dirty="0"/>
-          </a:p>
-        </p:txBody>
-      </p:sp>
-      <p:sp>
-        <p:nvSpPr>
-          <p:cNvPr id="6" name="Рисунок 5"/>
-          <p:cNvSpPr>
-            <a:spLocks noGrp="1"/>
-          </p:cNvSpPr>
-          <p:nvPr>
-            <p:ph type="pic" idx="13"/>
-          </p:nvPr>
-        </p:nvSpPr>
-        <p:spPr/>
-      </p:sp>
-      <p:sp>
-        <p:nvSpPr>
-          <p:cNvPr id="11" name="Текст 10"/>
-          <p:cNvSpPr>
-            <a:spLocks noGrp="1"/>
-          </p:cNvSpPr>
-          <p:nvPr>
-            <p:ph type="body" sz="half" idx="14"/>
-          </p:nvPr>
-        </p:nvSpPr>
-        <p:spPr/>
-        <p:txBody>
-          <a:bodyPr rtlCol="0"/>
-          <a:lstStyle/>
-          <a:p>
-            <a:pPr rtl="0"/>
-            <a:endParaRPr lang="ru-RU" dirty="0"/>
-          </a:p>
-        </p:txBody>
-      </p:sp>
+      <p:pic>
+        <p:nvPicPr>
+          <p:cNvPr id="3" name="Рисунок 2"/>
+          <p:cNvPicPr>
+            <a:picLocks noChangeAspect="1"/>
+          </p:cNvPicPr>
+          <p:nvPr/>
+        </p:nvPicPr>
+        <p:blipFill>
+          <a:blip r:embed="rId2"/>
+          <a:stretch>
+            <a:fillRect/>
+          </a:stretch>
+        </p:blipFill>
+        <p:spPr>
+          <a:xfrm>
+            <a:off x="531179" y="1701801"/>
+            <a:ext cx="11129642" cy="5039224"/>
+          </a:xfrm>
+          <a:prstGeom prst="rect">
+            <a:avLst/>
+          </a:prstGeom>
+        </p:spPr>
+      </p:pic>
     </p:spTree>
     <p:extLst>
       <p:ext uri="{BB962C8B-B14F-4D97-AF65-F5344CB8AC3E}">
-        <p14:creationId xmlns:p14="http://schemas.microsoft.com/office/powerpoint/2010/main" val="188841400"/>
+        <p14:creationId xmlns:p14="http://schemas.microsoft.com/office/powerpoint/2010/main" val="2671003598"/>
       </p:ext>
     </p:extLst>
   </p:cSld>
@@ -9868,6 +10978,600 @@
       </p:transition>
     </mc:Fallback>
   </mc:AlternateContent>
+  <p:timing>
+    <p:tnLst>
+      <p:par>
+        <p:cTn id="1" dur="indefinite" restart="never" nodeType="tmRoot"/>
+      </p:par>
+    </p:tnLst>
+  </p:timing>
+</p:sld>
+</file>
+
+<file path=ppt/slides/slide14.xml><?xml version="1.0" encoding="utf-8"?>
+<p:sld xmlns:a="http://schemas.openxmlformats.org/drawingml/2006/main" xmlns:r="http://schemas.openxmlformats.org/officeDocument/2006/relationships" xmlns:p="http://schemas.openxmlformats.org/presentationml/2006/main">
+  <p:cSld>
+    <p:spTree>
+      <p:nvGrpSpPr>
+        <p:cNvPr id="1" name=""/>
+        <p:cNvGrpSpPr/>
+        <p:nvPr/>
+      </p:nvGrpSpPr>
+      <p:grpSpPr>
+        <a:xfrm>
+          <a:off x="0" y="0"/>
+          <a:ext cx="0" cy="0"/>
+          <a:chOff x="0" y="0"/>
+          <a:chExt cx="0" cy="0"/>
+        </a:xfrm>
+      </p:grpSpPr>
+      <p:pic>
+        <p:nvPicPr>
+          <p:cNvPr id="2" name="Рисунок 1"/>
+          <p:cNvPicPr>
+            <a:picLocks noChangeAspect="1"/>
+          </p:cNvPicPr>
+          <p:nvPr/>
+        </p:nvPicPr>
+        <p:blipFill>
+          <a:blip r:embed="rId2"/>
+          <a:stretch>
+            <a:fillRect/>
+          </a:stretch>
+        </p:blipFill>
+        <p:spPr>
+          <a:xfrm>
+            <a:off x="0" y="369702"/>
+            <a:ext cx="12137422" cy="6088247"/>
+          </a:xfrm>
+          <a:prstGeom prst="rect">
+            <a:avLst/>
+          </a:prstGeom>
+        </p:spPr>
+      </p:pic>
+    </p:spTree>
+    <p:extLst>
+      <p:ext uri="{BB962C8B-B14F-4D97-AF65-F5344CB8AC3E}">
+        <p14:creationId xmlns:p14="http://schemas.microsoft.com/office/powerpoint/2010/main" val="559606108"/>
+      </p:ext>
+    </p:extLst>
+  </p:cSld>
+  <p:clrMapOvr>
+    <a:masterClrMapping/>
+  </p:clrMapOvr>
+  <mc:AlternateContent xmlns:mc="http://schemas.openxmlformats.org/markup-compatibility/2006" xmlns:p14="http://schemas.microsoft.com/office/powerpoint/2010/main">
+    <mc:Choice Requires="p14">
+      <p:transition spd="med" p14:dur="700">
+        <p:fade/>
+      </p:transition>
+    </mc:Choice>
+    <mc:Fallback xmlns="">
+      <p:transition spd="med">
+        <p:fade/>
+      </p:transition>
+    </mc:Fallback>
+  </mc:AlternateContent>
+  <p:timing>
+    <p:tnLst>
+      <p:par>
+        <p:cTn id="1" dur="indefinite" restart="never" nodeType="tmRoot"/>
+      </p:par>
+    </p:tnLst>
+  </p:timing>
+</p:sld>
+</file>
+
+<file path=ppt/slides/slide15.xml><?xml version="1.0" encoding="utf-8"?>
+<p:sld xmlns:a="http://schemas.openxmlformats.org/drawingml/2006/main" xmlns:r="http://schemas.openxmlformats.org/officeDocument/2006/relationships" xmlns:p="http://schemas.openxmlformats.org/presentationml/2006/main">
+  <p:cSld>
+    <p:spTree>
+      <p:nvGrpSpPr>
+        <p:cNvPr id="1" name=""/>
+        <p:cNvGrpSpPr/>
+        <p:nvPr/>
+      </p:nvGrpSpPr>
+      <p:grpSpPr>
+        <a:xfrm>
+          <a:off x="0" y="0"/>
+          <a:ext cx="0" cy="0"/>
+          <a:chOff x="0" y="0"/>
+          <a:chExt cx="0" cy="0"/>
+        </a:xfrm>
+      </p:grpSpPr>
+      <p:pic>
+        <p:nvPicPr>
+          <p:cNvPr id="2" name="Рисунок 1"/>
+          <p:cNvPicPr>
+            <a:picLocks noChangeAspect="1"/>
+          </p:cNvPicPr>
+          <p:nvPr/>
+        </p:nvPicPr>
+        <p:blipFill>
+          <a:blip r:embed="rId2"/>
+          <a:stretch>
+            <a:fillRect/>
+          </a:stretch>
+        </p:blipFill>
+        <p:spPr>
+          <a:xfrm>
+            <a:off x="0" y="495300"/>
+            <a:ext cx="12142940" cy="5695950"/>
+          </a:xfrm>
+          <a:prstGeom prst="rect">
+            <a:avLst/>
+          </a:prstGeom>
+        </p:spPr>
+      </p:pic>
+    </p:spTree>
+    <p:extLst>
+      <p:ext uri="{BB962C8B-B14F-4D97-AF65-F5344CB8AC3E}">
+        <p14:creationId xmlns:p14="http://schemas.microsoft.com/office/powerpoint/2010/main" val="388129792"/>
+      </p:ext>
+    </p:extLst>
+  </p:cSld>
+  <p:clrMapOvr>
+    <a:masterClrMapping/>
+  </p:clrMapOvr>
+  <mc:AlternateContent xmlns:mc="http://schemas.openxmlformats.org/markup-compatibility/2006" xmlns:p14="http://schemas.microsoft.com/office/powerpoint/2010/main">
+    <mc:Choice Requires="p14">
+      <p:transition spd="med" p14:dur="700">
+        <p:fade/>
+      </p:transition>
+    </mc:Choice>
+    <mc:Fallback xmlns="">
+      <p:transition spd="med">
+        <p:fade/>
+      </p:transition>
+    </mc:Fallback>
+  </mc:AlternateContent>
+  <p:timing>
+    <p:tnLst>
+      <p:par>
+        <p:cTn id="1" dur="indefinite" restart="never" nodeType="tmRoot"/>
+      </p:par>
+    </p:tnLst>
+  </p:timing>
+</p:sld>
+</file>
+
+<file path=ppt/slides/slide16.xml><?xml version="1.0" encoding="utf-8"?>
+<p:sld xmlns:a="http://schemas.openxmlformats.org/drawingml/2006/main" xmlns:r="http://schemas.openxmlformats.org/officeDocument/2006/relationships" xmlns:p="http://schemas.openxmlformats.org/presentationml/2006/main">
+  <p:cSld>
+    <p:spTree>
+      <p:nvGrpSpPr>
+        <p:cNvPr id="1" name=""/>
+        <p:cNvGrpSpPr/>
+        <p:nvPr/>
+      </p:nvGrpSpPr>
+      <p:grpSpPr>
+        <a:xfrm>
+          <a:off x="0" y="0"/>
+          <a:ext cx="0" cy="0"/>
+          <a:chOff x="0" y="0"/>
+          <a:chExt cx="0" cy="0"/>
+        </a:xfrm>
+      </p:grpSpPr>
+      <p:sp>
+        <p:nvSpPr>
+          <p:cNvPr id="2" name="Заголовок 1"/>
+          <p:cNvSpPr>
+            <a:spLocks noGrp="1"/>
+          </p:cNvSpPr>
+          <p:nvPr>
+            <p:ph type="title"/>
+          </p:nvPr>
+        </p:nvSpPr>
+        <p:spPr/>
+        <p:txBody>
+          <a:bodyPr rtlCol="0"/>
+          <a:lstStyle/>
+          <a:p>
+            <a:pPr rtl="0"/>
+            <a:r>
+              <a:rPr lang="ru-RU" dirty="0" smtClean="0"/>
+              <a:t>Макет заголовка и объекта со </a:t>
+            </a:r>
+            <a:r>
+              <a:rPr lang="ru-RU" dirty="0" err="1" smtClean="0"/>
+              <a:t>SmartArt</a:t>
+            </a:r>
+            <a:endParaRPr lang="ru-RU" dirty="0"/>
+          </a:p>
+        </p:txBody>
+      </p:sp>
+      <p:graphicFrame>
+        <p:nvGraphicFramePr>
+          <p:cNvPr id="6" name="Объект 5" descr="Простая схема с шевронами, показывающая 4 этапа, расположенные слева направо"/>
+          <p:cNvGraphicFramePr>
+            <a:graphicFrameLocks noGrp="1"/>
+          </p:cNvGraphicFramePr>
+          <p:nvPr>
+            <p:ph idx="1"/>
+            <p:extLst>
+              <p:ext uri="{D42A27DB-BD31-4B8C-83A1-F6EECF244321}">
+                <p14:modId xmlns:p14="http://schemas.microsoft.com/office/powerpoint/2010/main" val="3386389685"/>
+              </p:ext>
+            </p:extLst>
+          </p:nvPr>
+        </p:nvGraphicFramePr>
+        <p:xfrm>
+          <a:off x="1295400" y="1828800"/>
+          <a:ext cx="9601200" cy="4343400"/>
+        </p:xfrm>
+        <a:graphic>
+          <a:graphicData uri="http://schemas.openxmlformats.org/drawingml/2006/diagram">
+            <dgm:relIds xmlns:dgm="http://schemas.openxmlformats.org/drawingml/2006/diagram" xmlns:r="http://schemas.openxmlformats.org/officeDocument/2006/relationships" r:dm="rId3" r:lo="rId4" r:qs="rId5" r:cs="rId6"/>
+          </a:graphicData>
+        </a:graphic>
+      </p:graphicFrame>
+    </p:spTree>
+    <p:extLst>
+      <p:ext uri="{BB962C8B-B14F-4D97-AF65-F5344CB8AC3E}">
+        <p14:creationId xmlns:p14="http://schemas.microsoft.com/office/powerpoint/2010/main" val="3112142608"/>
+      </p:ext>
+    </p:extLst>
+  </p:cSld>
+  <p:clrMapOvr>
+    <a:masterClrMapping/>
+  </p:clrMapOvr>
+  <mc:AlternateContent xmlns:mc="http://schemas.openxmlformats.org/markup-compatibility/2006" xmlns:p14="http://schemas.microsoft.com/office/powerpoint/2010/main">
+    <mc:Choice Requires="p14">
+      <p:transition spd="med" p14:dur="700">
+        <p:fade/>
+      </p:transition>
+    </mc:Choice>
+    <mc:Fallback xmlns="">
+      <p:transition spd="med">
+        <p:fade/>
+      </p:transition>
+    </mc:Fallback>
+  </mc:AlternateContent>
+  <p:timing>
+    <p:tnLst>
+      <p:par>
+        <p:cTn id="1" dur="indefinite" restart="never" nodeType="tmRoot"/>
+      </p:par>
+    </p:tnLst>
+  </p:timing>
+</p:sld>
+</file>
+
+<file path=ppt/slides/slide17.xml><?xml version="1.0" encoding="utf-8"?>
+<p:sld xmlns:a="http://schemas.openxmlformats.org/drawingml/2006/main" xmlns:r="http://schemas.openxmlformats.org/officeDocument/2006/relationships" xmlns:p="http://schemas.openxmlformats.org/presentationml/2006/main">
+  <p:cSld>
+    <p:spTree>
+      <p:nvGrpSpPr>
+        <p:cNvPr id="1" name=""/>
+        <p:cNvGrpSpPr/>
+        <p:nvPr/>
+      </p:nvGrpSpPr>
+      <p:grpSpPr>
+        <a:xfrm>
+          <a:off x="0" y="0"/>
+          <a:ext cx="0" cy="0"/>
+          <a:chOff x="0" y="0"/>
+          <a:chExt cx="0" cy="0"/>
+        </a:xfrm>
+      </p:grpSpPr>
+      <p:sp>
+        <p:nvSpPr>
+          <p:cNvPr id="2" name="Заголовок 1"/>
+          <p:cNvSpPr>
+            <a:spLocks noGrp="1"/>
+          </p:cNvSpPr>
+          <p:nvPr>
+            <p:ph type="ctrTitle"/>
+          </p:nvPr>
+        </p:nvSpPr>
+        <p:spPr/>
+        <p:txBody>
+          <a:bodyPr rtlCol="0"/>
+          <a:lstStyle/>
+          <a:p>
+            <a:pPr rtl="0"/>
+            <a:r>
+              <a:rPr lang="ru-RU" dirty="0" smtClean="0"/>
+              <a:t>Добавить заголовок слайда — 1</a:t>
+            </a:r>
+            <a:endParaRPr lang="ru-RU" dirty="0"/>
+          </a:p>
+        </p:txBody>
+      </p:sp>
+      <p:sp>
+        <p:nvSpPr>
+          <p:cNvPr id="4" name="Подзаголовок 3"/>
+          <p:cNvSpPr>
+            <a:spLocks noGrp="1"/>
+          </p:cNvSpPr>
+          <p:nvPr>
+            <p:ph type="subTitle" idx="1"/>
+          </p:nvPr>
+        </p:nvSpPr>
+        <p:spPr/>
+        <p:txBody>
+          <a:bodyPr rtlCol="0"/>
+          <a:lstStyle/>
+          <a:p>
+            <a:pPr rtl="0"/>
+            <a:endParaRPr lang="ru-RU" dirty="0"/>
+          </a:p>
+        </p:txBody>
+      </p:sp>
+    </p:spTree>
+    <p:extLst>
+      <p:ext uri="{BB962C8B-B14F-4D97-AF65-F5344CB8AC3E}">
+        <p14:creationId xmlns:p14="http://schemas.microsoft.com/office/powerpoint/2010/main" val="1636679273"/>
+      </p:ext>
+    </p:extLst>
+  </p:cSld>
+  <p:clrMapOvr>
+    <a:masterClrMapping/>
+  </p:clrMapOvr>
+  <mc:AlternateContent xmlns:mc="http://schemas.openxmlformats.org/markup-compatibility/2006" xmlns:p14="http://schemas.microsoft.com/office/powerpoint/2010/main">
+    <mc:Choice Requires="p14">
+      <p:transition spd="med" p14:dur="700">
+        <p:fade/>
+      </p:transition>
+    </mc:Choice>
+    <mc:Fallback xmlns="">
+      <p:transition spd="med">
+        <p:fade/>
+      </p:transition>
+    </mc:Fallback>
+  </mc:AlternateContent>
+  <p:timing>
+    <p:tnLst>
+      <p:par>
+        <p:cTn id="1" dur="indefinite" restart="never" nodeType="tmRoot"/>
+      </p:par>
+    </p:tnLst>
+  </p:timing>
+</p:sld>
+</file>
+
+<file path=ppt/slides/slide18.xml><?xml version="1.0" encoding="utf-8"?>
+<p:sld xmlns:a="http://schemas.openxmlformats.org/drawingml/2006/main" xmlns:r="http://schemas.openxmlformats.org/officeDocument/2006/relationships" xmlns:p="http://schemas.openxmlformats.org/presentationml/2006/main">
+  <p:cSld>
+    <p:spTree>
+      <p:nvGrpSpPr>
+        <p:cNvPr id="1" name=""/>
+        <p:cNvGrpSpPr/>
+        <p:nvPr/>
+      </p:nvGrpSpPr>
+      <p:grpSpPr>
+        <a:xfrm>
+          <a:off x="0" y="0"/>
+          <a:ext cx="0" cy="0"/>
+          <a:chOff x="0" y="0"/>
+          <a:chExt cx="0" cy="0"/>
+        </a:xfrm>
+      </p:grpSpPr>
+      <p:sp>
+        <p:nvSpPr>
+          <p:cNvPr id="2" name="Заголовок 1"/>
+          <p:cNvSpPr>
+            <a:spLocks noGrp="1"/>
+          </p:cNvSpPr>
+          <p:nvPr>
+            <p:ph type="title"/>
+          </p:nvPr>
+        </p:nvSpPr>
+        <p:spPr/>
+        <p:txBody>
+          <a:bodyPr rtlCol="0"/>
+          <a:lstStyle/>
+          <a:p>
+            <a:pPr rtl="0"/>
+            <a:r>
+              <a:rPr lang="ru-RU" dirty="0" smtClean="0"/>
+              <a:t>Добавить заголовок слайда — 2</a:t>
+            </a:r>
+            <a:endParaRPr lang="ru-RU" dirty="0"/>
+          </a:p>
+        </p:txBody>
+      </p:sp>
+      <p:sp>
+        <p:nvSpPr>
+          <p:cNvPr id="4" name="Текст 3"/>
+          <p:cNvSpPr>
+            <a:spLocks noGrp="1"/>
+          </p:cNvSpPr>
+          <p:nvPr>
+            <p:ph type="body" idx="1"/>
+          </p:nvPr>
+        </p:nvSpPr>
+        <p:spPr/>
+        <p:txBody>
+          <a:bodyPr rtlCol="0"/>
+          <a:lstStyle/>
+          <a:p>
+            <a:pPr rtl="0"/>
+            <a:endParaRPr lang="ru-RU" dirty="0"/>
+          </a:p>
+        </p:txBody>
+      </p:sp>
+    </p:spTree>
+    <p:extLst>
+      <p:ext uri="{BB962C8B-B14F-4D97-AF65-F5344CB8AC3E}">
+        <p14:creationId xmlns:p14="http://schemas.microsoft.com/office/powerpoint/2010/main" val="3374778722"/>
+      </p:ext>
+    </p:extLst>
+  </p:cSld>
+  <p:clrMapOvr>
+    <a:masterClrMapping/>
+  </p:clrMapOvr>
+  <mc:AlternateContent xmlns:mc="http://schemas.openxmlformats.org/markup-compatibility/2006" xmlns:p14="http://schemas.microsoft.com/office/powerpoint/2010/main">
+    <mc:Choice Requires="p14">
+      <p:transition spd="med" p14:dur="700">
+        <p:fade/>
+      </p:transition>
+    </mc:Choice>
+    <mc:Fallback xmlns="">
+      <p:transition spd="med">
+        <p:fade/>
+      </p:transition>
+    </mc:Fallback>
+  </mc:AlternateContent>
+  <p:timing>
+    <p:tnLst>
+      <p:par>
+        <p:cTn id="1" dur="indefinite" restart="never" nodeType="tmRoot"/>
+      </p:par>
+    </p:tnLst>
+  </p:timing>
+</p:sld>
+</file>
+
+<file path=ppt/slides/slide19.xml><?xml version="1.0" encoding="utf-8"?>
+<p:sld xmlns:a="http://schemas.openxmlformats.org/drawingml/2006/main" xmlns:r="http://schemas.openxmlformats.org/officeDocument/2006/relationships" xmlns:p="http://schemas.openxmlformats.org/presentationml/2006/main">
+  <p:cSld>
+    <p:spTree>
+      <p:nvGrpSpPr>
+        <p:cNvPr id="1" name=""/>
+        <p:cNvGrpSpPr/>
+        <p:nvPr/>
+      </p:nvGrpSpPr>
+      <p:grpSpPr>
+        <a:xfrm>
+          <a:off x="0" y="0"/>
+          <a:ext cx="0" cy="0"/>
+          <a:chOff x="0" y="0"/>
+          <a:chExt cx="0" cy="0"/>
+        </a:xfrm>
+      </p:grpSpPr>
+      <p:sp>
+        <p:nvSpPr>
+          <p:cNvPr id="2" name="Заголовок 1"/>
+          <p:cNvSpPr>
+            <a:spLocks noGrp="1"/>
+          </p:cNvSpPr>
+          <p:nvPr>
+            <p:ph type="title"/>
+          </p:nvPr>
+        </p:nvSpPr>
+        <p:spPr/>
+        <p:txBody>
+          <a:bodyPr rtlCol="0"/>
+          <a:lstStyle/>
+          <a:p>
+            <a:pPr rtl="0"/>
+            <a:r>
+              <a:rPr lang="ru-RU" dirty="0" smtClean="0"/>
+              <a:t>Добавить заголовок слайда — 3</a:t>
+            </a:r>
+            <a:endParaRPr lang="ru-RU" dirty="0"/>
+          </a:p>
+        </p:txBody>
+      </p:sp>
+      <p:sp>
+        <p:nvSpPr>
+          <p:cNvPr id="11" name="Текст 10"/>
+          <p:cNvSpPr>
+            <a:spLocks noGrp="1"/>
+          </p:cNvSpPr>
+          <p:nvPr>
+            <p:ph type="body" idx="1"/>
+          </p:nvPr>
+        </p:nvSpPr>
+        <p:spPr/>
+        <p:txBody>
+          <a:bodyPr rtlCol="0"/>
+          <a:lstStyle/>
+          <a:p>
+            <a:pPr rtl="0"/>
+            <a:endParaRPr lang="ru-RU" dirty="0"/>
+          </a:p>
+        </p:txBody>
+      </p:sp>
+      <p:sp>
+        <p:nvSpPr>
+          <p:cNvPr id="12" name="Объект 11"/>
+          <p:cNvSpPr>
+            <a:spLocks noGrp="1"/>
+          </p:cNvSpPr>
+          <p:nvPr>
+            <p:ph sz="half" idx="2"/>
+          </p:nvPr>
+        </p:nvSpPr>
+        <p:spPr/>
+        <p:txBody>
+          <a:bodyPr rtlCol="0"/>
+          <a:lstStyle/>
+          <a:p>
+            <a:pPr rtl="0"/>
+            <a:endParaRPr lang="ru-RU" dirty="0"/>
+          </a:p>
+        </p:txBody>
+      </p:sp>
+      <p:sp>
+        <p:nvSpPr>
+          <p:cNvPr id="13" name="Текст 12"/>
+          <p:cNvSpPr>
+            <a:spLocks noGrp="1"/>
+          </p:cNvSpPr>
+          <p:nvPr>
+            <p:ph type="body" sz="quarter" idx="3"/>
+          </p:nvPr>
+        </p:nvSpPr>
+        <p:spPr/>
+        <p:txBody>
+          <a:bodyPr rtlCol="0"/>
+          <a:lstStyle/>
+          <a:p>
+            <a:pPr rtl="0"/>
+            <a:endParaRPr lang="ru-RU" dirty="0"/>
+          </a:p>
+        </p:txBody>
+      </p:sp>
+      <p:sp>
+        <p:nvSpPr>
+          <p:cNvPr id="14" name="Объект 13"/>
+          <p:cNvSpPr>
+            <a:spLocks noGrp="1"/>
+          </p:cNvSpPr>
+          <p:nvPr>
+            <p:ph sz="quarter" idx="4"/>
+          </p:nvPr>
+        </p:nvSpPr>
+        <p:spPr/>
+        <p:txBody>
+          <a:bodyPr rtlCol="0"/>
+          <a:lstStyle/>
+          <a:p>
+            <a:pPr rtl="0"/>
+            <a:endParaRPr lang="ru-RU" dirty="0"/>
+          </a:p>
+        </p:txBody>
+      </p:sp>
+    </p:spTree>
+    <p:extLst>
+      <p:ext uri="{BB962C8B-B14F-4D97-AF65-F5344CB8AC3E}">
+        <p14:creationId xmlns:p14="http://schemas.microsoft.com/office/powerpoint/2010/main" val="737118897"/>
+      </p:ext>
+    </p:extLst>
+  </p:cSld>
+  <p:clrMapOvr>
+    <a:masterClrMapping/>
+  </p:clrMapOvr>
+  <mc:AlternateContent xmlns:mc="http://schemas.openxmlformats.org/markup-compatibility/2006" xmlns:p14="http://schemas.microsoft.com/office/powerpoint/2010/main">
+    <mc:Choice Requires="p14">
+      <p:transition spd="med" p14:dur="700">
+        <p:fade/>
+      </p:transition>
+    </mc:Choice>
+    <mc:Fallback xmlns="">
+      <p:transition spd="med">
+        <p:fade/>
+      </p:transition>
+    </mc:Fallback>
+  </mc:AlternateContent>
+  <p:timing>
+    <p:tnLst>
+      <p:par>
+        <p:cTn id="1" dur="indefinite" restart="never" nodeType="tmRoot"/>
+      </p:par>
+    </p:tnLst>
+  </p:timing>
 </p:sld>
 </file>
 
@@ -10606,6 +12310,466 @@
 </p:sld>
 </file>
 
+<file path=ppt/slides/slide20.xml><?xml version="1.0" encoding="utf-8"?>
+<p:sld xmlns:a="http://schemas.openxmlformats.org/drawingml/2006/main" xmlns:r="http://schemas.openxmlformats.org/officeDocument/2006/relationships" xmlns:p="http://schemas.openxmlformats.org/presentationml/2006/main">
+  <p:cSld>
+    <p:spTree>
+      <p:nvGrpSpPr>
+        <p:cNvPr id="1" name=""/>
+        <p:cNvGrpSpPr/>
+        <p:nvPr/>
+      </p:nvGrpSpPr>
+      <p:grpSpPr>
+        <a:xfrm>
+          <a:off x="0" y="0"/>
+          <a:ext cx="0" cy="0"/>
+          <a:chOff x="0" y="0"/>
+          <a:chExt cx="0" cy="0"/>
+        </a:xfrm>
+      </p:grpSpPr>
+      <p:sp>
+        <p:nvSpPr>
+          <p:cNvPr id="2" name="Заголовок 1"/>
+          <p:cNvSpPr>
+            <a:spLocks noGrp="1"/>
+          </p:cNvSpPr>
+          <p:nvPr>
+            <p:ph type="title"/>
+          </p:nvPr>
+        </p:nvSpPr>
+        <p:spPr/>
+        <p:txBody>
+          <a:bodyPr rtlCol="0"/>
+          <a:lstStyle/>
+          <a:p>
+            <a:r>
+              <a:rPr lang="ru-RU" dirty="0" smtClean="0"/>
+              <a:t>Добавить заголовок </a:t>
+            </a:r>
+            <a:r>
+              <a:rPr lang="ru-RU" smtClean="0"/>
+              <a:t>слайда </a:t>
+            </a:r>
+            <a:r>
+              <a:rPr lang="ru-RU"/>
+              <a:t>— </a:t>
+            </a:r>
+            <a:r>
+              <a:rPr lang="ru-RU" dirty="0" smtClean="0"/>
+              <a:t>4</a:t>
+            </a:r>
+            <a:endParaRPr lang="ru-RU" dirty="0"/>
+          </a:p>
+        </p:txBody>
+      </p:sp>
+    </p:spTree>
+    <p:extLst>
+      <p:ext uri="{BB962C8B-B14F-4D97-AF65-F5344CB8AC3E}">
+        <p14:creationId xmlns:p14="http://schemas.microsoft.com/office/powerpoint/2010/main" val="3061729273"/>
+      </p:ext>
+    </p:extLst>
+  </p:cSld>
+  <p:clrMapOvr>
+    <a:masterClrMapping/>
+  </p:clrMapOvr>
+  <mc:AlternateContent xmlns:mc="http://schemas.openxmlformats.org/markup-compatibility/2006" xmlns:p14="http://schemas.microsoft.com/office/powerpoint/2010/main">
+    <mc:Choice Requires="p14">
+      <p:transition spd="med" p14:dur="700">
+        <p:fade/>
+      </p:transition>
+    </mc:Choice>
+    <mc:Fallback xmlns="">
+      <p:transition spd="med">
+        <p:fade/>
+      </p:transition>
+    </mc:Fallback>
+  </mc:AlternateContent>
+</p:sld>
+</file>
+
+<file path=ppt/slides/slide21.xml><?xml version="1.0" encoding="utf-8"?>
+<p:sld xmlns:a="http://schemas.openxmlformats.org/drawingml/2006/main" xmlns:r="http://schemas.openxmlformats.org/officeDocument/2006/relationships" xmlns:p="http://schemas.openxmlformats.org/presentationml/2006/main">
+  <p:cSld>
+    <p:spTree>
+      <p:nvGrpSpPr>
+        <p:cNvPr id="1" name=""/>
+        <p:cNvGrpSpPr/>
+        <p:nvPr/>
+      </p:nvGrpSpPr>
+      <p:grpSpPr>
+        <a:xfrm>
+          <a:off x="0" y="0"/>
+          <a:ext cx="0" cy="0"/>
+          <a:chOff x="0" y="0"/>
+          <a:chExt cx="0" cy="0"/>
+        </a:xfrm>
+      </p:grpSpPr>
+    </p:spTree>
+    <p:extLst>
+      <p:ext uri="{BB962C8B-B14F-4D97-AF65-F5344CB8AC3E}">
+        <p14:creationId xmlns:p14="http://schemas.microsoft.com/office/powerpoint/2010/main" val="1455343978"/>
+      </p:ext>
+    </p:extLst>
+  </p:cSld>
+  <p:clrMapOvr>
+    <a:masterClrMapping/>
+  </p:clrMapOvr>
+  <mc:AlternateContent xmlns:mc="http://schemas.openxmlformats.org/markup-compatibility/2006" xmlns:p14="http://schemas.microsoft.com/office/powerpoint/2010/main">
+    <mc:Choice Requires="p14">
+      <p:transition spd="med" p14:dur="700">
+        <p:fade/>
+      </p:transition>
+    </mc:Choice>
+    <mc:Fallback xmlns="">
+      <p:transition spd="med">
+        <p:fade/>
+      </p:transition>
+    </mc:Fallback>
+  </mc:AlternateContent>
+  <p:timing>
+    <p:tnLst>
+      <p:par>
+        <p:cTn id="1" dur="indefinite" restart="never" nodeType="tmRoot"/>
+      </p:par>
+    </p:tnLst>
+  </p:timing>
+</p:sld>
+</file>
+
+<file path=ppt/slides/slide22.xml><?xml version="1.0" encoding="utf-8"?>
+<p:sld xmlns:a="http://schemas.openxmlformats.org/drawingml/2006/main" xmlns:r="http://schemas.openxmlformats.org/officeDocument/2006/relationships" xmlns:p="http://schemas.openxmlformats.org/presentationml/2006/main">
+  <p:cSld>
+    <p:spTree>
+      <p:nvGrpSpPr>
+        <p:cNvPr id="1" name=""/>
+        <p:cNvGrpSpPr/>
+        <p:nvPr/>
+      </p:nvGrpSpPr>
+      <p:grpSpPr>
+        <a:xfrm>
+          <a:off x="0" y="0"/>
+          <a:ext cx="0" cy="0"/>
+          <a:chOff x="0" y="0"/>
+          <a:chExt cx="0" cy="0"/>
+        </a:xfrm>
+      </p:grpSpPr>
+      <p:sp>
+        <p:nvSpPr>
+          <p:cNvPr id="2" name="Заголовок 1"/>
+          <p:cNvSpPr>
+            <a:spLocks noGrp="1"/>
+          </p:cNvSpPr>
+          <p:nvPr>
+            <p:ph type="title"/>
+          </p:nvPr>
+        </p:nvSpPr>
+        <p:spPr/>
+        <p:txBody>
+          <a:bodyPr rtlCol="0"/>
+          <a:lstStyle/>
+          <a:p>
+            <a:pPr rtl="0"/>
+            <a:r>
+              <a:rPr lang="ru-RU" dirty="0" smtClean="0"/>
+              <a:t>Добавить заголовок слайда — 5</a:t>
+            </a:r>
+            <a:endParaRPr lang="ru-RU" dirty="0"/>
+          </a:p>
+        </p:txBody>
+      </p:sp>
+      <p:sp>
+        <p:nvSpPr>
+          <p:cNvPr id="5" name="Объект 4"/>
+          <p:cNvSpPr>
+            <a:spLocks noGrp="1"/>
+          </p:cNvSpPr>
+          <p:nvPr>
+            <p:ph idx="1"/>
+          </p:nvPr>
+        </p:nvSpPr>
+        <p:spPr/>
+        <p:txBody>
+          <a:bodyPr rtlCol="0"/>
+          <a:lstStyle/>
+          <a:p>
+            <a:pPr rtl="0"/>
+            <a:endParaRPr lang="ru-RU" dirty="0"/>
+          </a:p>
+        </p:txBody>
+      </p:sp>
+      <p:sp>
+        <p:nvSpPr>
+          <p:cNvPr id="6" name="Текст 5"/>
+          <p:cNvSpPr>
+            <a:spLocks noGrp="1"/>
+          </p:cNvSpPr>
+          <p:nvPr>
+            <p:ph type="body" sz="half" idx="2"/>
+          </p:nvPr>
+        </p:nvSpPr>
+        <p:spPr/>
+        <p:txBody>
+          <a:bodyPr rtlCol="0"/>
+          <a:lstStyle/>
+          <a:p>
+            <a:pPr rtl="0"/>
+            <a:endParaRPr lang="ru-RU" dirty="0"/>
+          </a:p>
+        </p:txBody>
+      </p:sp>
+    </p:spTree>
+    <p:extLst>
+      <p:ext uri="{BB962C8B-B14F-4D97-AF65-F5344CB8AC3E}">
+        <p14:creationId xmlns:p14="http://schemas.microsoft.com/office/powerpoint/2010/main" val="332843759"/>
+      </p:ext>
+    </p:extLst>
+  </p:cSld>
+  <p:clrMapOvr>
+    <a:masterClrMapping/>
+  </p:clrMapOvr>
+  <mc:AlternateContent xmlns:mc="http://schemas.openxmlformats.org/markup-compatibility/2006" xmlns:p14="http://schemas.microsoft.com/office/powerpoint/2010/main">
+    <mc:Choice Requires="p14">
+      <p:transition spd="med" p14:dur="700">
+        <p:fade/>
+      </p:transition>
+    </mc:Choice>
+    <mc:Fallback xmlns="">
+      <p:transition spd="med">
+        <p:fade/>
+      </p:transition>
+    </mc:Fallback>
+  </mc:AlternateContent>
+</p:sld>
+</file>
+
+<file path=ppt/slides/slide23.xml><?xml version="1.0" encoding="utf-8"?>
+<p:sld xmlns:a="http://schemas.openxmlformats.org/drawingml/2006/main" xmlns:r="http://schemas.openxmlformats.org/officeDocument/2006/relationships" xmlns:p="http://schemas.openxmlformats.org/presentationml/2006/main">
+  <p:cSld>
+    <p:spTree>
+      <p:nvGrpSpPr>
+        <p:cNvPr id="1" name=""/>
+        <p:cNvGrpSpPr/>
+        <p:nvPr/>
+      </p:nvGrpSpPr>
+      <p:grpSpPr>
+        <a:xfrm>
+          <a:off x="0" y="0"/>
+          <a:ext cx="0" cy="0"/>
+          <a:chOff x="0" y="0"/>
+          <a:chExt cx="0" cy="0"/>
+        </a:xfrm>
+      </p:grpSpPr>
+      <p:sp>
+        <p:nvSpPr>
+          <p:cNvPr id="2" name="Заголовок 1"/>
+          <p:cNvSpPr>
+            <a:spLocks noGrp="1"/>
+          </p:cNvSpPr>
+          <p:nvPr>
+            <p:ph type="title"/>
+          </p:nvPr>
+        </p:nvSpPr>
+        <p:spPr/>
+        <p:txBody>
+          <a:bodyPr rtlCol="0"/>
+          <a:lstStyle/>
+          <a:p>
+            <a:pPr rtl="0"/>
+            <a:r>
+              <a:rPr lang="ru-RU" dirty="0" smtClean="0"/>
+              <a:t>Добавить заголовок слайда — 6</a:t>
+            </a:r>
+            <a:endParaRPr lang="ru-RU" dirty="0"/>
+          </a:p>
+        </p:txBody>
+      </p:sp>
+      <p:sp>
+        <p:nvSpPr>
+          <p:cNvPr id="5" name="Рисунок 4" descr="Пустой заполнитель, вместо которого можно добавить изображение. Щелкните заполнитель и выберите изображение, которое необходимо добавить"/>
+          <p:cNvSpPr>
+            <a:spLocks noGrp="1"/>
+          </p:cNvSpPr>
+          <p:nvPr>
+            <p:ph type="pic" idx="1"/>
+          </p:nvPr>
+        </p:nvSpPr>
+        <p:spPr/>
+      </p:sp>
+      <p:sp>
+        <p:nvSpPr>
+          <p:cNvPr id="6" name="Текст 5"/>
+          <p:cNvSpPr>
+            <a:spLocks noGrp="1"/>
+          </p:cNvSpPr>
+          <p:nvPr>
+            <p:ph type="body" sz="half" idx="2"/>
+          </p:nvPr>
+        </p:nvSpPr>
+        <p:spPr/>
+        <p:txBody>
+          <a:bodyPr rtlCol="0"/>
+          <a:lstStyle/>
+          <a:p>
+            <a:pPr rtl="0"/>
+            <a:endParaRPr lang="ru-RU" dirty="0"/>
+          </a:p>
+        </p:txBody>
+      </p:sp>
+    </p:spTree>
+    <p:extLst>
+      <p:ext uri="{BB962C8B-B14F-4D97-AF65-F5344CB8AC3E}">
+        <p14:creationId xmlns:p14="http://schemas.microsoft.com/office/powerpoint/2010/main" val="4129926194"/>
+      </p:ext>
+    </p:extLst>
+  </p:cSld>
+  <p:clrMapOvr>
+    <a:masterClrMapping/>
+  </p:clrMapOvr>
+  <mc:AlternateContent xmlns:mc="http://schemas.openxmlformats.org/markup-compatibility/2006" xmlns:p14="http://schemas.microsoft.com/office/powerpoint/2010/main">
+    <mc:Choice Requires="p14">
+      <p:transition spd="med" p14:dur="700">
+        <p:fade/>
+      </p:transition>
+    </mc:Choice>
+    <mc:Fallback xmlns="">
+      <p:transition spd="med">
+        <p:fade/>
+      </p:transition>
+    </mc:Fallback>
+  </mc:AlternateContent>
+</p:sld>
+</file>
+
+<file path=ppt/slides/slide24.xml><?xml version="1.0" encoding="utf-8"?>
+<p:sld xmlns:a="http://schemas.openxmlformats.org/drawingml/2006/main" xmlns:r="http://schemas.openxmlformats.org/officeDocument/2006/relationships" xmlns:p="http://schemas.openxmlformats.org/presentationml/2006/main">
+  <p:cSld>
+    <p:spTree>
+      <p:nvGrpSpPr>
+        <p:cNvPr id="1" name=""/>
+        <p:cNvGrpSpPr/>
+        <p:nvPr/>
+      </p:nvGrpSpPr>
+      <p:grpSpPr>
+        <a:xfrm>
+          <a:off x="0" y="0"/>
+          <a:ext cx="0" cy="0"/>
+          <a:chOff x="0" y="0"/>
+          <a:chExt cx="0" cy="0"/>
+        </a:xfrm>
+      </p:grpSpPr>
+      <p:sp>
+        <p:nvSpPr>
+          <p:cNvPr id="2" name="Заголовок 1"/>
+          <p:cNvSpPr>
+            <a:spLocks noGrp="1"/>
+          </p:cNvSpPr>
+          <p:nvPr>
+            <p:ph type="title"/>
+          </p:nvPr>
+        </p:nvSpPr>
+        <p:spPr/>
+        <p:txBody>
+          <a:bodyPr rtlCol="0"/>
+          <a:lstStyle/>
+          <a:p>
+            <a:pPr rtl="0"/>
+            <a:r>
+              <a:rPr lang="ru-RU" dirty="0" smtClean="0"/>
+              <a:t>Добавить заголовок слайда — 7</a:t>
+            </a:r>
+            <a:endParaRPr lang="ru-RU" dirty="0"/>
+          </a:p>
+        </p:txBody>
+      </p:sp>
+      <p:sp>
+        <p:nvSpPr>
+          <p:cNvPr id="4" name="Рисунок 3"/>
+          <p:cNvSpPr>
+            <a:spLocks noGrp="1"/>
+          </p:cNvSpPr>
+          <p:nvPr>
+            <p:ph type="pic" idx="1"/>
+          </p:nvPr>
+        </p:nvSpPr>
+        <p:spPr/>
+      </p:sp>
+      <p:sp>
+        <p:nvSpPr>
+          <p:cNvPr id="5" name="Текст 4"/>
+          <p:cNvSpPr>
+            <a:spLocks noGrp="1"/>
+          </p:cNvSpPr>
+          <p:nvPr>
+            <p:ph type="body" sz="half" idx="2"/>
+          </p:nvPr>
+        </p:nvSpPr>
+        <p:spPr/>
+        <p:txBody>
+          <a:bodyPr rtlCol="0"/>
+          <a:lstStyle/>
+          <a:p>
+            <a:pPr rtl="0"/>
+            <a:endParaRPr lang="ru-RU" dirty="0"/>
+          </a:p>
+        </p:txBody>
+      </p:sp>
+      <p:sp>
+        <p:nvSpPr>
+          <p:cNvPr id="6" name="Рисунок 5"/>
+          <p:cNvSpPr>
+            <a:spLocks noGrp="1"/>
+          </p:cNvSpPr>
+          <p:nvPr>
+            <p:ph type="pic" idx="13"/>
+          </p:nvPr>
+        </p:nvSpPr>
+        <p:spPr/>
+      </p:sp>
+      <p:sp>
+        <p:nvSpPr>
+          <p:cNvPr id="11" name="Текст 10"/>
+          <p:cNvSpPr>
+            <a:spLocks noGrp="1"/>
+          </p:cNvSpPr>
+          <p:nvPr>
+            <p:ph type="body" sz="half" idx="14"/>
+          </p:nvPr>
+        </p:nvSpPr>
+        <p:spPr/>
+        <p:txBody>
+          <a:bodyPr rtlCol="0"/>
+          <a:lstStyle/>
+          <a:p>
+            <a:pPr rtl="0"/>
+            <a:endParaRPr lang="ru-RU" dirty="0"/>
+          </a:p>
+        </p:txBody>
+      </p:sp>
+    </p:spTree>
+    <p:extLst>
+      <p:ext uri="{BB962C8B-B14F-4D97-AF65-F5344CB8AC3E}">
+        <p14:creationId xmlns:p14="http://schemas.microsoft.com/office/powerpoint/2010/main" val="188841400"/>
+      </p:ext>
+    </p:extLst>
+  </p:cSld>
+  <p:clrMapOvr>
+    <a:masterClrMapping/>
+  </p:clrMapOvr>
+  <mc:AlternateContent xmlns:mc="http://schemas.openxmlformats.org/markup-compatibility/2006" xmlns:p14="http://schemas.microsoft.com/office/powerpoint/2010/main">
+    <mc:Choice Requires="p14">
+      <p:transition spd="med" p14:dur="700">
+        <p:fade/>
+      </p:transition>
+    </mc:Choice>
+    <mc:Fallback xmlns="">
+      <p:transition spd="med">
+        <p:fade/>
+      </p:transition>
+    </mc:Fallback>
+  </mc:AlternateContent>
+</p:sld>
+</file>
+
 <file path=ppt/slides/slide3.xml><?xml version="1.0" encoding="utf-8"?>
 <p:sld xmlns:a="http://schemas.openxmlformats.org/drawingml/2006/main" xmlns:r="http://schemas.openxmlformats.org/officeDocument/2006/relationships" xmlns:p="http://schemas.openxmlformats.org/presentationml/2006/main">
   <p:cSld>
@@ -10722,114 +12886,40 @@
                 <a:latin typeface="Times New Roman" panose="02020603050405020304" pitchFamily="18" charset="0"/>
                 <a:cs typeface="Times New Roman" panose="02020603050405020304" pitchFamily="18" charset="0"/>
               </a:rPr>
-              <a:t>лет </a:t>
-            </a:r>
-            <a:r>
-              <a:rPr lang="ru-RU" sz="2400" dirty="0">
-                <a:latin typeface="Times New Roman" panose="02020603050405020304" pitchFamily="18" charset="0"/>
-                <a:cs typeface="Times New Roman" panose="02020603050405020304" pitchFamily="18" charset="0"/>
-              </a:rPr>
-              <a:t>назад </a:t>
+              <a:t>лет назад </a:t>
             </a:r>
             <a:r>
               <a:rPr lang="ru-RU" sz="2400" dirty="0" smtClean="0">
                 <a:latin typeface="Times New Roman" panose="02020603050405020304" pitchFamily="18" charset="0"/>
                 <a:cs typeface="Times New Roman" panose="02020603050405020304" pitchFamily="18" charset="0"/>
               </a:rPr>
-              <a:t>– </a:t>
-            </a:r>
+              <a:t>– скалы, каменные плиты, кости, дерево, глина</a:t>
+            </a:r>
+          </a:p>
+          <a:p>
+            <a:pPr marL="342900" indent="-342900">
+              <a:buFont typeface="Arial" panose="020B0604020202020204" pitchFamily="34" charset="0"/>
+              <a:buChar char="•"/>
+            </a:pPr>
             <a:r>
               <a:rPr lang="ru-RU" sz="2400" dirty="0" smtClean="0">
                 <a:latin typeface="Times New Roman" panose="02020603050405020304" pitchFamily="18" charset="0"/>
                 <a:cs typeface="Times New Roman" panose="02020603050405020304" pitchFamily="18" charset="0"/>
               </a:rPr>
-              <a:t>скалы</a:t>
-            </a:r>
+              <a:t>5 в. до н.э. – пергаментные свитки</a:t>
+            </a:r>
+          </a:p>
+          <a:p>
+            <a:pPr marL="342900" indent="-342900">
+              <a:buFont typeface="Arial" panose="020B0604020202020204" pitchFamily="34" charset="0"/>
+              <a:buChar char="•"/>
+            </a:pPr>
             <a:r>
               <a:rPr lang="ru-RU" sz="2400" dirty="0" smtClean="0">
                 <a:latin typeface="Times New Roman" panose="02020603050405020304" pitchFamily="18" charset="0"/>
                 <a:cs typeface="Times New Roman" panose="02020603050405020304" pitchFamily="18" charset="0"/>
               </a:rPr>
-              <a:t>, каменные плиты, кости, дерево, </a:t>
-            </a:r>
-            <a:r>
-              <a:rPr lang="ru-RU" sz="2400" dirty="0" smtClean="0">
-                <a:latin typeface="Times New Roman" panose="02020603050405020304" pitchFamily="18" charset="0"/>
-                <a:cs typeface="Times New Roman" panose="02020603050405020304" pitchFamily="18" charset="0"/>
-              </a:rPr>
-              <a:t>глина</a:t>
-            </a:r>
-            <a:endParaRPr lang="ru-RU" sz="2400" dirty="0" smtClean="0">
-              <a:latin typeface="Times New Roman" panose="02020603050405020304" pitchFamily="18" charset="0"/>
-              <a:cs typeface="Times New Roman" panose="02020603050405020304" pitchFamily="18" charset="0"/>
-            </a:endParaRPr>
-          </a:p>
-          <a:p>
-            <a:pPr marL="342900" indent="-342900">
-              <a:buFont typeface="Arial" panose="020B0604020202020204" pitchFamily="34" charset="0"/>
-              <a:buChar char="•"/>
-            </a:pPr>
-            <a:r>
-              <a:rPr lang="ru-RU" sz="2400" dirty="0" smtClean="0">
-                <a:latin typeface="Times New Roman" panose="02020603050405020304" pitchFamily="18" charset="0"/>
-                <a:cs typeface="Times New Roman" panose="02020603050405020304" pitchFamily="18" charset="0"/>
-              </a:rPr>
-              <a:t>5 в. до н.э</a:t>
-            </a:r>
-            <a:r>
-              <a:rPr lang="ru-RU" sz="2400" dirty="0" smtClean="0">
-                <a:latin typeface="Times New Roman" panose="02020603050405020304" pitchFamily="18" charset="0"/>
-                <a:cs typeface="Times New Roman" panose="02020603050405020304" pitchFamily="18" charset="0"/>
-              </a:rPr>
-              <a:t>. </a:t>
-            </a:r>
-            <a:r>
-              <a:rPr lang="ru-RU" sz="2400" dirty="0" smtClean="0">
-                <a:latin typeface="Times New Roman" panose="02020603050405020304" pitchFamily="18" charset="0"/>
-                <a:cs typeface="Times New Roman" panose="02020603050405020304" pitchFamily="18" charset="0"/>
-              </a:rPr>
-              <a:t>– пергаментные свитки</a:t>
-            </a:r>
-          </a:p>
-          <a:p>
-            <a:pPr marL="342900" indent="-342900">
-              <a:buFont typeface="Arial" panose="020B0604020202020204" pitchFamily="34" charset="0"/>
-              <a:buChar char="•"/>
-            </a:pPr>
-            <a:r>
-              <a:rPr lang="ru-RU" sz="2400" dirty="0" smtClean="0">
-                <a:latin typeface="Times New Roman" panose="02020603050405020304" pitchFamily="18" charset="0"/>
-                <a:cs typeface="Times New Roman" panose="02020603050405020304" pitchFamily="18" charset="0"/>
-              </a:rPr>
-              <a:t>2 в. </a:t>
-            </a:r>
-            <a:r>
-              <a:rPr lang="ru-RU" sz="2400" dirty="0" smtClean="0">
-                <a:latin typeface="Times New Roman" panose="02020603050405020304" pitchFamily="18" charset="0"/>
-                <a:cs typeface="Times New Roman" panose="02020603050405020304" pitchFamily="18" charset="0"/>
-              </a:rPr>
-              <a:t>до </a:t>
-            </a:r>
-            <a:r>
-              <a:rPr lang="ru-RU" sz="2400" dirty="0" smtClean="0">
-                <a:latin typeface="Times New Roman" panose="02020603050405020304" pitchFamily="18" charset="0"/>
-                <a:cs typeface="Times New Roman" panose="02020603050405020304" pitchFamily="18" charset="0"/>
-              </a:rPr>
-              <a:t>н.э</a:t>
-            </a:r>
-            <a:r>
-              <a:rPr lang="ru-RU" sz="2400" dirty="0" smtClean="0">
-                <a:latin typeface="Times New Roman" panose="02020603050405020304" pitchFamily="18" charset="0"/>
-                <a:cs typeface="Times New Roman" panose="02020603050405020304" pitchFamily="18" charset="0"/>
-              </a:rPr>
-              <a:t>. </a:t>
-            </a:r>
-            <a:r>
-              <a:rPr lang="ru-RU" sz="2400" dirty="0" smtClean="0">
-                <a:latin typeface="Times New Roman" panose="02020603050405020304" pitchFamily="18" charset="0"/>
-                <a:cs typeface="Times New Roman" panose="02020603050405020304" pitchFamily="18" charset="0"/>
-              </a:rPr>
-              <a:t>– бумага </a:t>
+              <a:t>2 в. до н.э. – бумага </a:t>
             </a:r>
           </a:p>
           <a:p>
@@ -10872,10 +12962,6 @@
               </a:rPr>
               <a:t>фотопленка</a:t>
             </a:r>
-            <a:endParaRPr lang="ru-RU" sz="2400" dirty="0" smtClean="0">
-              <a:latin typeface="Times New Roman" panose="02020603050405020304" pitchFamily="18" charset="0"/>
-              <a:cs typeface="Times New Roman" panose="02020603050405020304" pitchFamily="18" charset="0"/>
-            </a:endParaRPr>
           </a:p>
           <a:p>
             <a:pPr marL="342900" indent="-342900">
@@ -10887,41 +12973,34 @@
                 <a:latin typeface="Times New Roman" panose="02020603050405020304" pitchFamily="18" charset="0"/>
                 <a:cs typeface="Times New Roman" panose="02020603050405020304" pitchFamily="18" charset="0"/>
               </a:rPr>
-              <a:t>1877 </a:t>
+              <a:t>1877 – фонограф</a:t>
+            </a:r>
+          </a:p>
+          <a:p>
+            <a:pPr marL="342900" indent="-342900">
+              <a:buFont typeface="Arial" panose="020B0604020202020204" pitchFamily="34" charset="0"/>
+              <a:buChar char="•"/>
+            </a:pPr>
+            <a:r>
+              <a:rPr lang="ru-RU" sz="2400" dirty="0">
+                <a:latin typeface="Times New Roman" panose="02020603050405020304" pitchFamily="18" charset="0"/>
+                <a:cs typeface="Times New Roman" panose="02020603050405020304" pitchFamily="18" charset="0"/>
+              </a:rPr>
+              <a:t>1944 – </a:t>
             </a:r>
             <a:r>
               <a:rPr lang="ru-RU" sz="2400" dirty="0" smtClean="0">
                 <a:latin typeface="Times New Roman" panose="02020603050405020304" pitchFamily="18" charset="0"/>
                 <a:cs typeface="Times New Roman" panose="02020603050405020304" pitchFamily="18" charset="0"/>
               </a:rPr>
-              <a:t>– </a:t>
-            </a:r>
-            <a:r>
-              <a:rPr lang="ru-RU" sz="2400" dirty="0" smtClean="0">
-                <a:latin typeface="Times New Roman" panose="02020603050405020304" pitchFamily="18" charset="0"/>
-                <a:cs typeface="Times New Roman" panose="02020603050405020304" pitchFamily="18" charset="0"/>
-              </a:rPr>
-              <a:t>фонограф</a:t>
-            </a:r>
-          </a:p>
-          <a:p>
-            <a:pPr marL="342900" indent="-342900">
-              <a:buFont typeface="Arial" panose="020B0604020202020204" pitchFamily="34" charset="0"/>
-              <a:buChar char="•"/>
-            </a:pPr>
-            <a:r>
-              <a:rPr lang="ru-RU" sz="2400" dirty="0" smtClean="0">
-                <a:latin typeface="Times New Roman" panose="02020603050405020304" pitchFamily="18" charset="0"/>
-                <a:cs typeface="Times New Roman" panose="02020603050405020304" pitchFamily="18" charset="0"/>
-              </a:rPr>
-              <a:t>1944 </a:t>
+              <a:t>перфорированная </a:t>
             </a:r>
             <a:r>
               <a:rPr lang="ru-RU" sz="2400" dirty="0">
                 <a:latin typeface="Times New Roman" panose="02020603050405020304" pitchFamily="18" charset="0"/>
                 <a:cs typeface="Times New Roman" panose="02020603050405020304" pitchFamily="18" charset="0"/>
               </a:rPr>
-              <a:t>Перфорированная бумажная </a:t>
+              <a:t>бумажная </a:t>
             </a:r>
             <a:r>
               <a:rPr lang="ru-RU" sz="2400" dirty="0" smtClean="0">
@@ -10970,10 +13049,6 @@
               </a:rPr>
               <a:t> ленточные картриджи</a:t>
             </a:r>
-            <a:endParaRPr lang="ru-RU" sz="2400" dirty="0" smtClean="0">
-              <a:latin typeface="Times New Roman" panose="02020603050405020304" pitchFamily="18" charset="0"/>
-              <a:cs typeface="Times New Roman" panose="02020603050405020304" pitchFamily="18" charset="0"/>
-            </a:endParaRPr>
           </a:p>
         </p:txBody>
       </p:sp>
@@ -10985,8 +13060,8 @@
         </p:nvSpPr>
         <p:spPr>
           <a:xfrm>
-            <a:off x="7313317" y="2518985"/>
-            <a:ext cx="4180114" cy="4154984"/>
+            <a:off x="7313316" y="2518985"/>
+            <a:ext cx="4650083" cy="3785652"/>
           </a:xfrm>
           <a:prstGeom prst="rect">
             <a:avLst/>
@@ -11010,10 +13085,6 @@
               </a:rPr>
               <a:t>1963 – съемные диски </a:t>
             </a:r>
-            <a:endParaRPr lang="ru-RU" sz="2400" dirty="0" smtClean="0">
-              <a:latin typeface="Times New Roman" panose="02020603050405020304" pitchFamily="18" charset="0"/>
-              <a:cs typeface="Times New Roman" panose="02020603050405020304" pitchFamily="18" charset="0"/>
-            </a:endParaRPr>
           </a:p>
           <a:p>
             <a:pPr marL="342900" indent="-342900">
@@ -11088,10 +13159,6 @@
               </a:rPr>
               <a:t>-память</a:t>
             </a:r>
-            <a:endParaRPr lang="ru-RU" sz="2400" dirty="0" smtClean="0">
-              <a:latin typeface="Times New Roman" panose="02020603050405020304" pitchFamily="18" charset="0"/>
-              <a:cs typeface="Times New Roman" panose="02020603050405020304" pitchFamily="18" charset="0"/>
-            </a:endParaRPr>
           </a:p>
           <a:p>
             <a:pPr marL="342900" indent="-342900">
@@ -11112,10 +13179,6 @@
               </a:rPr>
               <a:t>оптический диск</a:t>
             </a:r>
-            <a:endParaRPr lang="ru-RU" sz="2400" dirty="0" smtClean="0">
-              <a:latin typeface="Times New Roman" panose="02020603050405020304" pitchFamily="18" charset="0"/>
-              <a:cs typeface="Times New Roman" panose="02020603050405020304" pitchFamily="18" charset="0"/>
-            </a:endParaRPr>
           </a:p>
           <a:p>
             <a:pPr marL="342900" indent="-342900">
@@ -12222,7 +14285,7 @@
       </p:grpSpPr>
       <p:sp>
         <p:nvSpPr>
-          <p:cNvPr id="2" name="Заголовок 1"/>
+          <p:cNvPr id="3" name="Заголовок 2"/>
           <p:cNvSpPr>
             <a:spLocks noGrp="1"/>
           </p:cNvSpPr>
@@ -12232,13 +14295,16 @@
         </p:nvSpPr>
         <p:spPr/>
         <p:txBody>
-          <a:bodyPr rtlCol="0"/>
+          <a:bodyPr/>
           <a:lstStyle/>
           <a:p>
-            <a:pPr rtl="0"/>
+            <a:r>
+              <a:rPr lang="ru-RU" dirty="0"/>
+              <a:t>Облачное хранилище </a:t>
+            </a:r>
             <a:r>
               <a:rPr lang="ru-RU" dirty="0" smtClean="0"/>
-              <a:t>Макет двух объектов с таблицей</a:t>
+              <a:t>данных</a:t>
             </a:r>
             <a:endParaRPr lang="ru-RU" dirty="0"/>
           </a:p>
@@ -12246,306 +14312,113 @@
       </p:sp>
       <p:sp>
         <p:nvSpPr>
-          <p:cNvPr id="3" name="Объект 2"/>
-          <p:cNvSpPr>
-            <a:spLocks noGrp="1"/>
-          </p:cNvSpPr>
-          <p:nvPr>
-            <p:ph sz="half" idx="1"/>
-          </p:nvPr>
+          <p:cNvPr id="4" name="TextBox 3"/>
+          <p:cNvSpPr txBox="1"/>
+          <p:nvPr/>
         </p:nvSpPr>
-        <p:spPr/>
+        <p:spPr>
+          <a:xfrm>
+            <a:off x="355600" y="1701800"/>
+            <a:ext cx="11480800" cy="1200329"/>
+          </a:xfrm>
+          <a:prstGeom prst="rect">
+            <a:avLst/>
+          </a:prstGeom>
+          <a:noFill/>
+        </p:spPr>
         <p:txBody>
-          <a:bodyPr rtlCol="0"/>
+          <a:bodyPr wrap="square" rtlCol="0">
+            <a:spAutoFit/>
+          </a:bodyPr>
           <a:lstStyle/>
           <a:p>
-            <a:pPr rtl="0"/>
-            <a:r>
-              <a:rPr lang="ru-RU" dirty="0" smtClean="0"/>
-              <a:t>Первый пункт списка</a:t>
-            </a:r>
-          </a:p>
-          <a:p>
-            <a:pPr rtl="0"/>
-            <a:r>
-              <a:rPr lang="ru-RU" dirty="0" smtClean="0"/>
-              <a:t>Второй пункт списка</a:t>
-            </a:r>
-          </a:p>
-          <a:p>
-            <a:pPr rtl="0"/>
-            <a:r>
-              <a:rPr lang="ru-RU" dirty="0" smtClean="0"/>
-              <a:t>Третий пункт списка</a:t>
-            </a:r>
-            <a:endParaRPr lang="ru-RU" dirty="0"/>
+            <a:r>
+              <a:rPr lang="ru-RU" sz="2400" b="1" i="1" dirty="0">
+                <a:latin typeface="Times New Roman" panose="02020603050405020304" pitchFamily="18" charset="0"/>
+                <a:cs typeface="Times New Roman" panose="02020603050405020304" pitchFamily="18" charset="0"/>
+              </a:rPr>
+              <a:t>Облачное хранилище </a:t>
+            </a:r>
+            <a:r>
+              <a:rPr lang="ru-RU" sz="2400" b="1" i="1" dirty="0" smtClean="0">
+                <a:latin typeface="Times New Roman" panose="02020603050405020304" pitchFamily="18" charset="0"/>
+                <a:cs typeface="Times New Roman" panose="02020603050405020304" pitchFamily="18" charset="0"/>
+              </a:rPr>
+              <a:t>данных </a:t>
+            </a:r>
+            <a:r>
+              <a:rPr lang="ru-RU" sz="2400" dirty="0" smtClean="0">
+                <a:latin typeface="Times New Roman" panose="02020603050405020304" pitchFamily="18" charset="0"/>
+                <a:cs typeface="Times New Roman" panose="02020603050405020304" pitchFamily="18" charset="0"/>
+              </a:rPr>
+              <a:t>или </a:t>
+            </a:r>
+            <a:r>
+              <a:rPr lang="en-US" sz="2400" b="1" i="1" dirty="0" smtClean="0">
+                <a:latin typeface="Times New Roman" panose="02020603050405020304" pitchFamily="18" charset="0"/>
+                <a:cs typeface="Times New Roman" panose="02020603050405020304" pitchFamily="18" charset="0"/>
+              </a:rPr>
+              <a:t>Cloud Storage </a:t>
+            </a:r>
+            <a:r>
+              <a:rPr lang="ru-RU" sz="2400" dirty="0">
+                <a:latin typeface="Times New Roman" panose="02020603050405020304" pitchFamily="18" charset="0"/>
+                <a:cs typeface="Times New Roman" panose="02020603050405020304" pitchFamily="18" charset="0"/>
+              </a:rPr>
+              <a:t>— модель онлайн-хранилища, в котором данные хранятся на многочисленных распределённых в сети серверах, предоставляемых в пользование клиентам, в основном, третьей стороной.</a:t>
+            </a:r>
+            <a:endParaRPr lang="ru-RU" sz="2400" spc="300" dirty="0">
+              <a:latin typeface="Times New Roman" panose="02020603050405020304" pitchFamily="18" charset="0"/>
+              <a:cs typeface="Times New Roman" panose="02020603050405020304" pitchFamily="18" charset="0"/>
+            </a:endParaRPr>
           </a:p>
         </p:txBody>
       </p:sp>
-      <p:graphicFrame>
-        <p:nvGraphicFramePr>
-          <p:cNvPr id="5" name="Объект 4"/>
-          <p:cNvGraphicFramePr>
-            <a:graphicFrameLocks noGrp="1"/>
-          </p:cNvGraphicFramePr>
-          <p:nvPr>
-            <p:ph sz="half" idx="2"/>
-            <p:extLst>
-              <p:ext uri="{D42A27DB-BD31-4B8C-83A1-F6EECF244321}">
-                <p14:modId xmlns:p14="http://schemas.microsoft.com/office/powerpoint/2010/main" val="3407287307"/>
-              </p:ext>
-            </p:extLst>
-          </p:nvPr>
-        </p:nvGraphicFramePr>
-        <p:xfrm>
-          <a:off x="6324600" y="1828800"/>
-          <a:ext cx="4572000" cy="2298700"/>
-        </p:xfrm>
-        <a:graphic>
-          <a:graphicData uri="http://schemas.openxmlformats.org/drawingml/2006/table">
-            <a:tbl>
-              <a:tblPr firstRow="1" bandRow="1">
-                <a:tableStyleId>{C4B1156A-380E-4F78-BDF5-A606A8083BF9}</a:tableStyleId>
-              </a:tblPr>
-              <a:tblGrid>
-                <a:gridCol w="1524000">
-                  <a:extLst>
-                    <a:ext uri="{9D8B030D-6E8A-4147-A177-3AD203B41FA5}">
-                      <a16:colId xmlns:a16="http://schemas.microsoft.com/office/drawing/2014/main" val="20000"/>
-                    </a:ext>
-                  </a:extLst>
-                </a:gridCol>
-                <a:gridCol w="1524000">
-                  <a:extLst>
-                    <a:ext uri="{9D8B030D-6E8A-4147-A177-3AD203B41FA5}">
-                      <a16:colId xmlns:a16="http://schemas.microsoft.com/office/drawing/2014/main" val="20001"/>
-                    </a:ext>
-                  </a:extLst>
-                </a:gridCol>
-                <a:gridCol w="1524000">
-                  <a:extLst>
-                    <a:ext uri="{9D8B030D-6E8A-4147-A177-3AD203B41FA5}">
-                      <a16:colId xmlns:a16="http://schemas.microsoft.com/office/drawing/2014/main" val="20002"/>
-                    </a:ext>
-                  </a:extLst>
-                </a:gridCol>
-              </a:tblGrid>
-              <a:tr h="574675">
-                <a:tc>
-                  <a:txBody>
-                    <a:bodyPr/>
-                    <a:lstStyle/>
-                    <a:p>
-                      <a:pPr algn="ctr" rtl="0"/>
-                      <a:r>
-                        <a:rPr lang="ru-RU" dirty="0" smtClean="0"/>
-                        <a:t>Предмет</a:t>
-                      </a:r>
-                      <a:endParaRPr lang="ru-RU" dirty="0"/>
-                    </a:p>
-                  </a:txBody>
-                  <a:tcPr anchor="ctr"/>
-                </a:tc>
-                <a:tc>
-                  <a:txBody>
-                    <a:bodyPr/>
-                    <a:lstStyle/>
-                    <a:p>
-                      <a:pPr algn="ctr" rtl="0"/>
-                      <a:r>
-                        <a:rPr lang="ru-RU" dirty="0" smtClean="0"/>
-                        <a:t>Группа А</a:t>
-                      </a:r>
-                      <a:endParaRPr lang="ru-RU" dirty="0"/>
-                    </a:p>
-                  </a:txBody>
-                  <a:tcPr anchor="ctr"/>
-                </a:tc>
-                <a:tc>
-                  <a:txBody>
-                    <a:bodyPr/>
-                    <a:lstStyle/>
-                    <a:p>
-                      <a:pPr algn="ctr" rtl="0"/>
-                      <a:r>
-                        <a:rPr lang="ru-RU" dirty="0" smtClean="0"/>
-                        <a:t>Группа Б</a:t>
-                      </a:r>
-                      <a:endParaRPr lang="ru-RU" dirty="0"/>
-                    </a:p>
-                  </a:txBody>
-                  <a:tcPr anchor="ctr"/>
-                </a:tc>
-                <a:extLst>
-                  <a:ext uri="{0D108BD9-81ED-4DB2-BD59-A6C34878D82A}">
-                    <a16:rowId xmlns:a16="http://schemas.microsoft.com/office/drawing/2014/main" val="10000"/>
-                  </a:ext>
-                </a:extLst>
-              </a:tr>
-              <a:tr h="574675">
-                <a:tc>
-                  <a:txBody>
-                    <a:bodyPr/>
-                    <a:lstStyle/>
-                    <a:p>
-                      <a:pPr algn="ctr" rtl="0"/>
-                      <a:r>
-                        <a:rPr lang="ru-RU" dirty="0" smtClean="0"/>
-                        <a:t>Предмет 1</a:t>
-                      </a:r>
-                      <a:endParaRPr lang="ru-RU" dirty="0"/>
-                    </a:p>
-                  </a:txBody>
-                  <a:tcPr anchor="ctr"/>
-                </a:tc>
-                <a:tc>
-                  <a:txBody>
-                    <a:bodyPr/>
-                    <a:lstStyle/>
-                    <a:p>
-                      <a:pPr algn="ctr" rtl="0"/>
-                      <a:r>
-                        <a:rPr lang="ru-RU" dirty="0" smtClean="0"/>
-                        <a:t>82</a:t>
-                      </a:r>
-                      <a:endParaRPr lang="ru-RU" dirty="0"/>
-                    </a:p>
-                  </a:txBody>
-                  <a:tcPr anchor="ctr"/>
-                </a:tc>
-                <a:tc>
-                  <a:txBody>
-                    <a:bodyPr/>
-                    <a:lstStyle/>
-                    <a:p>
-                      <a:pPr algn="ctr" rtl="0"/>
-                      <a:r>
-                        <a:rPr lang="ru-RU" dirty="0" smtClean="0"/>
-                        <a:t>95</a:t>
-                      </a:r>
-                      <a:endParaRPr lang="ru-RU" dirty="0"/>
-                    </a:p>
-                  </a:txBody>
-                  <a:tcPr anchor="ctr"/>
-                </a:tc>
-                <a:extLst>
-                  <a:ext uri="{0D108BD9-81ED-4DB2-BD59-A6C34878D82A}">
-                    <a16:rowId xmlns:a16="http://schemas.microsoft.com/office/drawing/2014/main" val="10001"/>
-                  </a:ext>
-                </a:extLst>
-              </a:tr>
-              <a:tr h="574675">
-                <a:tc>
-                  <a:txBody>
-                    <a:bodyPr/>
-                    <a:lstStyle/>
-                    <a:p>
-                      <a:pPr algn="ctr" rtl="0"/>
-                      <a:r>
-                        <a:rPr lang="ru-RU" dirty="0" smtClean="0"/>
-                        <a:t>Предмет 2</a:t>
-                      </a:r>
-                      <a:endParaRPr lang="ru-RU" dirty="0"/>
-                    </a:p>
-                  </a:txBody>
-                  <a:tcPr anchor="ctr"/>
-                </a:tc>
-                <a:tc>
-                  <a:txBody>
-                    <a:bodyPr/>
-                    <a:lstStyle/>
-                    <a:p>
-                      <a:pPr algn="ctr" rtl="0"/>
-                      <a:r>
-                        <a:rPr lang="ru-RU" dirty="0" smtClean="0"/>
-                        <a:t>76</a:t>
-                      </a:r>
-                      <a:endParaRPr lang="ru-RU" dirty="0"/>
-                    </a:p>
-                  </a:txBody>
-                  <a:tcPr anchor="ctr"/>
-                </a:tc>
-                <a:tc>
-                  <a:txBody>
-                    <a:bodyPr/>
-                    <a:lstStyle/>
-                    <a:p>
-                      <a:pPr algn="ctr" rtl="0"/>
-                      <a:r>
-                        <a:rPr lang="ru-RU" dirty="0" smtClean="0"/>
-                        <a:t>88</a:t>
-                      </a:r>
-                      <a:endParaRPr lang="ru-RU" dirty="0"/>
-                    </a:p>
-                  </a:txBody>
-                  <a:tcPr anchor="ctr"/>
-                </a:tc>
-                <a:extLst>
-                  <a:ext uri="{0D108BD9-81ED-4DB2-BD59-A6C34878D82A}">
-                    <a16:rowId xmlns:a16="http://schemas.microsoft.com/office/drawing/2014/main" val="10002"/>
-                  </a:ext>
-                </a:extLst>
-              </a:tr>
-              <a:tr h="574675">
-                <a:tc>
-                  <a:txBody>
-                    <a:bodyPr/>
-                    <a:lstStyle/>
-                    <a:p>
-                      <a:pPr algn="ctr" rtl="0"/>
-                      <a:r>
-                        <a:rPr lang="ru-RU" dirty="0" smtClean="0"/>
-                        <a:t>Предмет 3</a:t>
-                      </a:r>
-                      <a:endParaRPr lang="ru-RU" dirty="0"/>
-                    </a:p>
-                  </a:txBody>
-                  <a:tcPr anchor="ctr"/>
-                </a:tc>
-                <a:tc>
-                  <a:txBody>
-                    <a:bodyPr/>
-                    <a:lstStyle/>
-                    <a:p>
-                      <a:pPr algn="ctr" rtl="0"/>
-                      <a:r>
-                        <a:rPr lang="ru-RU" dirty="0" smtClean="0"/>
-                        <a:t>84</a:t>
-                      </a:r>
-                      <a:endParaRPr lang="ru-RU" dirty="0"/>
-                    </a:p>
-                  </a:txBody>
-                  <a:tcPr anchor="ctr"/>
-                </a:tc>
-                <a:tc>
-                  <a:txBody>
-                    <a:bodyPr/>
-                    <a:lstStyle/>
-                    <a:p>
-                      <a:pPr algn="ctr" rtl="0"/>
-                      <a:r>
-                        <a:rPr lang="ru-RU" dirty="0" smtClean="0"/>
-                        <a:t>90</a:t>
-                      </a:r>
-                      <a:endParaRPr lang="ru-RU" dirty="0"/>
-                    </a:p>
-                  </a:txBody>
-                  <a:tcPr anchor="ctr"/>
-                </a:tc>
-                <a:extLst>
-                  <a:ext uri="{0D108BD9-81ED-4DB2-BD59-A6C34878D82A}">
-                    <a16:rowId xmlns:a16="http://schemas.microsoft.com/office/drawing/2014/main" val="10003"/>
-                  </a:ext>
-                </a:extLst>
-              </a:tr>
-            </a:tbl>
-          </a:graphicData>
-        </a:graphic>
-      </p:graphicFrame>
+      <p:pic>
+        <p:nvPicPr>
+          <p:cNvPr id="1028" name="Picture 4" descr="Похожее изображение"/>
+          <p:cNvPicPr>
+            <a:picLocks noChangeAspect="1" noChangeArrowheads="1"/>
+          </p:cNvPicPr>
+          <p:nvPr/>
+        </p:nvPicPr>
+        <p:blipFill>
+          <a:blip r:embed="rId2">
+            <a:extLst>
+              <a:ext uri="{28A0092B-C50C-407E-A947-70E740481C1C}">
+                <a14:useLocalDpi xmlns:a14="http://schemas.microsoft.com/office/drawing/2010/main" val="0"/>
+              </a:ext>
+            </a:extLst>
+          </a:blip>
+          <a:srcRect/>
+          <a:stretch>
+            <a:fillRect/>
+          </a:stretch>
+        </p:blipFill>
+        <p:spPr bwMode="auto">
+          <a:xfrm>
+            <a:off x="2968625" y="3000375"/>
+            <a:ext cx="6000750" cy="3381375"/>
+          </a:xfrm>
+          <a:prstGeom prst="rect">
+            <a:avLst/>
+          </a:prstGeom>
+          <a:noFill/>
+          <a:extLst>
+            <a:ext uri="{909E8E84-426E-40DD-AFC4-6F175D3DCCD1}">
+              <a14:hiddenFill xmlns:a14="http://schemas.microsoft.com/office/drawing/2010/main">
+                <a:solidFill>
+                  <a:srgbClr val="FFFFFF"/>
+                </a:solidFill>
+              </a14:hiddenFill>
+            </a:ext>
+          </a:extLst>
+        </p:spPr>
+      </p:pic>
     </p:spTree>
     <p:extLst>
       <p:ext uri="{BB962C8B-B14F-4D97-AF65-F5344CB8AC3E}">
-        <p14:creationId xmlns:p14="http://schemas.microsoft.com/office/powerpoint/2010/main" val="4213855386"/>
+        <p14:creationId xmlns:p14="http://schemas.microsoft.com/office/powerpoint/2010/main" val="1510930744"/>
       </p:ext>
     </p:extLst>
   </p:cSld>
@@ -12567,7 +14440,267 @@
   <p:timing>
     <p:tnLst>
       <p:par>
-        <p:cTn id="1" dur="indefinite" restart="never" nodeType="tmRoot"/>
+        <p:cTn id="1" dur="indefinite" restart="never" nodeType="tmRoot">
+          <p:childTnLst>
+            <p:seq concurrent="1" nextAc="seek">
+              <p:cTn id="2" dur="indefinite" nodeType="mainSeq">
+                <p:childTnLst>
+                  <p:par>
+                    <p:cTn id="3" fill="hold">
+                      <p:stCondLst>
+                        <p:cond delay="indefinite"/>
+                      </p:stCondLst>
+                      <p:childTnLst>
+                        <p:par>
+                          <p:cTn id="4" fill="hold">
+                            <p:stCondLst>
+                              <p:cond delay="0"/>
+                            </p:stCondLst>
+                            <p:childTnLst>
+                              <p:par>
+                                <p:cTn id="5" presetID="42" presetClass="entr" presetSubtype="0" fill="hold" nodeType="clickEffect">
+                                  <p:stCondLst>
+                                    <p:cond delay="0"/>
+                                  </p:stCondLst>
+                                  <p:childTnLst>
+                                    <p:set>
+                                      <p:cBhvr>
+                                        <p:cTn id="6" dur="1" fill="hold">
+                                          <p:stCondLst>
+                                            <p:cond delay="0"/>
+                                          </p:stCondLst>
+                                        </p:cTn>
+                                        <p:tgtEl>
+                                          <p:spTgt spid="4">
+                                            <p:txEl>
+                                              <p:pRg st="0" end="0"/>
+                                            </p:txEl>
+                                          </p:spTgt>
+                                        </p:tgtEl>
+                                        <p:attrNameLst>
+                                          <p:attrName>style.visibility</p:attrName>
+                                        </p:attrNameLst>
+                                      </p:cBhvr>
+                                      <p:to>
+                                        <p:strVal val="visible"/>
+                                      </p:to>
+                                    </p:set>
+                                    <p:animEffect transition="in" filter="fade">
+                                      <p:cBhvr>
+                                        <p:cTn id="7" dur="1000"/>
+                                        <p:tgtEl>
+                                          <p:spTgt spid="4">
+                                            <p:txEl>
+                                              <p:pRg st="0" end="0"/>
+                                            </p:txEl>
+                                          </p:spTgt>
+                                        </p:tgtEl>
+                                      </p:cBhvr>
+                                    </p:animEffect>
+                                    <p:anim calcmode="lin" valueType="num">
+                                      <p:cBhvr>
+                                        <p:cTn id="8" dur="1000" fill="hold"/>
+                                        <p:tgtEl>
+                                          <p:spTgt spid="4">
+                                            <p:txEl>
+                                              <p:pRg st="0" end="0"/>
+                                            </p:txEl>
+                                          </p:spTgt>
+                                        </p:tgtEl>
+                                        <p:attrNameLst>
+                                          <p:attrName>ppt_x</p:attrName>
+                                        </p:attrNameLst>
+                                      </p:cBhvr>
+                                      <p:tavLst>
+                                        <p:tav tm="0">
+                                          <p:val>
+                                            <p:strVal val="#ppt_x"/>
+                                          </p:val>
+                                        </p:tav>
+                                        <p:tav tm="100000">
+                                          <p:val>
+                                            <p:strVal val="#ppt_x"/>
+                                          </p:val>
+                                        </p:tav>
+                                      </p:tavLst>
+                                    </p:anim>
+                                    <p:anim calcmode="lin" valueType="num">
+                                      <p:cBhvr>
+                                        <p:cTn id="9" dur="1000" fill="hold"/>
+                                        <p:tgtEl>
+                                          <p:spTgt spid="4">
+                                            <p:txEl>
+                                              <p:pRg st="0" end="0"/>
+                                            </p:txEl>
+                                          </p:spTgt>
+                                        </p:tgtEl>
+                                        <p:attrNameLst>
+                                          <p:attrName>ppt_y</p:attrName>
+                                        </p:attrNameLst>
+                                      </p:cBhvr>
+                                      <p:tavLst>
+                                        <p:tav tm="0">
+                                          <p:val>
+                                            <p:strVal val="#ppt_y+.1"/>
+                                          </p:val>
+                                        </p:tav>
+                                        <p:tav tm="100000">
+                                          <p:val>
+                                            <p:strVal val="#ppt_y"/>
+                                          </p:val>
+                                        </p:tav>
+                                      </p:tavLst>
+                                    </p:anim>
+                                  </p:childTnLst>
+                                </p:cTn>
+                              </p:par>
+                            </p:childTnLst>
+                          </p:cTn>
+                        </p:par>
+                      </p:childTnLst>
+                    </p:cTn>
+                  </p:par>
+                  <p:par>
+                    <p:cTn id="10" fill="hold">
+                      <p:stCondLst>
+                        <p:cond delay="indefinite"/>
+                      </p:stCondLst>
+                      <p:childTnLst>
+                        <p:par>
+                          <p:cTn id="11" fill="hold">
+                            <p:stCondLst>
+                              <p:cond delay="0"/>
+                            </p:stCondLst>
+                            <p:childTnLst>
+                              <p:par>
+                                <p:cTn id="12" presetID="31" presetClass="entr" presetSubtype="0" fill="hold" nodeType="clickEffect">
+                                  <p:stCondLst>
+                                    <p:cond delay="0"/>
+                                  </p:stCondLst>
+                                  <p:childTnLst>
+                                    <p:set>
+                                      <p:cBhvr>
+                                        <p:cTn id="13" dur="1" fill="hold">
+                                          <p:stCondLst>
+                                            <p:cond delay="0"/>
+                                          </p:stCondLst>
+                                        </p:cTn>
+                                        <p:tgtEl>
+                                          <p:spTgt spid="1028"/>
+                                        </p:tgtEl>
+                                        <p:attrNameLst>
+                                          <p:attrName>style.visibility</p:attrName>
+                                        </p:attrNameLst>
+                                      </p:cBhvr>
+                                      <p:to>
+                                        <p:strVal val="visible"/>
+                                      </p:to>
+                                    </p:set>
+                                    <p:anim calcmode="lin" valueType="num">
+                                      <p:cBhvr>
+                                        <p:cTn id="14" dur="1000" fill="hold"/>
+                                        <p:tgtEl>
+                                          <p:spTgt spid="1028"/>
+                                        </p:tgtEl>
+                                        <p:attrNameLst>
+                                          <p:attrName>ppt_w</p:attrName>
+                                        </p:attrNameLst>
+                                      </p:cBhvr>
+                                      <p:tavLst>
+                                        <p:tav tm="0">
+                                          <p:val>
+                                            <p:fltVal val="0"/>
+                                          </p:val>
+                                        </p:tav>
+                                        <p:tav tm="100000">
+                                          <p:val>
+                                            <p:strVal val="#ppt_w"/>
+                                          </p:val>
+                                        </p:tav>
+                                      </p:tavLst>
+                                    </p:anim>
+                                    <p:anim calcmode="lin" valueType="num">
+                                      <p:cBhvr>
+                                        <p:cTn id="15" dur="1000" fill="hold"/>
+                                        <p:tgtEl>
+                                          <p:spTgt spid="1028"/>
+                                        </p:tgtEl>
+                                        <p:attrNameLst>
+                                          <p:attrName>ppt_h</p:attrName>
+                                        </p:attrNameLst>
+                                      </p:cBhvr>
+                                      <p:tavLst>
+                                        <p:tav tm="0">
+                                          <p:val>
+                                            <p:fltVal val="0"/>
+                                          </p:val>
+                                        </p:tav>
+                                        <p:tav tm="100000">
+                                          <p:val>
+                                            <p:strVal val="#ppt_h"/>
+                                          </p:val>
+                                        </p:tav>
+                                      </p:tavLst>
+                                    </p:anim>
+                                    <p:anim calcmode="lin" valueType="num">
+                                      <p:cBhvr>
+                                        <p:cTn id="16" dur="1000" fill="hold"/>
+                                        <p:tgtEl>
+                                          <p:spTgt spid="1028"/>
+                                        </p:tgtEl>
+                                        <p:attrNameLst>
+                                          <p:attrName>style.rotation</p:attrName>
+                                        </p:attrNameLst>
+                                      </p:cBhvr>
+                                      <p:tavLst>
+                                        <p:tav tm="0">
+                                          <p:val>
+                                            <p:fltVal val="90"/>
+                                          </p:val>
+                                        </p:tav>
+                                        <p:tav tm="100000">
+                                          <p:val>
+                                            <p:fltVal val="0"/>
+                                          </p:val>
+                                        </p:tav>
+                                      </p:tavLst>
+                                    </p:anim>
+                                    <p:animEffect transition="in" filter="fade">
+                                      <p:cBhvr>
+                                        <p:cTn id="17" dur="1000"/>
+                                        <p:tgtEl>
+                                          <p:spTgt spid="1028"/>
+                                        </p:tgtEl>
+                                      </p:cBhvr>
+                                    </p:animEffect>
+                                  </p:childTnLst>
+                                </p:cTn>
+                              </p:par>
+                            </p:childTnLst>
+                          </p:cTn>
+                        </p:par>
+                      </p:childTnLst>
+                    </p:cTn>
+                  </p:par>
+                </p:childTnLst>
+              </p:cTn>
+              <p:prevCondLst>
+                <p:cond evt="onPrev" delay="0">
+                  <p:tgtEl>
+                    <p:sldTgt/>
+                  </p:tgtEl>
+                </p:cond>
+              </p:prevCondLst>
+              <p:nextCondLst>
+                <p:cond evt="onNext" delay="0">
+                  <p:tgtEl>
+                    <p:sldTgt/>
+                  </p:tgtEl>
+                </p:cond>
+              </p:nextCondLst>
+            </p:seq>
+          </p:childTnLst>
+        </p:cTn>
       </p:par>
     </p:tnLst>
   </p:timing>
@@ -12603,51 +14736,383 @@
         </p:nvSpPr>
         <p:spPr/>
         <p:txBody>
-          <a:bodyPr rtlCol="0"/>
+          <a:bodyPr/>
           <a:lstStyle/>
           <a:p>
-            <a:pPr rtl="0"/>
-            <a:r>
-              <a:rPr lang="ru-RU" dirty="0" smtClean="0"/>
-              <a:t>Макет заголовка и объекта со </a:t>
-            </a:r>
-            <a:r>
-              <a:rPr lang="ru-RU" dirty="0" err="1" smtClean="0"/>
-              <a:t>SmartArt</a:t>
-            </a:r>
-            <a:endParaRPr lang="ru-RU" dirty="0"/>
+            <a:r>
+              <a:rPr lang="ru-RU" dirty="0"/>
+              <a:t>Облачное хранилище данных</a:t>
+            </a:r>
           </a:p>
         </p:txBody>
       </p:sp>
-      <p:graphicFrame>
-        <p:nvGraphicFramePr>
-          <p:cNvPr id="6" name="Объект 5" descr="Простая схема с шевронами, показывающая 4 этапа, расположенные слева направо"/>
-          <p:cNvGraphicFramePr>
-            <a:graphicFrameLocks noGrp="1"/>
-          </p:cNvGraphicFramePr>
-          <p:nvPr>
-            <p:ph idx="1"/>
-            <p:extLst>
-              <p:ext uri="{D42A27DB-BD31-4B8C-83A1-F6EECF244321}">
-                <p14:modId xmlns:p14="http://schemas.microsoft.com/office/powerpoint/2010/main" val="3386389685"/>
-              </p:ext>
-            </p:extLst>
-          </p:nvPr>
-        </p:nvGraphicFramePr>
-        <p:xfrm>
-          <a:off x="1295400" y="1828800"/>
-          <a:ext cx="9601200" cy="4343400"/>
-        </p:xfrm>
-        <a:graphic>
-          <a:graphicData uri="http://schemas.openxmlformats.org/drawingml/2006/diagram">
-            <dgm:relIds xmlns:dgm="http://schemas.openxmlformats.org/drawingml/2006/diagram" xmlns:r="http://schemas.openxmlformats.org/officeDocument/2006/relationships" r:dm="rId3" r:lo="rId4" r:qs="rId5" r:cs="rId6"/>
-          </a:graphicData>
-        </a:graphic>
-      </p:graphicFrame>
+      <p:sp>
+        <p:nvSpPr>
+          <p:cNvPr id="3" name="TextBox 2"/>
+          <p:cNvSpPr txBox="1"/>
+          <p:nvPr/>
+        </p:nvSpPr>
+        <p:spPr>
+          <a:xfrm>
+            <a:off x="1295400" y="1574800"/>
+            <a:ext cx="5716630" cy="584775"/>
+          </a:xfrm>
+          <a:prstGeom prst="rect">
+            <a:avLst/>
+          </a:prstGeom>
+          <a:noFill/>
+        </p:spPr>
+        <p:txBody>
+          <a:bodyPr wrap="none" rtlCol="0">
+            <a:spAutoFit/>
+          </a:bodyPr>
+          <a:lstStyle/>
+          <a:p>
+            <a:r>
+              <a:rPr lang="ru-RU" sz="3200" dirty="0" smtClean="0"/>
+              <a:t>Преимущества и недостатки</a:t>
+            </a:r>
+            <a:endParaRPr lang="ru-RU" sz="3200" dirty="0"/>
+          </a:p>
+        </p:txBody>
+      </p:sp>
+      <p:sp>
+        <p:nvSpPr>
+          <p:cNvPr id="4" name="TextBox 3"/>
+          <p:cNvSpPr txBox="1"/>
+          <p:nvPr/>
+        </p:nvSpPr>
+        <p:spPr>
+          <a:xfrm>
+            <a:off x="1295400" y="2130318"/>
+            <a:ext cx="2980496" cy="584775"/>
+          </a:xfrm>
+          <a:prstGeom prst="rect">
+            <a:avLst/>
+          </a:prstGeom>
+          <a:noFill/>
+        </p:spPr>
+        <p:txBody>
+          <a:bodyPr wrap="none" rtlCol="0">
+            <a:spAutoFit/>
+          </a:bodyPr>
+          <a:lstStyle/>
+          <a:p>
+            <a:r>
+              <a:rPr lang="ru-RU" sz="3200" b="1" dirty="0" smtClean="0">
+                <a:latin typeface="Times New Roman" panose="02020603050405020304" pitchFamily="18" charset="0"/>
+                <a:cs typeface="Times New Roman" panose="02020603050405020304" pitchFamily="18" charset="0"/>
+              </a:rPr>
+              <a:t>Преимущества</a:t>
+            </a:r>
+            <a:endParaRPr lang="ru-RU" sz="3200" b="1" dirty="0">
+              <a:latin typeface="Times New Roman" panose="02020603050405020304" pitchFamily="18" charset="0"/>
+              <a:cs typeface="Times New Roman" panose="02020603050405020304" pitchFamily="18" charset="0"/>
+            </a:endParaRPr>
+          </a:p>
+        </p:txBody>
+      </p:sp>
+      <p:sp>
+        <p:nvSpPr>
+          <p:cNvPr id="5" name="TextBox 4"/>
+          <p:cNvSpPr txBox="1"/>
+          <p:nvPr/>
+        </p:nvSpPr>
+        <p:spPr>
+          <a:xfrm>
+            <a:off x="8322753" y="2130317"/>
+            <a:ext cx="2355325" cy="584775"/>
+          </a:xfrm>
+          <a:prstGeom prst="rect">
+            <a:avLst/>
+          </a:prstGeom>
+          <a:noFill/>
+        </p:spPr>
+        <p:txBody>
+          <a:bodyPr wrap="none" rtlCol="0">
+            <a:spAutoFit/>
+          </a:bodyPr>
+          <a:lstStyle/>
+          <a:p>
+            <a:r>
+              <a:rPr lang="ru-RU" sz="3200" b="1" dirty="0" smtClean="0">
+                <a:latin typeface="Times New Roman" panose="02020603050405020304" pitchFamily="18" charset="0"/>
+                <a:cs typeface="Times New Roman" panose="02020603050405020304" pitchFamily="18" charset="0"/>
+              </a:rPr>
+              <a:t>Недостатки</a:t>
+            </a:r>
+            <a:endParaRPr lang="ru-RU" sz="3200" b="1" dirty="0">
+              <a:latin typeface="Times New Roman" panose="02020603050405020304" pitchFamily="18" charset="0"/>
+              <a:cs typeface="Times New Roman" panose="02020603050405020304" pitchFamily="18" charset="0"/>
+            </a:endParaRPr>
+          </a:p>
+        </p:txBody>
+      </p:sp>
+      <p:sp>
+        <p:nvSpPr>
+          <p:cNvPr id="6" name="TextBox 5"/>
+          <p:cNvSpPr txBox="1"/>
+          <p:nvPr/>
+        </p:nvSpPr>
+        <p:spPr>
+          <a:xfrm>
+            <a:off x="263085" y="2703016"/>
+            <a:ext cx="6718299" cy="4154984"/>
+          </a:xfrm>
+          <a:prstGeom prst="rect">
+            <a:avLst/>
+          </a:prstGeom>
+          <a:noFill/>
+        </p:spPr>
+        <p:txBody>
+          <a:bodyPr wrap="square" rtlCol="0">
+            <a:spAutoFit/>
+          </a:bodyPr>
+          <a:lstStyle/>
+          <a:p>
+            <a:pPr marL="342900" indent="-342900">
+              <a:buFont typeface="Arial" panose="020B0604020202020204" pitchFamily="34" charset="0"/>
+              <a:buChar char="•"/>
+            </a:pPr>
+            <a:r>
+              <a:rPr lang="ru-RU" sz="2400" dirty="0">
+                <a:latin typeface="Times New Roman" panose="02020603050405020304" pitchFamily="18" charset="0"/>
+                <a:cs typeface="Times New Roman" panose="02020603050405020304" pitchFamily="18" charset="0"/>
+              </a:rPr>
+              <a:t>Возможность доступа к данным с любого компьютера, имеющего выход в </a:t>
+            </a:r>
+            <a:r>
+              <a:rPr lang="ru-RU" sz="2400" dirty="0" smtClean="0">
+                <a:latin typeface="Times New Roman" panose="02020603050405020304" pitchFamily="18" charset="0"/>
+                <a:cs typeface="Times New Roman" panose="02020603050405020304" pitchFamily="18" charset="0"/>
+              </a:rPr>
+              <a:t>Интернет.</a:t>
+            </a:r>
+          </a:p>
+          <a:p>
+            <a:pPr marL="342900" indent="-342900">
+              <a:buFont typeface="Arial" panose="020B0604020202020204" pitchFamily="34" charset="0"/>
+              <a:buChar char="•"/>
+            </a:pPr>
+            <a:r>
+              <a:rPr lang="ru-RU" sz="2400" dirty="0">
+                <a:latin typeface="Times New Roman" panose="02020603050405020304" pitchFamily="18" charset="0"/>
+                <a:cs typeface="Times New Roman" panose="02020603050405020304" pitchFamily="18" charset="0"/>
+              </a:rPr>
+              <a:t>Возможность организации совместной работы с </a:t>
+            </a:r>
+            <a:r>
+              <a:rPr lang="ru-RU" sz="2400" dirty="0" smtClean="0">
+                <a:latin typeface="Times New Roman" panose="02020603050405020304" pitchFamily="18" charset="0"/>
+                <a:cs typeface="Times New Roman" panose="02020603050405020304" pitchFamily="18" charset="0"/>
+              </a:rPr>
+              <a:t>данными.</a:t>
+            </a:r>
+          </a:p>
+          <a:p>
+            <a:pPr marL="342900" indent="-342900">
+              <a:buFont typeface="Arial" panose="020B0604020202020204" pitchFamily="34" charset="0"/>
+              <a:buChar char="•"/>
+            </a:pPr>
+            <a:r>
+              <a:rPr lang="ru-RU" sz="2400" dirty="0">
+                <a:latin typeface="Times New Roman" panose="02020603050405020304" pitchFamily="18" charset="0"/>
+                <a:cs typeface="Times New Roman" panose="02020603050405020304" pitchFamily="18" charset="0"/>
+              </a:rPr>
+              <a:t>Высокая вероятность сохранения данных даже в случае аппаратных </a:t>
+            </a:r>
+            <a:r>
+              <a:rPr lang="ru-RU" sz="2400" dirty="0" smtClean="0">
+                <a:latin typeface="Times New Roman" panose="02020603050405020304" pitchFamily="18" charset="0"/>
+                <a:cs typeface="Times New Roman" panose="02020603050405020304" pitchFamily="18" charset="0"/>
+              </a:rPr>
+              <a:t>сбоев.</a:t>
+            </a:r>
+          </a:p>
+          <a:p>
+            <a:pPr marL="342900" indent="-342900">
+              <a:buFont typeface="Arial" panose="020B0604020202020204" pitchFamily="34" charset="0"/>
+              <a:buChar char="•"/>
+            </a:pPr>
+            <a:r>
+              <a:rPr lang="ru-RU" sz="2400" dirty="0">
+                <a:latin typeface="Times New Roman" panose="02020603050405020304" pitchFamily="18" charset="0"/>
+                <a:cs typeface="Times New Roman" panose="02020603050405020304" pitchFamily="18" charset="0"/>
+              </a:rPr>
+              <a:t>Клиент платит только за то место в </a:t>
+            </a:r>
+            <a:r>
+              <a:rPr lang="ru-RU" sz="2400" dirty="0" smtClean="0">
+                <a:latin typeface="Times New Roman" panose="02020603050405020304" pitchFamily="18" charset="0"/>
+                <a:cs typeface="Times New Roman" panose="02020603050405020304" pitchFamily="18" charset="0"/>
+              </a:rPr>
+              <a:t>хранилище.</a:t>
+            </a:r>
+          </a:p>
+          <a:p>
+            <a:pPr marL="342900" indent="-342900">
+              <a:buFont typeface="Arial" panose="020B0604020202020204" pitchFamily="34" charset="0"/>
+              <a:buChar char="•"/>
+            </a:pPr>
+            <a:r>
+              <a:rPr lang="ru-RU" sz="2400" dirty="0" smtClean="0">
+                <a:latin typeface="Times New Roman" panose="02020603050405020304" pitchFamily="18" charset="0"/>
+                <a:cs typeface="Times New Roman" panose="02020603050405020304" pitchFamily="18" charset="0"/>
+              </a:rPr>
+              <a:t>Отсутствие издержек по обслуживанию.</a:t>
+            </a:r>
+          </a:p>
+          <a:p>
+            <a:pPr marL="342900" indent="-342900">
+              <a:buFont typeface="Arial" panose="020B0604020202020204" pitchFamily="34" charset="0"/>
+              <a:buChar char="•"/>
+            </a:pPr>
+            <a:r>
+              <a:rPr lang="ru-RU" sz="2400" dirty="0" smtClean="0">
+                <a:latin typeface="Times New Roman" panose="02020603050405020304" pitchFamily="18" charset="0"/>
+                <a:cs typeface="Times New Roman" panose="02020603050405020304" pitchFamily="18" charset="0"/>
+              </a:rPr>
+              <a:t>Резервирование </a:t>
+            </a:r>
+            <a:r>
+              <a:rPr lang="ru-RU" sz="2400" dirty="0">
+                <a:latin typeface="Times New Roman" panose="02020603050405020304" pitchFamily="18" charset="0"/>
+                <a:cs typeface="Times New Roman" panose="02020603050405020304" pitchFamily="18" charset="0"/>
+              </a:rPr>
+              <a:t>и </a:t>
+            </a:r>
+            <a:r>
+              <a:rPr lang="ru-RU" sz="2400" dirty="0" smtClean="0">
+                <a:latin typeface="Times New Roman" panose="02020603050405020304" pitchFamily="18" charset="0"/>
+                <a:cs typeface="Times New Roman" panose="02020603050405020304" pitchFamily="18" charset="0"/>
+              </a:rPr>
+              <a:t>сохранение </a:t>
+            </a:r>
+            <a:r>
+              <a:rPr lang="ru-RU" sz="2400" dirty="0">
+                <a:latin typeface="Times New Roman" panose="02020603050405020304" pitchFamily="18" charset="0"/>
+                <a:cs typeface="Times New Roman" panose="02020603050405020304" pitchFamily="18" charset="0"/>
+              </a:rPr>
+              <a:t>целостности данных производятся провайдером «облачного» </a:t>
+            </a:r>
+            <a:r>
+              <a:rPr lang="ru-RU" sz="2400" dirty="0" smtClean="0">
+                <a:latin typeface="Times New Roman" panose="02020603050405020304" pitchFamily="18" charset="0"/>
+                <a:cs typeface="Times New Roman" panose="02020603050405020304" pitchFamily="18" charset="0"/>
+              </a:rPr>
+              <a:t>центра.</a:t>
+            </a:r>
+            <a:endParaRPr lang="ru-RU" sz="2400" dirty="0">
+              <a:latin typeface="Times New Roman" panose="02020603050405020304" pitchFamily="18" charset="0"/>
+              <a:cs typeface="Times New Roman" panose="02020603050405020304" pitchFamily="18" charset="0"/>
+            </a:endParaRPr>
+          </a:p>
+        </p:txBody>
+      </p:sp>
+      <p:sp>
+        <p:nvSpPr>
+          <p:cNvPr id="7" name="TextBox 6"/>
+          <p:cNvSpPr txBox="1"/>
+          <p:nvPr/>
+        </p:nvSpPr>
+        <p:spPr>
+          <a:xfrm>
+            <a:off x="7380331" y="2703016"/>
+            <a:ext cx="5383170" cy="3416320"/>
+          </a:xfrm>
+          <a:prstGeom prst="rect">
+            <a:avLst/>
+          </a:prstGeom>
+          <a:noFill/>
+        </p:spPr>
+        <p:txBody>
+          <a:bodyPr wrap="square" rtlCol="0">
+            <a:spAutoFit/>
+          </a:bodyPr>
+          <a:lstStyle/>
+          <a:p>
+            <a:pPr marL="342900" indent="-342900">
+              <a:buFont typeface="Arial" panose="020B0604020202020204" pitchFamily="34" charset="0"/>
+              <a:buChar char="•"/>
+            </a:pPr>
+            <a:r>
+              <a:rPr lang="ru-RU" sz="2400" dirty="0" smtClean="0">
+                <a:latin typeface="Times New Roman" panose="02020603050405020304" pitchFamily="18" charset="0"/>
+                <a:cs typeface="Times New Roman" panose="02020603050405020304" pitchFamily="18" charset="0"/>
+              </a:rPr>
+              <a:t>Отсутствие 100%-гарантии безопасности </a:t>
+            </a:r>
+            <a:r>
+              <a:rPr lang="ru-RU" sz="2400" dirty="0">
+                <a:latin typeface="Times New Roman" panose="02020603050405020304" pitchFamily="18" charset="0"/>
+                <a:cs typeface="Times New Roman" panose="02020603050405020304" pitchFamily="18" charset="0"/>
+              </a:rPr>
+              <a:t>при хранении и пересылке </a:t>
+            </a:r>
+            <a:r>
+              <a:rPr lang="ru-RU" sz="2400" dirty="0" smtClean="0">
+                <a:latin typeface="Times New Roman" panose="02020603050405020304" pitchFamily="18" charset="0"/>
+                <a:cs typeface="Times New Roman" panose="02020603050405020304" pitchFamily="18" charset="0"/>
+              </a:rPr>
+              <a:t>данных.</a:t>
+            </a:r>
+          </a:p>
+          <a:p>
+            <a:pPr marL="342900" indent="-342900">
+              <a:buFont typeface="Arial" panose="020B0604020202020204" pitchFamily="34" charset="0"/>
+              <a:buChar char="•"/>
+            </a:pPr>
+            <a:r>
+              <a:rPr lang="ru-RU" sz="2400" dirty="0" smtClean="0">
+                <a:latin typeface="Times New Roman" panose="02020603050405020304" pitchFamily="18" charset="0"/>
+                <a:cs typeface="Times New Roman" panose="02020603050405020304" pitchFamily="18" charset="0"/>
+              </a:rPr>
+              <a:t>Зависимость надежности от промежуточных параметров.</a:t>
+            </a:r>
+          </a:p>
+          <a:p>
+            <a:pPr marL="342900" indent="-342900">
+              <a:buFont typeface="Arial" panose="020B0604020202020204" pitchFamily="34" charset="0"/>
+              <a:buChar char="•"/>
+            </a:pPr>
+            <a:r>
+              <a:rPr lang="ru-RU" sz="2400" dirty="0" smtClean="0">
+                <a:latin typeface="Times New Roman" panose="02020603050405020304" pitchFamily="18" charset="0"/>
+                <a:cs typeface="Times New Roman" panose="02020603050405020304" pitchFamily="18" charset="0"/>
+              </a:rPr>
+              <a:t>Относительно низкая производительность.</a:t>
+            </a:r>
+          </a:p>
+          <a:p>
+            <a:pPr marL="342900" indent="-342900">
+              <a:buFont typeface="Arial" panose="020B0604020202020204" pitchFamily="34" charset="0"/>
+              <a:buChar char="•"/>
+            </a:pPr>
+            <a:r>
+              <a:rPr lang="ru-RU" sz="2400" dirty="0">
+                <a:latin typeface="Times New Roman" panose="02020603050405020304" pitchFamily="18" charset="0"/>
+                <a:cs typeface="Times New Roman" panose="02020603050405020304" pitchFamily="18" charset="0"/>
+              </a:rPr>
+              <a:t>Абонентская плата за дополнительные </a:t>
+            </a:r>
+            <a:r>
+              <a:rPr lang="ru-RU" sz="2400" dirty="0" smtClean="0">
+                <a:latin typeface="Times New Roman" panose="02020603050405020304" pitchFamily="18" charset="0"/>
+                <a:cs typeface="Times New Roman" panose="02020603050405020304" pitchFamily="18" charset="0"/>
+              </a:rPr>
+              <a:t>возможности.</a:t>
+            </a:r>
+            <a:endParaRPr lang="ru-RU" sz="2400" dirty="0">
+              <a:latin typeface="Times New Roman" panose="02020603050405020304" pitchFamily="18" charset="0"/>
+              <a:cs typeface="Times New Roman" panose="02020603050405020304" pitchFamily="18" charset="0"/>
+            </a:endParaRPr>
+          </a:p>
+        </p:txBody>
+      </p:sp>
     </p:spTree>
     <p:extLst>
       <p:ext uri="{BB962C8B-B14F-4D97-AF65-F5344CB8AC3E}">
-        <p14:creationId xmlns:p14="http://schemas.microsoft.com/office/powerpoint/2010/main" val="3112142608"/>
+        <p14:creationId xmlns:p14="http://schemas.microsoft.com/office/powerpoint/2010/main" val="118745806"/>
       </p:ext>
     </p:extLst>
   </p:cSld>
@@ -12669,9 +15134,693 @@
   <p:timing>
     <p:tnLst>
       <p:par>
-        <p:cTn id="1" dur="indefinite" restart="never" nodeType="tmRoot"/>
+        <p:cTn id="1" dur="indefinite" restart="never" nodeType="tmRoot">
+          <p:childTnLst>
+            <p:seq concurrent="1" nextAc="seek">
+              <p:cTn id="2" dur="indefinite" nodeType="mainSeq">
+                <p:childTnLst>
+                  <p:par>
+                    <p:cTn id="3" fill="hold">
+                      <p:stCondLst>
+                        <p:cond delay="indefinite"/>
+                      </p:stCondLst>
+                      <p:childTnLst>
+                        <p:par>
+                          <p:cTn id="4" fill="hold">
+                            <p:stCondLst>
+                              <p:cond delay="0"/>
+                            </p:stCondLst>
+                            <p:childTnLst>
+                              <p:par>
+                                <p:cTn id="5" presetID="16" presetClass="entr" presetSubtype="21" fill="hold" grpId="0" nodeType="clickEffect">
+                                  <p:stCondLst>
+                                    <p:cond delay="0"/>
+                                  </p:stCondLst>
+                                  <p:childTnLst>
+                                    <p:set>
+                                      <p:cBhvr>
+                                        <p:cTn id="6" dur="1" fill="hold">
+                                          <p:stCondLst>
+                                            <p:cond delay="0"/>
+                                          </p:stCondLst>
+                                        </p:cTn>
+                                        <p:tgtEl>
+                                          <p:spTgt spid="3"/>
+                                        </p:tgtEl>
+                                        <p:attrNameLst>
+                                          <p:attrName>style.visibility</p:attrName>
+                                        </p:attrNameLst>
+                                      </p:cBhvr>
+                                      <p:to>
+                                        <p:strVal val="visible"/>
+                                      </p:to>
+                                    </p:set>
+                                    <p:animEffect transition="in" filter="barn(inVertical)">
+                                      <p:cBhvr>
+                                        <p:cTn id="7" dur="500"/>
+                                        <p:tgtEl>
+                                          <p:spTgt spid="3"/>
+                                        </p:tgtEl>
+                                      </p:cBhvr>
+                                    </p:animEffect>
+                                  </p:childTnLst>
+                                </p:cTn>
+                              </p:par>
+                            </p:childTnLst>
+                          </p:cTn>
+                        </p:par>
+                      </p:childTnLst>
+                    </p:cTn>
+                  </p:par>
+                  <p:par>
+                    <p:cTn id="8" fill="hold">
+                      <p:stCondLst>
+                        <p:cond delay="indefinite"/>
+                      </p:stCondLst>
+                      <p:childTnLst>
+                        <p:par>
+                          <p:cTn id="9" fill="hold">
+                            <p:stCondLst>
+                              <p:cond delay="0"/>
+                            </p:stCondLst>
+                            <p:childTnLst>
+                              <p:par>
+                                <p:cTn id="10" presetID="14" presetClass="entr" presetSubtype="10" fill="hold" grpId="0" nodeType="clickEffect">
+                                  <p:stCondLst>
+                                    <p:cond delay="0"/>
+                                  </p:stCondLst>
+                                  <p:childTnLst>
+                                    <p:set>
+                                      <p:cBhvr>
+                                        <p:cTn id="11" dur="1" fill="hold">
+                                          <p:stCondLst>
+                                            <p:cond delay="0"/>
+                                          </p:stCondLst>
+                                        </p:cTn>
+                                        <p:tgtEl>
+                                          <p:spTgt spid="4"/>
+                                        </p:tgtEl>
+                                        <p:attrNameLst>
+                                          <p:attrName>style.visibility</p:attrName>
+                                        </p:attrNameLst>
+                                      </p:cBhvr>
+                                      <p:to>
+                                        <p:strVal val="visible"/>
+                                      </p:to>
+                                    </p:set>
+                                    <p:animEffect transition="in" filter="randombar(horizontal)">
+                                      <p:cBhvr>
+                                        <p:cTn id="12" dur="500"/>
+                                        <p:tgtEl>
+                                          <p:spTgt spid="4"/>
+                                        </p:tgtEl>
+                                      </p:cBhvr>
+                                    </p:animEffect>
+                                  </p:childTnLst>
+                                </p:cTn>
+                              </p:par>
+                            </p:childTnLst>
+                          </p:cTn>
+                        </p:par>
+                      </p:childTnLst>
+                    </p:cTn>
+                  </p:par>
+                  <p:par>
+                    <p:cTn id="13" fill="hold">
+                      <p:stCondLst>
+                        <p:cond delay="indefinite"/>
+                      </p:stCondLst>
+                      <p:childTnLst>
+                        <p:par>
+                          <p:cTn id="14" fill="hold">
+                            <p:stCondLst>
+                              <p:cond delay="0"/>
+                            </p:stCondLst>
+                            <p:childTnLst>
+                              <p:par>
+                                <p:cTn id="15" presetID="1" presetClass="entr" presetSubtype="0" fill="hold" nodeType="clickEffect">
+                                  <p:stCondLst>
+                                    <p:cond delay="0"/>
+                                  </p:stCondLst>
+                                  <p:childTnLst>
+                                    <p:set>
+                                      <p:cBhvr>
+                                        <p:cTn id="16" dur="1" fill="hold">
+                                          <p:stCondLst>
+                                            <p:cond delay="0"/>
+                                          </p:stCondLst>
+                                        </p:cTn>
+                                        <p:tgtEl>
+                                          <p:spTgt spid="6">
+                                            <p:txEl>
+                                              <p:pRg st="0" end="0"/>
+                                            </p:txEl>
+                                          </p:spTgt>
+                                        </p:tgtEl>
+                                        <p:attrNameLst>
+                                          <p:attrName>style.visibility</p:attrName>
+                                        </p:attrNameLst>
+                                      </p:cBhvr>
+                                      <p:to>
+                                        <p:strVal val="visible"/>
+                                      </p:to>
+                                    </p:set>
+                                  </p:childTnLst>
+                                </p:cTn>
+                              </p:par>
+                            </p:childTnLst>
+                          </p:cTn>
+                        </p:par>
+                      </p:childTnLst>
+                    </p:cTn>
+                  </p:par>
+                  <p:par>
+                    <p:cTn id="17" fill="hold">
+                      <p:stCondLst>
+                        <p:cond delay="indefinite"/>
+                      </p:stCondLst>
+                      <p:childTnLst>
+                        <p:par>
+                          <p:cTn id="18" fill="hold">
+                            <p:stCondLst>
+                              <p:cond delay="0"/>
+                            </p:stCondLst>
+                            <p:childTnLst>
+                              <p:par>
+                                <p:cTn id="19" presetID="1" presetClass="entr" presetSubtype="0" fill="hold" nodeType="clickEffect">
+                                  <p:stCondLst>
+                                    <p:cond delay="0"/>
+                                  </p:stCondLst>
+                                  <p:childTnLst>
+                                    <p:set>
+                                      <p:cBhvr>
+                                        <p:cTn id="20" dur="1" fill="hold">
+                                          <p:stCondLst>
+                                            <p:cond delay="0"/>
+                                          </p:stCondLst>
+                                        </p:cTn>
+                                        <p:tgtEl>
+                                          <p:spTgt spid="6">
+                                            <p:txEl>
+                                              <p:pRg st="1" end="1"/>
+                                            </p:txEl>
+                                          </p:spTgt>
+                                        </p:tgtEl>
+                                        <p:attrNameLst>
+                                          <p:attrName>style.visibility</p:attrName>
+                                        </p:attrNameLst>
+                                      </p:cBhvr>
+                                      <p:to>
+                                        <p:strVal val="visible"/>
+                                      </p:to>
+                                    </p:set>
+                                  </p:childTnLst>
+                                </p:cTn>
+                              </p:par>
+                            </p:childTnLst>
+                          </p:cTn>
+                        </p:par>
+                      </p:childTnLst>
+                    </p:cTn>
+                  </p:par>
+                  <p:par>
+                    <p:cTn id="21" fill="hold">
+                      <p:stCondLst>
+                        <p:cond delay="indefinite"/>
+                      </p:stCondLst>
+                      <p:childTnLst>
+                        <p:par>
+                          <p:cTn id="22" fill="hold">
+                            <p:stCondLst>
+                              <p:cond delay="0"/>
+                            </p:stCondLst>
+                            <p:childTnLst>
+                              <p:par>
+                                <p:cTn id="23" presetID="1" presetClass="entr" presetSubtype="0" fill="hold" nodeType="clickEffect">
+                                  <p:stCondLst>
+                                    <p:cond delay="0"/>
+                                  </p:stCondLst>
+                                  <p:childTnLst>
+                                    <p:set>
+                                      <p:cBhvr>
+                                        <p:cTn id="24" dur="1" fill="hold">
+                                          <p:stCondLst>
+                                            <p:cond delay="0"/>
+                                          </p:stCondLst>
+                                        </p:cTn>
+                                        <p:tgtEl>
+                                          <p:spTgt spid="6">
+                                            <p:txEl>
+                                              <p:pRg st="2" end="2"/>
+                                            </p:txEl>
+                                          </p:spTgt>
+                                        </p:tgtEl>
+                                        <p:attrNameLst>
+                                          <p:attrName>style.visibility</p:attrName>
+                                        </p:attrNameLst>
+                                      </p:cBhvr>
+                                      <p:to>
+                                        <p:strVal val="visible"/>
+                                      </p:to>
+                                    </p:set>
+                                  </p:childTnLst>
+                                </p:cTn>
+                              </p:par>
+                            </p:childTnLst>
+                          </p:cTn>
+                        </p:par>
+                      </p:childTnLst>
+                    </p:cTn>
+                  </p:par>
+                  <p:par>
+                    <p:cTn id="25" fill="hold">
+                      <p:stCondLst>
+                        <p:cond delay="indefinite"/>
+                      </p:stCondLst>
+                      <p:childTnLst>
+                        <p:par>
+                          <p:cTn id="26" fill="hold">
+                            <p:stCondLst>
+                              <p:cond delay="0"/>
+                            </p:stCondLst>
+                            <p:childTnLst>
+                              <p:par>
+                                <p:cTn id="27" presetID="1" presetClass="entr" presetSubtype="0" fill="hold" nodeType="clickEffect">
+                                  <p:stCondLst>
+                                    <p:cond delay="0"/>
+                                  </p:stCondLst>
+                                  <p:childTnLst>
+                                    <p:set>
+                                      <p:cBhvr>
+                                        <p:cTn id="28" dur="1" fill="hold">
+                                          <p:stCondLst>
+                                            <p:cond delay="0"/>
+                                          </p:stCondLst>
+                                        </p:cTn>
+                                        <p:tgtEl>
+                                          <p:spTgt spid="6">
+                                            <p:txEl>
+                                              <p:pRg st="3" end="3"/>
+                                            </p:txEl>
+                                          </p:spTgt>
+                                        </p:tgtEl>
+                                        <p:attrNameLst>
+                                          <p:attrName>style.visibility</p:attrName>
+                                        </p:attrNameLst>
+                                      </p:cBhvr>
+                                      <p:to>
+                                        <p:strVal val="visible"/>
+                                      </p:to>
+                                    </p:set>
+                                  </p:childTnLst>
+                                </p:cTn>
+                              </p:par>
+                            </p:childTnLst>
+                          </p:cTn>
+                        </p:par>
+                      </p:childTnLst>
+                    </p:cTn>
+                  </p:par>
+                  <p:par>
+                    <p:cTn id="29" fill="hold">
+                      <p:stCondLst>
+                        <p:cond delay="indefinite"/>
+                      </p:stCondLst>
+                      <p:childTnLst>
+                        <p:par>
+                          <p:cTn id="30" fill="hold">
+                            <p:stCondLst>
+                              <p:cond delay="0"/>
+                            </p:stCondLst>
+                            <p:childTnLst>
+                              <p:par>
+                                <p:cTn id="31" presetID="1" presetClass="entr" presetSubtype="0" fill="hold" nodeType="clickEffect">
+                                  <p:stCondLst>
+                                    <p:cond delay="0"/>
+                                  </p:stCondLst>
+                                  <p:childTnLst>
+                                    <p:set>
+                                      <p:cBhvr>
+                                        <p:cTn id="32" dur="1" fill="hold">
+                                          <p:stCondLst>
+                                            <p:cond delay="0"/>
+                                          </p:stCondLst>
+                                        </p:cTn>
+                                        <p:tgtEl>
+                                          <p:spTgt spid="6">
+                                            <p:txEl>
+                                              <p:pRg st="4" end="4"/>
+                                            </p:txEl>
+                                          </p:spTgt>
+                                        </p:tgtEl>
+                                        <p:attrNameLst>
+                                          <p:attrName>style.visibility</p:attrName>
+                                        </p:attrNameLst>
+                                      </p:cBhvr>
+                                      <p:to>
+                                        <p:strVal val="visible"/>
+                                      </p:to>
+                                    </p:set>
+                                  </p:childTnLst>
+                                </p:cTn>
+                              </p:par>
+                            </p:childTnLst>
+                          </p:cTn>
+                        </p:par>
+                      </p:childTnLst>
+                    </p:cTn>
+                  </p:par>
+                  <p:par>
+                    <p:cTn id="33" fill="hold">
+                      <p:stCondLst>
+                        <p:cond delay="indefinite"/>
+                      </p:stCondLst>
+                      <p:childTnLst>
+                        <p:par>
+                          <p:cTn id="34" fill="hold">
+                            <p:stCondLst>
+                              <p:cond delay="0"/>
+                            </p:stCondLst>
+                            <p:childTnLst>
+                              <p:par>
+                                <p:cTn id="35" presetID="1" presetClass="entr" presetSubtype="0" fill="hold" nodeType="clickEffect">
+                                  <p:stCondLst>
+                                    <p:cond delay="0"/>
+                                  </p:stCondLst>
+                                  <p:childTnLst>
+                                    <p:set>
+                                      <p:cBhvr>
+                                        <p:cTn id="36" dur="1" fill="hold">
+                                          <p:stCondLst>
+                                            <p:cond delay="0"/>
+                                          </p:stCondLst>
+                                        </p:cTn>
+                                        <p:tgtEl>
+                                          <p:spTgt spid="6">
+                                            <p:txEl>
+                                              <p:pRg st="5" end="5"/>
+                                            </p:txEl>
+                                          </p:spTgt>
+                                        </p:tgtEl>
+                                        <p:attrNameLst>
+                                          <p:attrName>style.visibility</p:attrName>
+                                        </p:attrNameLst>
+                                      </p:cBhvr>
+                                      <p:to>
+                                        <p:strVal val="visible"/>
+                                      </p:to>
+                                    </p:set>
+                                  </p:childTnLst>
+                                </p:cTn>
+                              </p:par>
+                            </p:childTnLst>
+                          </p:cTn>
+                        </p:par>
+                      </p:childTnLst>
+                    </p:cTn>
+                  </p:par>
+                  <p:par>
+                    <p:cTn id="37" fill="hold">
+                      <p:stCondLst>
+                        <p:cond delay="indefinite"/>
+                      </p:stCondLst>
+                      <p:childTnLst>
+                        <p:par>
+                          <p:cTn id="38" fill="hold">
+                            <p:stCondLst>
+                              <p:cond delay="0"/>
+                            </p:stCondLst>
+                            <p:childTnLst>
+                              <p:par>
+                                <p:cTn id="39" presetID="14" presetClass="entr" presetSubtype="10" fill="hold" nodeType="clickEffect">
+                                  <p:stCondLst>
+                                    <p:cond delay="0"/>
+                                  </p:stCondLst>
+                                  <p:childTnLst>
+                                    <p:set>
+                                      <p:cBhvr>
+                                        <p:cTn id="40" dur="1" fill="hold">
+                                          <p:stCondLst>
+                                            <p:cond delay="0"/>
+                                          </p:stCondLst>
+                                        </p:cTn>
+                                        <p:tgtEl>
+                                          <p:spTgt spid="5">
+                                            <p:txEl>
+                                              <p:pRg st="0" end="0"/>
+                                            </p:txEl>
+                                          </p:spTgt>
+                                        </p:tgtEl>
+                                        <p:attrNameLst>
+                                          <p:attrName>style.visibility</p:attrName>
+                                        </p:attrNameLst>
+                                      </p:cBhvr>
+                                      <p:to>
+                                        <p:strVal val="visible"/>
+                                      </p:to>
+                                    </p:set>
+                                    <p:animEffect transition="in" filter="randombar(horizontal)">
+                                      <p:cBhvr>
+                                        <p:cTn id="41" dur="500"/>
+                                        <p:tgtEl>
+                                          <p:spTgt spid="5">
+                                            <p:txEl>
+                                              <p:pRg st="0" end="0"/>
+                                            </p:txEl>
+                                          </p:spTgt>
+                                        </p:tgtEl>
+                                      </p:cBhvr>
+                                    </p:animEffect>
+                                  </p:childTnLst>
+                                </p:cTn>
+                              </p:par>
+                            </p:childTnLst>
+                          </p:cTn>
+                        </p:par>
+                      </p:childTnLst>
+                    </p:cTn>
+                  </p:par>
+                  <p:par>
+                    <p:cTn id="42" fill="hold">
+                      <p:stCondLst>
+                        <p:cond delay="indefinite"/>
+                      </p:stCondLst>
+                      <p:childTnLst>
+                        <p:par>
+                          <p:cTn id="43" fill="hold">
+                            <p:stCondLst>
+                              <p:cond delay="0"/>
+                            </p:stCondLst>
+                            <p:childTnLst>
+                              <p:par>
+                                <p:cTn id="44" presetID="1" presetClass="entr" presetSubtype="0" fill="hold" nodeType="clickEffect">
+                                  <p:stCondLst>
+                                    <p:cond delay="0"/>
+                                  </p:stCondLst>
+                                  <p:childTnLst>
+                                    <p:set>
+                                      <p:cBhvr>
+                                        <p:cTn id="45" dur="1" fill="hold">
+                                          <p:stCondLst>
+                                            <p:cond delay="0"/>
+                                          </p:stCondLst>
+                                        </p:cTn>
+                                        <p:tgtEl>
+                                          <p:spTgt spid="7">
+                                            <p:txEl>
+                                              <p:pRg st="0" end="0"/>
+                                            </p:txEl>
+                                          </p:spTgt>
+                                        </p:tgtEl>
+                                        <p:attrNameLst>
+                                          <p:attrName>style.visibility</p:attrName>
+                                        </p:attrNameLst>
+                                      </p:cBhvr>
+                                      <p:to>
+                                        <p:strVal val="visible"/>
+                                      </p:to>
+                                    </p:set>
+                                  </p:childTnLst>
+                                </p:cTn>
+                              </p:par>
+                            </p:childTnLst>
+                          </p:cTn>
+                        </p:par>
+                      </p:childTnLst>
+                    </p:cTn>
+                  </p:par>
+                  <p:par>
+                    <p:cTn id="46" fill="hold">
+                      <p:stCondLst>
+                        <p:cond delay="indefinite"/>
+                      </p:stCondLst>
+                      <p:childTnLst>
+                        <p:par>
+                          <p:cTn id="47" fill="hold">
+                            <p:stCondLst>
+                              <p:cond delay="0"/>
+                            </p:stCondLst>
+                            <p:childTnLst>
+                              <p:par>
+                                <p:cTn id="48" presetID="1" presetClass="entr" presetSubtype="0" fill="hold" nodeType="clickEffect">
+                                  <p:stCondLst>
+                                    <p:cond delay="0"/>
+                                  </p:stCondLst>
+                                  <p:childTnLst>
+                                    <p:set>
+                                      <p:cBhvr>
+                                        <p:cTn id="49" dur="1" fill="hold">
+                                          <p:stCondLst>
+                                            <p:cond delay="0"/>
+                                          </p:stCondLst>
+                                        </p:cTn>
+                                        <p:tgtEl>
+                                          <p:spTgt spid="7">
+                                            <p:txEl>
+                                              <p:pRg st="1" end="1"/>
+                                            </p:txEl>
+                                          </p:spTgt>
+                                        </p:tgtEl>
+                                        <p:attrNameLst>
+                                          <p:attrName>style.visibility</p:attrName>
+                                        </p:attrNameLst>
+                                      </p:cBhvr>
+                                      <p:to>
+                                        <p:strVal val="visible"/>
+                                      </p:to>
+                                    </p:set>
+                                  </p:childTnLst>
+                                </p:cTn>
+                              </p:par>
+                            </p:childTnLst>
+                          </p:cTn>
+                        </p:par>
+                      </p:childTnLst>
+                    </p:cTn>
+                  </p:par>
+                  <p:par>
+                    <p:cTn id="50" fill="hold">
+                      <p:stCondLst>
+                        <p:cond delay="indefinite"/>
+                      </p:stCondLst>
+                      <p:childTnLst>
+                        <p:par>
+                          <p:cTn id="51" fill="hold">
+                            <p:stCondLst>
+                              <p:cond delay="0"/>
+                            </p:stCondLst>
+                            <p:childTnLst>
+                              <p:par>
+                                <p:cTn id="52" presetID="1" presetClass="entr" presetSubtype="0" fill="hold" nodeType="clickEffect">
+                                  <p:stCondLst>
+                                    <p:cond delay="0"/>
+                                  </p:stCondLst>
+                                  <p:childTnLst>
+                                    <p:set>
+                                      <p:cBhvr>
+                                        <p:cTn id="53" dur="1" fill="hold">
+                                          <p:stCondLst>
+                                            <p:cond delay="0"/>
+                                          </p:stCondLst>
+                                        </p:cTn>
+                                        <p:tgtEl>
+                                          <p:spTgt spid="7">
+                                            <p:txEl>
+                                              <p:pRg st="2" end="2"/>
+                                            </p:txEl>
+                                          </p:spTgt>
+                                        </p:tgtEl>
+                                        <p:attrNameLst>
+                                          <p:attrName>style.visibility</p:attrName>
+                                        </p:attrNameLst>
+                                      </p:cBhvr>
+                                      <p:to>
+                                        <p:strVal val="visible"/>
+                                      </p:to>
+                                    </p:set>
+                                  </p:childTnLst>
+                                </p:cTn>
+                              </p:par>
+                            </p:childTnLst>
+                          </p:cTn>
+                        </p:par>
+                      </p:childTnLst>
+                    </p:cTn>
+                  </p:par>
+                  <p:par>
+                    <p:cTn id="54" fill="hold">
+                      <p:stCondLst>
+                        <p:cond delay="indefinite"/>
+                      </p:stCondLst>
+                      <p:childTnLst>
+                        <p:par>
+                          <p:cTn id="55" fill="hold">
+                            <p:stCondLst>
+                              <p:cond delay="0"/>
+                            </p:stCondLst>
+                            <p:childTnLst>
+                              <p:par>
+                                <p:cTn id="56" presetID="1" presetClass="entr" presetSubtype="0" fill="hold" nodeType="clickEffect">
+                                  <p:stCondLst>
+                                    <p:cond delay="0"/>
+                                  </p:stCondLst>
+                                  <p:childTnLst>
+                                    <p:set>
+                                      <p:cBhvr>
+                                        <p:cTn id="57" dur="1" fill="hold">
+                                          <p:stCondLst>
+                                            <p:cond delay="0"/>
+                                          </p:stCondLst>
+                                        </p:cTn>
+                                        <p:tgtEl>
+                                          <p:spTgt spid="7">
+                                            <p:txEl>
+                                              <p:pRg st="3" end="3"/>
+                                            </p:txEl>
+                                          </p:spTgt>
+                                        </p:tgtEl>
+                                        <p:attrNameLst>
+                                          <p:attrName>style.visibility</p:attrName>
+                                        </p:attrNameLst>
+                                      </p:cBhvr>
+                                      <p:to>
+                                        <p:strVal val="visible"/>
+                                      </p:to>
+                                    </p:set>
+                                  </p:childTnLst>
+                                </p:cTn>
+                              </p:par>
+                            </p:childTnLst>
+                          </p:cTn>
+                        </p:par>
+                      </p:childTnLst>
+                    </p:cTn>
+                  </p:par>
+                </p:childTnLst>
+              </p:cTn>
+              <p:prevCondLst>
+                <p:cond evt="onPrev" delay="0">
+                  <p:tgtEl>
+                    <p:sldTgt/>
+                  </p:tgtEl>
+                </p:cond>
+              </p:prevCondLst>
+              <p:nextCondLst>
+                <p:cond evt="onNext" delay="0">
+                  <p:tgtEl>
+                    <p:sldTgt/>
+                  </p:tgtEl>
+                </p:cond>
+              </p:nextCondLst>
+            </p:seq>
+          </p:childTnLst>
+        </p:cTn>
       </p:par>
     </p:tnLst>
+    <p:bldLst>
+      <p:bldP spid="3" grpId="0"/>
+      <p:bldP spid="4" grpId="0"/>
+    </p:bldLst>
   </p:timing>
 </p:sld>
 </file>
@@ -12700,47 +15849,156 @@
             <a:spLocks noGrp="1"/>
           </p:cNvSpPr>
           <p:nvPr>
-            <p:ph type="ctrTitle"/>
+            <p:ph type="title"/>
           </p:nvPr>
         </p:nvSpPr>
         <p:spPr/>
         <p:txBody>
-          <a:bodyPr rtlCol="0"/>
+          <a:bodyPr/>
           <a:lstStyle/>
           <a:p>
-            <a:pPr rtl="0"/>
             <a:r>
               <a:rPr lang="ru-RU" dirty="0" smtClean="0"/>
-              <a:t>Добавить заголовок слайда — 1</a:t>
+              <a:t>Существующие аналоги</a:t>
             </a:r>
             <a:endParaRPr lang="ru-RU" dirty="0"/>
           </a:p>
         </p:txBody>
       </p:sp>
-      <p:sp>
-        <p:nvSpPr>
-          <p:cNvPr id="4" name="Подзаголовок 3"/>
-          <p:cNvSpPr>
-            <a:spLocks noGrp="1"/>
-          </p:cNvSpPr>
-          <p:nvPr>
-            <p:ph type="subTitle" idx="1"/>
-          </p:nvPr>
-        </p:nvSpPr>
-        <p:spPr/>
-        <p:txBody>
-          <a:bodyPr rtlCol="0"/>
-          <a:lstStyle/>
-          <a:p>
-            <a:pPr rtl="0"/>
-            <a:endParaRPr lang="ru-RU" dirty="0"/>
-          </a:p>
-        </p:txBody>
-      </p:sp>
+      <p:pic>
+        <p:nvPicPr>
+          <p:cNvPr id="2050" name="Picture 2" descr="https://securenews.ru/wp-content/uploads/2016/11/onedrive_logo.png"/>
+          <p:cNvPicPr>
+            <a:picLocks noChangeAspect="1" noChangeArrowheads="1"/>
+          </p:cNvPicPr>
+          <p:nvPr/>
+        </p:nvPicPr>
+        <p:blipFill>
+          <a:blip r:embed="rId2">
+            <a:extLst>
+              <a:ext uri="{28A0092B-C50C-407E-A947-70E740481C1C}">
+                <a14:useLocalDpi xmlns:a14="http://schemas.microsoft.com/office/drawing/2010/main" val="0"/>
+              </a:ext>
+            </a:extLst>
+          </a:blip>
+          <a:srcRect/>
+          <a:stretch>
+            <a:fillRect/>
+          </a:stretch>
+        </p:blipFill>
+        <p:spPr bwMode="auto">
+          <a:xfrm>
+            <a:off x="3301078" y="4651469"/>
+            <a:ext cx="2650202" cy="1765300"/>
+          </a:xfrm>
+          <a:prstGeom prst="rect">
+            <a:avLst/>
+          </a:prstGeom>
+          <a:noFill/>
+          <a:extLst>
+            <a:ext uri="{909E8E84-426E-40DD-AFC4-6F175D3DCCD1}">
+              <a14:hiddenFill xmlns:a14="http://schemas.microsoft.com/office/drawing/2010/main">
+                <a:solidFill>
+                  <a:srgbClr val="FFFFFF"/>
+                </a:solidFill>
+              </a14:hiddenFill>
+            </a:ext>
+          </a:extLst>
+        </p:spPr>
+      </p:pic>
+      <p:pic>
+        <p:nvPicPr>
+          <p:cNvPr id="2052" name="Picture 4" descr="http://igate.com.ua/upload/company/262/262_orig.jpg"/>
+          <p:cNvPicPr>
+            <a:picLocks noChangeAspect="1" noChangeArrowheads="1"/>
+          </p:cNvPicPr>
+          <p:nvPr/>
+        </p:nvPicPr>
+        <p:blipFill>
+          <a:blip r:embed="rId3">
+            <a:extLst>
+              <a:ext uri="{28A0092B-C50C-407E-A947-70E740481C1C}">
+                <a14:useLocalDpi xmlns:a14="http://schemas.microsoft.com/office/drawing/2010/main" val="0"/>
+              </a:ext>
+            </a:extLst>
+          </a:blip>
+          <a:srcRect/>
+          <a:stretch>
+            <a:fillRect/>
+          </a:stretch>
+        </p:blipFill>
+        <p:spPr bwMode="auto">
+          <a:xfrm>
+            <a:off x="650876" y="2213509"/>
+            <a:ext cx="2650202" cy="1767354"/>
+          </a:xfrm>
+          <a:prstGeom prst="rect">
+            <a:avLst/>
+          </a:prstGeom>
+          <a:noFill/>
+          <a:extLst>
+            <a:ext uri="{909E8E84-426E-40DD-AFC4-6F175D3DCCD1}">
+              <a14:hiddenFill xmlns:a14="http://schemas.microsoft.com/office/drawing/2010/main">
+                <a:solidFill>
+                  <a:srgbClr val="FFFFFF"/>
+                </a:solidFill>
+              </a14:hiddenFill>
+            </a:ext>
+          </a:extLst>
+        </p:spPr>
+      </p:pic>
+      <p:pic>
+        <p:nvPicPr>
+          <p:cNvPr id="7" name="Рисунок 6"/>
+          <p:cNvPicPr>
+            <a:picLocks noChangeAspect="1"/>
+          </p:cNvPicPr>
+          <p:nvPr/>
+        </p:nvPicPr>
+        <p:blipFill>
+          <a:blip r:embed="rId4"/>
+          <a:stretch>
+            <a:fillRect/>
+          </a:stretch>
+        </p:blipFill>
+        <p:spPr>
+          <a:xfrm>
+            <a:off x="8599230" y="4645119"/>
+            <a:ext cx="2647950" cy="1771650"/>
+          </a:xfrm>
+          <a:prstGeom prst="rect">
+            <a:avLst/>
+          </a:prstGeom>
+        </p:spPr>
+      </p:pic>
+      <p:pic>
+        <p:nvPicPr>
+          <p:cNvPr id="8" name="Рисунок 7"/>
+          <p:cNvPicPr>
+            <a:picLocks noChangeAspect="1"/>
+          </p:cNvPicPr>
+          <p:nvPr/>
+        </p:nvPicPr>
+        <p:blipFill>
+          <a:blip r:embed="rId5"/>
+          <a:stretch>
+            <a:fillRect/>
+          </a:stretch>
+        </p:blipFill>
+        <p:spPr>
+          <a:xfrm>
+            <a:off x="5951280" y="2218738"/>
+            <a:ext cx="2647950" cy="1762125"/>
+          </a:xfrm>
+          <a:prstGeom prst="rect">
+            <a:avLst/>
+          </a:prstGeom>
+        </p:spPr>
+      </p:pic>
     </p:spTree>
     <p:extLst>
       <p:ext uri="{BB962C8B-B14F-4D97-AF65-F5344CB8AC3E}">
-        <p14:creationId xmlns:p14="http://schemas.microsoft.com/office/powerpoint/2010/main" val="1636679273"/>
+        <p14:creationId xmlns:p14="http://schemas.microsoft.com/office/powerpoint/2010/main" val="3483614477"/>
       </p:ext>
     </p:extLst>
   </p:cSld>
@@ -12762,7 +16020,426 @@
   <p:timing>
     <p:tnLst>
       <p:par>
-        <p:cTn id="1" dur="indefinite" restart="never" nodeType="tmRoot"/>
+        <p:cTn id="1" dur="indefinite" restart="never" nodeType="tmRoot">
+          <p:childTnLst>
+            <p:seq concurrent="1" nextAc="seek">
+              <p:cTn id="2" dur="indefinite" nodeType="mainSeq">
+                <p:childTnLst>
+                  <p:par>
+                    <p:cTn id="3" fill="hold">
+                      <p:stCondLst>
+                        <p:cond delay="indefinite"/>
+                      </p:stCondLst>
+                      <p:childTnLst>
+                        <p:par>
+                          <p:cTn id="4" fill="hold">
+                            <p:stCondLst>
+                              <p:cond delay="0"/>
+                            </p:stCondLst>
+                            <p:childTnLst>
+                              <p:par>
+                                <p:cTn id="5" presetID="45" presetClass="entr" presetSubtype="0" fill="hold" nodeType="clickEffect">
+                                  <p:stCondLst>
+                                    <p:cond delay="0"/>
+                                  </p:stCondLst>
+                                  <p:childTnLst>
+                                    <p:set>
+                                      <p:cBhvr>
+                                        <p:cTn id="6" dur="1" fill="hold">
+                                          <p:stCondLst>
+                                            <p:cond delay="0"/>
+                                          </p:stCondLst>
+                                        </p:cTn>
+                                        <p:tgtEl>
+                                          <p:spTgt spid="2052"/>
+                                        </p:tgtEl>
+                                        <p:attrNameLst>
+                                          <p:attrName>style.visibility</p:attrName>
+                                        </p:attrNameLst>
+                                      </p:cBhvr>
+                                      <p:to>
+                                        <p:strVal val="visible"/>
+                                      </p:to>
+                                    </p:set>
+                                    <p:animEffect transition="in" filter="fade">
+                                      <p:cBhvr>
+                                        <p:cTn id="7" dur="2000"/>
+                                        <p:tgtEl>
+                                          <p:spTgt spid="2052"/>
+                                        </p:tgtEl>
+                                      </p:cBhvr>
+                                    </p:animEffect>
+                                    <p:anim calcmode="lin" valueType="num">
+                                      <p:cBhvr>
+                                        <p:cTn id="8" dur="2000" fill="hold"/>
+                                        <p:tgtEl>
+                                          <p:spTgt spid="2052"/>
+                                        </p:tgtEl>
+                                        <p:attrNameLst>
+                                          <p:attrName>ppt_w</p:attrName>
+                                        </p:attrNameLst>
+                                      </p:cBhvr>
+                                      <p:tavLst>
+                                        <p:tav tm="0" fmla="#ppt_w*sin(2.5*pi*$)">
+                                          <p:val>
+                                            <p:fltVal val="0"/>
+                                          </p:val>
+                                        </p:tav>
+                                        <p:tav tm="100000">
+                                          <p:val>
+                                            <p:fltVal val="1"/>
+                                          </p:val>
+                                        </p:tav>
+                                      </p:tavLst>
+                                    </p:anim>
+                                    <p:anim calcmode="lin" valueType="num">
+                                      <p:cBhvr>
+                                        <p:cTn id="9" dur="2000" fill="hold"/>
+                                        <p:tgtEl>
+                                          <p:spTgt spid="2052"/>
+                                        </p:tgtEl>
+                                        <p:attrNameLst>
+                                          <p:attrName>ppt_h</p:attrName>
+                                        </p:attrNameLst>
+                                      </p:cBhvr>
+                                      <p:tavLst>
+                                        <p:tav tm="0">
+                                          <p:val>
+                                            <p:strVal val="#ppt_h"/>
+                                          </p:val>
+                                        </p:tav>
+                                        <p:tav tm="100000">
+                                          <p:val>
+                                            <p:strVal val="#ppt_h"/>
+                                          </p:val>
+                                        </p:tav>
+                                      </p:tavLst>
+                                    </p:anim>
+                                  </p:childTnLst>
+                                </p:cTn>
+                              </p:par>
+                            </p:childTnLst>
+                          </p:cTn>
+                        </p:par>
+                      </p:childTnLst>
+                    </p:cTn>
+                  </p:par>
+                  <p:par>
+                    <p:cTn id="10" fill="hold">
+                      <p:stCondLst>
+                        <p:cond delay="indefinite"/>
+                      </p:stCondLst>
+                      <p:childTnLst>
+                        <p:par>
+                          <p:cTn id="11" fill="hold">
+                            <p:stCondLst>
+                              <p:cond delay="0"/>
+                            </p:stCondLst>
+                            <p:childTnLst>
+                              <p:par>
+                                <p:cTn id="12" presetID="45" presetClass="entr" presetSubtype="0" fill="hold" nodeType="clickEffect">
+                                  <p:stCondLst>
+                                    <p:cond delay="0"/>
+                                  </p:stCondLst>
+                                  <p:childTnLst>
+                                    <p:set>
+                                      <p:cBhvr>
+                                        <p:cTn id="13" dur="1" fill="hold">
+                                          <p:stCondLst>
+                                            <p:cond delay="0"/>
+                                          </p:stCondLst>
+                                        </p:cTn>
+                                        <p:tgtEl>
+                                          <p:spTgt spid="2050"/>
+                                        </p:tgtEl>
+                                        <p:attrNameLst>
+                                          <p:attrName>style.visibility</p:attrName>
+                                        </p:attrNameLst>
+                                      </p:cBhvr>
+                                      <p:to>
+                                        <p:strVal val="visible"/>
+                                      </p:to>
+                                    </p:set>
+                                    <p:animEffect transition="in" filter="fade">
+                                      <p:cBhvr>
+                                        <p:cTn id="14" dur="2000"/>
+                                        <p:tgtEl>
+                                          <p:spTgt spid="2050"/>
+                                        </p:tgtEl>
+                                      </p:cBhvr>
+                                    </p:animEffect>
+                                    <p:anim calcmode="lin" valueType="num">
+                                      <p:cBhvr>
+                                        <p:cTn id="15" dur="2000" fill="hold"/>
+                                        <p:tgtEl>
+                                          <p:spTgt spid="2050"/>
+                                        </p:tgtEl>
+                                        <p:attrNameLst>
+                                          <p:attrName>ppt_w</p:attrName>
+                                        </p:attrNameLst>
+                                      </p:cBhvr>
+                                      <p:tavLst>
+                                        <p:tav tm="0" fmla="#ppt_w*sin(2.5*pi*$)">
+                                          <p:val>
+                                            <p:fltVal val="0"/>
+                                          </p:val>
+                                        </p:tav>
+                                        <p:tav tm="100000">
+                                          <p:val>
+                                            <p:fltVal val="1"/>
+                                          </p:val>
+                                        </p:tav>
+                                      </p:tavLst>
+                                    </p:anim>
+                                    <p:anim calcmode="lin" valueType="num">
+                                      <p:cBhvr>
+                                        <p:cTn id="16" dur="2000" fill="hold"/>
+                                        <p:tgtEl>
+                                          <p:spTgt spid="2050"/>
+                                        </p:tgtEl>
+                                        <p:attrNameLst>
+                                          <p:attrName>ppt_h</p:attrName>
+                                        </p:attrNameLst>
+                                      </p:cBhvr>
+                                      <p:tavLst>
+                                        <p:tav tm="0">
+                                          <p:val>
+                                            <p:strVal val="#ppt_h"/>
+                                          </p:val>
+                                        </p:tav>
+                                        <p:tav tm="100000">
+                                          <p:val>
+                                            <p:strVal val="#ppt_h"/>
+                                          </p:val>
+                                        </p:tav>
+                                      </p:tavLst>
+                                    </p:anim>
+                                  </p:childTnLst>
+                                </p:cTn>
+                              </p:par>
+                            </p:childTnLst>
+                          </p:cTn>
+                        </p:par>
+                      </p:childTnLst>
+                    </p:cTn>
+                  </p:par>
+                  <p:par>
+                    <p:cTn id="17" fill="hold">
+                      <p:stCondLst>
+                        <p:cond delay="indefinite"/>
+                      </p:stCondLst>
+                      <p:childTnLst>
+                        <p:par>
+                          <p:cTn id="18" fill="hold">
+                            <p:stCondLst>
+                              <p:cond delay="0"/>
+                            </p:stCondLst>
+                            <p:childTnLst>
+                              <p:par>
+                                <p:cTn id="19" presetID="45" presetClass="entr" presetSubtype="0" fill="hold" nodeType="clickEffect">
+                                  <p:stCondLst>
+                                    <p:cond delay="0"/>
+                                  </p:stCondLst>
+                                  <p:childTnLst>
+                                    <p:set>
+                                      <p:cBhvr>
+                                        <p:cTn id="20" dur="1" fill="hold">
+                                          <p:stCondLst>
+                                            <p:cond delay="0"/>
+                                          </p:stCondLst>
+                                        </p:cTn>
+                                        <p:tgtEl>
+                                          <p:spTgt spid="8"/>
+                                        </p:tgtEl>
+                                        <p:attrNameLst>
+                                          <p:attrName>style.visibility</p:attrName>
+                                        </p:attrNameLst>
+                                      </p:cBhvr>
+                                      <p:to>
+                                        <p:strVal val="visible"/>
+                                      </p:to>
+                                    </p:set>
+                                    <p:animEffect transition="in" filter="fade">
+                                      <p:cBhvr>
+                                        <p:cTn id="21" dur="2000"/>
+                                        <p:tgtEl>
+                                          <p:spTgt spid="8"/>
+                                        </p:tgtEl>
+                                      </p:cBhvr>
+                                    </p:animEffect>
+                                    <p:anim calcmode="lin" valueType="num">
+                                      <p:cBhvr>
+                                        <p:cTn id="22" dur="2000" fill="hold"/>
+                                        <p:tgtEl>
+                                          <p:spTgt spid="8"/>
+                                        </p:tgtEl>
+                                        <p:attrNameLst>
+                                          <p:attrName>ppt_w</p:attrName>
+                                        </p:attrNameLst>
+                                      </p:cBhvr>
+                                      <p:tavLst>
+                                        <p:tav tm="0" fmla="#ppt_w*sin(2.5*pi*$)">
+                                          <p:val>
+                                            <p:fltVal val="0"/>
+                                          </p:val>
+                                        </p:tav>
+                                        <p:tav tm="100000">
+                                          <p:val>
+                                            <p:fltVal val="1"/>
+                                          </p:val>
+                                        </p:tav>
+                                      </p:tavLst>
+                                    </p:anim>
+                                    <p:anim calcmode="lin" valueType="num">
+                                      <p:cBhvr>
+                                        <p:cTn id="23" dur="2000" fill="hold"/>
+                                        <p:tgtEl>
+                                          <p:spTgt spid="8"/>
+                                        </p:tgtEl>
+                                        <p:attrNameLst>
+                                          <p:attrName>ppt_h</p:attrName>
+                                        </p:attrNameLst>
+                                      </p:cBhvr>
+                                      <p:tavLst>
+                                        <p:tav tm="0">
+                                          <p:val>
+                                            <p:strVal val="#ppt_h"/>
+                                          </p:val>
+                                        </p:tav>
+                                        <p:tav tm="100000">
+                                          <p:val>
+                                            <p:strVal val="#ppt_h"/>
+                                          </p:val>
+                                        </p:tav>
+                                      </p:tavLst>
+                                    </p:anim>
+                                  </p:childTnLst>
+                                </p:cTn>
+                              </p:par>
+                            </p:childTnLst>
+                          </p:cTn>
+                        </p:par>
+                      </p:childTnLst>
+                    </p:cTn>
+                  </p:par>
+                  <p:par>
+                    <p:cTn id="24" fill="hold">
+                      <p:stCondLst>
+                        <p:cond delay="indefinite"/>
+                      </p:stCondLst>
+                      <p:childTnLst>
+                        <p:par>
+                          <p:cTn id="25" fill="hold">
+                            <p:stCondLst>
+                              <p:cond delay="0"/>
+                            </p:stCondLst>
+                            <p:childTnLst>
+                              <p:par>
+                                <p:cTn id="26" presetID="45" presetClass="entr" presetSubtype="0" fill="hold" nodeType="clickEffect">
+                                  <p:stCondLst>
+                                    <p:cond delay="0"/>
+                                  </p:stCondLst>
+                                  <p:childTnLst>
+                                    <p:set>
+                                      <p:cBhvr>
+                                        <p:cTn id="27" dur="1" fill="hold">
+                                          <p:stCondLst>
+                                            <p:cond delay="0"/>
+                                          </p:stCondLst>
+                                        </p:cTn>
+                                        <p:tgtEl>
+                                          <p:spTgt spid="7"/>
+                                        </p:tgtEl>
+                                        <p:attrNameLst>
+                                          <p:attrName>style.visibility</p:attrName>
+                                        </p:attrNameLst>
+                                      </p:cBhvr>
+                                      <p:to>
+                                        <p:strVal val="visible"/>
+                                      </p:to>
+                                    </p:set>
+                                    <p:animEffect transition="in" filter="fade">
+                                      <p:cBhvr>
+                                        <p:cTn id="28" dur="2000"/>
+                                        <p:tgtEl>
+                                          <p:spTgt spid="7"/>
+                                        </p:tgtEl>
+                                      </p:cBhvr>
+                                    </p:animEffect>
+                                    <p:anim calcmode="lin" valueType="num">
+                                      <p:cBhvr>
+                                        <p:cTn id="29" dur="2000" fill="hold"/>
+                                        <p:tgtEl>
+                                          <p:spTgt spid="7"/>
+                                        </p:tgtEl>
+                                        <p:attrNameLst>
+                                          <p:attrName>ppt_w</p:attrName>
+                                        </p:attrNameLst>
+                                      </p:cBhvr>
+                                      <p:tavLst>
+                                        <p:tav tm="0" fmla="#ppt_w*sin(2.5*pi*$)">
+                                          <p:val>
+                                            <p:fltVal val="0"/>
+                                          </p:val>
+                                        </p:tav>
+                                        <p:tav tm="100000">
+                                          <p:val>
+                                            <p:fltVal val="1"/>
+                                          </p:val>
+                                        </p:tav>
+                                      </p:tavLst>
+                                    </p:anim>
+                                    <p:anim calcmode="lin" valueType="num">
+                                      <p:cBhvr>
+                                        <p:cTn id="30" dur="2000" fill="hold"/>
+                                        <p:tgtEl>
+                                          <p:spTgt spid="7"/>
+                                        </p:tgtEl>
+                                        <p:attrNameLst>
+                                          <p:attrName>ppt_h</p:attrName>
+                                        </p:attrNameLst>
+                                      </p:cBhvr>
+                                      <p:tavLst>
+                                        <p:tav tm="0">
+                                          <p:val>
+                                            <p:strVal val="#ppt_h"/>
+                                          </p:val>
+                                        </p:tav>
+                                        <p:tav tm="100000">
+                                          <p:val>
+                                            <p:strVal val="#ppt_h"/>
+                                          </p:val>
+                                        </p:tav>
+                                      </p:tavLst>
+                                    </p:anim>
+                                  </p:childTnLst>
+                                </p:cTn>
+                              </p:par>
+                            </p:childTnLst>
+                          </p:cTn>
+                        </p:par>
+                      </p:childTnLst>
+                    </p:cTn>
+                  </p:par>
+                </p:childTnLst>
+              </p:cTn>
+              <p:prevCondLst>
+                <p:cond evt="onPrev" delay="0">
+                  <p:tgtEl>
+                    <p:sldTgt/>
+                  </p:tgtEl>
+                </p:cond>
+              </p:prevCondLst>
+              <p:nextCondLst>
+                <p:cond evt="onNext" delay="0">
+                  <p:tgtEl>
+                    <p:sldTgt/>
+                  </p:tgtEl>
+                </p:cond>
+              </p:nextCondLst>
+            </p:seq>
+          </p:childTnLst>
+        </p:cTn>
       </p:par>
     </p:tnLst>
   </p:timing>
@@ -12786,54 +16463,1174 @@
           <a:chExt cx="0" cy="0"/>
         </a:xfrm>
       </p:grpSpPr>
+      <p:graphicFrame>
+        <p:nvGraphicFramePr>
+          <p:cNvPr id="8" name="Таблица 7"/>
+          <p:cNvGraphicFramePr>
+            <a:graphicFrameLocks noGrp="1"/>
+          </p:cNvGraphicFramePr>
+          <p:nvPr>
+            <p:extLst>
+              <p:ext uri="{D42A27DB-BD31-4B8C-83A1-F6EECF244321}">
+                <p14:modId xmlns:p14="http://schemas.microsoft.com/office/powerpoint/2010/main" val="3792574132"/>
+              </p:ext>
+            </p:extLst>
+          </p:nvPr>
+        </p:nvGraphicFramePr>
+        <p:xfrm>
+          <a:off x="630346" y="349763"/>
+          <a:ext cx="8234255" cy="6251437"/>
+        </p:xfrm>
+        <a:graphic>
+          <a:graphicData uri="http://schemas.openxmlformats.org/drawingml/2006/table">
+            <a:tbl>
+              <a:tblPr>
+                <a:tableStyleId>{C4B1156A-380E-4F78-BDF5-A606A8083BF9}</a:tableStyleId>
+              </a:tblPr>
+              <a:tblGrid>
+                <a:gridCol w="3829583">
+                  <a:extLst>
+                    <a:ext uri="{9D8B030D-6E8A-4147-A177-3AD203B41FA5}">
+                      <a16:colId xmlns:a16="http://schemas.microsoft.com/office/drawing/2014/main" val="1415474416"/>
+                    </a:ext>
+                  </a:extLst>
+                </a:gridCol>
+                <a:gridCol w="1097900">
+                  <a:extLst>
+                    <a:ext uri="{9D8B030D-6E8A-4147-A177-3AD203B41FA5}">
+                      <a16:colId xmlns:a16="http://schemas.microsoft.com/office/drawing/2014/main" val="3886640533"/>
+                    </a:ext>
+                  </a:extLst>
+                </a:gridCol>
+                <a:gridCol w="1490009">
+                  <a:extLst>
+                    <a:ext uri="{9D8B030D-6E8A-4147-A177-3AD203B41FA5}">
+                      <a16:colId xmlns:a16="http://schemas.microsoft.com/office/drawing/2014/main" val="3766357172"/>
+                    </a:ext>
+                  </a:extLst>
+                </a:gridCol>
+                <a:gridCol w="758074">
+                  <a:extLst>
+                    <a:ext uri="{9D8B030D-6E8A-4147-A177-3AD203B41FA5}">
+                      <a16:colId xmlns:a16="http://schemas.microsoft.com/office/drawing/2014/main" val="3397570985"/>
+                    </a:ext>
+                  </a:extLst>
+                </a:gridCol>
+                <a:gridCol w="1058689">
+                  <a:extLst>
+                    <a:ext uri="{9D8B030D-6E8A-4147-A177-3AD203B41FA5}">
+                      <a16:colId xmlns:a16="http://schemas.microsoft.com/office/drawing/2014/main" val="121425058"/>
+                    </a:ext>
+                  </a:extLst>
+                </a:gridCol>
+              </a:tblGrid>
+              <a:tr h="842067">
+                <a:tc>
+                  <a:txBody>
+                    <a:bodyPr/>
+                    <a:lstStyle/>
+                    <a:p>
+                      <a:pPr algn="ctr">
+                        <a:lnSpc>
+                          <a:spcPct val="107000"/>
+                        </a:lnSpc>
+                      </a:pPr>
+                      <a:r>
+                        <a:rPr lang="ru-RU" sz="2100">
+                          <a:effectLst/>
+                          <a:latin typeface="Times New Roman" panose="02020603050405020304" pitchFamily="18" charset="0"/>
+                          <a:cs typeface="Times New Roman" panose="02020603050405020304" pitchFamily="18" charset="0"/>
+                        </a:rPr>
+                        <a:t>Критерии оценки</a:t>
+                      </a:r>
+                    </a:p>
+                  </a:txBody>
+                  <a:tcPr marL="46477" marR="46477" marT="23238" marB="23238" anchor="ctr"/>
+                </a:tc>
+                <a:tc>
+                  <a:txBody>
+                    <a:bodyPr/>
+                    <a:lstStyle/>
+                    <a:p>
+                      <a:pPr algn="ctr">
+                        <a:lnSpc>
+                          <a:spcPct val="107000"/>
+                        </a:lnSpc>
+                      </a:pPr>
+                      <a:r>
+                        <a:rPr lang="en-US" sz="2100" dirty="0">
+                          <a:effectLst/>
+                          <a:latin typeface="Times New Roman" panose="02020603050405020304" pitchFamily="18" charset="0"/>
+                          <a:cs typeface="Times New Roman" panose="02020603050405020304" pitchFamily="18" charset="0"/>
+                        </a:rPr>
+                        <a:t>Google Drive</a:t>
+                      </a:r>
+                    </a:p>
+                  </a:txBody>
+                  <a:tcPr marL="46477" marR="46477" marT="23238" marB="23238" anchor="ctr"/>
+                </a:tc>
+                <a:tc>
+                  <a:txBody>
+                    <a:bodyPr/>
+                    <a:lstStyle/>
+                    <a:p>
+                      <a:pPr algn="ctr">
+                        <a:lnSpc>
+                          <a:spcPct val="107000"/>
+                        </a:lnSpc>
+                      </a:pPr>
+                      <a:r>
+                        <a:rPr lang="en-US" sz="2100">
+                          <a:effectLst/>
+                          <a:latin typeface="Times New Roman" panose="02020603050405020304" pitchFamily="18" charset="0"/>
+                          <a:cs typeface="Times New Roman" panose="02020603050405020304" pitchFamily="18" charset="0"/>
+                        </a:rPr>
+                        <a:t>Microsoft OneDrive</a:t>
+                      </a:r>
+                    </a:p>
+                  </a:txBody>
+                  <a:tcPr marL="46477" marR="46477" marT="23238" marB="23238" anchor="ctr"/>
+                </a:tc>
+                <a:tc>
+                  <a:txBody>
+                    <a:bodyPr/>
+                    <a:lstStyle/>
+                    <a:p>
+                      <a:pPr algn="ctr">
+                        <a:lnSpc>
+                          <a:spcPct val="107000"/>
+                        </a:lnSpc>
+                      </a:pPr>
+                      <a:r>
+                        <a:rPr lang="en-US" sz="2100">
+                          <a:effectLst/>
+                          <a:latin typeface="Times New Roman" panose="02020603050405020304" pitchFamily="18" charset="0"/>
+                          <a:cs typeface="Times New Roman" panose="02020603050405020304" pitchFamily="18" charset="0"/>
+                        </a:rPr>
+                        <a:t>Mega</a:t>
+                      </a:r>
+                    </a:p>
+                  </a:txBody>
+                  <a:tcPr marL="46477" marR="46477" marT="23238" marB="23238" anchor="ctr"/>
+                </a:tc>
+                <a:tc>
+                  <a:txBody>
+                    <a:bodyPr/>
+                    <a:lstStyle/>
+                    <a:p>
+                      <a:pPr algn="ctr">
+                        <a:lnSpc>
+                          <a:spcPct val="107000"/>
+                        </a:lnSpc>
+                      </a:pPr>
+                      <a:r>
+                        <a:rPr lang="en-US" sz="2100">
+                          <a:effectLst/>
+                          <a:latin typeface="Times New Roman" panose="02020603050405020304" pitchFamily="18" charset="0"/>
+                          <a:cs typeface="Times New Roman" panose="02020603050405020304" pitchFamily="18" charset="0"/>
+                        </a:rPr>
+                        <a:t>Dropbox</a:t>
+                      </a:r>
+                    </a:p>
+                  </a:txBody>
+                  <a:tcPr marL="46477" marR="46477" marT="23238" marB="23238" anchor="ctr"/>
+                </a:tc>
+                <a:extLst>
+                  <a:ext uri="{0D108BD9-81ED-4DB2-BD59-A6C34878D82A}">
+                    <a16:rowId xmlns:a16="http://schemas.microsoft.com/office/drawing/2014/main" val="1594648941"/>
+                  </a:ext>
+                </a:extLst>
+              </a:tr>
+              <a:tr h="451458">
+                <a:tc>
+                  <a:txBody>
+                    <a:bodyPr/>
+                    <a:lstStyle/>
+                    <a:p>
+                      <a:pPr algn="ctr">
+                        <a:lnSpc>
+                          <a:spcPct val="107000"/>
+                        </a:lnSpc>
+                      </a:pPr>
+                      <a:r>
+                        <a:rPr lang="ru-RU" sz="2100" dirty="0">
+                          <a:effectLst/>
+                          <a:latin typeface="Times New Roman" panose="02020603050405020304" pitchFamily="18" charset="0"/>
+                          <a:cs typeface="Times New Roman" panose="02020603050405020304" pitchFamily="18" charset="0"/>
+                        </a:rPr>
+                        <a:t>Максимальный размер одного файла (ГБ)</a:t>
+                      </a:r>
+                    </a:p>
+                  </a:txBody>
+                  <a:tcPr marL="46477" marR="46477" marT="23238" marB="23238" anchor="ctr"/>
+                </a:tc>
+                <a:tc>
+                  <a:txBody>
+                    <a:bodyPr/>
+                    <a:lstStyle/>
+                    <a:p>
+                      <a:pPr algn="ctr">
+                        <a:lnSpc>
+                          <a:spcPct val="107000"/>
+                        </a:lnSpc>
+                      </a:pPr>
+                      <a:r>
+                        <a:rPr lang="ru-RU" sz="2100">
+                          <a:effectLst/>
+                          <a:latin typeface="Times New Roman" panose="02020603050405020304" pitchFamily="18" charset="0"/>
+                          <a:cs typeface="Times New Roman" panose="02020603050405020304" pitchFamily="18" charset="0"/>
+                        </a:rPr>
+                        <a:t>5000</a:t>
+                      </a:r>
+                    </a:p>
+                  </a:txBody>
+                  <a:tcPr marL="46477" marR="46477" marT="23238" marB="23238" anchor="ctr"/>
+                </a:tc>
+                <a:tc>
+                  <a:txBody>
+                    <a:bodyPr/>
+                    <a:lstStyle/>
+                    <a:p>
+                      <a:pPr algn="ctr">
+                        <a:lnSpc>
+                          <a:spcPct val="107000"/>
+                        </a:lnSpc>
+                      </a:pPr>
+                      <a:r>
+                        <a:rPr lang="ru-RU" sz="2100">
+                          <a:effectLst/>
+                          <a:latin typeface="Times New Roman" panose="02020603050405020304" pitchFamily="18" charset="0"/>
+                          <a:cs typeface="Times New Roman" panose="02020603050405020304" pitchFamily="18" charset="0"/>
+                        </a:rPr>
+                        <a:t>10</a:t>
+                      </a:r>
+                    </a:p>
+                  </a:txBody>
+                  <a:tcPr marL="46477" marR="46477" marT="23238" marB="23238" anchor="ctr"/>
+                </a:tc>
+                <a:tc>
+                  <a:txBody>
+                    <a:bodyPr/>
+                    <a:lstStyle/>
+                    <a:p>
+                      <a:pPr algn="ctr">
+                        <a:lnSpc>
+                          <a:spcPct val="107000"/>
+                        </a:lnSpc>
+                      </a:pPr>
+                      <a:r>
+                        <a:rPr lang="ru-RU" sz="2100">
+                          <a:effectLst/>
+                          <a:latin typeface="Times New Roman" panose="02020603050405020304" pitchFamily="18" charset="0"/>
+                          <a:cs typeface="Times New Roman" panose="02020603050405020304" pitchFamily="18" charset="0"/>
+                        </a:rPr>
+                        <a:t>10</a:t>
+                      </a:r>
+                    </a:p>
+                  </a:txBody>
+                  <a:tcPr marL="46477" marR="46477" marT="23238" marB="23238" anchor="ctr"/>
+                </a:tc>
+                <a:tc>
+                  <a:txBody>
+                    <a:bodyPr/>
+                    <a:lstStyle/>
+                    <a:p>
+                      <a:pPr algn="ctr">
+                        <a:lnSpc>
+                          <a:spcPct val="107000"/>
+                        </a:lnSpc>
+                      </a:pPr>
+                      <a:r>
+                        <a:rPr lang="ru-RU" sz="2100">
+                          <a:effectLst/>
+                          <a:latin typeface="Times New Roman" panose="02020603050405020304" pitchFamily="18" charset="0"/>
+                          <a:cs typeface="Times New Roman" panose="02020603050405020304" pitchFamily="18" charset="0"/>
+                        </a:rPr>
+                        <a:t>20</a:t>
+                      </a:r>
+                    </a:p>
+                  </a:txBody>
+                  <a:tcPr marL="46477" marR="46477" marT="23238" marB="23238" anchor="ctr"/>
+                </a:tc>
+                <a:extLst>
+                  <a:ext uri="{0D108BD9-81ED-4DB2-BD59-A6C34878D82A}">
+                    <a16:rowId xmlns:a16="http://schemas.microsoft.com/office/drawing/2014/main" val="700029832"/>
+                  </a:ext>
+                </a:extLst>
+              </a:tr>
+              <a:tr h="256153">
+                <a:tc>
+                  <a:txBody>
+                    <a:bodyPr/>
+                    <a:lstStyle/>
+                    <a:p>
+                      <a:pPr algn="ctr">
+                        <a:lnSpc>
+                          <a:spcPct val="107000"/>
+                        </a:lnSpc>
+                      </a:pPr>
+                      <a:r>
+                        <a:rPr lang="ru-RU" sz="2100">
+                          <a:effectLst/>
+                          <a:latin typeface="Times New Roman" panose="02020603050405020304" pitchFamily="18" charset="0"/>
+                          <a:cs typeface="Times New Roman" panose="02020603050405020304" pitchFamily="18" charset="0"/>
+                        </a:rPr>
+                        <a:t>Шифрование данных</a:t>
+                      </a:r>
+                    </a:p>
+                  </a:txBody>
+                  <a:tcPr marL="46477" marR="46477" marT="23238" marB="23238" anchor="ctr"/>
+                </a:tc>
+                <a:tc>
+                  <a:txBody>
+                    <a:bodyPr/>
+                    <a:lstStyle/>
+                    <a:p>
+                      <a:pPr algn="ctr">
+                        <a:lnSpc>
+                          <a:spcPct val="107000"/>
+                        </a:lnSpc>
+                      </a:pPr>
+                      <a:r>
+                        <a:rPr lang="ru-RU" sz="2100">
+                          <a:effectLst/>
+                          <a:latin typeface="Times New Roman" panose="02020603050405020304" pitchFamily="18" charset="0"/>
+                          <a:cs typeface="Times New Roman" panose="02020603050405020304" pitchFamily="18" charset="0"/>
+                        </a:rPr>
+                        <a:t>–</a:t>
+                      </a:r>
+                    </a:p>
+                  </a:txBody>
+                  <a:tcPr marL="46477" marR="46477" marT="23238" marB="23238" anchor="ctr"/>
+                </a:tc>
+                <a:tc>
+                  <a:txBody>
+                    <a:bodyPr/>
+                    <a:lstStyle/>
+                    <a:p>
+                      <a:pPr algn="ctr">
+                        <a:lnSpc>
+                          <a:spcPct val="107000"/>
+                        </a:lnSpc>
+                      </a:pPr>
+                      <a:r>
+                        <a:rPr lang="ru-RU" sz="2100">
+                          <a:effectLst/>
+                          <a:latin typeface="Times New Roman" panose="02020603050405020304" pitchFamily="18" charset="0"/>
+                          <a:cs typeface="Times New Roman" panose="02020603050405020304" pitchFamily="18" charset="0"/>
+                        </a:rPr>
+                        <a:t>–</a:t>
+                      </a:r>
+                    </a:p>
+                  </a:txBody>
+                  <a:tcPr marL="46477" marR="46477" marT="23238" marB="23238" anchor="ctr"/>
+                </a:tc>
+                <a:tc>
+                  <a:txBody>
+                    <a:bodyPr/>
+                    <a:lstStyle/>
+                    <a:p>
+                      <a:pPr algn="ctr">
+                        <a:lnSpc>
+                          <a:spcPct val="107000"/>
+                        </a:lnSpc>
+                      </a:pPr>
+                      <a:r>
+                        <a:rPr lang="ru-RU" sz="2100">
+                          <a:effectLst/>
+                          <a:latin typeface="Times New Roman" panose="02020603050405020304" pitchFamily="18" charset="0"/>
+                          <a:cs typeface="Times New Roman" panose="02020603050405020304" pitchFamily="18" charset="0"/>
+                        </a:rPr>
+                        <a:t>+</a:t>
+                      </a:r>
+                    </a:p>
+                  </a:txBody>
+                  <a:tcPr marL="46477" marR="46477" marT="23238" marB="23238" anchor="ctr"/>
+                </a:tc>
+                <a:tc>
+                  <a:txBody>
+                    <a:bodyPr/>
+                    <a:lstStyle/>
+                    <a:p>
+                      <a:pPr algn="ctr">
+                        <a:lnSpc>
+                          <a:spcPct val="107000"/>
+                        </a:lnSpc>
+                      </a:pPr>
+                      <a:r>
+                        <a:rPr lang="ru-RU" sz="2100">
+                          <a:effectLst/>
+                          <a:latin typeface="Times New Roman" panose="02020603050405020304" pitchFamily="18" charset="0"/>
+                          <a:cs typeface="Times New Roman" panose="02020603050405020304" pitchFamily="18" charset="0"/>
+                        </a:rPr>
+                        <a:t>+</a:t>
+                      </a:r>
+                    </a:p>
+                  </a:txBody>
+                  <a:tcPr marL="46477" marR="46477" marT="23238" marB="23238" anchor="ctr"/>
+                </a:tc>
+                <a:extLst>
+                  <a:ext uri="{0D108BD9-81ED-4DB2-BD59-A6C34878D82A}">
+                    <a16:rowId xmlns:a16="http://schemas.microsoft.com/office/drawing/2014/main" val="4001009660"/>
+                  </a:ext>
+                </a:extLst>
+              </a:tr>
+              <a:tr h="646763">
+                <a:tc>
+                  <a:txBody>
+                    <a:bodyPr/>
+                    <a:lstStyle/>
+                    <a:p>
+                      <a:pPr algn="ctr">
+                        <a:lnSpc>
+                          <a:spcPct val="107000"/>
+                        </a:lnSpc>
+                      </a:pPr>
+                      <a:r>
+                        <a:rPr lang="ru-RU" sz="2100">
+                          <a:effectLst/>
+                          <a:latin typeface="Times New Roman" panose="02020603050405020304" pitchFamily="18" charset="0"/>
+                          <a:cs typeface="Times New Roman" panose="02020603050405020304" pitchFamily="18" charset="0"/>
+                        </a:rPr>
+                        <a:t>Интеграция с офисным пакетом документов от Microsoft</a:t>
+                      </a:r>
+                    </a:p>
+                  </a:txBody>
+                  <a:tcPr marL="46477" marR="46477" marT="23238" marB="23238" anchor="ctr"/>
+                </a:tc>
+                <a:tc>
+                  <a:txBody>
+                    <a:bodyPr/>
+                    <a:lstStyle/>
+                    <a:p>
+                      <a:pPr algn="ctr">
+                        <a:lnSpc>
+                          <a:spcPct val="107000"/>
+                        </a:lnSpc>
+                      </a:pPr>
+                      <a:r>
+                        <a:rPr lang="ru-RU" sz="2100">
+                          <a:effectLst/>
+                          <a:latin typeface="Times New Roman" panose="02020603050405020304" pitchFamily="18" charset="0"/>
+                          <a:cs typeface="Times New Roman" panose="02020603050405020304" pitchFamily="18" charset="0"/>
+                        </a:rPr>
+                        <a:t>+</a:t>
+                      </a:r>
+                    </a:p>
+                  </a:txBody>
+                  <a:tcPr marL="46477" marR="46477" marT="23238" marB="23238" anchor="ctr"/>
+                </a:tc>
+                <a:tc>
+                  <a:txBody>
+                    <a:bodyPr/>
+                    <a:lstStyle/>
+                    <a:p>
+                      <a:pPr algn="ctr">
+                        <a:lnSpc>
+                          <a:spcPct val="107000"/>
+                        </a:lnSpc>
+                      </a:pPr>
+                      <a:r>
+                        <a:rPr lang="ru-RU" sz="2100">
+                          <a:effectLst/>
+                          <a:latin typeface="Times New Roman" panose="02020603050405020304" pitchFamily="18" charset="0"/>
+                          <a:cs typeface="Times New Roman" panose="02020603050405020304" pitchFamily="18" charset="0"/>
+                        </a:rPr>
+                        <a:t>+</a:t>
+                      </a:r>
+                    </a:p>
+                  </a:txBody>
+                  <a:tcPr marL="46477" marR="46477" marT="23238" marB="23238" anchor="ctr"/>
+                </a:tc>
+                <a:tc>
+                  <a:txBody>
+                    <a:bodyPr/>
+                    <a:lstStyle/>
+                    <a:p>
+                      <a:pPr algn="ctr">
+                        <a:lnSpc>
+                          <a:spcPct val="107000"/>
+                        </a:lnSpc>
+                      </a:pPr>
+                      <a:r>
+                        <a:rPr lang="ru-RU" sz="2100">
+                          <a:effectLst/>
+                          <a:latin typeface="Times New Roman" panose="02020603050405020304" pitchFamily="18" charset="0"/>
+                          <a:cs typeface="Times New Roman" panose="02020603050405020304" pitchFamily="18" charset="0"/>
+                        </a:rPr>
+                        <a:t>–</a:t>
+                      </a:r>
+                    </a:p>
+                  </a:txBody>
+                  <a:tcPr marL="46477" marR="46477" marT="23238" marB="23238" anchor="ctr"/>
+                </a:tc>
+                <a:tc>
+                  <a:txBody>
+                    <a:bodyPr/>
+                    <a:lstStyle/>
+                    <a:p>
+                      <a:pPr algn="ctr">
+                        <a:lnSpc>
+                          <a:spcPct val="107000"/>
+                        </a:lnSpc>
+                      </a:pPr>
+                      <a:r>
+                        <a:rPr lang="ru-RU" sz="2100">
+                          <a:effectLst/>
+                          <a:latin typeface="Times New Roman" panose="02020603050405020304" pitchFamily="18" charset="0"/>
+                          <a:cs typeface="Times New Roman" panose="02020603050405020304" pitchFamily="18" charset="0"/>
+                        </a:rPr>
+                        <a:t>–</a:t>
+                      </a:r>
+                    </a:p>
+                  </a:txBody>
+                  <a:tcPr marL="46477" marR="46477" marT="23238" marB="23238" anchor="ctr"/>
+                </a:tc>
+                <a:extLst>
+                  <a:ext uri="{0D108BD9-81ED-4DB2-BD59-A6C34878D82A}">
+                    <a16:rowId xmlns:a16="http://schemas.microsoft.com/office/drawing/2014/main" val="2881451452"/>
+                  </a:ext>
+                </a:extLst>
+              </a:tr>
+              <a:tr h="451458">
+                <a:tc>
+                  <a:txBody>
+                    <a:bodyPr/>
+                    <a:lstStyle/>
+                    <a:p>
+                      <a:pPr algn="ctr">
+                        <a:lnSpc>
+                          <a:spcPct val="107000"/>
+                        </a:lnSpc>
+                      </a:pPr>
+                      <a:r>
+                        <a:rPr lang="ru-RU" sz="2100">
+                          <a:effectLst/>
+                          <a:latin typeface="Times New Roman" panose="02020603050405020304" pitchFamily="18" charset="0"/>
+                          <a:cs typeface="Times New Roman" panose="02020603050405020304" pitchFamily="18" charset="0"/>
+                        </a:rPr>
+                        <a:t>Совместимость с мобильными ОС</a:t>
+                      </a:r>
+                    </a:p>
+                  </a:txBody>
+                  <a:tcPr marL="46477" marR="46477" marT="23238" marB="23238" anchor="ctr"/>
+                </a:tc>
+                <a:tc>
+                  <a:txBody>
+                    <a:bodyPr/>
+                    <a:lstStyle/>
+                    <a:p>
+                      <a:pPr algn="ctr">
+                        <a:lnSpc>
+                          <a:spcPct val="107000"/>
+                        </a:lnSpc>
+                      </a:pPr>
+                      <a:r>
+                        <a:rPr lang="ru-RU" sz="2100">
+                          <a:effectLst/>
+                          <a:latin typeface="Times New Roman" panose="02020603050405020304" pitchFamily="18" charset="0"/>
+                          <a:cs typeface="Times New Roman" panose="02020603050405020304" pitchFamily="18" charset="0"/>
+                        </a:rPr>
+                        <a:t>+</a:t>
+                      </a:r>
+                    </a:p>
+                  </a:txBody>
+                  <a:tcPr marL="46477" marR="46477" marT="23238" marB="23238" anchor="ctr"/>
+                </a:tc>
+                <a:tc>
+                  <a:txBody>
+                    <a:bodyPr/>
+                    <a:lstStyle/>
+                    <a:p>
+                      <a:pPr algn="ctr">
+                        <a:lnSpc>
+                          <a:spcPct val="107000"/>
+                        </a:lnSpc>
+                      </a:pPr>
+                      <a:r>
+                        <a:rPr lang="ru-RU" sz="2100">
+                          <a:effectLst/>
+                          <a:latin typeface="Times New Roman" panose="02020603050405020304" pitchFamily="18" charset="0"/>
+                          <a:cs typeface="Times New Roman" panose="02020603050405020304" pitchFamily="18" charset="0"/>
+                        </a:rPr>
+                        <a:t>+</a:t>
+                      </a:r>
+                    </a:p>
+                  </a:txBody>
+                  <a:tcPr marL="46477" marR="46477" marT="23238" marB="23238" anchor="ctr"/>
+                </a:tc>
+                <a:tc>
+                  <a:txBody>
+                    <a:bodyPr/>
+                    <a:lstStyle/>
+                    <a:p>
+                      <a:pPr algn="ctr">
+                        <a:lnSpc>
+                          <a:spcPct val="107000"/>
+                        </a:lnSpc>
+                      </a:pPr>
+                      <a:r>
+                        <a:rPr lang="ru-RU" sz="2100">
+                          <a:effectLst/>
+                          <a:latin typeface="Times New Roman" panose="02020603050405020304" pitchFamily="18" charset="0"/>
+                          <a:cs typeface="Times New Roman" panose="02020603050405020304" pitchFamily="18" charset="0"/>
+                        </a:rPr>
+                        <a:t>+</a:t>
+                      </a:r>
+                    </a:p>
+                  </a:txBody>
+                  <a:tcPr marL="46477" marR="46477" marT="23238" marB="23238" anchor="ctr"/>
+                </a:tc>
+                <a:tc>
+                  <a:txBody>
+                    <a:bodyPr/>
+                    <a:lstStyle/>
+                    <a:p>
+                      <a:pPr algn="ctr">
+                        <a:lnSpc>
+                          <a:spcPct val="107000"/>
+                        </a:lnSpc>
+                      </a:pPr>
+                      <a:r>
+                        <a:rPr lang="ru-RU" sz="2100">
+                          <a:effectLst/>
+                          <a:latin typeface="Times New Roman" panose="02020603050405020304" pitchFamily="18" charset="0"/>
+                          <a:cs typeface="Times New Roman" panose="02020603050405020304" pitchFamily="18" charset="0"/>
+                        </a:rPr>
+                        <a:t>+</a:t>
+                      </a:r>
+                    </a:p>
+                  </a:txBody>
+                  <a:tcPr marL="46477" marR="46477" marT="23238" marB="23238" anchor="ctr"/>
+                </a:tc>
+                <a:extLst>
+                  <a:ext uri="{0D108BD9-81ED-4DB2-BD59-A6C34878D82A}">
+                    <a16:rowId xmlns:a16="http://schemas.microsoft.com/office/drawing/2014/main" val="1109409559"/>
+                  </a:ext>
+                </a:extLst>
+              </a:tr>
+              <a:tr h="451458">
+                <a:tc>
+                  <a:txBody>
+                    <a:bodyPr/>
+                    <a:lstStyle/>
+                    <a:p>
+                      <a:pPr algn="ctr">
+                        <a:lnSpc>
+                          <a:spcPct val="107000"/>
+                        </a:lnSpc>
+                      </a:pPr>
+                      <a:r>
+                        <a:rPr lang="ru-RU" sz="2100">
+                          <a:effectLst/>
+                          <a:latin typeface="Times New Roman" panose="02020603050405020304" pitchFamily="18" charset="0"/>
+                          <a:cs typeface="Times New Roman" panose="02020603050405020304" pitchFamily="18" charset="0"/>
+                        </a:rPr>
+                        <a:t>Синхронизация данных на ПК</a:t>
+                      </a:r>
+                    </a:p>
+                  </a:txBody>
+                  <a:tcPr marL="46477" marR="46477" marT="23238" marB="23238" anchor="ctr"/>
+                </a:tc>
+                <a:tc>
+                  <a:txBody>
+                    <a:bodyPr/>
+                    <a:lstStyle/>
+                    <a:p>
+                      <a:pPr algn="ctr">
+                        <a:lnSpc>
+                          <a:spcPct val="107000"/>
+                        </a:lnSpc>
+                      </a:pPr>
+                      <a:r>
+                        <a:rPr lang="ru-RU" sz="2100">
+                          <a:effectLst/>
+                          <a:latin typeface="Times New Roman" panose="02020603050405020304" pitchFamily="18" charset="0"/>
+                          <a:cs typeface="Times New Roman" panose="02020603050405020304" pitchFamily="18" charset="0"/>
+                        </a:rPr>
+                        <a:t>+</a:t>
+                      </a:r>
+                    </a:p>
+                  </a:txBody>
+                  <a:tcPr marL="46477" marR="46477" marT="23238" marB="23238" anchor="ctr"/>
+                </a:tc>
+                <a:tc>
+                  <a:txBody>
+                    <a:bodyPr/>
+                    <a:lstStyle/>
+                    <a:p>
+                      <a:pPr algn="ctr">
+                        <a:lnSpc>
+                          <a:spcPct val="107000"/>
+                        </a:lnSpc>
+                      </a:pPr>
+                      <a:r>
+                        <a:rPr lang="ru-RU" sz="2100">
+                          <a:effectLst/>
+                          <a:latin typeface="Times New Roman" panose="02020603050405020304" pitchFamily="18" charset="0"/>
+                          <a:cs typeface="Times New Roman" panose="02020603050405020304" pitchFamily="18" charset="0"/>
+                        </a:rPr>
+                        <a:t>+</a:t>
+                      </a:r>
+                    </a:p>
+                  </a:txBody>
+                  <a:tcPr marL="46477" marR="46477" marT="23238" marB="23238" anchor="ctr"/>
+                </a:tc>
+                <a:tc>
+                  <a:txBody>
+                    <a:bodyPr/>
+                    <a:lstStyle/>
+                    <a:p>
+                      <a:pPr algn="ctr">
+                        <a:lnSpc>
+                          <a:spcPct val="107000"/>
+                        </a:lnSpc>
+                      </a:pPr>
+                      <a:r>
+                        <a:rPr lang="ru-RU" sz="2100">
+                          <a:effectLst/>
+                          <a:latin typeface="Times New Roman" panose="02020603050405020304" pitchFamily="18" charset="0"/>
+                          <a:cs typeface="Times New Roman" panose="02020603050405020304" pitchFamily="18" charset="0"/>
+                        </a:rPr>
+                        <a:t>–</a:t>
+                      </a:r>
+                    </a:p>
+                  </a:txBody>
+                  <a:tcPr marL="46477" marR="46477" marT="23238" marB="23238" anchor="ctr"/>
+                </a:tc>
+                <a:tc>
+                  <a:txBody>
+                    <a:bodyPr/>
+                    <a:lstStyle/>
+                    <a:p>
+                      <a:pPr algn="ctr">
+                        <a:lnSpc>
+                          <a:spcPct val="107000"/>
+                        </a:lnSpc>
+                      </a:pPr>
+                      <a:r>
+                        <a:rPr lang="ru-RU" sz="2100">
+                          <a:effectLst/>
+                          <a:latin typeface="Times New Roman" panose="02020603050405020304" pitchFamily="18" charset="0"/>
+                          <a:cs typeface="Times New Roman" panose="02020603050405020304" pitchFamily="18" charset="0"/>
+                        </a:rPr>
+                        <a:t>+</a:t>
+                      </a:r>
+                    </a:p>
+                  </a:txBody>
+                  <a:tcPr marL="46477" marR="46477" marT="23238" marB="23238" anchor="ctr"/>
+                </a:tc>
+                <a:extLst>
+                  <a:ext uri="{0D108BD9-81ED-4DB2-BD59-A6C34878D82A}">
+                    <a16:rowId xmlns:a16="http://schemas.microsoft.com/office/drawing/2014/main" val="2347644598"/>
+                  </a:ext>
+                </a:extLst>
+              </a:tr>
+              <a:tr h="842067">
+                <a:tc>
+                  <a:txBody>
+                    <a:bodyPr/>
+                    <a:lstStyle/>
+                    <a:p>
+                      <a:pPr algn="ctr">
+                        <a:lnSpc>
+                          <a:spcPct val="107000"/>
+                        </a:lnSpc>
+                      </a:pPr>
+                      <a:r>
+                        <a:rPr lang="ru-RU" sz="2100">
+                          <a:effectLst/>
+                          <a:latin typeface="Times New Roman" panose="02020603050405020304" pitchFamily="18" charset="0"/>
+                          <a:cs typeface="Times New Roman" panose="02020603050405020304" pitchFamily="18" charset="0"/>
+                        </a:rPr>
+                        <a:t>Редактирование и создание документов в режиме совместного доступа</a:t>
+                      </a:r>
+                    </a:p>
+                  </a:txBody>
+                  <a:tcPr marL="46477" marR="46477" marT="23238" marB="23238" anchor="ctr"/>
+                </a:tc>
+                <a:tc>
+                  <a:txBody>
+                    <a:bodyPr/>
+                    <a:lstStyle/>
+                    <a:p>
+                      <a:pPr algn="ctr">
+                        <a:lnSpc>
+                          <a:spcPct val="107000"/>
+                        </a:lnSpc>
+                      </a:pPr>
+                      <a:r>
+                        <a:rPr lang="ru-RU" sz="2100">
+                          <a:effectLst/>
+                          <a:latin typeface="Times New Roman" panose="02020603050405020304" pitchFamily="18" charset="0"/>
+                          <a:cs typeface="Times New Roman" panose="02020603050405020304" pitchFamily="18" charset="0"/>
+                        </a:rPr>
+                        <a:t>+</a:t>
+                      </a:r>
+                    </a:p>
+                  </a:txBody>
+                  <a:tcPr marL="46477" marR="46477" marT="23238" marB="23238" anchor="ctr"/>
+                </a:tc>
+                <a:tc>
+                  <a:txBody>
+                    <a:bodyPr/>
+                    <a:lstStyle/>
+                    <a:p>
+                      <a:pPr algn="ctr">
+                        <a:lnSpc>
+                          <a:spcPct val="107000"/>
+                        </a:lnSpc>
+                      </a:pPr>
+                      <a:r>
+                        <a:rPr lang="ru-RU" sz="2100">
+                          <a:effectLst/>
+                          <a:latin typeface="Times New Roman" panose="02020603050405020304" pitchFamily="18" charset="0"/>
+                          <a:cs typeface="Times New Roman" panose="02020603050405020304" pitchFamily="18" charset="0"/>
+                        </a:rPr>
+                        <a:t>+</a:t>
+                      </a:r>
+                    </a:p>
+                  </a:txBody>
+                  <a:tcPr marL="46477" marR="46477" marT="23238" marB="23238" anchor="ctr"/>
+                </a:tc>
+                <a:tc>
+                  <a:txBody>
+                    <a:bodyPr/>
+                    <a:lstStyle/>
+                    <a:p>
+                      <a:pPr algn="ctr">
+                        <a:lnSpc>
+                          <a:spcPct val="107000"/>
+                        </a:lnSpc>
+                      </a:pPr>
+                      <a:r>
+                        <a:rPr lang="ru-RU" sz="2100">
+                          <a:effectLst/>
+                          <a:latin typeface="Times New Roman" panose="02020603050405020304" pitchFamily="18" charset="0"/>
+                          <a:cs typeface="Times New Roman" panose="02020603050405020304" pitchFamily="18" charset="0"/>
+                        </a:rPr>
+                        <a:t>–</a:t>
+                      </a:r>
+                    </a:p>
+                  </a:txBody>
+                  <a:tcPr marL="46477" marR="46477" marT="23238" marB="23238" anchor="ctr"/>
+                </a:tc>
+                <a:tc>
+                  <a:txBody>
+                    <a:bodyPr/>
+                    <a:lstStyle/>
+                    <a:p>
+                      <a:pPr algn="ctr">
+                        <a:lnSpc>
+                          <a:spcPct val="107000"/>
+                        </a:lnSpc>
+                      </a:pPr>
+                      <a:r>
+                        <a:rPr lang="ru-RU" sz="2100">
+                          <a:effectLst/>
+                          <a:latin typeface="Times New Roman" panose="02020603050405020304" pitchFamily="18" charset="0"/>
+                          <a:cs typeface="Times New Roman" panose="02020603050405020304" pitchFamily="18" charset="0"/>
+                        </a:rPr>
+                        <a:t>+</a:t>
+                      </a:r>
+                    </a:p>
+                  </a:txBody>
+                  <a:tcPr marL="46477" marR="46477" marT="23238" marB="23238" anchor="ctr"/>
+                </a:tc>
+                <a:extLst>
+                  <a:ext uri="{0D108BD9-81ED-4DB2-BD59-A6C34878D82A}">
+                    <a16:rowId xmlns:a16="http://schemas.microsoft.com/office/drawing/2014/main" val="1550647367"/>
+                  </a:ext>
+                </a:extLst>
+              </a:tr>
+              <a:tr h="646763">
+                <a:tc>
+                  <a:txBody>
+                    <a:bodyPr/>
+                    <a:lstStyle/>
+                    <a:p>
+                      <a:pPr algn="ctr">
+                        <a:lnSpc>
+                          <a:spcPct val="107000"/>
+                        </a:lnSpc>
+                      </a:pPr>
+                      <a:r>
+                        <a:rPr lang="ru-RU" sz="2100">
+                          <a:effectLst/>
+                          <a:latin typeface="Times New Roman" panose="02020603050405020304" pitchFamily="18" charset="0"/>
+                          <a:cs typeface="Times New Roman" panose="02020603050405020304" pitchFamily="18" charset="0"/>
+                        </a:rPr>
+                        <a:t>Просмотр мультимедийного контента</a:t>
+                      </a:r>
+                    </a:p>
+                  </a:txBody>
+                  <a:tcPr marL="46477" marR="46477" marT="23238" marB="23238" anchor="ctr"/>
+                </a:tc>
+                <a:tc>
+                  <a:txBody>
+                    <a:bodyPr/>
+                    <a:lstStyle/>
+                    <a:p>
+                      <a:pPr algn="ctr">
+                        <a:lnSpc>
+                          <a:spcPct val="107000"/>
+                        </a:lnSpc>
+                      </a:pPr>
+                      <a:r>
+                        <a:rPr lang="ru-RU" sz="2100">
+                          <a:effectLst/>
+                          <a:latin typeface="Times New Roman" panose="02020603050405020304" pitchFamily="18" charset="0"/>
+                          <a:cs typeface="Times New Roman" panose="02020603050405020304" pitchFamily="18" charset="0"/>
+                        </a:rPr>
+                        <a:t>+</a:t>
+                      </a:r>
+                    </a:p>
+                  </a:txBody>
+                  <a:tcPr marL="46477" marR="46477" marT="23238" marB="23238" anchor="ctr"/>
+                </a:tc>
+                <a:tc>
+                  <a:txBody>
+                    <a:bodyPr/>
+                    <a:lstStyle/>
+                    <a:p>
+                      <a:pPr algn="ctr">
+                        <a:lnSpc>
+                          <a:spcPct val="107000"/>
+                        </a:lnSpc>
+                      </a:pPr>
+                      <a:r>
+                        <a:rPr lang="ru-RU" sz="2100">
+                          <a:effectLst/>
+                          <a:latin typeface="Times New Roman" panose="02020603050405020304" pitchFamily="18" charset="0"/>
+                          <a:cs typeface="Times New Roman" panose="02020603050405020304" pitchFamily="18" charset="0"/>
+                        </a:rPr>
+                        <a:t>–</a:t>
+                      </a:r>
+                    </a:p>
+                  </a:txBody>
+                  <a:tcPr marL="46477" marR="46477" marT="23238" marB="23238" anchor="ctr"/>
+                </a:tc>
+                <a:tc>
+                  <a:txBody>
+                    <a:bodyPr/>
+                    <a:lstStyle/>
+                    <a:p>
+                      <a:pPr algn="ctr">
+                        <a:lnSpc>
+                          <a:spcPct val="107000"/>
+                        </a:lnSpc>
+                      </a:pPr>
+                      <a:r>
+                        <a:rPr lang="ru-RU" sz="2100">
+                          <a:effectLst/>
+                          <a:latin typeface="Times New Roman" panose="02020603050405020304" pitchFamily="18" charset="0"/>
+                          <a:cs typeface="Times New Roman" panose="02020603050405020304" pitchFamily="18" charset="0"/>
+                        </a:rPr>
+                        <a:t>–</a:t>
+                      </a:r>
+                    </a:p>
+                  </a:txBody>
+                  <a:tcPr marL="46477" marR="46477" marT="23238" marB="23238" anchor="ctr"/>
+                </a:tc>
+                <a:tc>
+                  <a:txBody>
+                    <a:bodyPr/>
+                    <a:lstStyle/>
+                    <a:p>
+                      <a:pPr algn="ctr">
+                        <a:lnSpc>
+                          <a:spcPct val="107000"/>
+                        </a:lnSpc>
+                      </a:pPr>
+                      <a:r>
+                        <a:rPr lang="ru-RU" sz="2100">
+                          <a:effectLst/>
+                          <a:latin typeface="Times New Roman" panose="02020603050405020304" pitchFamily="18" charset="0"/>
+                          <a:cs typeface="Times New Roman" panose="02020603050405020304" pitchFamily="18" charset="0"/>
+                        </a:rPr>
+                        <a:t>–</a:t>
+                      </a:r>
+                    </a:p>
+                  </a:txBody>
+                  <a:tcPr marL="46477" marR="46477" marT="23238" marB="23238" anchor="ctr"/>
+                </a:tc>
+                <a:extLst>
+                  <a:ext uri="{0D108BD9-81ED-4DB2-BD59-A6C34878D82A}">
+                    <a16:rowId xmlns:a16="http://schemas.microsoft.com/office/drawing/2014/main" val="2761363119"/>
+                  </a:ext>
+                </a:extLst>
+              </a:tr>
+              <a:tr h="628823">
+                <a:tc>
+                  <a:txBody>
+                    <a:bodyPr/>
+                    <a:lstStyle/>
+                    <a:p>
+                      <a:pPr algn="ctr">
+                        <a:lnSpc>
+                          <a:spcPct val="107000"/>
+                        </a:lnSpc>
+                      </a:pPr>
+                      <a:r>
+                        <a:rPr lang="ru-RU" sz="2100">
+                          <a:effectLst/>
+                          <a:latin typeface="Times New Roman" panose="02020603050405020304" pitchFamily="18" charset="0"/>
+                          <a:cs typeface="Times New Roman" panose="02020603050405020304" pitchFamily="18" charset="0"/>
+                        </a:rPr>
+                        <a:t>Большое разнообразие дополнительных функций</a:t>
+                      </a:r>
+                    </a:p>
+                  </a:txBody>
+                  <a:tcPr marL="46477" marR="46477" marT="23238" marB="23238" anchor="ctr"/>
+                </a:tc>
+                <a:tc>
+                  <a:txBody>
+                    <a:bodyPr/>
+                    <a:lstStyle/>
+                    <a:p>
+                      <a:pPr algn="ctr">
+                        <a:lnSpc>
+                          <a:spcPct val="107000"/>
+                        </a:lnSpc>
+                      </a:pPr>
+                      <a:r>
+                        <a:rPr lang="ru-RU" sz="2100">
+                          <a:effectLst/>
+                          <a:latin typeface="Times New Roman" panose="02020603050405020304" pitchFamily="18" charset="0"/>
+                          <a:cs typeface="Times New Roman" panose="02020603050405020304" pitchFamily="18" charset="0"/>
+                        </a:rPr>
+                        <a:t>+</a:t>
+                      </a:r>
+                    </a:p>
+                  </a:txBody>
+                  <a:tcPr marL="46477" marR="46477" marT="23238" marB="23238" anchor="ctr"/>
+                </a:tc>
+                <a:tc>
+                  <a:txBody>
+                    <a:bodyPr/>
+                    <a:lstStyle/>
+                    <a:p>
+                      <a:pPr algn="ctr">
+                        <a:lnSpc>
+                          <a:spcPct val="107000"/>
+                        </a:lnSpc>
+                      </a:pPr>
+                      <a:r>
+                        <a:rPr lang="ru-RU" sz="2100" dirty="0">
+                          <a:effectLst/>
+                          <a:latin typeface="Times New Roman" panose="02020603050405020304" pitchFamily="18" charset="0"/>
+                          <a:cs typeface="Times New Roman" panose="02020603050405020304" pitchFamily="18" charset="0"/>
+                        </a:rPr>
+                        <a:t>–</a:t>
+                      </a:r>
+                    </a:p>
+                  </a:txBody>
+                  <a:tcPr marL="46477" marR="46477" marT="23238" marB="23238" anchor="ctr"/>
+                </a:tc>
+                <a:tc>
+                  <a:txBody>
+                    <a:bodyPr/>
+                    <a:lstStyle/>
+                    <a:p>
+                      <a:pPr algn="ctr">
+                        <a:lnSpc>
+                          <a:spcPct val="107000"/>
+                        </a:lnSpc>
+                      </a:pPr>
+                      <a:r>
+                        <a:rPr lang="ru-RU" sz="2100">
+                          <a:effectLst/>
+                          <a:latin typeface="Times New Roman" panose="02020603050405020304" pitchFamily="18" charset="0"/>
+                          <a:cs typeface="Times New Roman" panose="02020603050405020304" pitchFamily="18" charset="0"/>
+                        </a:rPr>
+                        <a:t>+</a:t>
+                      </a:r>
+                    </a:p>
+                  </a:txBody>
+                  <a:tcPr marL="46477" marR="46477" marT="23238" marB="23238" anchor="ctr"/>
+                </a:tc>
+                <a:tc>
+                  <a:txBody>
+                    <a:bodyPr/>
+                    <a:lstStyle/>
+                    <a:p>
+                      <a:pPr algn="ctr">
+                        <a:lnSpc>
+                          <a:spcPct val="107000"/>
+                        </a:lnSpc>
+                      </a:pPr>
+                      <a:r>
+                        <a:rPr lang="ru-RU" sz="2100" dirty="0">
+                          <a:effectLst/>
+                          <a:latin typeface="Times New Roman" panose="02020603050405020304" pitchFamily="18" charset="0"/>
+                          <a:cs typeface="Times New Roman" panose="02020603050405020304" pitchFamily="18" charset="0"/>
+                        </a:rPr>
+                        <a:t>–</a:t>
+                      </a:r>
+                    </a:p>
+                  </a:txBody>
+                  <a:tcPr marL="46477" marR="46477" marT="23238" marB="23238" anchor="ctr"/>
+                </a:tc>
+                <a:extLst>
+                  <a:ext uri="{0D108BD9-81ED-4DB2-BD59-A6C34878D82A}">
+                    <a16:rowId xmlns:a16="http://schemas.microsoft.com/office/drawing/2014/main" val="3988830226"/>
+                  </a:ext>
+                </a:extLst>
+              </a:tr>
+            </a:tbl>
+          </a:graphicData>
+        </a:graphic>
+      </p:graphicFrame>
       <p:sp>
         <p:nvSpPr>
-          <p:cNvPr id="2" name="Заголовок 1"/>
-          <p:cNvSpPr>
-            <a:spLocks noGrp="1"/>
-          </p:cNvSpPr>
-          <p:nvPr>
-            <p:ph type="title"/>
-          </p:nvPr>
+          <p:cNvPr id="2" name="Прямоугольник 1"/>
+          <p:cNvSpPr/>
+          <p:nvPr/>
         </p:nvSpPr>
-        <p:spPr/>
+        <p:spPr>
+          <a:xfrm>
+            <a:off x="4445000" y="349762"/>
+            <a:ext cx="1155700" cy="6251437"/>
+          </a:xfrm>
+          <a:prstGeom prst="rect">
+            <a:avLst/>
+          </a:prstGeom>
+          <a:noFill/>
+          <a:ln w="76200">
+            <a:solidFill>
+              <a:srgbClr val="FF0000"/>
+            </a:solidFill>
+          </a:ln>
+        </p:spPr>
+        <p:style>
+          <a:lnRef idx="2">
+            <a:schemeClr val="accent1">
+              <a:shade val="50000"/>
+            </a:schemeClr>
+          </a:lnRef>
+          <a:fillRef idx="1">
+            <a:schemeClr val="accent1"/>
+          </a:fillRef>
+          <a:effectRef idx="0">
+            <a:schemeClr val="accent1"/>
+          </a:effectRef>
+          <a:fontRef idx="minor">
+            <a:schemeClr val="lt1"/>
+          </a:fontRef>
+        </p:style>
         <p:txBody>
-          <a:bodyPr rtlCol="0"/>
+          <a:bodyPr rtlCol="0" anchor="ctr"/>
           <a:lstStyle/>
           <a:p>
-            <a:pPr rtl="0"/>
-            <a:r>
-              <a:rPr lang="ru-RU" dirty="0" smtClean="0"/>
-              <a:t>Добавить заголовок слайда — 2</a:t>
-            </a:r>
-            <a:endParaRPr lang="ru-RU" dirty="0"/>
-          </a:p>
-        </p:txBody>
-      </p:sp>
-      <p:sp>
-        <p:nvSpPr>
-          <p:cNvPr id="4" name="Текст 3"/>
-          <p:cNvSpPr>
-            <a:spLocks noGrp="1"/>
-          </p:cNvSpPr>
-          <p:nvPr>
-            <p:ph type="body" idx="1"/>
-          </p:nvPr>
-        </p:nvSpPr>
-        <p:spPr/>
-        <p:txBody>
-          <a:bodyPr rtlCol="0"/>
-          <a:lstStyle/>
-          <a:p>
-            <a:pPr rtl="0"/>
-            <a:endParaRPr lang="ru-RU" dirty="0"/>
+            <a:pPr algn="ctr"/>
+            <a:endParaRPr lang="ru-RU"/>
           </a:p>
         </p:txBody>
       </p:sp>
     </p:spTree>
     <p:extLst>
       <p:ext uri="{BB962C8B-B14F-4D97-AF65-F5344CB8AC3E}">
-        <p14:creationId xmlns:p14="http://schemas.microsoft.com/office/powerpoint/2010/main" val="3374778722"/>
+        <p14:creationId xmlns:p14="http://schemas.microsoft.com/office/powerpoint/2010/main" val="1948683848"/>
       </p:ext>
     </p:extLst>
   </p:cSld>
@@ -12855,9 +17652,80 @@
   <p:timing>
     <p:tnLst>
       <p:par>
-        <p:cTn id="1" dur="indefinite" restart="never" nodeType="tmRoot"/>
+        <p:cTn id="1" dur="indefinite" restart="never" nodeType="tmRoot">
+          <p:childTnLst>
+            <p:seq concurrent="1" nextAc="seek">
+              <p:cTn id="2" dur="indefinite" nodeType="mainSeq">
+                <p:childTnLst>
+                  <p:par>
+                    <p:cTn id="3" fill="hold">
+                      <p:stCondLst>
+                        <p:cond delay="indefinite"/>
+                      </p:stCondLst>
+                      <p:childTnLst>
+                        <p:par>
+                          <p:cTn id="4" fill="hold">
+                            <p:stCondLst>
+                              <p:cond delay="0"/>
+                            </p:stCondLst>
+                            <p:childTnLst>
+                              <p:par>
+                                <p:cTn id="5" presetID="1" presetClass="entr" presetSubtype="0" fill="hold" grpId="0" nodeType="clickEffect">
+                                  <p:stCondLst>
+                                    <p:cond delay="0"/>
+                                  </p:stCondLst>
+                                  <p:childTnLst>
+                                    <p:set>
+                                      <p:cBhvr>
+                                        <p:cTn id="6" dur="1" fill="hold">
+                                          <p:stCondLst>
+                                            <p:cond delay="0"/>
+                                          </p:stCondLst>
+                                        </p:cTn>
+                                        <p:tgtEl>
+                                          <p:spTgt spid="2"/>
+                                        </p:tgtEl>
+                                        <p:attrNameLst>
+                                          <p:attrName>style.visibility</p:attrName>
+                                        </p:attrNameLst>
+                                      </p:cBhvr>
+                                      <p:to>
+                                        <p:strVal val="visible"/>
+                                      </p:to>
+                                    </p:set>
+                                  </p:childTnLst>
+                                </p:cTn>
+                              </p:par>
+                            </p:childTnLst>
+                          </p:cTn>
+                        </p:par>
+                      </p:childTnLst>
+                    </p:cTn>
+                  </p:par>
+                </p:childTnLst>
+              </p:cTn>
+              <p:prevCondLst>
+                <p:cond evt="onPrev" delay="0">
+                  <p:tgtEl>
+                    <p:sldTgt/>
+                  </p:tgtEl>
+                </p:cond>
+              </p:prevCondLst>
+              <p:nextCondLst>
+                <p:cond evt="onNext" delay="0">
+                  <p:tgtEl>
+                    <p:sldTgt/>
+                  </p:tgtEl>
+                </p:cond>
+              </p:nextCondLst>
+            </p:seq>
+          </p:childTnLst>
+        </p:cTn>
       </p:par>
     </p:tnLst>
+    <p:bldLst>
+      <p:bldP spid="2" grpId="0" animBg="1"/>
+    </p:bldLst>
   </p:timing>
 </p:sld>
 </file>
@@ -12891,13 +17759,12 @@
         </p:nvSpPr>
         <p:spPr/>
         <p:txBody>
-          <a:bodyPr rtlCol="0"/>
+          <a:bodyPr/>
           <a:lstStyle/>
           <a:p>
-            <a:pPr rtl="0"/>
             <a:r>
               <a:rPr lang="ru-RU" dirty="0" smtClean="0"/>
-              <a:t>Добавить заголовок слайда — 3</a:t>
+              <a:t>Выбор архитектуры</a:t>
             </a:r>
             <a:endParaRPr lang="ru-RU" dirty="0"/>
           </a:p>
@@ -12905,88 +17772,317 @@
       </p:sp>
       <p:sp>
         <p:nvSpPr>
-          <p:cNvPr id="11" name="Текст 10"/>
-          <p:cNvSpPr>
-            <a:spLocks noGrp="1"/>
-          </p:cNvSpPr>
-          <p:nvPr>
-            <p:ph type="body" idx="1"/>
-          </p:nvPr>
+          <p:cNvPr id="4" name="Прямоугольник 3"/>
+          <p:cNvSpPr/>
+          <p:nvPr/>
         </p:nvSpPr>
-        <p:spPr/>
+        <p:spPr>
+          <a:xfrm>
+            <a:off x="1397000" y="1790700"/>
+            <a:ext cx="8813800" cy="4838700"/>
+          </a:xfrm>
+          <a:prstGeom prst="rect">
+            <a:avLst/>
+          </a:prstGeom>
+          <a:solidFill>
+            <a:schemeClr val="bg1"/>
+          </a:solidFill>
+        </p:spPr>
+        <p:style>
+          <a:lnRef idx="2">
+            <a:schemeClr val="accent1">
+              <a:shade val="50000"/>
+            </a:schemeClr>
+          </a:lnRef>
+          <a:fillRef idx="1">
+            <a:schemeClr val="accent1"/>
+          </a:fillRef>
+          <a:effectRef idx="0">
+            <a:schemeClr val="accent1"/>
+          </a:effectRef>
+          <a:fontRef idx="minor">
+            <a:schemeClr val="lt1"/>
+          </a:fontRef>
+        </p:style>
         <p:txBody>
-          <a:bodyPr rtlCol="0"/>
+          <a:bodyPr rtlCol="0" anchor="ctr"/>
           <a:lstStyle/>
           <a:p>
-            <a:pPr rtl="0"/>
+            <a:pPr algn="ctr"/>
             <a:endParaRPr lang="ru-RU" dirty="0"/>
           </a:p>
         </p:txBody>
       </p:sp>
-      <p:sp>
-        <p:nvSpPr>
-          <p:cNvPr id="12" name="Объект 11"/>
-          <p:cNvSpPr>
-            <a:spLocks noGrp="1"/>
-          </p:cNvSpPr>
-          <p:nvPr>
-            <p:ph sz="half" idx="2"/>
-          </p:nvPr>
-        </p:nvSpPr>
-        <p:spPr/>
-        <p:txBody>
-          <a:bodyPr rtlCol="0"/>
-          <a:lstStyle/>
-          <a:p>
-            <a:pPr rtl="0"/>
-            <a:endParaRPr lang="ru-RU" dirty="0"/>
-          </a:p>
-        </p:txBody>
-      </p:sp>
-      <p:sp>
-        <p:nvSpPr>
-          <p:cNvPr id="13" name="Текст 12"/>
-          <p:cNvSpPr>
-            <a:spLocks noGrp="1"/>
-          </p:cNvSpPr>
-          <p:nvPr>
-            <p:ph type="body" sz="quarter" idx="3"/>
-          </p:nvPr>
-        </p:nvSpPr>
-        <p:spPr/>
-        <p:txBody>
-          <a:bodyPr rtlCol="0"/>
-          <a:lstStyle/>
-          <a:p>
-            <a:pPr rtl="0"/>
-            <a:endParaRPr lang="ru-RU" dirty="0"/>
-          </a:p>
-        </p:txBody>
-      </p:sp>
-      <p:sp>
-        <p:nvSpPr>
-          <p:cNvPr id="14" name="Объект 13"/>
-          <p:cNvSpPr>
-            <a:spLocks noGrp="1"/>
-          </p:cNvSpPr>
-          <p:nvPr>
-            <p:ph sz="quarter" idx="4"/>
-          </p:nvPr>
-        </p:nvSpPr>
-        <p:spPr/>
-        <p:txBody>
-          <a:bodyPr rtlCol="0"/>
-          <a:lstStyle/>
-          <a:p>
-            <a:pPr rtl="0"/>
-            <a:endParaRPr lang="ru-RU" dirty="0"/>
-          </a:p>
-        </p:txBody>
-      </p:sp>
+      <p:grpSp>
+        <p:nvGrpSpPr>
+          <p:cNvPr id="22" name="Группа 21"/>
+          <p:cNvGrpSpPr/>
+          <p:nvPr/>
+        </p:nvGrpSpPr>
+        <p:grpSpPr>
+          <a:xfrm>
+            <a:off x="1917700" y="2089150"/>
+            <a:ext cx="3781997" cy="3819766"/>
+            <a:chOff x="1917700" y="2089150"/>
+            <a:chExt cx="3781997" cy="3819766"/>
+          </a:xfrm>
+        </p:grpSpPr>
+        <p:pic>
+          <p:nvPicPr>
+            <p:cNvPr id="5" name="Рисунок 4"/>
+            <p:cNvPicPr>
+              <a:picLocks noChangeAspect="1" noChangeArrowheads="1"/>
+            </p:cNvPicPr>
+            <p:nvPr/>
+          </p:nvPicPr>
+          <p:blipFill rotWithShape="1">
+            <a:blip r:embed="rId2" cstate="print">
+              <a:extLst>
+                <a:ext uri="{28A0092B-C50C-407E-A947-70E740481C1C}">
+                  <a14:useLocalDpi xmlns:a14="http://schemas.microsoft.com/office/drawing/2010/main" val="0"/>
+                </a:ext>
+              </a:extLst>
+            </a:blip>
+            <a:srcRect r="67051" b="11978"/>
+            <a:stretch/>
+          </p:blipFill>
+          <p:spPr>
+            <a:xfrm>
+              <a:off x="2674619" y="2089150"/>
+              <a:ext cx="2164081" cy="3616325"/>
+            </a:xfrm>
+            <a:prstGeom prst="rect">
+              <a:avLst/>
+            </a:prstGeom>
+            <a:noFill/>
+            <a:ln>
+              <a:noFill/>
+            </a:ln>
+          </p:spPr>
+        </p:pic>
+        <p:sp>
+          <p:nvSpPr>
+            <p:cNvPr id="8" name="TextBox 7"/>
+            <p:cNvSpPr txBox="1"/>
+            <p:nvPr/>
+          </p:nvSpPr>
+          <p:spPr>
+            <a:xfrm>
+              <a:off x="1917700" y="5447251"/>
+              <a:ext cx="3781997" cy="461665"/>
+            </a:xfrm>
+            <a:prstGeom prst="rect">
+              <a:avLst/>
+            </a:prstGeom>
+            <a:noFill/>
+          </p:spPr>
+          <p:txBody>
+            <a:bodyPr wrap="none" rtlCol="0">
+              <a:spAutoFit/>
+            </a:bodyPr>
+            <a:lstStyle/>
+            <a:p>
+              <a:r>
+                <a:rPr lang="ru-RU" sz="2400" b="1" i="1" dirty="0" smtClean="0">
+                  <a:latin typeface="Times New Roman" panose="02020603050405020304" pitchFamily="18" charset="0"/>
+                  <a:cs typeface="Times New Roman" panose="02020603050405020304" pitchFamily="18" charset="0"/>
+                </a:rPr>
+                <a:t>Уровень </a:t>
+              </a:r>
+              <a:r>
+                <a:rPr lang="en-US" sz="2400" b="1" i="1" dirty="0" smtClean="0">
+                  <a:latin typeface="Times New Roman" panose="02020603050405020304" pitchFamily="18" charset="0"/>
+                  <a:cs typeface="Times New Roman" panose="02020603050405020304" pitchFamily="18" charset="0"/>
+                </a:rPr>
+                <a:t>web-</a:t>
+              </a:r>
+              <a:r>
+                <a:rPr lang="ru-RU" sz="2400" b="1" i="1" dirty="0" smtClean="0">
+                  <a:latin typeface="Times New Roman" panose="02020603050405020304" pitchFamily="18" charset="0"/>
+                  <a:cs typeface="Times New Roman" panose="02020603050405020304" pitchFamily="18" charset="0"/>
+                </a:rPr>
+                <a:t>приложения</a:t>
+              </a:r>
+              <a:endParaRPr lang="ru-RU" sz="2400" b="1" i="1" dirty="0">
+                <a:latin typeface="Times New Roman" panose="02020603050405020304" pitchFamily="18" charset="0"/>
+                <a:cs typeface="Times New Roman" panose="02020603050405020304" pitchFamily="18" charset="0"/>
+              </a:endParaRPr>
+            </a:p>
+          </p:txBody>
+        </p:sp>
+      </p:grpSp>
+      <p:grpSp>
+        <p:nvGrpSpPr>
+          <p:cNvPr id="23" name="Группа 22"/>
+          <p:cNvGrpSpPr/>
+          <p:nvPr/>
+        </p:nvGrpSpPr>
+        <p:grpSpPr>
+          <a:xfrm>
+            <a:off x="4857750" y="2069177"/>
+            <a:ext cx="2527475" cy="4430813"/>
+            <a:chOff x="4857750" y="2069177"/>
+            <a:chExt cx="2527475" cy="4430813"/>
+          </a:xfrm>
+        </p:grpSpPr>
+        <p:pic>
+          <p:nvPicPr>
+            <p:cNvPr id="6" name="Рисунок 5"/>
+            <p:cNvPicPr>
+              <a:picLocks noChangeAspect="1" noChangeArrowheads="1"/>
+            </p:cNvPicPr>
+            <p:nvPr/>
+          </p:nvPicPr>
+          <p:blipFill rotWithShape="1">
+            <a:blip r:embed="rId2" cstate="print">
+              <a:extLst>
+                <a:ext uri="{28A0092B-C50C-407E-A947-70E740481C1C}">
+                  <a14:useLocalDpi xmlns:a14="http://schemas.microsoft.com/office/drawing/2010/main" val="0"/>
+                </a:ext>
+              </a:extLst>
+            </a:blip>
+            <a:srcRect l="33191" r="37008" b="18083"/>
+            <a:stretch/>
+          </p:blipFill>
+          <p:spPr>
+            <a:xfrm>
+              <a:off x="4857750" y="2069177"/>
+              <a:ext cx="1943100" cy="3341023"/>
+            </a:xfrm>
+            <a:prstGeom prst="rect">
+              <a:avLst/>
+            </a:prstGeom>
+            <a:noFill/>
+            <a:ln>
+              <a:noFill/>
+            </a:ln>
+          </p:spPr>
+        </p:pic>
+        <p:sp>
+          <p:nvSpPr>
+            <p:cNvPr id="9" name="TextBox 8"/>
+            <p:cNvSpPr txBox="1"/>
+            <p:nvPr/>
+          </p:nvSpPr>
+          <p:spPr>
+            <a:xfrm>
+              <a:off x="5016500" y="6038325"/>
+              <a:ext cx="2368725" cy="461665"/>
+            </a:xfrm>
+            <a:prstGeom prst="rect">
+              <a:avLst/>
+            </a:prstGeom>
+            <a:noFill/>
+          </p:spPr>
+          <p:txBody>
+            <a:bodyPr wrap="none" rtlCol="0">
+              <a:spAutoFit/>
+            </a:bodyPr>
+            <a:lstStyle/>
+            <a:p>
+              <a:r>
+                <a:rPr lang="ru-RU" sz="2400" b="1" i="1" dirty="0" smtClean="0">
+                  <a:latin typeface="Times New Roman" panose="02020603050405020304" pitchFamily="18" charset="0"/>
+                  <a:cs typeface="Times New Roman" panose="02020603050405020304" pitchFamily="18" charset="0"/>
+                </a:rPr>
+                <a:t>Уровень сервиса</a:t>
+              </a:r>
+              <a:endParaRPr lang="ru-RU" sz="2400" b="1" i="1" dirty="0">
+                <a:latin typeface="Times New Roman" panose="02020603050405020304" pitchFamily="18" charset="0"/>
+                <a:cs typeface="Times New Roman" panose="02020603050405020304" pitchFamily="18" charset="0"/>
+              </a:endParaRPr>
+            </a:p>
+          </p:txBody>
+        </p:sp>
+      </p:grpSp>
+      <p:grpSp>
+        <p:nvGrpSpPr>
+          <p:cNvPr id="24" name="Группа 23"/>
+          <p:cNvGrpSpPr/>
+          <p:nvPr/>
+        </p:nvGrpSpPr>
+        <p:grpSpPr>
+          <a:xfrm>
+            <a:off x="6794500" y="2056477"/>
+            <a:ext cx="2921000" cy="3852438"/>
+            <a:chOff x="6794500" y="2056477"/>
+            <a:chExt cx="2921000" cy="3852438"/>
+          </a:xfrm>
+        </p:grpSpPr>
+        <p:pic>
+          <p:nvPicPr>
+            <p:cNvPr id="7" name="Рисунок 6"/>
+            <p:cNvPicPr>
+              <a:picLocks noChangeAspect="1" noChangeArrowheads="1"/>
+            </p:cNvPicPr>
+            <p:nvPr/>
+          </p:nvPicPr>
+          <p:blipFill rotWithShape="1">
+            <a:blip r:embed="rId2" cstate="print">
+              <a:extLst>
+                <a:ext uri="{28A0092B-C50C-407E-A947-70E740481C1C}">
+                  <a14:useLocalDpi xmlns:a14="http://schemas.microsoft.com/office/drawing/2010/main" val="0"/>
+                </a:ext>
+              </a:extLst>
+            </a:blip>
+            <a:srcRect l="62875" b="15903"/>
+            <a:stretch/>
+          </p:blipFill>
+          <p:spPr>
+            <a:xfrm>
+              <a:off x="6794500" y="2056477"/>
+              <a:ext cx="2420620" cy="3429923"/>
+            </a:xfrm>
+            <a:prstGeom prst="rect">
+              <a:avLst/>
+            </a:prstGeom>
+            <a:noFill/>
+            <a:ln>
+              <a:noFill/>
+            </a:ln>
+          </p:spPr>
+        </p:pic>
+        <p:sp>
+          <p:nvSpPr>
+            <p:cNvPr id="11" name="TextBox 10"/>
+            <p:cNvSpPr txBox="1"/>
+            <p:nvPr/>
+          </p:nvSpPr>
+          <p:spPr>
+            <a:xfrm>
+              <a:off x="6969299" y="5447250"/>
+              <a:ext cx="2746201" cy="461665"/>
+            </a:xfrm>
+            <a:prstGeom prst="rect">
+              <a:avLst/>
+            </a:prstGeom>
+            <a:noFill/>
+          </p:spPr>
+          <p:txBody>
+            <a:bodyPr wrap="none" rtlCol="0">
+              <a:spAutoFit/>
+            </a:bodyPr>
+            <a:lstStyle/>
+            <a:p>
+              <a:r>
+                <a:rPr lang="ru-RU" sz="2400" b="1" i="1" dirty="0" smtClean="0">
+                  <a:latin typeface="Times New Roman" panose="02020603050405020304" pitchFamily="18" charset="0"/>
+                  <a:cs typeface="Times New Roman" panose="02020603050405020304" pitchFamily="18" charset="0"/>
+                </a:rPr>
+                <a:t>Уровень хранилищ</a:t>
+              </a:r>
+              <a:endParaRPr lang="ru-RU" sz="2400" b="1" i="1" dirty="0">
+                <a:latin typeface="Times New Roman" panose="02020603050405020304" pitchFamily="18" charset="0"/>
+                <a:cs typeface="Times New Roman" panose="02020603050405020304" pitchFamily="18" charset="0"/>
+              </a:endParaRPr>
+            </a:p>
+          </p:txBody>
+        </p:sp>
+      </p:grpSp>
     </p:spTree>
     <p:extLst>
       <p:ext uri="{BB962C8B-B14F-4D97-AF65-F5344CB8AC3E}">
-        <p14:creationId xmlns:p14="http://schemas.microsoft.com/office/powerpoint/2010/main" val="737118897"/>
+        <p14:creationId xmlns:p14="http://schemas.microsoft.com/office/powerpoint/2010/main" val="3395834684"/>
       </p:ext>
     </p:extLst>
   </p:cSld>
@@ -13005,6 +18101,389 @@
       </p:transition>
     </mc:Fallback>
   </mc:AlternateContent>
+  <p:timing>
+    <p:tnLst>
+      <p:par>
+        <p:cTn id="1" dur="indefinite" restart="never" nodeType="tmRoot">
+          <p:childTnLst>
+            <p:seq concurrent="1" nextAc="seek">
+              <p:cTn id="2" dur="indefinite" nodeType="mainSeq">
+                <p:childTnLst>
+                  <p:par>
+                    <p:cTn id="3" fill="hold">
+                      <p:stCondLst>
+                        <p:cond delay="indefinite"/>
+                      </p:stCondLst>
+                      <p:childTnLst>
+                        <p:par>
+                          <p:cTn id="4" fill="hold">
+                            <p:stCondLst>
+                              <p:cond delay="0"/>
+                            </p:stCondLst>
+                            <p:childTnLst>
+                              <p:par>
+                                <p:cTn id="5" presetID="10" presetClass="entr" presetSubtype="0" fill="hold" grpId="0" nodeType="clickEffect">
+                                  <p:stCondLst>
+                                    <p:cond delay="0"/>
+                                  </p:stCondLst>
+                                  <p:childTnLst>
+                                    <p:set>
+                                      <p:cBhvr>
+                                        <p:cTn id="6" dur="1" fill="hold">
+                                          <p:stCondLst>
+                                            <p:cond delay="0"/>
+                                          </p:stCondLst>
+                                        </p:cTn>
+                                        <p:tgtEl>
+                                          <p:spTgt spid="4"/>
+                                        </p:tgtEl>
+                                        <p:attrNameLst>
+                                          <p:attrName>style.visibility</p:attrName>
+                                        </p:attrNameLst>
+                                      </p:cBhvr>
+                                      <p:to>
+                                        <p:strVal val="visible"/>
+                                      </p:to>
+                                    </p:set>
+                                    <p:animEffect transition="in" filter="fade">
+                                      <p:cBhvr>
+                                        <p:cTn id="7" dur="500"/>
+                                        <p:tgtEl>
+                                          <p:spTgt spid="4"/>
+                                        </p:tgtEl>
+                                      </p:cBhvr>
+                                    </p:animEffect>
+                                  </p:childTnLst>
+                                </p:cTn>
+                              </p:par>
+                            </p:childTnLst>
+                          </p:cTn>
+                        </p:par>
+                      </p:childTnLst>
+                    </p:cTn>
+                  </p:par>
+                  <p:par>
+                    <p:cTn id="8" fill="hold">
+                      <p:stCondLst>
+                        <p:cond delay="indefinite"/>
+                      </p:stCondLst>
+                      <p:childTnLst>
+                        <p:par>
+                          <p:cTn id="9" fill="hold">
+                            <p:stCondLst>
+                              <p:cond delay="0"/>
+                            </p:stCondLst>
+                            <p:childTnLst>
+                              <p:par>
+                                <p:cTn id="10" presetID="53" presetClass="entr" presetSubtype="16" fill="hold" nodeType="clickEffect">
+                                  <p:stCondLst>
+                                    <p:cond delay="0"/>
+                                  </p:stCondLst>
+                                  <p:childTnLst>
+                                    <p:set>
+                                      <p:cBhvr>
+                                        <p:cTn id="11" dur="1" fill="hold">
+                                          <p:stCondLst>
+                                            <p:cond delay="0"/>
+                                          </p:stCondLst>
+                                        </p:cTn>
+                                        <p:tgtEl>
+                                          <p:spTgt spid="22"/>
+                                        </p:tgtEl>
+                                        <p:attrNameLst>
+                                          <p:attrName>style.visibility</p:attrName>
+                                        </p:attrNameLst>
+                                      </p:cBhvr>
+                                      <p:to>
+                                        <p:strVal val="visible"/>
+                                      </p:to>
+                                    </p:set>
+                                    <p:anim calcmode="lin" valueType="num">
+                                      <p:cBhvr>
+                                        <p:cTn id="12" dur="500" fill="hold"/>
+                                        <p:tgtEl>
+                                          <p:spTgt spid="22"/>
+                                        </p:tgtEl>
+                                        <p:attrNameLst>
+                                          <p:attrName>ppt_w</p:attrName>
+                                        </p:attrNameLst>
+                                      </p:cBhvr>
+                                      <p:tavLst>
+                                        <p:tav tm="0">
+                                          <p:val>
+                                            <p:fltVal val="0"/>
+                                          </p:val>
+                                        </p:tav>
+                                        <p:tav tm="100000">
+                                          <p:val>
+                                            <p:strVal val="#ppt_w"/>
+                                          </p:val>
+                                        </p:tav>
+                                      </p:tavLst>
+                                    </p:anim>
+                                    <p:anim calcmode="lin" valueType="num">
+                                      <p:cBhvr>
+                                        <p:cTn id="13" dur="500" fill="hold"/>
+                                        <p:tgtEl>
+                                          <p:spTgt spid="22"/>
+                                        </p:tgtEl>
+                                        <p:attrNameLst>
+                                          <p:attrName>ppt_h</p:attrName>
+                                        </p:attrNameLst>
+                                      </p:cBhvr>
+                                      <p:tavLst>
+                                        <p:tav tm="0">
+                                          <p:val>
+                                            <p:fltVal val="0"/>
+                                          </p:val>
+                                        </p:tav>
+                                        <p:tav tm="100000">
+                                          <p:val>
+                                            <p:strVal val="#ppt_h"/>
+                                          </p:val>
+                                        </p:tav>
+                                      </p:tavLst>
+                                    </p:anim>
+                                    <p:animEffect transition="in" filter="fade">
+                                      <p:cBhvr>
+                                        <p:cTn id="14" dur="500"/>
+                                        <p:tgtEl>
+                                          <p:spTgt spid="22"/>
+                                        </p:tgtEl>
+                                      </p:cBhvr>
+                                    </p:animEffect>
+                                  </p:childTnLst>
+                                </p:cTn>
+                              </p:par>
+                            </p:childTnLst>
+                          </p:cTn>
+                        </p:par>
+                      </p:childTnLst>
+                    </p:cTn>
+                  </p:par>
+                  <p:par>
+                    <p:cTn id="15" fill="hold">
+                      <p:stCondLst>
+                        <p:cond delay="indefinite"/>
+                      </p:stCondLst>
+                      <p:childTnLst>
+                        <p:par>
+                          <p:cTn id="16" fill="hold">
+                            <p:stCondLst>
+                              <p:cond delay="0"/>
+                            </p:stCondLst>
+                            <p:childTnLst>
+                              <p:par>
+                                <p:cTn id="17" presetID="53" presetClass="entr" presetSubtype="16" fill="hold" nodeType="clickEffect">
+                                  <p:stCondLst>
+                                    <p:cond delay="0"/>
+                                  </p:stCondLst>
+                                  <p:childTnLst>
+                                    <p:set>
+                                      <p:cBhvr>
+                                        <p:cTn id="18" dur="1" fill="hold">
+                                          <p:stCondLst>
+                                            <p:cond delay="0"/>
+                                          </p:stCondLst>
+                                        </p:cTn>
+                                        <p:tgtEl>
+                                          <p:spTgt spid="23"/>
+                                        </p:tgtEl>
+                                        <p:attrNameLst>
+                                          <p:attrName>style.visibility</p:attrName>
+                                        </p:attrNameLst>
+                                      </p:cBhvr>
+                                      <p:to>
+                                        <p:strVal val="visible"/>
+                                      </p:to>
+                                    </p:set>
+                                    <p:anim calcmode="lin" valueType="num">
+                                      <p:cBhvr>
+                                        <p:cTn id="19" dur="500" fill="hold"/>
+                                        <p:tgtEl>
+                                          <p:spTgt spid="23"/>
+                                        </p:tgtEl>
+                                        <p:attrNameLst>
+                                          <p:attrName>ppt_w</p:attrName>
+                                        </p:attrNameLst>
+                                      </p:cBhvr>
+                                      <p:tavLst>
+                                        <p:tav tm="0">
+                                          <p:val>
+                                            <p:fltVal val="0"/>
+                                          </p:val>
+                                        </p:tav>
+                                        <p:tav tm="100000">
+                                          <p:val>
+                                            <p:strVal val="#ppt_w"/>
+                                          </p:val>
+                                        </p:tav>
+                                      </p:tavLst>
+                                    </p:anim>
+                                    <p:anim calcmode="lin" valueType="num">
+                                      <p:cBhvr>
+                                        <p:cTn id="20" dur="500" fill="hold"/>
+                                        <p:tgtEl>
+                                          <p:spTgt spid="23"/>
+                                        </p:tgtEl>
+                                        <p:attrNameLst>
+                                          <p:attrName>ppt_h</p:attrName>
+                                        </p:attrNameLst>
+                                      </p:cBhvr>
+                                      <p:tavLst>
+                                        <p:tav tm="0">
+                                          <p:val>
+                                            <p:fltVal val="0"/>
+                                          </p:val>
+                                        </p:tav>
+                                        <p:tav tm="100000">
+                                          <p:val>
+                                            <p:strVal val="#ppt_h"/>
+                                          </p:val>
+                                        </p:tav>
+                                      </p:tavLst>
+                                    </p:anim>
+                                    <p:animEffect transition="in" filter="fade">
+                                      <p:cBhvr>
+                                        <p:cTn id="21" dur="500"/>
+                                        <p:tgtEl>
+                                          <p:spTgt spid="23"/>
+                                        </p:tgtEl>
+                                      </p:cBhvr>
+                                    </p:animEffect>
+                                  </p:childTnLst>
+                                </p:cTn>
+                              </p:par>
+                            </p:childTnLst>
+                          </p:cTn>
+                        </p:par>
+                      </p:childTnLst>
+                    </p:cTn>
+                  </p:par>
+                  <p:par>
+                    <p:cTn id="22" fill="hold">
+                      <p:stCondLst>
+                        <p:cond delay="indefinite"/>
+                      </p:stCondLst>
+                      <p:childTnLst>
+                        <p:par>
+                          <p:cTn id="23" fill="hold">
+                            <p:stCondLst>
+                              <p:cond delay="0"/>
+                            </p:stCondLst>
+                            <p:childTnLst>
+                              <p:par>
+                                <p:cTn id="24" presetID="53" presetClass="entr" presetSubtype="16" fill="hold" nodeType="clickEffect">
+                                  <p:stCondLst>
+                                    <p:cond delay="0"/>
+                                  </p:stCondLst>
+                                  <p:childTnLst>
+                                    <p:set>
+                                      <p:cBhvr>
+                                        <p:cTn id="25" dur="1" fill="hold">
+                                          <p:stCondLst>
+                                            <p:cond delay="0"/>
+                                          </p:stCondLst>
+                                        </p:cTn>
+                                        <p:tgtEl>
+                                          <p:spTgt spid="24"/>
+                                        </p:tgtEl>
+                                        <p:attrNameLst>
+                                          <p:attrName>style.visibility</p:attrName>
+                                        </p:attrNameLst>
+                                      </p:cBhvr>
+                                      <p:to>
+                                        <p:strVal val="visible"/>
+                                      </p:to>
+                                    </p:set>
+                                    <p:anim calcmode="lin" valueType="num">
+                                      <p:cBhvr>
+                                        <p:cTn id="26" dur="500" fill="hold"/>
+                                        <p:tgtEl>
+                                          <p:spTgt spid="24"/>
+                                        </p:tgtEl>
+                                        <p:attrNameLst>
+                                          <p:attrName>ppt_w</p:attrName>
+                                        </p:attrNameLst>
+                                      </p:cBhvr>
+                                      <p:tavLst>
+                                        <p:tav tm="0">
+                                          <p:val>
+                                            <p:fltVal val="0"/>
+                                          </p:val>
+                                        </p:tav>
+                                        <p:tav tm="100000">
+                                          <p:val>
+                                            <p:strVal val="#ppt_w"/>
+                                          </p:val>
+                                        </p:tav>
+                                      </p:tavLst>
+                                    </p:anim>
+                                    <p:anim calcmode="lin" valueType="num">
+                                      <p:cBhvr>
+                                        <p:cTn id="27" dur="500" fill="hold"/>
+                                        <p:tgtEl>
+                                          <p:spTgt spid="24"/>
+                                        </p:tgtEl>
+                                        <p:attrNameLst>
+                                          <p:attrName>ppt_h</p:attrName>
+                                        </p:attrNameLst>
+                                      </p:cBhvr>
+                                      <p:tavLst>
+                                        <p:tav tm="0">
+                                          <p:val>
+                                            <p:fltVal val="0"/>
+                                          </p:val>
+                                        </p:tav>
+                                        <p:tav tm="100000">
+                                          <p:val>
+                                            <p:strVal val="#ppt_h"/>
+                                          </p:val>
+                                        </p:tav>
+                                      </p:tavLst>
+                                    </p:anim>
+                                    <p:animEffect transition="in" filter="fade">
+                                      <p:cBhvr>
+                                        <p:cTn id="28" dur="500"/>
+                                        <p:tgtEl>
+                                          <p:spTgt spid="24"/>
+                                        </p:tgtEl>
+                                      </p:cBhvr>
+                                    </p:animEffect>
+                                  </p:childTnLst>
+                                </p:cTn>
+                              </p:par>
+                            </p:childTnLst>
+                          </p:cTn>
+                        </p:par>
+                      </p:childTnLst>
+                    </p:cTn>
+                  </p:par>
+                </p:childTnLst>
+              </p:cTn>
+              <p:prevCondLst>
+                <p:cond evt="onPrev" delay="0">
+                  <p:tgtEl>
+                    <p:sldTgt/>
+                  </p:tgtEl>
+                </p:cond>
+              </p:prevCondLst>
+              <p:nextCondLst>
+                <p:cond evt="onNext" delay="0">
+                  <p:tgtEl>
+                    <p:sldTgt/>
+                  </p:tgtEl>
+                </p:cond>
+              </p:nextCondLst>
+            </p:seq>
+          </p:childTnLst>
+        </p:cTn>
+      </p:par>
+    </p:tnLst>
+    <p:bldLst>
+      <p:bldP spid="4" grpId="0" animBg="1"/>
+    </p:bldLst>
+  </p:timing>
 </p:sld>
 </file>
 
@@ -13037,33 +18516,147 @@
         </p:nvSpPr>
         <p:spPr/>
         <p:txBody>
-          <a:bodyPr rtlCol="0"/>
+          <a:bodyPr/>
           <a:lstStyle/>
           <a:p>
             <a:r>
+              <a:rPr lang="en-US" dirty="0" smtClean="0"/>
+              <a:t>Web-</a:t>
+            </a:r>
+            <a:r>
               <a:rPr lang="ru-RU" dirty="0" smtClean="0"/>
-              <a:t>Добавить заголовок </a:t>
-            </a:r>
-            <a:r>
-              <a:rPr lang="ru-RU" smtClean="0"/>
-              <a:t>слайда </a:t>
-            </a:r>
-            <a:r>
-              <a:rPr lang="ru-RU"/>
-              <a:t>— </a:t>
-            </a:r>
-            <a:r>
-              <a:rPr lang="ru-RU" dirty="0" smtClean="0"/>
-              <a:t>4</a:t>
+              <a:t>приложение</a:t>
             </a:r>
             <a:endParaRPr lang="ru-RU" dirty="0"/>
           </a:p>
         </p:txBody>
       </p:sp>
+      <p:sp>
+        <p:nvSpPr>
+          <p:cNvPr id="5" name="Прямоугольник 4"/>
+          <p:cNvSpPr/>
+          <p:nvPr/>
+        </p:nvSpPr>
+        <p:spPr>
+          <a:xfrm>
+            <a:off x="0" y="1516380"/>
+            <a:ext cx="12192000" cy="5341620"/>
+          </a:xfrm>
+          <a:prstGeom prst="rect">
+            <a:avLst/>
+          </a:prstGeom>
+          <a:solidFill>
+            <a:schemeClr val="bg1"/>
+          </a:solidFill>
+          <a:ln>
+            <a:noFill/>
+          </a:ln>
+        </p:spPr>
+        <p:style>
+          <a:lnRef idx="2">
+            <a:schemeClr val="accent1">
+              <a:shade val="50000"/>
+            </a:schemeClr>
+          </a:lnRef>
+          <a:fillRef idx="1">
+            <a:schemeClr val="accent1"/>
+          </a:fillRef>
+          <a:effectRef idx="0">
+            <a:schemeClr val="accent1"/>
+          </a:effectRef>
+          <a:fontRef idx="minor">
+            <a:schemeClr val="lt1"/>
+          </a:fontRef>
+        </p:style>
+        <p:txBody>
+          <a:bodyPr rtlCol="0" anchor="ctr"/>
+          <a:lstStyle/>
+          <a:p>
+            <a:pPr algn="ctr"/>
+            <a:endParaRPr lang="ru-RU"/>
+          </a:p>
+        </p:txBody>
+      </p:sp>
+      <p:pic>
+        <p:nvPicPr>
+          <p:cNvPr id="1026" name="Picture 2" descr="https://i.ytimg.com/vi/LvLkvwkiOys/maxresdefault.jpg"/>
+          <p:cNvPicPr>
+            <a:picLocks noChangeAspect="1" noChangeArrowheads="1"/>
+          </p:cNvPicPr>
+          <p:nvPr/>
+        </p:nvPicPr>
+        <p:blipFill>
+          <a:blip r:embed="rId2">
+            <a:extLst>
+              <a:ext uri="{28A0092B-C50C-407E-A947-70E740481C1C}">
+                <a14:useLocalDpi xmlns:a14="http://schemas.microsoft.com/office/drawing/2010/main" val="0"/>
+              </a:ext>
+            </a:extLst>
+          </a:blip>
+          <a:srcRect/>
+          <a:stretch>
+            <a:fillRect/>
+          </a:stretch>
+        </p:blipFill>
+        <p:spPr bwMode="auto">
+          <a:xfrm>
+            <a:off x="473181" y="2893476"/>
+            <a:ext cx="3616219" cy="2034124"/>
+          </a:xfrm>
+          <a:prstGeom prst="rect">
+            <a:avLst/>
+          </a:prstGeom>
+          <a:noFill/>
+          <a:extLst>
+            <a:ext uri="{909E8E84-426E-40DD-AFC4-6F175D3DCCD1}">
+              <a14:hiddenFill xmlns:a14="http://schemas.microsoft.com/office/drawing/2010/main">
+                <a:solidFill>
+                  <a:srgbClr val="FFFFFF"/>
+                </a:solidFill>
+              </a14:hiddenFill>
+            </a:ext>
+          </a:extLst>
+        </p:spPr>
+      </p:pic>
+      <p:pic>
+        <p:nvPicPr>
+          <p:cNvPr id="6" name="Рисунок 5" descr="http://laptrinhphp.vn/wp-content/uploads/2016/10/mvc_diagram.png"/>
+          <p:cNvPicPr>
+            <a:picLocks noChangeAspect="1" noChangeArrowheads="1"/>
+          </p:cNvPicPr>
+          <p:nvPr/>
+        </p:nvPicPr>
+        <p:blipFill>
+          <a:blip r:embed="rId3" cstate="print">
+            <a:extLst>
+              <a:ext uri="{28A0092B-C50C-407E-A947-70E740481C1C}">
+                <a14:useLocalDpi xmlns:a14="http://schemas.microsoft.com/office/drawing/2010/main" val="0"/>
+              </a:ext>
+            </a:extLst>
+          </a:blip>
+          <a:srcRect/>
+          <a:stretch>
+            <a:fillRect/>
+          </a:stretch>
+        </p:blipFill>
+        <p:spPr>
+          <a:xfrm>
+            <a:off x="4292600" y="2447288"/>
+            <a:ext cx="7696200" cy="4019919"/>
+          </a:xfrm>
+          <a:prstGeom prst="rect">
+            <a:avLst/>
+          </a:prstGeom>
+          <a:noFill/>
+          <a:ln>
+            <a:noFill/>
+          </a:ln>
+        </p:spPr>
+      </p:pic>
     </p:spTree>
     <p:extLst>
       <p:ext uri="{BB962C8B-B14F-4D97-AF65-F5344CB8AC3E}">
-        <p14:creationId xmlns:p14="http://schemas.microsoft.com/office/powerpoint/2010/main" val="3061729273"/>
+        <p14:creationId xmlns:p14="http://schemas.microsoft.com/office/powerpoint/2010/main" val="2416516946"/>
       </p:ext>
     </p:extLst>
   </p:cSld>
@@ -13082,6 +18675,211 @@
       </p:transition>
     </mc:Fallback>
   </mc:AlternateContent>
+  <p:timing>
+    <p:tnLst>
+      <p:par>
+        <p:cTn id="1" dur="indefinite" restart="never" nodeType="tmRoot">
+          <p:childTnLst>
+            <p:seq concurrent="1" nextAc="seek">
+              <p:cTn id="2" dur="indefinite" nodeType="mainSeq">
+                <p:childTnLst>
+                  <p:par>
+                    <p:cTn id="3" fill="hold">
+                      <p:stCondLst>
+                        <p:cond delay="indefinite"/>
+                      </p:stCondLst>
+                      <p:childTnLst>
+                        <p:par>
+                          <p:cTn id="4" fill="hold">
+                            <p:stCondLst>
+                              <p:cond delay="0"/>
+                            </p:stCondLst>
+                            <p:childTnLst>
+                              <p:par>
+                                <p:cTn id="5" presetID="31" presetClass="entr" presetSubtype="0" fill="hold" nodeType="clickEffect">
+                                  <p:stCondLst>
+                                    <p:cond delay="0"/>
+                                  </p:stCondLst>
+                                  <p:childTnLst>
+                                    <p:set>
+                                      <p:cBhvr>
+                                        <p:cTn id="6" dur="1" fill="hold">
+                                          <p:stCondLst>
+                                            <p:cond delay="0"/>
+                                          </p:stCondLst>
+                                        </p:cTn>
+                                        <p:tgtEl>
+                                          <p:spTgt spid="1026"/>
+                                        </p:tgtEl>
+                                        <p:attrNameLst>
+                                          <p:attrName>style.visibility</p:attrName>
+                                        </p:attrNameLst>
+                                      </p:cBhvr>
+                                      <p:to>
+                                        <p:strVal val="visible"/>
+                                      </p:to>
+                                    </p:set>
+                                    <p:anim calcmode="lin" valueType="num">
+                                      <p:cBhvr>
+                                        <p:cTn id="7" dur="1000" fill="hold"/>
+                                        <p:tgtEl>
+                                          <p:spTgt spid="1026"/>
+                                        </p:tgtEl>
+                                        <p:attrNameLst>
+                                          <p:attrName>ppt_w</p:attrName>
+                                        </p:attrNameLst>
+                                      </p:cBhvr>
+                                      <p:tavLst>
+                                        <p:tav tm="0">
+                                          <p:val>
+                                            <p:fltVal val="0"/>
+                                          </p:val>
+                                        </p:tav>
+                                        <p:tav tm="100000">
+                                          <p:val>
+                                            <p:strVal val="#ppt_w"/>
+                                          </p:val>
+                                        </p:tav>
+                                      </p:tavLst>
+                                    </p:anim>
+                                    <p:anim calcmode="lin" valueType="num">
+                                      <p:cBhvr>
+                                        <p:cTn id="8" dur="1000" fill="hold"/>
+                                        <p:tgtEl>
+                                          <p:spTgt spid="1026"/>
+                                        </p:tgtEl>
+                                        <p:attrNameLst>
+                                          <p:attrName>ppt_h</p:attrName>
+                                        </p:attrNameLst>
+                                      </p:cBhvr>
+                                      <p:tavLst>
+                                        <p:tav tm="0">
+                                          <p:val>
+                                            <p:fltVal val="0"/>
+                                          </p:val>
+                                        </p:tav>
+                                        <p:tav tm="100000">
+                                          <p:val>
+                                            <p:strVal val="#ppt_h"/>
+                                          </p:val>
+                                        </p:tav>
+                                      </p:tavLst>
+                                    </p:anim>
+                                    <p:anim calcmode="lin" valueType="num">
+                                      <p:cBhvr>
+                                        <p:cTn id="9" dur="1000" fill="hold"/>
+                                        <p:tgtEl>
+                                          <p:spTgt spid="1026"/>
+                                        </p:tgtEl>
+                                        <p:attrNameLst>
+                                          <p:attrName>style.rotation</p:attrName>
+                                        </p:attrNameLst>
+                                      </p:cBhvr>
+                                      <p:tavLst>
+                                        <p:tav tm="0">
+                                          <p:val>
+                                            <p:fltVal val="90"/>
+                                          </p:val>
+                                        </p:tav>
+                                        <p:tav tm="100000">
+                                          <p:val>
+                                            <p:fltVal val="0"/>
+                                          </p:val>
+                                        </p:tav>
+                                      </p:tavLst>
+                                    </p:anim>
+                                    <p:animEffect transition="in" filter="fade">
+                                      <p:cBhvr>
+                                        <p:cTn id="10" dur="1000"/>
+                                        <p:tgtEl>
+                                          <p:spTgt spid="1026"/>
+                                        </p:tgtEl>
+                                      </p:cBhvr>
+                                    </p:animEffect>
+                                  </p:childTnLst>
+                                </p:cTn>
+                              </p:par>
+                            </p:childTnLst>
+                          </p:cTn>
+                        </p:par>
+                      </p:childTnLst>
+                    </p:cTn>
+                  </p:par>
+                  <p:par>
+                    <p:cTn id="11" fill="hold">
+                      <p:stCondLst>
+                        <p:cond delay="indefinite"/>
+                      </p:stCondLst>
+                      <p:childTnLst>
+                        <p:par>
+                          <p:cTn id="12" fill="hold">
+                            <p:stCondLst>
+                              <p:cond delay="0"/>
+                            </p:stCondLst>
+                            <p:childTnLst>
+                              <p:par>
+                                <p:cTn id="13" presetID="14" presetClass="entr" presetSubtype="10" fill="hold" nodeType="clickEffect">
+                                  <p:stCondLst>
+                                    <p:cond delay="0"/>
+                                  </p:stCondLst>
+                                  <p:childTnLst>
+                                    <p:set>
+                                      <p:cBhvr>
+                                        <p:cTn id="14" dur="1" fill="hold">
+                                          <p:stCondLst>
+                                            <p:cond delay="0"/>
+                                          </p:stCondLst>
+                                        </p:cTn>
+                                        <p:tgtEl>
+                                          <p:spTgt spid="6"/>
+                                        </p:tgtEl>
+                                        <p:attrNameLst>
+                                          <p:attrName>style.visibility</p:attrName>
+                                        </p:attrNameLst>
+                                      </p:cBhvr>
+                                      <p:to>
+                                        <p:strVal val="visible"/>
+                                      </p:to>
+                                    </p:set>
+                                    <p:animEffect transition="in" filter="randombar(horizontal)">
+                                      <p:cBhvr>
+                                        <p:cTn id="15" dur="500"/>
+                                        <p:tgtEl>
+                                          <p:spTgt spid="6"/>
+                                        </p:tgtEl>
+                                      </p:cBhvr>
+                                    </p:animEffect>
+                                  </p:childTnLst>
+                                </p:cTn>
+                              </p:par>
+                            </p:childTnLst>
+                          </p:cTn>
+                        </p:par>
+                      </p:childTnLst>
+                    </p:cTn>
+                  </p:par>
+                </p:childTnLst>
+              </p:cTn>
+              <p:prevCondLst>
+                <p:cond evt="onPrev" delay="0">
+                  <p:tgtEl>
+                    <p:sldTgt/>
+                  </p:tgtEl>
+                </p:cond>
+              </p:prevCondLst>
+              <p:nextCondLst>
+                <p:cond evt="onNext" delay="0">
+                  <p:tgtEl>
+                    <p:sldTgt/>
+                  </p:tgtEl>
+                </p:cond>
+              </p:nextCondLst>
+            </p:seq>
+          </p:childTnLst>
+        </p:cTn>
+      </p:par>
+    </p:tnLst>
+  </p:timing>
 </p:sld>
 </file>
 

--- a/Presentation.pptx
+++ b/Presentation.pptx
@@ -26,15 +26,15 @@
     <p:sldId id="279" r:id="rId14"/>
     <p:sldId id="280" r:id="rId15"/>
     <p:sldId id="281" r:id="rId16"/>
-    <p:sldId id="261" r:id="rId17"/>
-    <p:sldId id="262" r:id="rId18"/>
-    <p:sldId id="263" r:id="rId19"/>
-    <p:sldId id="264" r:id="rId20"/>
-    <p:sldId id="265" r:id="rId21"/>
-    <p:sldId id="266" r:id="rId22"/>
-    <p:sldId id="267" r:id="rId23"/>
-    <p:sldId id="268" r:id="rId24"/>
-    <p:sldId id="269" r:id="rId25"/>
+    <p:sldId id="282" r:id="rId17"/>
+    <p:sldId id="283" r:id="rId18"/>
+    <p:sldId id="284" r:id="rId19"/>
+    <p:sldId id="285" r:id="rId20"/>
+    <p:sldId id="286" r:id="rId21"/>
+    <p:sldId id="287" r:id="rId22"/>
+    <p:sldId id="288" r:id="rId23"/>
+    <p:sldId id="289" r:id="rId24"/>
+    <p:sldId id="290" r:id="rId25"/>
   </p:sldIdLst>
   <p:sldSz cx="12192000" cy="6858000"/>
   <p:notesSz cx="6858000" cy="9144000"/>
@@ -144,2764 +144,6 @@
 </p:presentation>
 </file>
 
-<file path=ppt/diagrams/colors1.xml><?xml version="1.0" encoding="utf-8"?>
-<dgm:colorsDef xmlns:dgm="http://schemas.openxmlformats.org/drawingml/2006/diagram" xmlns:a="http://schemas.openxmlformats.org/drawingml/2006/main" uniqueId="urn:microsoft.com/office/officeart/2005/8/colors/accent1_1">
-  <dgm:title val=""/>
-  <dgm:desc val=""/>
-  <dgm:catLst>
-    <dgm:cat type="accent1" pri="11100"/>
-  </dgm:catLst>
-  <dgm:styleLbl name="node0">
-    <dgm:fillClrLst meth="repeat">
-      <a:schemeClr val="lt1"/>
-    </dgm:fillClrLst>
-    <dgm:linClrLst meth="repeat">
-      <a:schemeClr val="accent1">
-        <a:shade val="80000"/>
-      </a:schemeClr>
-    </dgm:linClrLst>
-    <dgm:effectClrLst/>
-    <dgm:txLinClrLst/>
-    <dgm:txFillClrLst meth="repeat">
-      <a:schemeClr val="dk1"/>
-    </dgm:txFillClrLst>
-    <dgm:txEffectClrLst/>
-  </dgm:styleLbl>
-  <dgm:styleLbl name="alignNode1">
-    <dgm:fillClrLst meth="repeat">
-      <a:schemeClr val="lt1"/>
-    </dgm:fillClrLst>
-    <dgm:linClrLst meth="repeat">
-      <a:schemeClr val="accent1">
-        <a:shade val="80000"/>
-      </a:schemeClr>
-    </dgm:linClrLst>
-    <dgm:effectClrLst/>
-    <dgm:txLinClrLst/>
-    <dgm:txFillClrLst meth="repeat">
-      <a:schemeClr val="dk1"/>
-    </dgm:txFillClrLst>
-    <dgm:txEffectClrLst/>
-  </dgm:styleLbl>
-  <dgm:styleLbl name="node1">
-    <dgm:fillClrLst meth="repeat">
-      <a:schemeClr val="lt1"/>
-    </dgm:fillClrLst>
-    <dgm:linClrLst meth="repeat">
-      <a:schemeClr val="accent1">
-        <a:shade val="80000"/>
-      </a:schemeClr>
-    </dgm:linClrLst>
-    <dgm:effectClrLst/>
-    <dgm:txLinClrLst/>
-    <dgm:txFillClrLst meth="repeat">
-      <a:schemeClr val="dk1"/>
-    </dgm:txFillClrLst>
-    <dgm:txEffectClrLst/>
-  </dgm:styleLbl>
-  <dgm:styleLbl name="lnNode1">
-    <dgm:fillClrLst meth="repeat">
-      <a:schemeClr val="lt1"/>
-    </dgm:fillClrLst>
-    <dgm:linClrLst meth="repeat">
-      <a:schemeClr val="accent1">
-        <a:shade val="80000"/>
-      </a:schemeClr>
-    </dgm:linClrLst>
-    <dgm:effectClrLst/>
-    <dgm:txLinClrLst/>
-    <dgm:txFillClrLst meth="repeat">
-      <a:schemeClr val="dk1"/>
-    </dgm:txFillClrLst>
-    <dgm:txEffectClrLst/>
-  </dgm:styleLbl>
-  <dgm:styleLbl name="vennNode1">
-    <dgm:fillClrLst meth="repeat">
-      <a:schemeClr val="lt1">
-        <a:alpha val="50000"/>
-      </a:schemeClr>
-    </dgm:fillClrLst>
-    <dgm:linClrLst meth="repeat">
-      <a:schemeClr val="accent1">
-        <a:shade val="80000"/>
-      </a:schemeClr>
-    </dgm:linClrLst>
-    <dgm:effectClrLst/>
-    <dgm:txLinClrLst/>
-    <dgm:txFillClrLst/>
-    <dgm:txEffectClrLst/>
-  </dgm:styleLbl>
-  <dgm:styleLbl name="node2">
-    <dgm:fillClrLst meth="repeat">
-      <a:schemeClr val="lt1"/>
-    </dgm:fillClrLst>
-    <dgm:linClrLst meth="repeat">
-      <a:schemeClr val="accent1">
-        <a:shade val="80000"/>
-      </a:schemeClr>
-    </dgm:linClrLst>
-    <dgm:effectClrLst/>
-    <dgm:txLinClrLst/>
-    <dgm:txFillClrLst meth="repeat">
-      <a:schemeClr val="dk1"/>
-    </dgm:txFillClrLst>
-    <dgm:txEffectClrLst/>
-  </dgm:styleLbl>
-  <dgm:styleLbl name="node3">
-    <dgm:fillClrLst meth="repeat">
-      <a:schemeClr val="lt1"/>
-    </dgm:fillClrLst>
-    <dgm:linClrLst meth="repeat">
-      <a:schemeClr val="accent1">
-        <a:shade val="80000"/>
-      </a:schemeClr>
-    </dgm:linClrLst>
-    <dgm:effectClrLst/>
-    <dgm:txLinClrLst/>
-    <dgm:txFillClrLst meth="repeat">
-      <a:schemeClr val="dk1"/>
-    </dgm:txFillClrLst>
-    <dgm:txEffectClrLst/>
-  </dgm:styleLbl>
-  <dgm:styleLbl name="node4">
-    <dgm:fillClrLst meth="repeat">
-      <a:schemeClr val="lt1"/>
-    </dgm:fillClrLst>
-    <dgm:linClrLst meth="repeat">
-      <a:schemeClr val="accent1">
-        <a:shade val="80000"/>
-      </a:schemeClr>
-    </dgm:linClrLst>
-    <dgm:effectClrLst/>
-    <dgm:txLinClrLst/>
-    <dgm:txFillClrLst meth="repeat">
-      <a:schemeClr val="dk1"/>
-    </dgm:txFillClrLst>
-    <dgm:txEffectClrLst/>
-  </dgm:styleLbl>
-  <dgm:styleLbl name="fgImgPlace1">
-    <dgm:fillClrLst meth="repeat">
-      <a:schemeClr val="accent1">
-        <a:tint val="40000"/>
-      </a:schemeClr>
-    </dgm:fillClrLst>
-    <dgm:linClrLst meth="repeat">
-      <a:schemeClr val="accent1">
-        <a:shade val="80000"/>
-      </a:schemeClr>
-    </dgm:linClrLst>
-    <dgm:effectClrLst/>
-    <dgm:txLinClrLst/>
-    <dgm:txFillClrLst meth="repeat">
-      <a:schemeClr val="lt1"/>
-    </dgm:txFillClrLst>
-    <dgm:txEffectClrLst/>
-  </dgm:styleLbl>
-  <dgm:styleLbl name="alignImgPlace1">
-    <dgm:fillClrLst meth="repeat">
-      <a:schemeClr val="accent1">
-        <a:tint val="40000"/>
-      </a:schemeClr>
-    </dgm:fillClrLst>
-    <dgm:linClrLst meth="repeat">
-      <a:schemeClr val="accent1">
-        <a:shade val="80000"/>
-      </a:schemeClr>
-    </dgm:linClrLst>
-    <dgm:effectClrLst/>
-    <dgm:txLinClrLst/>
-    <dgm:txFillClrLst meth="repeat">
-      <a:schemeClr val="lt1"/>
-    </dgm:txFillClrLst>
-    <dgm:txEffectClrLst/>
-  </dgm:styleLbl>
-  <dgm:styleLbl name="bgImgPlace1">
-    <dgm:fillClrLst meth="repeat">
-      <a:schemeClr val="accent1">
-        <a:tint val="40000"/>
-      </a:schemeClr>
-    </dgm:fillClrLst>
-    <dgm:linClrLst meth="repeat">
-      <a:schemeClr val="accent1">
-        <a:shade val="80000"/>
-      </a:schemeClr>
-    </dgm:linClrLst>
-    <dgm:effectClrLst/>
-    <dgm:txLinClrLst/>
-    <dgm:txFillClrLst meth="repeat">
-      <a:schemeClr val="lt1"/>
-    </dgm:txFillClrLst>
-    <dgm:txEffectClrLst/>
-  </dgm:styleLbl>
-  <dgm:styleLbl name="sibTrans2D1">
-    <dgm:fillClrLst meth="repeat">
-      <a:schemeClr val="accent1">
-        <a:tint val="60000"/>
-      </a:schemeClr>
-    </dgm:fillClrLst>
-    <dgm:linClrLst meth="repeat">
-      <a:schemeClr val="accent1">
-        <a:tint val="60000"/>
-      </a:schemeClr>
-    </dgm:linClrLst>
-    <dgm:effectClrLst/>
-    <dgm:txLinClrLst/>
-    <dgm:txFillClrLst meth="repeat">
-      <a:schemeClr val="dk1"/>
-    </dgm:txFillClrLst>
-    <dgm:txEffectClrLst/>
-  </dgm:styleLbl>
-  <dgm:styleLbl name="fgSibTrans2D1">
-    <dgm:fillClrLst meth="repeat">
-      <a:schemeClr val="accent1">
-        <a:tint val="60000"/>
-      </a:schemeClr>
-    </dgm:fillClrLst>
-    <dgm:linClrLst meth="repeat">
-      <a:schemeClr val="accent1">
-        <a:tint val="60000"/>
-      </a:schemeClr>
-    </dgm:linClrLst>
-    <dgm:effectClrLst/>
-    <dgm:txLinClrLst/>
-    <dgm:txFillClrLst meth="repeat">
-      <a:schemeClr val="dk1"/>
-    </dgm:txFillClrLst>
-    <dgm:txEffectClrLst/>
-  </dgm:styleLbl>
-  <dgm:styleLbl name="bgSibTrans2D1">
-    <dgm:fillClrLst meth="repeat">
-      <a:schemeClr val="accent1">
-        <a:tint val="60000"/>
-      </a:schemeClr>
-    </dgm:fillClrLst>
-    <dgm:linClrLst meth="repeat">
-      <a:schemeClr val="accent1">
-        <a:tint val="60000"/>
-      </a:schemeClr>
-    </dgm:linClrLst>
-    <dgm:effectClrLst/>
-    <dgm:txLinClrLst/>
-    <dgm:txFillClrLst meth="repeat">
-      <a:schemeClr val="dk1"/>
-    </dgm:txFillClrLst>
-    <dgm:txEffectClrLst/>
-  </dgm:styleLbl>
-  <dgm:styleLbl name="sibTrans1D1">
-    <dgm:fillClrLst meth="repeat">
-      <a:schemeClr val="accent1"/>
-    </dgm:fillClrLst>
-    <dgm:linClrLst meth="repeat">
-      <a:schemeClr val="accent1"/>
-    </dgm:linClrLst>
-    <dgm:effectClrLst/>
-    <dgm:txLinClrLst/>
-    <dgm:txFillClrLst meth="repeat">
-      <a:schemeClr val="tx1"/>
-    </dgm:txFillClrLst>
-    <dgm:txEffectClrLst/>
-  </dgm:styleLbl>
-  <dgm:styleLbl name="callout">
-    <dgm:fillClrLst meth="repeat">
-      <a:schemeClr val="accent1"/>
-    </dgm:fillClrLst>
-    <dgm:linClrLst meth="repeat">
-      <a:schemeClr val="accent1"/>
-    </dgm:linClrLst>
-    <dgm:effectClrLst/>
-    <dgm:txLinClrLst/>
-    <dgm:txFillClrLst meth="repeat">
-      <a:schemeClr val="tx1"/>
-    </dgm:txFillClrLst>
-    <dgm:txEffectClrLst/>
-  </dgm:styleLbl>
-  <dgm:styleLbl name="asst0">
-    <dgm:fillClrLst meth="repeat">
-      <a:schemeClr val="lt1"/>
-    </dgm:fillClrLst>
-    <dgm:linClrLst meth="repeat">
-      <a:schemeClr val="accent1">
-        <a:shade val="80000"/>
-      </a:schemeClr>
-    </dgm:linClrLst>
-    <dgm:effectClrLst/>
-    <dgm:txLinClrLst/>
-    <dgm:txFillClrLst meth="repeat">
-      <a:schemeClr val="dk1"/>
-    </dgm:txFillClrLst>
-    <dgm:txEffectClrLst/>
-  </dgm:styleLbl>
-  <dgm:styleLbl name="asst1">
-    <dgm:fillClrLst meth="repeat">
-      <a:schemeClr val="lt1"/>
-    </dgm:fillClrLst>
-    <dgm:linClrLst meth="repeat">
-      <a:schemeClr val="accent1">
-        <a:shade val="80000"/>
-      </a:schemeClr>
-    </dgm:linClrLst>
-    <dgm:effectClrLst/>
-    <dgm:txLinClrLst/>
-    <dgm:txFillClrLst meth="repeat">
-      <a:schemeClr val="dk1"/>
-    </dgm:txFillClrLst>
-    <dgm:txEffectClrLst/>
-  </dgm:styleLbl>
-  <dgm:styleLbl name="asst2">
-    <dgm:fillClrLst meth="repeat">
-      <a:schemeClr val="lt1"/>
-    </dgm:fillClrLst>
-    <dgm:linClrLst meth="repeat">
-      <a:schemeClr val="accent1">
-        <a:shade val="80000"/>
-      </a:schemeClr>
-    </dgm:linClrLst>
-    <dgm:effectClrLst/>
-    <dgm:txLinClrLst/>
-    <dgm:txFillClrLst meth="repeat">
-      <a:schemeClr val="dk1"/>
-    </dgm:txFillClrLst>
-    <dgm:txEffectClrLst/>
-  </dgm:styleLbl>
-  <dgm:styleLbl name="asst3">
-    <dgm:fillClrLst meth="repeat">
-      <a:schemeClr val="lt1"/>
-    </dgm:fillClrLst>
-    <dgm:linClrLst meth="repeat">
-      <a:schemeClr val="accent1">
-        <a:shade val="80000"/>
-      </a:schemeClr>
-    </dgm:linClrLst>
-    <dgm:effectClrLst/>
-    <dgm:txLinClrLst/>
-    <dgm:txFillClrLst meth="repeat">
-      <a:schemeClr val="dk1"/>
-    </dgm:txFillClrLst>
-    <dgm:txEffectClrLst/>
-  </dgm:styleLbl>
-  <dgm:styleLbl name="asst4">
-    <dgm:fillClrLst meth="repeat">
-      <a:schemeClr val="lt1"/>
-    </dgm:fillClrLst>
-    <dgm:linClrLst meth="repeat">
-      <a:schemeClr val="accent1">
-        <a:shade val="80000"/>
-      </a:schemeClr>
-    </dgm:linClrLst>
-    <dgm:effectClrLst/>
-    <dgm:txLinClrLst/>
-    <dgm:txFillClrLst meth="repeat">
-      <a:schemeClr val="dk1"/>
-    </dgm:txFillClrLst>
-    <dgm:txEffectClrLst/>
-  </dgm:styleLbl>
-  <dgm:styleLbl name="parChTrans2D1">
-    <dgm:fillClrLst meth="repeat">
-      <a:schemeClr val="accent1">
-        <a:tint val="60000"/>
-      </a:schemeClr>
-    </dgm:fillClrLst>
-    <dgm:linClrLst meth="repeat">
-      <a:schemeClr val="accent1">
-        <a:tint val="60000"/>
-      </a:schemeClr>
-    </dgm:linClrLst>
-    <dgm:effectClrLst/>
-    <dgm:txLinClrLst/>
-    <dgm:txFillClrLst/>
-    <dgm:txEffectClrLst/>
-  </dgm:styleLbl>
-  <dgm:styleLbl name="parChTrans2D2">
-    <dgm:fillClrLst meth="repeat">
-      <a:schemeClr val="accent1"/>
-    </dgm:fillClrLst>
-    <dgm:linClrLst meth="repeat">
-      <a:schemeClr val="accent1"/>
-    </dgm:linClrLst>
-    <dgm:effectClrLst/>
-    <dgm:txLinClrLst/>
-    <dgm:txFillClrLst/>
-    <dgm:txEffectClrLst/>
-  </dgm:styleLbl>
-  <dgm:styleLbl name="parChTrans2D3">
-    <dgm:fillClrLst meth="repeat">
-      <a:schemeClr val="accent1"/>
-    </dgm:fillClrLst>
-    <dgm:linClrLst meth="repeat">
-      <a:schemeClr val="accent1"/>
-    </dgm:linClrLst>
-    <dgm:effectClrLst/>
-    <dgm:txLinClrLst/>
-    <dgm:txFillClrLst/>
-    <dgm:txEffectClrLst/>
-  </dgm:styleLbl>
-  <dgm:styleLbl name="parChTrans2D4">
-    <dgm:fillClrLst meth="repeat">
-      <a:schemeClr val="accent1"/>
-    </dgm:fillClrLst>
-    <dgm:linClrLst meth="repeat">
-      <a:schemeClr val="accent1"/>
-    </dgm:linClrLst>
-    <dgm:effectClrLst/>
-    <dgm:txLinClrLst/>
-    <dgm:txFillClrLst meth="repeat">
-      <a:schemeClr val="lt1"/>
-    </dgm:txFillClrLst>
-    <dgm:txEffectClrLst/>
-  </dgm:styleLbl>
-  <dgm:styleLbl name="parChTrans1D1">
-    <dgm:fillClrLst meth="repeat">
-      <a:schemeClr val="accent1"/>
-    </dgm:fillClrLst>
-    <dgm:linClrLst meth="repeat">
-      <a:schemeClr val="accent1">
-        <a:shade val="60000"/>
-      </a:schemeClr>
-    </dgm:linClrLst>
-    <dgm:effectClrLst/>
-    <dgm:txLinClrLst/>
-    <dgm:txFillClrLst meth="repeat">
-      <a:schemeClr val="tx1"/>
-    </dgm:txFillClrLst>
-    <dgm:txEffectClrLst/>
-  </dgm:styleLbl>
-  <dgm:styleLbl name="parChTrans1D2">
-    <dgm:fillClrLst meth="repeat">
-      <a:schemeClr val="accent1"/>
-    </dgm:fillClrLst>
-    <dgm:linClrLst meth="repeat">
-      <a:schemeClr val="accent1">
-        <a:shade val="60000"/>
-      </a:schemeClr>
-    </dgm:linClrLst>
-    <dgm:effectClrLst/>
-    <dgm:txLinClrLst/>
-    <dgm:txFillClrLst meth="repeat">
-      <a:schemeClr val="tx1"/>
-    </dgm:txFillClrLst>
-    <dgm:txEffectClrLst/>
-  </dgm:styleLbl>
-  <dgm:styleLbl name="parChTrans1D3">
-    <dgm:fillClrLst meth="repeat">
-      <a:schemeClr val="accent1"/>
-    </dgm:fillClrLst>
-    <dgm:linClrLst meth="repeat">
-      <a:schemeClr val="accent1">
-        <a:shade val="80000"/>
-      </a:schemeClr>
-    </dgm:linClrLst>
-    <dgm:effectClrLst/>
-    <dgm:txLinClrLst/>
-    <dgm:txFillClrLst meth="repeat">
-      <a:schemeClr val="tx1"/>
-    </dgm:txFillClrLst>
-    <dgm:txEffectClrLst/>
-  </dgm:styleLbl>
-  <dgm:styleLbl name="parChTrans1D4">
-    <dgm:fillClrLst meth="repeat">
-      <a:schemeClr val="accent1"/>
-    </dgm:fillClrLst>
-    <dgm:linClrLst meth="repeat">
-      <a:schemeClr val="accent1">
-        <a:shade val="80000"/>
-      </a:schemeClr>
-    </dgm:linClrLst>
-    <dgm:effectClrLst/>
-    <dgm:txLinClrLst/>
-    <dgm:txFillClrLst meth="repeat">
-      <a:schemeClr val="tx1"/>
-    </dgm:txFillClrLst>
-    <dgm:txEffectClrLst/>
-  </dgm:styleLbl>
-  <dgm:styleLbl name="fgAcc1">
-    <dgm:fillClrLst meth="repeat">
-      <a:schemeClr val="accent1">
-        <a:alpha val="90000"/>
-        <a:tint val="40000"/>
-      </a:schemeClr>
-    </dgm:fillClrLst>
-    <dgm:linClrLst meth="repeat">
-      <a:schemeClr val="accent1"/>
-    </dgm:linClrLst>
-    <dgm:effectClrLst/>
-    <dgm:txLinClrLst/>
-    <dgm:txFillClrLst meth="repeat">
-      <a:schemeClr val="dk1"/>
-    </dgm:txFillClrLst>
-    <dgm:txEffectClrLst/>
-  </dgm:styleLbl>
-  <dgm:styleLbl name="conFgAcc1">
-    <dgm:fillClrLst meth="repeat">
-      <a:schemeClr val="accent1">
-        <a:alpha val="90000"/>
-        <a:tint val="40000"/>
-      </a:schemeClr>
-    </dgm:fillClrLst>
-    <dgm:linClrLst meth="repeat">
-      <a:schemeClr val="accent1"/>
-    </dgm:linClrLst>
-    <dgm:effectClrLst/>
-    <dgm:txLinClrLst/>
-    <dgm:txFillClrLst meth="repeat">
-      <a:schemeClr val="dk1"/>
-    </dgm:txFillClrLst>
-    <dgm:txEffectClrLst/>
-  </dgm:styleLbl>
-  <dgm:styleLbl name="alignAcc1">
-    <dgm:fillClrLst meth="repeat">
-      <a:schemeClr val="accent1">
-        <a:alpha val="90000"/>
-        <a:tint val="40000"/>
-      </a:schemeClr>
-    </dgm:fillClrLst>
-    <dgm:linClrLst meth="repeat">
-      <a:schemeClr val="accent1"/>
-    </dgm:linClrLst>
-    <dgm:effectClrLst/>
-    <dgm:txLinClrLst/>
-    <dgm:txFillClrLst meth="repeat">
-      <a:schemeClr val="dk1"/>
-    </dgm:txFillClrLst>
-    <dgm:txEffectClrLst/>
-  </dgm:styleLbl>
-  <dgm:styleLbl name="trAlignAcc1">
-    <dgm:fillClrLst meth="repeat">
-      <a:schemeClr val="accent1">
-        <a:alpha val="40000"/>
-        <a:tint val="40000"/>
-      </a:schemeClr>
-    </dgm:fillClrLst>
-    <dgm:linClrLst meth="repeat">
-      <a:schemeClr val="accent1"/>
-    </dgm:linClrLst>
-    <dgm:effectClrLst/>
-    <dgm:txLinClrLst/>
-    <dgm:txFillClrLst meth="repeat">
-      <a:schemeClr val="dk1"/>
-    </dgm:txFillClrLst>
-    <dgm:txEffectClrLst/>
-  </dgm:styleLbl>
-  <dgm:styleLbl name="bgAcc1">
-    <dgm:fillClrLst meth="repeat">
-      <a:schemeClr val="accent1">
-        <a:alpha val="90000"/>
-        <a:tint val="40000"/>
-      </a:schemeClr>
-    </dgm:fillClrLst>
-    <dgm:linClrLst meth="repeat">
-      <a:schemeClr val="accent1"/>
-    </dgm:linClrLst>
-    <dgm:effectClrLst/>
-    <dgm:txLinClrLst/>
-    <dgm:txFillClrLst meth="repeat">
-      <a:schemeClr val="dk1"/>
-    </dgm:txFillClrLst>
-    <dgm:txEffectClrLst/>
-  </dgm:styleLbl>
-  <dgm:styleLbl name="solidFgAcc1">
-    <dgm:fillClrLst meth="repeat">
-      <a:schemeClr val="lt1"/>
-    </dgm:fillClrLst>
-    <dgm:linClrLst meth="repeat">
-      <a:schemeClr val="accent1"/>
-    </dgm:linClrLst>
-    <dgm:effectClrLst/>
-    <dgm:txLinClrLst/>
-    <dgm:txFillClrLst meth="repeat">
-      <a:schemeClr val="dk1"/>
-    </dgm:txFillClrLst>
-    <dgm:txEffectClrLst/>
-  </dgm:styleLbl>
-  <dgm:styleLbl name="solidAlignAcc1">
-    <dgm:fillClrLst meth="repeat">
-      <a:schemeClr val="lt1"/>
-    </dgm:fillClrLst>
-    <dgm:linClrLst meth="repeat">
-      <a:schemeClr val="accent1"/>
-    </dgm:linClrLst>
-    <dgm:effectClrLst/>
-    <dgm:txLinClrLst/>
-    <dgm:txFillClrLst meth="repeat">
-      <a:schemeClr val="dk1"/>
-    </dgm:txFillClrLst>
-    <dgm:txEffectClrLst/>
-  </dgm:styleLbl>
-  <dgm:styleLbl name="solidBgAcc1">
-    <dgm:fillClrLst meth="repeat">
-      <a:schemeClr val="lt1"/>
-    </dgm:fillClrLst>
-    <dgm:linClrLst meth="repeat">
-      <a:schemeClr val="accent1"/>
-    </dgm:linClrLst>
-    <dgm:effectClrLst/>
-    <dgm:txLinClrLst/>
-    <dgm:txFillClrLst meth="repeat">
-      <a:schemeClr val="dk1"/>
-    </dgm:txFillClrLst>
-    <dgm:txEffectClrLst/>
-  </dgm:styleLbl>
-  <dgm:styleLbl name="fgAccFollowNode1">
-    <dgm:fillClrLst meth="repeat">
-      <a:schemeClr val="lt1">
-        <a:alpha val="90000"/>
-        <a:tint val="40000"/>
-      </a:schemeClr>
-    </dgm:fillClrLst>
-    <dgm:linClrLst meth="repeat">
-      <a:schemeClr val="accent1">
-        <a:alpha val="90000"/>
-      </a:schemeClr>
-    </dgm:linClrLst>
-    <dgm:effectClrLst/>
-    <dgm:txLinClrLst/>
-    <dgm:txFillClrLst meth="repeat">
-      <a:schemeClr val="dk1"/>
-    </dgm:txFillClrLst>
-    <dgm:txEffectClrLst/>
-  </dgm:styleLbl>
-  <dgm:styleLbl name="alignAccFollowNode1">
-    <dgm:fillClrLst meth="repeat">
-      <a:schemeClr val="lt1">
-        <a:alpha val="90000"/>
-        <a:tint val="40000"/>
-      </a:schemeClr>
-    </dgm:fillClrLst>
-    <dgm:linClrLst meth="repeat">
-      <a:schemeClr val="accent1">
-        <a:alpha val="90000"/>
-      </a:schemeClr>
-    </dgm:linClrLst>
-    <dgm:effectClrLst/>
-    <dgm:txLinClrLst/>
-    <dgm:txFillClrLst meth="repeat">
-      <a:schemeClr val="dk1"/>
-    </dgm:txFillClrLst>
-    <dgm:txEffectClrLst/>
-  </dgm:styleLbl>
-  <dgm:styleLbl name="bgAccFollowNode1">
-    <dgm:fillClrLst meth="repeat">
-      <a:schemeClr val="lt1">
-        <a:alpha val="90000"/>
-        <a:tint val="40000"/>
-      </a:schemeClr>
-    </dgm:fillClrLst>
-    <dgm:linClrLst meth="repeat">
-      <a:schemeClr val="accent1">
-        <a:alpha val="90000"/>
-      </a:schemeClr>
-    </dgm:linClrLst>
-    <dgm:effectClrLst/>
-    <dgm:txLinClrLst/>
-    <dgm:txFillClrLst meth="repeat">
-      <a:schemeClr val="dk1"/>
-    </dgm:txFillClrLst>
-    <dgm:txEffectClrLst/>
-  </dgm:styleLbl>
-  <dgm:styleLbl name="fgAcc0">
-    <dgm:fillClrLst meth="repeat">
-      <a:schemeClr val="accent1">
-        <a:alpha val="90000"/>
-        <a:tint val="40000"/>
-      </a:schemeClr>
-    </dgm:fillClrLst>
-    <dgm:linClrLst meth="repeat">
-      <a:schemeClr val="accent1"/>
-    </dgm:linClrLst>
-    <dgm:effectClrLst/>
-    <dgm:txLinClrLst/>
-    <dgm:txFillClrLst meth="repeat">
-      <a:schemeClr val="dk1"/>
-    </dgm:txFillClrLst>
-    <dgm:txEffectClrLst/>
-  </dgm:styleLbl>
-  <dgm:styleLbl name="fgAcc2">
-    <dgm:fillClrLst meth="repeat">
-      <a:schemeClr val="accent1">
-        <a:alpha val="90000"/>
-        <a:tint val="40000"/>
-      </a:schemeClr>
-    </dgm:fillClrLst>
-    <dgm:linClrLst meth="repeat">
-      <a:schemeClr val="accent1"/>
-    </dgm:linClrLst>
-    <dgm:effectClrLst/>
-    <dgm:txLinClrLst/>
-    <dgm:txFillClrLst meth="repeat">
-      <a:schemeClr val="dk1"/>
-    </dgm:txFillClrLst>
-    <dgm:txEffectClrLst/>
-  </dgm:styleLbl>
-  <dgm:styleLbl name="fgAcc3">
-    <dgm:fillClrLst meth="repeat">
-      <a:schemeClr val="accent1">
-        <a:alpha val="90000"/>
-        <a:tint val="40000"/>
-      </a:schemeClr>
-    </dgm:fillClrLst>
-    <dgm:linClrLst meth="repeat">
-      <a:schemeClr val="accent1"/>
-    </dgm:linClrLst>
-    <dgm:effectClrLst/>
-    <dgm:txLinClrLst/>
-    <dgm:txFillClrLst meth="repeat">
-      <a:schemeClr val="dk1"/>
-    </dgm:txFillClrLst>
-    <dgm:txEffectClrLst/>
-  </dgm:styleLbl>
-  <dgm:styleLbl name="fgAcc4">
-    <dgm:fillClrLst meth="repeat">
-      <a:schemeClr val="accent1">
-        <a:alpha val="90000"/>
-        <a:tint val="40000"/>
-      </a:schemeClr>
-    </dgm:fillClrLst>
-    <dgm:linClrLst meth="repeat">
-      <a:schemeClr val="accent1"/>
-    </dgm:linClrLst>
-    <dgm:effectClrLst/>
-    <dgm:txLinClrLst/>
-    <dgm:txFillClrLst meth="repeat">
-      <a:schemeClr val="dk1"/>
-    </dgm:txFillClrLst>
-    <dgm:txEffectClrLst/>
-  </dgm:styleLbl>
-  <dgm:styleLbl name="bgShp">
-    <dgm:fillClrLst meth="repeat">
-      <a:schemeClr val="accent1">
-        <a:tint val="40000"/>
-      </a:schemeClr>
-    </dgm:fillClrLst>
-    <dgm:linClrLst meth="repeat">
-      <a:schemeClr val="accent1"/>
-    </dgm:linClrLst>
-    <dgm:effectClrLst/>
-    <dgm:txLinClrLst/>
-    <dgm:txFillClrLst meth="repeat">
-      <a:schemeClr val="dk1"/>
-    </dgm:txFillClrLst>
-    <dgm:txEffectClrLst/>
-  </dgm:styleLbl>
-  <dgm:styleLbl name="dkBgShp">
-    <dgm:fillClrLst meth="repeat">
-      <a:schemeClr val="accent1">
-        <a:shade val="80000"/>
-      </a:schemeClr>
-    </dgm:fillClrLst>
-    <dgm:linClrLst meth="repeat">
-      <a:schemeClr val="accent1"/>
-    </dgm:linClrLst>
-    <dgm:effectClrLst/>
-    <dgm:txLinClrLst/>
-    <dgm:txFillClrLst meth="repeat">
-      <a:schemeClr val="lt1"/>
-    </dgm:txFillClrLst>
-    <dgm:txEffectClrLst/>
-  </dgm:styleLbl>
-  <dgm:styleLbl name="trBgShp">
-    <dgm:fillClrLst meth="repeat">
-      <a:schemeClr val="accent1">
-        <a:tint val="50000"/>
-        <a:alpha val="40000"/>
-      </a:schemeClr>
-    </dgm:fillClrLst>
-    <dgm:linClrLst meth="repeat">
-      <a:schemeClr val="accent1"/>
-    </dgm:linClrLst>
-    <dgm:effectClrLst/>
-    <dgm:txLinClrLst/>
-    <dgm:txFillClrLst meth="repeat">
-      <a:schemeClr val="lt1"/>
-    </dgm:txFillClrLst>
-    <dgm:txEffectClrLst/>
-  </dgm:styleLbl>
-  <dgm:styleLbl name="fgShp">
-    <dgm:fillClrLst meth="repeat">
-      <a:schemeClr val="accent1">
-        <a:tint val="60000"/>
-      </a:schemeClr>
-    </dgm:fillClrLst>
-    <dgm:linClrLst meth="repeat">
-      <a:schemeClr val="lt1"/>
-    </dgm:linClrLst>
-    <dgm:effectClrLst/>
-    <dgm:txLinClrLst/>
-    <dgm:txFillClrLst meth="repeat">
-      <a:schemeClr val="dk1"/>
-    </dgm:txFillClrLst>
-    <dgm:txEffectClrLst/>
-  </dgm:styleLbl>
-  <dgm:styleLbl name="revTx">
-    <dgm:fillClrLst meth="repeat">
-      <a:schemeClr val="lt1">
-        <a:alpha val="0"/>
-      </a:schemeClr>
-    </dgm:fillClrLst>
-    <dgm:linClrLst meth="repeat">
-      <a:schemeClr val="dk1">
-        <a:alpha val="0"/>
-      </a:schemeClr>
-    </dgm:linClrLst>
-    <dgm:effectClrLst/>
-    <dgm:txLinClrLst/>
-    <dgm:txFillClrLst meth="repeat">
-      <a:schemeClr val="tx1"/>
-    </dgm:txFillClrLst>
-    <dgm:txEffectClrLst/>
-  </dgm:styleLbl>
-</dgm:colorsDef>
-</file>
-
-<file path=ppt/diagrams/data1.xml><?xml version="1.0" encoding="utf-8"?>
-<dgm:dataModel xmlns:dgm="http://schemas.openxmlformats.org/drawingml/2006/diagram" xmlns:a="http://schemas.openxmlformats.org/drawingml/2006/main">
-  <dgm:ptLst>
-    <dgm:pt modelId="{44156040-AF98-4F2C-9909-9F2439F6F588}" type="doc">
-      <dgm:prSet loTypeId="urn:microsoft.com/office/officeart/2005/8/layout/chevron1" loCatId="process" qsTypeId="urn:microsoft.com/office/officeart/2005/8/quickstyle/simple1" qsCatId="simple" csTypeId="urn:microsoft.com/office/officeart/2005/8/colors/accent1_1" csCatId="accent1" phldr="1"/>
-      <dgm:spPr/>
-    </dgm:pt>
-    <dgm:pt modelId="{74020AF3-C700-4606-8917-C6A353D7963A}">
-      <dgm:prSet phldrT="[Text]"/>
-      <dgm:spPr/>
-      <dgm:t>
-        <a:bodyPr rtlCol="0"/>
-        <a:lstStyle/>
-        <a:p>
-          <a:pPr rtl="0"/>
-          <a:r>
-            <a:rPr lang="ru-RU" noProof="0" dirty="0" smtClean="0"/>
-            <a:t>Заголовок этапа 1</a:t>
-          </a:r>
-          <a:endParaRPr lang="ru-RU" noProof="0" dirty="0"/>
-        </a:p>
-      </dgm:t>
-      <dgm:extLst>
-        <a:ext uri="{E40237B7-FDA0-4F09-8148-C483321AD2D9}">
-          <dgm14:cNvPr xmlns:dgm14="http://schemas.microsoft.com/office/drawing/2010/diagram" id="0" name="" title="Step 1 title"/>
-        </a:ext>
-      </dgm:extLst>
-    </dgm:pt>
-    <dgm:pt modelId="{87D99D21-0B4A-4259-89FB-0E5941CB535C}" type="parTrans" cxnId="{B0E2386F-A443-4201-8130-FB9CC25AA154}">
-      <dgm:prSet/>
-      <dgm:spPr/>
-      <dgm:t>
-        <a:bodyPr rtlCol="0"/>
-        <a:lstStyle/>
-        <a:p>
-          <a:pPr rtl="0"/>
-          <a:endParaRPr lang="en-US"/>
-        </a:p>
-      </dgm:t>
-    </dgm:pt>
-    <dgm:pt modelId="{6CFF1BD9-AE1F-4488-8B72-01186EADA6FF}" type="sibTrans" cxnId="{B0E2386F-A443-4201-8130-FB9CC25AA154}">
-      <dgm:prSet/>
-      <dgm:spPr/>
-      <dgm:t>
-        <a:bodyPr rtlCol="0"/>
-        <a:lstStyle/>
-        <a:p>
-          <a:pPr rtl="0"/>
-          <a:endParaRPr lang="en-US"/>
-        </a:p>
-      </dgm:t>
-    </dgm:pt>
-    <dgm:pt modelId="{12E26E22-71B0-4386-A84F-ABF2FF66A99F}">
-      <dgm:prSet phldrT="[Text]"/>
-      <dgm:spPr/>
-      <dgm:t>
-        <a:bodyPr rtlCol="0"/>
-        <a:lstStyle/>
-        <a:p>
-          <a:pPr rtl="0"/>
-          <a:r>
-            <a:rPr lang="ru-RU" noProof="0" dirty="0" smtClean="0"/>
-            <a:t>Заголовок этапа 2</a:t>
-          </a:r>
-          <a:endParaRPr lang="ru-RU" noProof="0" dirty="0"/>
-        </a:p>
-      </dgm:t>
-      <dgm:extLst>
-        <a:ext uri="{E40237B7-FDA0-4F09-8148-C483321AD2D9}">
-          <dgm14:cNvPr xmlns:dgm14="http://schemas.microsoft.com/office/drawing/2010/diagram" id="0" name="" title="Step 2 title"/>
-        </a:ext>
-      </dgm:extLst>
-    </dgm:pt>
-    <dgm:pt modelId="{3A6CB3CB-0F71-4CA8-93AA-0E3E3D59D313}" type="parTrans" cxnId="{937639B3-2352-48E4-A96B-F63DF2119D92}">
-      <dgm:prSet/>
-      <dgm:spPr/>
-      <dgm:t>
-        <a:bodyPr rtlCol="0"/>
-        <a:lstStyle/>
-        <a:p>
-          <a:pPr rtl="0"/>
-          <a:endParaRPr lang="en-US"/>
-        </a:p>
-      </dgm:t>
-    </dgm:pt>
-    <dgm:pt modelId="{E1826C46-15A2-4345-B986-53D05F21F155}" type="sibTrans" cxnId="{937639B3-2352-48E4-A96B-F63DF2119D92}">
-      <dgm:prSet/>
-      <dgm:spPr/>
-      <dgm:t>
-        <a:bodyPr rtlCol="0"/>
-        <a:lstStyle/>
-        <a:p>
-          <a:pPr rtl="0"/>
-          <a:endParaRPr lang="en-US"/>
-        </a:p>
-      </dgm:t>
-    </dgm:pt>
-    <dgm:pt modelId="{A8B05E70-CCF1-4080-8EEE-6873C9D4B630}">
-      <dgm:prSet phldrT="[Text]"/>
-      <dgm:spPr/>
-      <dgm:t>
-        <a:bodyPr rtlCol="0"/>
-        <a:lstStyle/>
-        <a:p>
-          <a:pPr rtl="0"/>
-          <a:r>
-            <a:rPr lang="ru-RU" noProof="0" dirty="0" smtClean="0"/>
-            <a:t>Заголовок этапа 3</a:t>
-          </a:r>
-          <a:endParaRPr lang="ru-RU" noProof="0" dirty="0"/>
-        </a:p>
-      </dgm:t>
-      <dgm:extLst>
-        <a:ext uri="{E40237B7-FDA0-4F09-8148-C483321AD2D9}">
-          <dgm14:cNvPr xmlns:dgm14="http://schemas.microsoft.com/office/drawing/2010/diagram" id="0" name="" title="Step 3 title"/>
-        </a:ext>
-      </dgm:extLst>
-    </dgm:pt>
-    <dgm:pt modelId="{11D1F3D3-0002-4131-9F84-22FBF8692DA9}" type="parTrans" cxnId="{B8B909D0-D4F6-48D4-81DA-A58F34AE3646}">
-      <dgm:prSet/>
-      <dgm:spPr/>
-      <dgm:t>
-        <a:bodyPr rtlCol="0"/>
-        <a:lstStyle/>
-        <a:p>
-          <a:pPr rtl="0"/>
-          <a:endParaRPr lang="en-US"/>
-        </a:p>
-      </dgm:t>
-    </dgm:pt>
-    <dgm:pt modelId="{B6438016-7365-4FC0-A372-D90585B4B6EE}" type="sibTrans" cxnId="{B8B909D0-D4F6-48D4-81DA-A58F34AE3646}">
-      <dgm:prSet/>
-      <dgm:spPr/>
-      <dgm:t>
-        <a:bodyPr rtlCol="0"/>
-        <a:lstStyle/>
-        <a:p>
-          <a:pPr rtl="0"/>
-          <a:endParaRPr lang="en-US"/>
-        </a:p>
-      </dgm:t>
-    </dgm:pt>
-    <dgm:pt modelId="{42147153-A6C2-4177-BA7D-2ACCC2C1B2F7}">
-      <dgm:prSet phldrT="[Text]"/>
-      <dgm:spPr/>
-      <dgm:t>
-        <a:bodyPr rtlCol="0"/>
-        <a:lstStyle/>
-        <a:p>
-          <a:pPr rtl="0"/>
-          <a:r>
-            <a:rPr lang="ru-RU" noProof="0" dirty="0" smtClean="0"/>
-            <a:t>Заголовок этапа 4</a:t>
-          </a:r>
-          <a:endParaRPr lang="ru-RU" noProof="0" dirty="0"/>
-        </a:p>
-      </dgm:t>
-      <dgm:extLst>
-        <a:ext uri="{E40237B7-FDA0-4F09-8148-C483321AD2D9}">
-          <dgm14:cNvPr xmlns:dgm14="http://schemas.microsoft.com/office/drawing/2010/diagram" id="0" name="" title="Step 4 title"/>
-        </a:ext>
-      </dgm:extLst>
-    </dgm:pt>
-    <dgm:pt modelId="{C6F68745-4C20-4204-96A6-585691399C14}" type="parTrans" cxnId="{777DC3C6-D336-4C94-A624-E5582A07ECAA}">
-      <dgm:prSet/>
-      <dgm:spPr/>
-      <dgm:t>
-        <a:bodyPr rtlCol="0"/>
-        <a:lstStyle/>
-        <a:p>
-          <a:pPr rtl="0"/>
-          <a:endParaRPr lang="en-US"/>
-        </a:p>
-      </dgm:t>
-    </dgm:pt>
-    <dgm:pt modelId="{0C6B132F-0347-46BA-86A4-3FAFB6676411}" type="sibTrans" cxnId="{777DC3C6-D336-4C94-A624-E5582A07ECAA}">
-      <dgm:prSet/>
-      <dgm:spPr/>
-      <dgm:t>
-        <a:bodyPr rtlCol="0"/>
-        <a:lstStyle/>
-        <a:p>
-          <a:pPr rtl="0"/>
-          <a:endParaRPr lang="en-US"/>
-        </a:p>
-      </dgm:t>
-    </dgm:pt>
-    <dgm:pt modelId="{1C61A9A2-33F2-469B-8AC4-A104A5A98D78}" type="pres">
-      <dgm:prSet presAssocID="{44156040-AF98-4F2C-9909-9F2439F6F588}" presName="Name0" presStyleCnt="0">
-        <dgm:presLayoutVars>
-          <dgm:dir/>
-          <dgm:animLvl val="lvl"/>
-          <dgm:resizeHandles val="exact"/>
-        </dgm:presLayoutVars>
-      </dgm:prSet>
-      <dgm:spPr/>
-    </dgm:pt>
-    <dgm:pt modelId="{881B8FEC-9D20-4669-BB2E-FA9CEA0BE5A9}" type="pres">
-      <dgm:prSet presAssocID="{74020AF3-C700-4606-8917-C6A353D7963A}" presName="parTxOnly" presStyleLbl="node1" presStyleIdx="0" presStyleCnt="4">
-        <dgm:presLayoutVars>
-          <dgm:chMax val="0"/>
-          <dgm:chPref val="0"/>
-          <dgm:bulletEnabled val="1"/>
-        </dgm:presLayoutVars>
-      </dgm:prSet>
-      <dgm:spPr/>
-      <dgm:t>
-        <a:bodyPr/>
-        <a:lstStyle/>
-        <a:p>
-          <a:endParaRPr lang="ru-RU"/>
-        </a:p>
-      </dgm:t>
-    </dgm:pt>
-    <dgm:pt modelId="{705DFC51-4C30-4A07-9F0C-6EB770961C6F}" type="pres">
-      <dgm:prSet presAssocID="{6CFF1BD9-AE1F-4488-8B72-01186EADA6FF}" presName="parTxOnlySpace" presStyleCnt="0"/>
-      <dgm:spPr/>
-    </dgm:pt>
-    <dgm:pt modelId="{919A589F-F74A-40C3-BE88-AB8730BCAB04}" type="pres">
-      <dgm:prSet presAssocID="{12E26E22-71B0-4386-A84F-ABF2FF66A99F}" presName="parTxOnly" presStyleLbl="node1" presStyleIdx="1" presStyleCnt="4">
-        <dgm:presLayoutVars>
-          <dgm:chMax val="0"/>
-          <dgm:chPref val="0"/>
-          <dgm:bulletEnabled val="1"/>
-        </dgm:presLayoutVars>
-      </dgm:prSet>
-      <dgm:spPr/>
-      <dgm:t>
-        <a:bodyPr/>
-        <a:lstStyle/>
-        <a:p>
-          <a:endParaRPr lang="ru-RU"/>
-        </a:p>
-      </dgm:t>
-    </dgm:pt>
-    <dgm:pt modelId="{01C6BCDE-530E-4D03-9CF5-9AB36CDC1FE1}" type="pres">
-      <dgm:prSet presAssocID="{E1826C46-15A2-4345-B986-53D05F21F155}" presName="parTxOnlySpace" presStyleCnt="0"/>
-      <dgm:spPr/>
-    </dgm:pt>
-    <dgm:pt modelId="{268F2328-4548-422B-9C65-80797E16B241}" type="pres">
-      <dgm:prSet presAssocID="{A8B05E70-CCF1-4080-8EEE-6873C9D4B630}" presName="parTxOnly" presStyleLbl="node1" presStyleIdx="2" presStyleCnt="4">
-        <dgm:presLayoutVars>
-          <dgm:chMax val="0"/>
-          <dgm:chPref val="0"/>
-          <dgm:bulletEnabled val="1"/>
-        </dgm:presLayoutVars>
-      </dgm:prSet>
-      <dgm:spPr/>
-      <dgm:t>
-        <a:bodyPr/>
-        <a:lstStyle/>
-        <a:p>
-          <a:endParaRPr lang="ru-RU"/>
-        </a:p>
-      </dgm:t>
-    </dgm:pt>
-    <dgm:pt modelId="{8CB78EC1-7B74-4B6E-94C6-5F808A049A1F}" type="pres">
-      <dgm:prSet presAssocID="{B6438016-7365-4FC0-A372-D90585B4B6EE}" presName="parTxOnlySpace" presStyleCnt="0"/>
-      <dgm:spPr/>
-    </dgm:pt>
-    <dgm:pt modelId="{BDD0B0F7-A87C-4B5B-A4C3-4E4BE6EB0FE4}" type="pres">
-      <dgm:prSet presAssocID="{42147153-A6C2-4177-BA7D-2ACCC2C1B2F7}" presName="parTxOnly" presStyleLbl="node1" presStyleIdx="3" presStyleCnt="4">
-        <dgm:presLayoutVars>
-          <dgm:chMax val="0"/>
-          <dgm:chPref val="0"/>
-          <dgm:bulletEnabled val="1"/>
-        </dgm:presLayoutVars>
-      </dgm:prSet>
-      <dgm:spPr/>
-      <dgm:t>
-        <a:bodyPr/>
-        <a:lstStyle/>
-        <a:p>
-          <a:endParaRPr lang="ru-RU"/>
-        </a:p>
-      </dgm:t>
-    </dgm:pt>
-  </dgm:ptLst>
-  <dgm:cxnLst>
-    <dgm:cxn modelId="{B8B909D0-D4F6-48D4-81DA-A58F34AE3646}" srcId="{44156040-AF98-4F2C-9909-9F2439F6F588}" destId="{A8B05E70-CCF1-4080-8EEE-6873C9D4B630}" srcOrd="2" destOrd="0" parTransId="{11D1F3D3-0002-4131-9F84-22FBF8692DA9}" sibTransId="{B6438016-7365-4FC0-A372-D90585B4B6EE}"/>
-    <dgm:cxn modelId="{777DC3C6-D336-4C94-A624-E5582A07ECAA}" srcId="{44156040-AF98-4F2C-9909-9F2439F6F588}" destId="{42147153-A6C2-4177-BA7D-2ACCC2C1B2F7}" srcOrd="3" destOrd="0" parTransId="{C6F68745-4C20-4204-96A6-585691399C14}" sibTransId="{0C6B132F-0347-46BA-86A4-3FAFB6676411}"/>
-    <dgm:cxn modelId="{BF4A375F-A05B-45C3-9731-23DBACB9FC02}" type="presOf" srcId="{12E26E22-71B0-4386-A84F-ABF2FF66A99F}" destId="{919A589F-F74A-40C3-BE88-AB8730BCAB04}" srcOrd="0" destOrd="0" presId="urn:microsoft.com/office/officeart/2005/8/layout/chevron1"/>
-    <dgm:cxn modelId="{B0E2386F-A443-4201-8130-FB9CC25AA154}" srcId="{44156040-AF98-4F2C-9909-9F2439F6F588}" destId="{74020AF3-C700-4606-8917-C6A353D7963A}" srcOrd="0" destOrd="0" parTransId="{87D99D21-0B4A-4259-89FB-0E5941CB535C}" sibTransId="{6CFF1BD9-AE1F-4488-8B72-01186EADA6FF}"/>
-    <dgm:cxn modelId="{937639B3-2352-48E4-A96B-F63DF2119D92}" srcId="{44156040-AF98-4F2C-9909-9F2439F6F588}" destId="{12E26E22-71B0-4386-A84F-ABF2FF66A99F}" srcOrd="1" destOrd="0" parTransId="{3A6CB3CB-0F71-4CA8-93AA-0E3E3D59D313}" sibTransId="{E1826C46-15A2-4345-B986-53D05F21F155}"/>
-    <dgm:cxn modelId="{BB4F9699-C9DE-46C4-A04B-CD52EF57D4C5}" type="presOf" srcId="{74020AF3-C700-4606-8917-C6A353D7963A}" destId="{881B8FEC-9D20-4669-BB2E-FA9CEA0BE5A9}" srcOrd="0" destOrd="0" presId="urn:microsoft.com/office/officeart/2005/8/layout/chevron1"/>
-    <dgm:cxn modelId="{383A5CFE-2D64-4002-A7C0-1E621409BFD6}" type="presOf" srcId="{44156040-AF98-4F2C-9909-9F2439F6F588}" destId="{1C61A9A2-33F2-469B-8AC4-A104A5A98D78}" srcOrd="0" destOrd="0" presId="urn:microsoft.com/office/officeart/2005/8/layout/chevron1"/>
-    <dgm:cxn modelId="{9E75EA9C-2122-47C1-897A-5BBDE8D78AC4}" type="presOf" srcId="{A8B05E70-CCF1-4080-8EEE-6873C9D4B630}" destId="{268F2328-4548-422B-9C65-80797E16B241}" srcOrd="0" destOrd="0" presId="urn:microsoft.com/office/officeart/2005/8/layout/chevron1"/>
-    <dgm:cxn modelId="{37A858B6-D71C-4E86-A467-E8D17167DE19}" type="presOf" srcId="{42147153-A6C2-4177-BA7D-2ACCC2C1B2F7}" destId="{BDD0B0F7-A87C-4B5B-A4C3-4E4BE6EB0FE4}" srcOrd="0" destOrd="0" presId="urn:microsoft.com/office/officeart/2005/8/layout/chevron1"/>
-    <dgm:cxn modelId="{EDA037DE-3D60-46A9-9DDB-074A05981F8D}" type="presParOf" srcId="{1C61A9A2-33F2-469B-8AC4-A104A5A98D78}" destId="{881B8FEC-9D20-4669-BB2E-FA9CEA0BE5A9}" srcOrd="0" destOrd="0" presId="urn:microsoft.com/office/officeart/2005/8/layout/chevron1"/>
-    <dgm:cxn modelId="{8F2A48B2-4519-4F7D-931D-1EB2DDCF4663}" type="presParOf" srcId="{1C61A9A2-33F2-469B-8AC4-A104A5A98D78}" destId="{705DFC51-4C30-4A07-9F0C-6EB770961C6F}" srcOrd="1" destOrd="0" presId="urn:microsoft.com/office/officeart/2005/8/layout/chevron1"/>
-    <dgm:cxn modelId="{A8C49188-74D0-46A6-A671-569711775D6B}" type="presParOf" srcId="{1C61A9A2-33F2-469B-8AC4-A104A5A98D78}" destId="{919A589F-F74A-40C3-BE88-AB8730BCAB04}" srcOrd="2" destOrd="0" presId="urn:microsoft.com/office/officeart/2005/8/layout/chevron1"/>
-    <dgm:cxn modelId="{DF828B00-7F32-4A0D-9D43-9FD5AE3C854B}" type="presParOf" srcId="{1C61A9A2-33F2-469B-8AC4-A104A5A98D78}" destId="{01C6BCDE-530E-4D03-9CF5-9AB36CDC1FE1}" srcOrd="3" destOrd="0" presId="urn:microsoft.com/office/officeart/2005/8/layout/chevron1"/>
-    <dgm:cxn modelId="{2FC0E474-8734-4209-BD6D-C297DEE76CB4}" type="presParOf" srcId="{1C61A9A2-33F2-469B-8AC4-A104A5A98D78}" destId="{268F2328-4548-422B-9C65-80797E16B241}" srcOrd="4" destOrd="0" presId="urn:microsoft.com/office/officeart/2005/8/layout/chevron1"/>
-    <dgm:cxn modelId="{30A10B48-C159-4CE5-AFE2-9908BF17AD25}" type="presParOf" srcId="{1C61A9A2-33F2-469B-8AC4-A104A5A98D78}" destId="{8CB78EC1-7B74-4B6E-94C6-5F808A049A1F}" srcOrd="5" destOrd="0" presId="urn:microsoft.com/office/officeart/2005/8/layout/chevron1"/>
-    <dgm:cxn modelId="{3065F5B9-06B1-4353-A251-703F2693DE95}" type="presParOf" srcId="{1C61A9A2-33F2-469B-8AC4-A104A5A98D78}" destId="{BDD0B0F7-A87C-4B5B-A4C3-4E4BE6EB0FE4}" srcOrd="6" destOrd="0" presId="urn:microsoft.com/office/officeart/2005/8/layout/chevron1"/>
-  </dgm:cxnLst>
-  <dgm:bg/>
-  <dgm:whole/>
-  <dgm:extLst>
-    <a:ext uri="http://schemas.microsoft.com/office/drawing/2008/diagram">
-      <dsp:dataModelExt xmlns:dsp="http://schemas.microsoft.com/office/drawing/2008/diagram" relId="rId7" minVer="http://schemas.openxmlformats.org/drawingml/2006/diagram"/>
-    </a:ext>
-  </dgm:extLst>
-</dgm:dataModel>
-</file>
-
-<file path=ppt/diagrams/drawing1.xml><?xml version="1.0" encoding="utf-8"?>
-<dsp:drawing xmlns:dgm="http://schemas.openxmlformats.org/drawingml/2006/diagram" xmlns:dsp="http://schemas.microsoft.com/office/drawing/2008/diagram" xmlns:a="http://schemas.openxmlformats.org/drawingml/2006/main">
-  <dsp:spTree>
-    <dsp:nvGrpSpPr>
-      <dsp:cNvPr id="0" name=""/>
-      <dsp:cNvGrpSpPr/>
-    </dsp:nvGrpSpPr>
-    <dsp:grpSpPr/>
-    <dsp:sp modelId="{881B8FEC-9D20-4669-BB2E-FA9CEA0BE5A9}">
-      <dsp:nvSpPr>
-        <dsp:cNvPr id="0" name=""/>
-        <dsp:cNvSpPr/>
-      </dsp:nvSpPr>
-      <dsp:spPr>
-        <a:xfrm>
-          <a:off x="4453" y="1653197"/>
-          <a:ext cx="2592511" cy="1037004"/>
-        </a:xfrm>
-        <a:prstGeom prst="chevron">
-          <a:avLst/>
-        </a:prstGeom>
-        <a:solidFill>
-          <a:schemeClr val="lt1">
-            <a:hueOff val="0"/>
-            <a:satOff val="0"/>
-            <a:lumOff val="0"/>
-            <a:alphaOff val="0"/>
-          </a:schemeClr>
-        </a:solidFill>
-        <a:ln w="12700" cap="flat" cmpd="sng" algn="ctr">
-          <a:solidFill>
-            <a:schemeClr val="accent1">
-              <a:shade val="80000"/>
-              <a:hueOff val="0"/>
-              <a:satOff val="0"/>
-              <a:lumOff val="0"/>
-              <a:alphaOff val="0"/>
-            </a:schemeClr>
-          </a:solidFill>
-          <a:prstDash val="solid"/>
-          <a:miter lim="800000"/>
-        </a:ln>
-        <a:effectLst/>
-      </dsp:spPr>
-      <dsp:style>
-        <a:lnRef idx="2">
-          <a:scrgbClr r="0" g="0" b="0"/>
-        </a:lnRef>
-        <a:fillRef idx="1">
-          <a:scrgbClr r="0" g="0" b="0"/>
-        </a:fillRef>
-        <a:effectRef idx="0">
-          <a:scrgbClr r="0" g="0" b="0"/>
-        </a:effectRef>
-        <a:fontRef idx="minor">
-          <a:schemeClr val="lt1"/>
-        </a:fontRef>
-      </dsp:style>
-      <dsp:txBody>
-        <a:bodyPr spcFirstLastPara="0" vert="horz" wrap="square" lIns="92012" tIns="30671" rIns="30671" bIns="30671" numCol="1" spcCol="1270" rtlCol="0" anchor="ctr" anchorCtr="0">
-          <a:noAutofit/>
-        </a:bodyPr>
-        <a:lstStyle/>
-        <a:p>
-          <a:pPr lvl="0" algn="ctr" defTabSz="1022350" rtl="0">
-            <a:lnSpc>
-              <a:spcPct val="90000"/>
-            </a:lnSpc>
-            <a:spcBef>
-              <a:spcPct val="0"/>
-            </a:spcBef>
-            <a:spcAft>
-              <a:spcPct val="35000"/>
-            </a:spcAft>
-          </a:pPr>
-          <a:r>
-            <a:rPr lang="ru-RU" sz="2300" kern="1200" noProof="0" dirty="0" smtClean="0"/>
-            <a:t>Заголовок этапа 1</a:t>
-          </a:r>
-          <a:endParaRPr lang="ru-RU" sz="2300" kern="1200" noProof="0" dirty="0"/>
-        </a:p>
-      </dsp:txBody>
-      <dsp:txXfrm>
-        <a:off x="522955" y="1653197"/>
-        <a:ext cx="1555507" cy="1037004"/>
-      </dsp:txXfrm>
-    </dsp:sp>
-    <dsp:sp modelId="{919A589F-F74A-40C3-BE88-AB8730BCAB04}">
-      <dsp:nvSpPr>
-        <dsp:cNvPr id="0" name=""/>
-        <dsp:cNvSpPr/>
-      </dsp:nvSpPr>
-      <dsp:spPr>
-        <a:xfrm>
-          <a:off x="2337714" y="1653197"/>
-          <a:ext cx="2592511" cy="1037004"/>
-        </a:xfrm>
-        <a:prstGeom prst="chevron">
-          <a:avLst/>
-        </a:prstGeom>
-        <a:solidFill>
-          <a:schemeClr val="lt1">
-            <a:hueOff val="0"/>
-            <a:satOff val="0"/>
-            <a:lumOff val="0"/>
-            <a:alphaOff val="0"/>
-          </a:schemeClr>
-        </a:solidFill>
-        <a:ln w="12700" cap="flat" cmpd="sng" algn="ctr">
-          <a:solidFill>
-            <a:schemeClr val="accent1">
-              <a:shade val="80000"/>
-              <a:hueOff val="0"/>
-              <a:satOff val="0"/>
-              <a:lumOff val="0"/>
-              <a:alphaOff val="0"/>
-            </a:schemeClr>
-          </a:solidFill>
-          <a:prstDash val="solid"/>
-          <a:miter lim="800000"/>
-        </a:ln>
-        <a:effectLst/>
-      </dsp:spPr>
-      <dsp:style>
-        <a:lnRef idx="2">
-          <a:scrgbClr r="0" g="0" b="0"/>
-        </a:lnRef>
-        <a:fillRef idx="1">
-          <a:scrgbClr r="0" g="0" b="0"/>
-        </a:fillRef>
-        <a:effectRef idx="0">
-          <a:scrgbClr r="0" g="0" b="0"/>
-        </a:effectRef>
-        <a:fontRef idx="minor">
-          <a:schemeClr val="lt1"/>
-        </a:fontRef>
-      </dsp:style>
-      <dsp:txBody>
-        <a:bodyPr spcFirstLastPara="0" vert="horz" wrap="square" lIns="92012" tIns="30671" rIns="30671" bIns="30671" numCol="1" spcCol="1270" rtlCol="0" anchor="ctr" anchorCtr="0">
-          <a:noAutofit/>
-        </a:bodyPr>
-        <a:lstStyle/>
-        <a:p>
-          <a:pPr lvl="0" algn="ctr" defTabSz="1022350" rtl="0">
-            <a:lnSpc>
-              <a:spcPct val="90000"/>
-            </a:lnSpc>
-            <a:spcBef>
-              <a:spcPct val="0"/>
-            </a:spcBef>
-            <a:spcAft>
-              <a:spcPct val="35000"/>
-            </a:spcAft>
-          </a:pPr>
-          <a:r>
-            <a:rPr lang="ru-RU" sz="2300" kern="1200" noProof="0" dirty="0" smtClean="0"/>
-            <a:t>Заголовок этапа 2</a:t>
-          </a:r>
-          <a:endParaRPr lang="ru-RU" sz="2300" kern="1200" noProof="0" dirty="0"/>
-        </a:p>
-      </dsp:txBody>
-      <dsp:txXfrm>
-        <a:off x="2856216" y="1653197"/>
-        <a:ext cx="1555507" cy="1037004"/>
-      </dsp:txXfrm>
-    </dsp:sp>
-    <dsp:sp modelId="{268F2328-4548-422B-9C65-80797E16B241}">
-      <dsp:nvSpPr>
-        <dsp:cNvPr id="0" name=""/>
-        <dsp:cNvSpPr/>
-      </dsp:nvSpPr>
-      <dsp:spPr>
-        <a:xfrm>
-          <a:off x="4670974" y="1653197"/>
-          <a:ext cx="2592511" cy="1037004"/>
-        </a:xfrm>
-        <a:prstGeom prst="chevron">
-          <a:avLst/>
-        </a:prstGeom>
-        <a:solidFill>
-          <a:schemeClr val="lt1">
-            <a:hueOff val="0"/>
-            <a:satOff val="0"/>
-            <a:lumOff val="0"/>
-            <a:alphaOff val="0"/>
-          </a:schemeClr>
-        </a:solidFill>
-        <a:ln w="12700" cap="flat" cmpd="sng" algn="ctr">
-          <a:solidFill>
-            <a:schemeClr val="accent1">
-              <a:shade val="80000"/>
-              <a:hueOff val="0"/>
-              <a:satOff val="0"/>
-              <a:lumOff val="0"/>
-              <a:alphaOff val="0"/>
-            </a:schemeClr>
-          </a:solidFill>
-          <a:prstDash val="solid"/>
-          <a:miter lim="800000"/>
-        </a:ln>
-        <a:effectLst/>
-      </dsp:spPr>
-      <dsp:style>
-        <a:lnRef idx="2">
-          <a:scrgbClr r="0" g="0" b="0"/>
-        </a:lnRef>
-        <a:fillRef idx="1">
-          <a:scrgbClr r="0" g="0" b="0"/>
-        </a:fillRef>
-        <a:effectRef idx="0">
-          <a:scrgbClr r="0" g="0" b="0"/>
-        </a:effectRef>
-        <a:fontRef idx="minor">
-          <a:schemeClr val="lt1"/>
-        </a:fontRef>
-      </dsp:style>
-      <dsp:txBody>
-        <a:bodyPr spcFirstLastPara="0" vert="horz" wrap="square" lIns="92012" tIns="30671" rIns="30671" bIns="30671" numCol="1" spcCol="1270" rtlCol="0" anchor="ctr" anchorCtr="0">
-          <a:noAutofit/>
-        </a:bodyPr>
-        <a:lstStyle/>
-        <a:p>
-          <a:pPr lvl="0" algn="ctr" defTabSz="1022350" rtl="0">
-            <a:lnSpc>
-              <a:spcPct val="90000"/>
-            </a:lnSpc>
-            <a:spcBef>
-              <a:spcPct val="0"/>
-            </a:spcBef>
-            <a:spcAft>
-              <a:spcPct val="35000"/>
-            </a:spcAft>
-          </a:pPr>
-          <a:r>
-            <a:rPr lang="ru-RU" sz="2300" kern="1200" noProof="0" dirty="0" smtClean="0"/>
-            <a:t>Заголовок этапа 3</a:t>
-          </a:r>
-          <a:endParaRPr lang="ru-RU" sz="2300" kern="1200" noProof="0" dirty="0"/>
-        </a:p>
-      </dsp:txBody>
-      <dsp:txXfrm>
-        <a:off x="5189476" y="1653197"/>
-        <a:ext cx="1555507" cy="1037004"/>
-      </dsp:txXfrm>
-    </dsp:sp>
-    <dsp:sp modelId="{BDD0B0F7-A87C-4B5B-A4C3-4E4BE6EB0FE4}">
-      <dsp:nvSpPr>
-        <dsp:cNvPr id="0" name=""/>
-        <dsp:cNvSpPr/>
-      </dsp:nvSpPr>
-      <dsp:spPr>
-        <a:xfrm>
-          <a:off x="7004234" y="1653197"/>
-          <a:ext cx="2592511" cy="1037004"/>
-        </a:xfrm>
-        <a:prstGeom prst="chevron">
-          <a:avLst/>
-        </a:prstGeom>
-        <a:solidFill>
-          <a:schemeClr val="lt1">
-            <a:hueOff val="0"/>
-            <a:satOff val="0"/>
-            <a:lumOff val="0"/>
-            <a:alphaOff val="0"/>
-          </a:schemeClr>
-        </a:solidFill>
-        <a:ln w="12700" cap="flat" cmpd="sng" algn="ctr">
-          <a:solidFill>
-            <a:schemeClr val="accent1">
-              <a:shade val="80000"/>
-              <a:hueOff val="0"/>
-              <a:satOff val="0"/>
-              <a:lumOff val="0"/>
-              <a:alphaOff val="0"/>
-            </a:schemeClr>
-          </a:solidFill>
-          <a:prstDash val="solid"/>
-          <a:miter lim="800000"/>
-        </a:ln>
-        <a:effectLst/>
-      </dsp:spPr>
-      <dsp:style>
-        <a:lnRef idx="2">
-          <a:scrgbClr r="0" g="0" b="0"/>
-        </a:lnRef>
-        <a:fillRef idx="1">
-          <a:scrgbClr r="0" g="0" b="0"/>
-        </a:fillRef>
-        <a:effectRef idx="0">
-          <a:scrgbClr r="0" g="0" b="0"/>
-        </a:effectRef>
-        <a:fontRef idx="minor">
-          <a:schemeClr val="lt1"/>
-        </a:fontRef>
-      </dsp:style>
-      <dsp:txBody>
-        <a:bodyPr spcFirstLastPara="0" vert="horz" wrap="square" lIns="92012" tIns="30671" rIns="30671" bIns="30671" numCol="1" spcCol="1270" rtlCol="0" anchor="ctr" anchorCtr="0">
-          <a:noAutofit/>
-        </a:bodyPr>
-        <a:lstStyle/>
-        <a:p>
-          <a:pPr lvl="0" algn="ctr" defTabSz="1022350" rtl="0">
-            <a:lnSpc>
-              <a:spcPct val="90000"/>
-            </a:lnSpc>
-            <a:spcBef>
-              <a:spcPct val="0"/>
-            </a:spcBef>
-            <a:spcAft>
-              <a:spcPct val="35000"/>
-            </a:spcAft>
-          </a:pPr>
-          <a:r>
-            <a:rPr lang="ru-RU" sz="2300" kern="1200" noProof="0" dirty="0" smtClean="0"/>
-            <a:t>Заголовок этапа 4</a:t>
-          </a:r>
-          <a:endParaRPr lang="ru-RU" sz="2300" kern="1200" noProof="0" dirty="0"/>
-        </a:p>
-      </dsp:txBody>
-      <dsp:txXfrm>
-        <a:off x="7522736" y="1653197"/>
-        <a:ext cx="1555507" cy="1037004"/>
-      </dsp:txXfrm>
-    </dsp:sp>
-  </dsp:spTree>
-</dsp:drawing>
-</file>
-
-<file path=ppt/diagrams/layout1.xml><?xml version="1.0" encoding="utf-8"?>
-<dgm:layoutDef xmlns:dgm="http://schemas.openxmlformats.org/drawingml/2006/diagram" xmlns:a="http://schemas.openxmlformats.org/drawingml/2006/main" uniqueId="urn:microsoft.com/office/officeart/2005/8/layout/chevron1">
-  <dgm:title val=""/>
-  <dgm:desc val=""/>
-  <dgm:catLst>
-    <dgm:cat type="process" pri="9000"/>
-  </dgm:catLst>
-  <dgm:sampData useDef="1">
-    <dgm:dataModel>
-      <dgm:ptLst/>
-      <dgm:bg/>
-      <dgm:whole/>
-    </dgm:dataModel>
-  </dgm:sampData>
-  <dgm:styleData>
-    <dgm:dataModel>
-      <dgm:ptLst>
-        <dgm:pt modelId="0" type="doc"/>
-        <dgm:pt modelId="1"/>
-        <dgm:pt modelId="2"/>
-      </dgm:ptLst>
-      <dgm:cxnLst>
-        <dgm:cxn modelId="3" srcId="0" destId="1" srcOrd="0" destOrd="0"/>
-        <dgm:cxn modelId="4" srcId="0" destId="2" srcOrd="1" destOrd="0"/>
-      </dgm:cxnLst>
-      <dgm:bg/>
-      <dgm:whole/>
-    </dgm:dataModel>
-  </dgm:styleData>
-  <dgm:clrData>
-    <dgm:dataModel>
-      <dgm:ptLst>
-        <dgm:pt modelId="0" type="doc"/>
-        <dgm:pt modelId="1"/>
-        <dgm:pt modelId="2"/>
-        <dgm:pt modelId="3"/>
-        <dgm:pt modelId="4"/>
-      </dgm:ptLst>
-      <dgm:cxnLst>
-        <dgm:cxn modelId="5" srcId="0" destId="1" srcOrd="0" destOrd="0"/>
-        <dgm:cxn modelId="6" srcId="0" destId="2" srcOrd="1" destOrd="0"/>
-        <dgm:cxn modelId="7" srcId="0" destId="3" srcOrd="2" destOrd="0"/>
-        <dgm:cxn modelId="8" srcId="0" destId="4" srcOrd="3" destOrd="0"/>
-      </dgm:cxnLst>
-      <dgm:bg/>
-      <dgm:whole/>
-    </dgm:dataModel>
-  </dgm:clrData>
-  <dgm:layoutNode name="Name0">
-    <dgm:varLst>
-      <dgm:dir/>
-      <dgm:animLvl val="lvl"/>
-      <dgm:resizeHandles val="exact"/>
-    </dgm:varLst>
-    <dgm:choose name="Name1">
-      <dgm:if name="Name2" func="var" arg="dir" op="equ" val="norm">
-        <dgm:alg type="lin"/>
-      </dgm:if>
-      <dgm:else name="Name3">
-        <dgm:alg type="lin">
-          <dgm:param type="linDir" val="fromR"/>
-        </dgm:alg>
-      </dgm:else>
-    </dgm:choose>
-    <dgm:shape xmlns:r="http://schemas.openxmlformats.org/officeDocument/2006/relationships" r:blip="">
-      <dgm:adjLst/>
-    </dgm:shape>
-    <dgm:presOf/>
-    <dgm:choose name="Name4">
-      <dgm:if name="Name5" axis="des" func="maxDepth" op="gte" val="2">
-        <dgm:constrLst>
-          <dgm:constr type="h" for="ch" forName="composite" refType="h"/>
-          <dgm:constr type="w" for="ch" forName="composite" refType="w"/>
-          <dgm:constr type="w" for="des" forName="parTx"/>
-          <dgm:constr type="h" for="des" forName="parTx" op="equ"/>
-          <dgm:constr type="w" for="des" forName="desTx"/>
-          <dgm:constr type="h" for="des" forName="desTx" op="equ"/>
-          <dgm:constr type="primFontSz" for="des" forName="parTx" val="65"/>
-          <dgm:constr type="secFontSz" for="des" forName="desTx" refType="primFontSz" refFor="des" refForName="parTx" op="equ"/>
-          <dgm:constr type="h" for="des" forName="parTx" refType="primFontSz" refFor="des" refForName="parTx" fact="1.5"/>
-          <dgm:constr type="h" for="des" forName="desTx" refType="primFontSz" refFor="des" refForName="parTx" fact="0.5"/>
-          <dgm:constr type="w" for="ch" forName="space" op="equ" val="-6"/>
-        </dgm:constrLst>
-        <dgm:ruleLst>
-          <dgm:rule type="w" for="ch" forName="composite" val="0" fact="NaN" max="NaN"/>
-          <dgm:rule type="primFontSz" for="des" forName="parTx" val="5" fact="NaN" max="NaN"/>
-        </dgm:ruleLst>
-        <dgm:forEach name="Name6" axis="ch" ptType="node">
-          <dgm:layoutNode name="composite">
-            <dgm:alg type="composite"/>
-            <dgm:shape xmlns:r="http://schemas.openxmlformats.org/officeDocument/2006/relationships" r:blip="">
-              <dgm:adjLst/>
-            </dgm:shape>
-            <dgm:presOf/>
-            <dgm:choose name="Name7">
-              <dgm:if name="Name8" func="var" arg="dir" op="equ" val="norm">
-                <dgm:constrLst>
-                  <dgm:constr type="l" for="ch" forName="parTx"/>
-                  <dgm:constr type="w" for="ch" forName="parTx" refType="w"/>
-                  <dgm:constr type="t" for="ch" forName="parTx"/>
-                  <dgm:constr type="l" for="ch" forName="desTx"/>
-                  <dgm:constr type="w" for="ch" forName="desTx" refType="w" refFor="ch" refForName="parTx" fact="0.8"/>
-                  <dgm:constr type="t" for="ch" forName="desTx" refType="h" refFor="ch" refForName="parTx" fact="1.125"/>
-                </dgm:constrLst>
-              </dgm:if>
-              <dgm:else name="Name9">
-                <dgm:constrLst>
-                  <dgm:constr type="l" for="ch" forName="parTx"/>
-                  <dgm:constr type="w" for="ch" forName="parTx" refType="w"/>
-                  <dgm:constr type="t" for="ch" forName="parTx"/>
-                  <dgm:constr type="l" for="ch" forName="desTx" refType="w" fact="0.2"/>
-                  <dgm:constr type="w" for="ch" forName="desTx" refType="w" refFor="ch" refForName="parTx" fact="0.8"/>
-                  <dgm:constr type="t" for="ch" forName="desTx" refType="h" refFor="ch" refForName="parTx" fact="1.125"/>
-                </dgm:constrLst>
-              </dgm:else>
-            </dgm:choose>
-            <dgm:ruleLst>
-              <dgm:rule type="h" val="INF" fact="NaN" max="NaN"/>
-            </dgm:ruleLst>
-            <dgm:layoutNode name="parTx">
-              <dgm:varLst>
-                <dgm:chMax val="0"/>
-                <dgm:chPref val="0"/>
-                <dgm:bulletEnabled val="1"/>
-              </dgm:varLst>
-              <dgm:alg type="tx"/>
-              <dgm:choose name="Name10">
-                <dgm:if name="Name11" func="var" arg="dir" op="equ" val="norm">
-                  <dgm:shape xmlns:r="http://schemas.openxmlformats.org/officeDocument/2006/relationships" type="chevron" r:blip="">
-                    <dgm:adjLst/>
-                  </dgm:shape>
-                </dgm:if>
-                <dgm:else name="Name12">
-                  <dgm:shape xmlns:r="http://schemas.openxmlformats.org/officeDocument/2006/relationships" rot="180" type="chevron" r:blip="">
-                    <dgm:adjLst/>
-                  </dgm:shape>
-                </dgm:else>
-              </dgm:choose>
-              <dgm:presOf axis="self" ptType="node"/>
-              <dgm:choose name="Name13">
-                <dgm:if name="Name14" func="var" arg="dir" op="equ" val="norm">
-                  <dgm:constrLst>
-                    <dgm:constr type="h" refType="w" op="lte" fact="0.4"/>
-                    <dgm:constr type="h"/>
-                    <dgm:constr type="tMarg" refType="primFontSz" fact="0.105"/>
-                    <dgm:constr type="bMarg" refType="primFontSz" fact="0.105"/>
-                    <dgm:constr type="lMarg" refType="primFontSz" fact="0.315"/>
-                    <dgm:constr type="rMarg" refType="primFontSz" fact="0.105"/>
-                  </dgm:constrLst>
-                </dgm:if>
-                <dgm:else name="Name15">
-                  <dgm:constrLst>
-                    <dgm:constr type="h" refType="w" op="lte" fact="0.4"/>
-                    <dgm:constr type="h"/>
-                    <dgm:constr type="tMarg" refType="primFontSz" fact="0.105"/>
-                    <dgm:constr type="bMarg" refType="primFontSz" fact="0.105"/>
-                    <dgm:constr type="lMarg" refType="primFontSz" fact="0.105"/>
-                    <dgm:constr type="rMarg" refType="primFontSz" fact="0.315"/>
-                  </dgm:constrLst>
-                </dgm:else>
-              </dgm:choose>
-              <dgm:ruleLst>
-                <dgm:rule type="h" val="INF" fact="NaN" max="NaN"/>
-              </dgm:ruleLst>
-            </dgm:layoutNode>
-            <dgm:layoutNode name="desTx" styleLbl="revTx">
-              <dgm:varLst>
-                <dgm:bulletEnabled val="1"/>
-              </dgm:varLst>
-              <dgm:alg type="tx">
-                <dgm:param type="stBulletLvl" val="1"/>
-              </dgm:alg>
-              <dgm:choose name="Name16">
-                <dgm:if name="Name17" axis="ch" ptType="node" func="cnt" op="gte" val="1">
-                  <dgm:shape xmlns:r="http://schemas.openxmlformats.org/officeDocument/2006/relationships" type="rect" r:blip="">
-                    <dgm:adjLst/>
-                  </dgm:shape>
-                </dgm:if>
-                <dgm:else name="Name18">
-                  <dgm:shape xmlns:r="http://schemas.openxmlformats.org/officeDocument/2006/relationships" type="rect" r:blip="" hideGeom="1">
-                    <dgm:adjLst/>
-                  </dgm:shape>
-                </dgm:else>
-              </dgm:choose>
-              <dgm:presOf axis="des" ptType="node"/>
-              <dgm:constrLst>
-                <dgm:constr type="secFontSz" val="65"/>
-                <dgm:constr type="primFontSz" refType="secFontSz"/>
-                <dgm:constr type="h"/>
-                <dgm:constr type="tMarg"/>
-                <dgm:constr type="bMarg"/>
-                <dgm:constr type="rMarg"/>
-                <dgm:constr type="lMarg"/>
-              </dgm:constrLst>
-              <dgm:ruleLst>
-                <dgm:rule type="h" val="INF" fact="NaN" max="NaN"/>
-              </dgm:ruleLst>
-            </dgm:layoutNode>
-          </dgm:layoutNode>
-          <dgm:forEach name="Name19" axis="followSib" ptType="sibTrans" cnt="1">
-            <dgm:layoutNode name="space">
-              <dgm:alg type="sp"/>
-              <dgm:shape xmlns:r="http://schemas.openxmlformats.org/officeDocument/2006/relationships" r:blip="">
-                <dgm:adjLst/>
-              </dgm:shape>
-              <dgm:presOf/>
-              <dgm:constrLst/>
-              <dgm:ruleLst/>
-            </dgm:layoutNode>
-          </dgm:forEach>
-        </dgm:forEach>
-      </dgm:if>
-      <dgm:else name="Name20">
-        <dgm:constrLst>
-          <dgm:constr type="w" for="ch" forName="parTxOnly" refType="w"/>
-          <dgm:constr type="h" for="des" forName="parTxOnly" op="equ"/>
-          <dgm:constr type="primFontSz" for="des" forName="parTxOnly" op="equ" val="65"/>
-          <dgm:constr type="w" for="ch" forName="parTxOnlySpace" refType="w" refFor="ch" refForName="parTxOnly" fact="-0.1"/>
-        </dgm:constrLst>
-        <dgm:ruleLst/>
-        <dgm:forEach name="Name21" axis="ch" ptType="node">
-          <dgm:layoutNode name="parTxOnly">
-            <dgm:varLst>
-              <dgm:chMax val="0"/>
-              <dgm:chPref val="0"/>
-              <dgm:bulletEnabled val="1"/>
-            </dgm:varLst>
-            <dgm:alg type="tx"/>
-            <dgm:choose name="Name22">
-              <dgm:if name="Name23" func="var" arg="dir" op="equ" val="norm">
-                <dgm:shape xmlns:r="http://schemas.openxmlformats.org/officeDocument/2006/relationships" type="chevron" r:blip="">
-                  <dgm:adjLst/>
-                </dgm:shape>
-              </dgm:if>
-              <dgm:else name="Name24">
-                <dgm:shape xmlns:r="http://schemas.openxmlformats.org/officeDocument/2006/relationships" rot="180" type="chevron" r:blip="">
-                  <dgm:adjLst/>
-                </dgm:shape>
-              </dgm:else>
-            </dgm:choose>
-            <dgm:presOf axis="self" ptType="node"/>
-            <dgm:choose name="Name25">
-              <dgm:if name="Name26" func="var" arg="dir" op="equ" val="norm">
-                <dgm:constrLst>
-                  <dgm:constr type="h" refType="w" op="equ" fact="0.4"/>
-                  <dgm:constr type="tMarg" refType="primFontSz" fact="0.105"/>
-                  <dgm:constr type="bMarg" refType="primFontSz" fact="0.105"/>
-                  <dgm:constr type="lMarg" refType="primFontSz" fact="0.315"/>
-                  <dgm:constr type="rMarg" refType="primFontSz" fact="0.105"/>
-                </dgm:constrLst>
-              </dgm:if>
-              <dgm:else name="Name27">
-                <dgm:constrLst>
-                  <dgm:constr type="h" refType="w" op="equ" fact="0.4"/>
-                  <dgm:constr type="tMarg" refType="primFontSz" fact="0.105"/>
-                  <dgm:constr type="bMarg" refType="primFontSz" fact="0.105"/>
-                  <dgm:constr type="lMarg" refType="primFontSz" fact="0.105"/>
-                  <dgm:constr type="rMarg" refType="primFontSz" fact="0.315"/>
-                </dgm:constrLst>
-              </dgm:else>
-            </dgm:choose>
-            <dgm:ruleLst>
-              <dgm:rule type="primFontSz" val="5" fact="NaN" max="NaN"/>
-            </dgm:ruleLst>
-          </dgm:layoutNode>
-          <dgm:forEach name="Name28" axis="followSib" ptType="sibTrans" cnt="1">
-            <dgm:layoutNode name="parTxOnlySpace">
-              <dgm:alg type="sp"/>
-              <dgm:shape xmlns:r="http://schemas.openxmlformats.org/officeDocument/2006/relationships" r:blip="">
-                <dgm:adjLst/>
-              </dgm:shape>
-              <dgm:presOf/>
-              <dgm:constrLst/>
-              <dgm:ruleLst/>
-            </dgm:layoutNode>
-          </dgm:forEach>
-        </dgm:forEach>
-      </dgm:else>
-    </dgm:choose>
-  </dgm:layoutNode>
-</dgm:layoutDef>
-</file>
-
-<file path=ppt/diagrams/quickStyle1.xml><?xml version="1.0" encoding="utf-8"?>
-<dgm:styleDef xmlns:dgm="http://schemas.openxmlformats.org/drawingml/2006/diagram" xmlns:a="http://schemas.openxmlformats.org/drawingml/2006/main" uniqueId="urn:microsoft.com/office/officeart/2005/8/quickstyle/simple1">
-  <dgm:title val=""/>
-  <dgm:desc val=""/>
-  <dgm:catLst>
-    <dgm:cat type="simple" pri="10100"/>
-  </dgm:catLst>
-  <dgm:scene3d>
-    <a:camera prst="orthographicFront"/>
-    <a:lightRig rig="threePt" dir="t"/>
-  </dgm:scene3d>
-  <dgm:styleLbl name="node0">
-    <dgm:scene3d>
-      <a:camera prst="orthographicFront"/>
-      <a:lightRig rig="threePt" dir="t"/>
-    </dgm:scene3d>
-    <dgm:sp3d/>
-    <dgm:txPr/>
-    <dgm:style>
-      <a:lnRef idx="2">
-        <a:scrgbClr r="0" g="0" b="0"/>
-      </a:lnRef>
-      <a:fillRef idx="1">
-        <a:scrgbClr r="0" g="0" b="0"/>
-      </a:fillRef>
-      <a:effectRef idx="0">
-        <a:scrgbClr r="0" g="0" b="0"/>
-      </a:effectRef>
-      <a:fontRef idx="minor">
-        <a:schemeClr val="lt1"/>
-      </a:fontRef>
-    </dgm:style>
-  </dgm:styleLbl>
-  <dgm:styleLbl name="lnNode1">
-    <dgm:scene3d>
-      <a:camera prst="orthographicFront"/>
-      <a:lightRig rig="threePt" dir="t"/>
-    </dgm:scene3d>
-    <dgm:sp3d/>
-    <dgm:txPr/>
-    <dgm:style>
-      <a:lnRef idx="2">
-        <a:scrgbClr r="0" g="0" b="0"/>
-      </a:lnRef>
-      <a:fillRef idx="1">
-        <a:scrgbClr r="0" g="0" b="0"/>
-      </a:fillRef>
-      <a:effectRef idx="0">
-        <a:scrgbClr r="0" g="0" b="0"/>
-      </a:effectRef>
-      <a:fontRef idx="minor">
-        <a:schemeClr val="lt1"/>
-      </a:fontRef>
-    </dgm:style>
-  </dgm:styleLbl>
-  <dgm:styleLbl name="vennNode1">
-    <dgm:scene3d>
-      <a:camera prst="orthographicFront"/>
-      <a:lightRig rig="threePt" dir="t"/>
-    </dgm:scene3d>
-    <dgm:sp3d/>
-    <dgm:txPr/>
-    <dgm:style>
-      <a:lnRef idx="2">
-        <a:scrgbClr r="0" g="0" b="0"/>
-      </a:lnRef>
-      <a:fillRef idx="1">
-        <a:scrgbClr r="0" g="0" b="0"/>
-      </a:fillRef>
-      <a:effectRef idx="0">
-        <a:scrgbClr r="0" g="0" b="0"/>
-      </a:effectRef>
-      <a:fontRef idx="minor">
-        <a:schemeClr val="tx1"/>
-      </a:fontRef>
-    </dgm:style>
-  </dgm:styleLbl>
-  <dgm:styleLbl name="alignNode1">
-    <dgm:scene3d>
-      <a:camera prst="orthographicFront"/>
-      <a:lightRig rig="threePt" dir="t"/>
-    </dgm:scene3d>
-    <dgm:sp3d/>
-    <dgm:txPr/>
-    <dgm:style>
-      <a:lnRef idx="2">
-        <a:scrgbClr r="0" g="0" b="0"/>
-      </a:lnRef>
-      <a:fillRef idx="1">
-        <a:scrgbClr r="0" g="0" b="0"/>
-      </a:fillRef>
-      <a:effectRef idx="0">
-        <a:scrgbClr r="0" g="0" b="0"/>
-      </a:effectRef>
-      <a:fontRef idx="minor">
-        <a:schemeClr val="lt1"/>
-      </a:fontRef>
-    </dgm:style>
-  </dgm:styleLbl>
-  <dgm:styleLbl name="node1">
-    <dgm:scene3d>
-      <a:camera prst="orthographicFront"/>
-      <a:lightRig rig="threePt" dir="t"/>
-    </dgm:scene3d>
-    <dgm:sp3d/>
-    <dgm:txPr/>
-    <dgm:style>
-      <a:lnRef idx="2">
-        <a:scrgbClr r="0" g="0" b="0"/>
-      </a:lnRef>
-      <a:fillRef idx="1">
-        <a:scrgbClr r="0" g="0" b="0"/>
-      </a:fillRef>
-      <a:effectRef idx="0">
-        <a:scrgbClr r="0" g="0" b="0"/>
-      </a:effectRef>
-      <a:fontRef idx="minor">
-        <a:schemeClr val="lt1"/>
-      </a:fontRef>
-    </dgm:style>
-  </dgm:styleLbl>
-  <dgm:styleLbl name="node2">
-    <dgm:scene3d>
-      <a:camera prst="orthographicFront"/>
-      <a:lightRig rig="threePt" dir="t"/>
-    </dgm:scene3d>
-    <dgm:sp3d/>
-    <dgm:txPr/>
-    <dgm:style>
-      <a:lnRef idx="2">
-        <a:scrgbClr r="0" g="0" b="0"/>
-      </a:lnRef>
-      <a:fillRef idx="1">
-        <a:scrgbClr r="0" g="0" b="0"/>
-      </a:fillRef>
-      <a:effectRef idx="0">
-        <a:scrgbClr r="0" g="0" b="0"/>
-      </a:effectRef>
-      <a:fontRef idx="minor">
-        <a:schemeClr val="lt1"/>
-      </a:fontRef>
-    </dgm:style>
-  </dgm:styleLbl>
-  <dgm:styleLbl name="node3">
-    <dgm:scene3d>
-      <a:camera prst="orthographicFront"/>
-      <a:lightRig rig="threePt" dir="t"/>
-    </dgm:scene3d>
-    <dgm:sp3d/>
-    <dgm:txPr/>
-    <dgm:style>
-      <a:lnRef idx="2">
-        <a:scrgbClr r="0" g="0" b="0"/>
-      </a:lnRef>
-      <a:fillRef idx="1">
-        <a:scrgbClr r="0" g="0" b="0"/>
-      </a:fillRef>
-      <a:effectRef idx="0">
-        <a:scrgbClr r="0" g="0" b="0"/>
-      </a:effectRef>
-      <a:fontRef idx="minor">
-        <a:schemeClr val="lt1"/>
-      </a:fontRef>
-    </dgm:style>
-  </dgm:styleLbl>
-  <dgm:styleLbl name="node4">
-    <dgm:scene3d>
-      <a:camera prst="orthographicFront"/>
-      <a:lightRig rig="threePt" dir="t"/>
-    </dgm:scene3d>
-    <dgm:sp3d/>
-    <dgm:txPr/>
-    <dgm:style>
-      <a:lnRef idx="2">
-        <a:scrgbClr r="0" g="0" b="0"/>
-      </a:lnRef>
-      <a:fillRef idx="1">
-        <a:scrgbClr r="0" g="0" b="0"/>
-      </a:fillRef>
-      <a:effectRef idx="0">
-        <a:scrgbClr r="0" g="0" b="0"/>
-      </a:effectRef>
-      <a:fontRef idx="minor">
-        <a:schemeClr val="lt1"/>
-      </a:fontRef>
-    </dgm:style>
-  </dgm:styleLbl>
-  <dgm:styleLbl name="fgImgPlace1">
-    <dgm:scene3d>
-      <a:camera prst="orthographicFront"/>
-      <a:lightRig rig="threePt" dir="t"/>
-    </dgm:scene3d>
-    <dgm:sp3d/>
-    <dgm:txPr/>
-    <dgm:style>
-      <a:lnRef idx="2">
-        <a:scrgbClr r="0" g="0" b="0"/>
-      </a:lnRef>
-      <a:fillRef idx="1">
-        <a:scrgbClr r="0" g="0" b="0"/>
-      </a:fillRef>
-      <a:effectRef idx="0">
-        <a:scrgbClr r="0" g="0" b="0"/>
-      </a:effectRef>
-      <a:fontRef idx="minor"/>
-    </dgm:style>
-  </dgm:styleLbl>
-  <dgm:styleLbl name="alignImgPlace1">
-    <dgm:scene3d>
-      <a:camera prst="orthographicFront"/>
-      <a:lightRig rig="threePt" dir="t"/>
-    </dgm:scene3d>
-    <dgm:sp3d/>
-    <dgm:txPr/>
-    <dgm:style>
-      <a:lnRef idx="2">
-        <a:scrgbClr r="0" g="0" b="0"/>
-      </a:lnRef>
-      <a:fillRef idx="1">
-        <a:scrgbClr r="0" g="0" b="0"/>
-      </a:fillRef>
-      <a:effectRef idx="0">
-        <a:scrgbClr r="0" g="0" b="0"/>
-      </a:effectRef>
-      <a:fontRef idx="minor"/>
-    </dgm:style>
-  </dgm:styleLbl>
-  <dgm:styleLbl name="bgImgPlace1">
-    <dgm:scene3d>
-      <a:camera prst="orthographicFront"/>
-      <a:lightRig rig="threePt" dir="t"/>
-    </dgm:scene3d>
-    <dgm:sp3d/>
-    <dgm:txPr/>
-    <dgm:style>
-      <a:lnRef idx="2">
-        <a:scrgbClr r="0" g="0" b="0"/>
-      </a:lnRef>
-      <a:fillRef idx="1">
-        <a:scrgbClr r="0" g="0" b="0"/>
-      </a:fillRef>
-      <a:effectRef idx="0">
-        <a:scrgbClr r="0" g="0" b="0"/>
-      </a:effectRef>
-      <a:fontRef idx="minor"/>
-    </dgm:style>
-  </dgm:styleLbl>
-  <dgm:styleLbl name="sibTrans2D1">
-    <dgm:scene3d>
-      <a:camera prst="orthographicFront"/>
-      <a:lightRig rig="threePt" dir="t"/>
-    </dgm:scene3d>
-    <dgm:sp3d/>
-    <dgm:txPr/>
-    <dgm:style>
-      <a:lnRef idx="0">
-        <a:scrgbClr r="0" g="0" b="0"/>
-      </a:lnRef>
-      <a:fillRef idx="1">
-        <a:scrgbClr r="0" g="0" b="0"/>
-      </a:fillRef>
-      <a:effectRef idx="0">
-        <a:scrgbClr r="0" g="0" b="0"/>
-      </a:effectRef>
-      <a:fontRef idx="minor">
-        <a:schemeClr val="lt1"/>
-      </a:fontRef>
-    </dgm:style>
-  </dgm:styleLbl>
-  <dgm:styleLbl name="fgSibTrans2D1">
-    <dgm:scene3d>
-      <a:camera prst="orthographicFront"/>
-      <a:lightRig rig="threePt" dir="t"/>
-    </dgm:scene3d>
-    <dgm:sp3d/>
-    <dgm:txPr/>
-    <dgm:style>
-      <a:lnRef idx="0">
-        <a:scrgbClr r="0" g="0" b="0"/>
-      </a:lnRef>
-      <a:fillRef idx="1">
-        <a:scrgbClr r="0" g="0" b="0"/>
-      </a:fillRef>
-      <a:effectRef idx="0">
-        <a:scrgbClr r="0" g="0" b="0"/>
-      </a:effectRef>
-      <a:fontRef idx="minor">
-        <a:schemeClr val="lt1"/>
-      </a:fontRef>
-    </dgm:style>
-  </dgm:styleLbl>
-  <dgm:styleLbl name="bgSibTrans2D1">
-    <dgm:scene3d>
-      <a:camera prst="orthographicFront"/>
-      <a:lightRig rig="threePt" dir="t"/>
-    </dgm:scene3d>
-    <dgm:sp3d/>
-    <dgm:txPr/>
-    <dgm:style>
-      <a:lnRef idx="0">
-        <a:scrgbClr r="0" g="0" b="0"/>
-      </a:lnRef>
-      <a:fillRef idx="1">
-        <a:scrgbClr r="0" g="0" b="0"/>
-      </a:fillRef>
-      <a:effectRef idx="0">
-        <a:scrgbClr r="0" g="0" b="0"/>
-      </a:effectRef>
-      <a:fontRef idx="minor">
-        <a:schemeClr val="lt1"/>
-      </a:fontRef>
-    </dgm:style>
-  </dgm:styleLbl>
-  <dgm:styleLbl name="sibTrans1D1">
-    <dgm:scene3d>
-      <a:camera prst="orthographicFront"/>
-      <a:lightRig rig="threePt" dir="t"/>
-    </dgm:scene3d>
-    <dgm:sp3d/>
-    <dgm:txPr/>
-    <dgm:style>
-      <a:lnRef idx="1">
-        <a:scrgbClr r="0" g="0" b="0"/>
-      </a:lnRef>
-      <a:fillRef idx="0">
-        <a:scrgbClr r="0" g="0" b="0"/>
-      </a:fillRef>
-      <a:effectRef idx="0">
-        <a:scrgbClr r="0" g="0" b="0"/>
-      </a:effectRef>
-      <a:fontRef idx="minor"/>
-    </dgm:style>
-  </dgm:styleLbl>
-  <dgm:styleLbl name="callout">
-    <dgm:scene3d>
-      <a:camera prst="orthographicFront"/>
-      <a:lightRig rig="threePt" dir="t"/>
-    </dgm:scene3d>
-    <dgm:sp3d/>
-    <dgm:txPr/>
-    <dgm:style>
-      <a:lnRef idx="2">
-        <a:scrgbClr r="0" g="0" b="0"/>
-      </a:lnRef>
-      <a:fillRef idx="1">
-        <a:scrgbClr r="0" g="0" b="0"/>
-      </a:fillRef>
-      <a:effectRef idx="0">
-        <a:scrgbClr r="0" g="0" b="0"/>
-      </a:effectRef>
-      <a:fontRef idx="minor"/>
-    </dgm:style>
-  </dgm:styleLbl>
-  <dgm:styleLbl name="asst0">
-    <dgm:scene3d>
-      <a:camera prst="orthographicFront"/>
-      <a:lightRig rig="threePt" dir="t"/>
-    </dgm:scene3d>
-    <dgm:sp3d/>
-    <dgm:txPr/>
-    <dgm:style>
-      <a:lnRef idx="2">
-        <a:scrgbClr r="0" g="0" b="0"/>
-      </a:lnRef>
-      <a:fillRef idx="1">
-        <a:scrgbClr r="0" g="0" b="0"/>
-      </a:fillRef>
-      <a:effectRef idx="0">
-        <a:scrgbClr r="0" g="0" b="0"/>
-      </a:effectRef>
-      <a:fontRef idx="minor">
-        <a:schemeClr val="lt1"/>
-      </a:fontRef>
-    </dgm:style>
-  </dgm:styleLbl>
-  <dgm:styleLbl name="asst1">
-    <dgm:scene3d>
-      <a:camera prst="orthographicFront"/>
-      <a:lightRig rig="threePt" dir="t"/>
-    </dgm:scene3d>
-    <dgm:sp3d/>
-    <dgm:txPr/>
-    <dgm:style>
-      <a:lnRef idx="2">
-        <a:scrgbClr r="0" g="0" b="0"/>
-      </a:lnRef>
-      <a:fillRef idx="1">
-        <a:scrgbClr r="0" g="0" b="0"/>
-      </a:fillRef>
-      <a:effectRef idx="0">
-        <a:scrgbClr r="0" g="0" b="0"/>
-      </a:effectRef>
-      <a:fontRef idx="minor">
-        <a:schemeClr val="lt1"/>
-      </a:fontRef>
-    </dgm:style>
-  </dgm:styleLbl>
-  <dgm:styleLbl name="asst2">
-    <dgm:scene3d>
-      <a:camera prst="orthographicFront"/>
-      <a:lightRig rig="threePt" dir="t"/>
-    </dgm:scene3d>
-    <dgm:sp3d/>
-    <dgm:txPr/>
-    <dgm:style>
-      <a:lnRef idx="2">
-        <a:scrgbClr r="0" g="0" b="0"/>
-      </a:lnRef>
-      <a:fillRef idx="1">
-        <a:scrgbClr r="0" g="0" b="0"/>
-      </a:fillRef>
-      <a:effectRef idx="0">
-        <a:scrgbClr r="0" g="0" b="0"/>
-      </a:effectRef>
-      <a:fontRef idx="minor">
-        <a:schemeClr val="lt1"/>
-      </a:fontRef>
-    </dgm:style>
-  </dgm:styleLbl>
-  <dgm:styleLbl name="asst3">
-    <dgm:scene3d>
-      <a:camera prst="orthographicFront"/>
-      <a:lightRig rig="threePt" dir="t"/>
-    </dgm:scene3d>
-    <dgm:sp3d/>
-    <dgm:txPr/>
-    <dgm:style>
-      <a:lnRef idx="2">
-        <a:scrgbClr r="0" g="0" b="0"/>
-      </a:lnRef>
-      <a:fillRef idx="1">
-        <a:scrgbClr r="0" g="0" b="0"/>
-      </a:fillRef>
-      <a:effectRef idx="0">
-        <a:scrgbClr r="0" g="0" b="0"/>
-      </a:effectRef>
-      <a:fontRef idx="minor">
-        <a:schemeClr val="lt1"/>
-      </a:fontRef>
-    </dgm:style>
-  </dgm:styleLbl>
-  <dgm:styleLbl name="asst4">
-    <dgm:scene3d>
-      <a:camera prst="orthographicFront"/>
-      <a:lightRig rig="threePt" dir="t"/>
-    </dgm:scene3d>
-    <dgm:sp3d/>
-    <dgm:txPr/>
-    <dgm:style>
-      <a:lnRef idx="2">
-        <a:scrgbClr r="0" g="0" b="0"/>
-      </a:lnRef>
-      <a:fillRef idx="1">
-        <a:scrgbClr r="0" g="0" b="0"/>
-      </a:fillRef>
-      <a:effectRef idx="0">
-        <a:scrgbClr r="0" g="0" b="0"/>
-      </a:effectRef>
-      <a:fontRef idx="minor">
-        <a:schemeClr val="lt1"/>
-      </a:fontRef>
-    </dgm:style>
-  </dgm:styleLbl>
-  <dgm:styleLbl name="parChTrans2D1">
-    <dgm:scene3d>
-      <a:camera prst="orthographicFront"/>
-      <a:lightRig rig="threePt" dir="t"/>
-    </dgm:scene3d>
-    <dgm:sp3d/>
-    <dgm:txPr/>
-    <dgm:style>
-      <a:lnRef idx="2">
-        <a:scrgbClr r="0" g="0" b="0"/>
-      </a:lnRef>
-      <a:fillRef idx="1">
-        <a:scrgbClr r="0" g="0" b="0"/>
-      </a:fillRef>
-      <a:effectRef idx="0">
-        <a:scrgbClr r="0" g="0" b="0"/>
-      </a:effectRef>
-      <a:fontRef idx="minor">
-        <a:schemeClr val="lt1"/>
-      </a:fontRef>
-    </dgm:style>
-  </dgm:styleLbl>
-  <dgm:styleLbl name="parChTrans2D2">
-    <dgm:scene3d>
-      <a:camera prst="orthographicFront"/>
-      <a:lightRig rig="threePt" dir="t"/>
-    </dgm:scene3d>
-    <dgm:sp3d/>
-    <dgm:txPr/>
-    <dgm:style>
-      <a:lnRef idx="2">
-        <a:scrgbClr r="0" g="0" b="0"/>
-      </a:lnRef>
-      <a:fillRef idx="1">
-        <a:scrgbClr r="0" g="0" b="0"/>
-      </a:fillRef>
-      <a:effectRef idx="0">
-        <a:scrgbClr r="0" g="0" b="0"/>
-      </a:effectRef>
-      <a:fontRef idx="minor">
-        <a:schemeClr val="lt1"/>
-      </a:fontRef>
-    </dgm:style>
-  </dgm:styleLbl>
-  <dgm:styleLbl name="parChTrans2D3">
-    <dgm:scene3d>
-      <a:camera prst="orthographicFront"/>
-      <a:lightRig rig="threePt" dir="t"/>
-    </dgm:scene3d>
-    <dgm:sp3d/>
-    <dgm:txPr/>
-    <dgm:style>
-      <a:lnRef idx="2">
-        <a:scrgbClr r="0" g="0" b="0"/>
-      </a:lnRef>
-      <a:fillRef idx="1">
-        <a:scrgbClr r="0" g="0" b="0"/>
-      </a:fillRef>
-      <a:effectRef idx="0">
-        <a:scrgbClr r="0" g="0" b="0"/>
-      </a:effectRef>
-      <a:fontRef idx="minor">
-        <a:schemeClr val="lt1"/>
-      </a:fontRef>
-    </dgm:style>
-  </dgm:styleLbl>
-  <dgm:styleLbl name="parChTrans2D4">
-    <dgm:scene3d>
-      <a:camera prst="orthographicFront"/>
-      <a:lightRig rig="threePt" dir="t"/>
-    </dgm:scene3d>
-    <dgm:sp3d/>
-    <dgm:txPr/>
-    <dgm:style>
-      <a:lnRef idx="2">
-        <a:scrgbClr r="0" g="0" b="0"/>
-      </a:lnRef>
-      <a:fillRef idx="1">
-        <a:scrgbClr r="0" g="0" b="0"/>
-      </a:fillRef>
-      <a:effectRef idx="0">
-        <a:scrgbClr r="0" g="0" b="0"/>
-      </a:effectRef>
-      <a:fontRef idx="minor">
-        <a:schemeClr val="lt1"/>
-      </a:fontRef>
-    </dgm:style>
-  </dgm:styleLbl>
-  <dgm:styleLbl name="parChTrans1D1">
-    <dgm:scene3d>
-      <a:camera prst="orthographicFront"/>
-      <a:lightRig rig="threePt" dir="t"/>
-    </dgm:scene3d>
-    <dgm:sp3d/>
-    <dgm:txPr/>
-    <dgm:style>
-      <a:lnRef idx="2">
-        <a:scrgbClr r="0" g="0" b="0"/>
-      </a:lnRef>
-      <a:fillRef idx="0">
-        <a:scrgbClr r="0" g="0" b="0"/>
-      </a:fillRef>
-      <a:effectRef idx="0">
-        <a:scrgbClr r="0" g="0" b="0"/>
-      </a:effectRef>
-      <a:fontRef idx="minor"/>
-    </dgm:style>
-  </dgm:styleLbl>
-  <dgm:styleLbl name="parChTrans1D2">
-    <dgm:scene3d>
-      <a:camera prst="orthographicFront"/>
-      <a:lightRig rig="threePt" dir="t"/>
-    </dgm:scene3d>
-    <dgm:sp3d/>
-    <dgm:txPr/>
-    <dgm:style>
-      <a:lnRef idx="2">
-        <a:scrgbClr r="0" g="0" b="0"/>
-      </a:lnRef>
-      <a:fillRef idx="0">
-        <a:scrgbClr r="0" g="0" b="0"/>
-      </a:fillRef>
-      <a:effectRef idx="0">
-        <a:scrgbClr r="0" g="0" b="0"/>
-      </a:effectRef>
-      <a:fontRef idx="minor"/>
-    </dgm:style>
-  </dgm:styleLbl>
-  <dgm:styleLbl name="parChTrans1D3">
-    <dgm:scene3d>
-      <a:camera prst="orthographicFront"/>
-      <a:lightRig rig="threePt" dir="t"/>
-    </dgm:scene3d>
-    <dgm:sp3d/>
-    <dgm:txPr/>
-    <dgm:style>
-      <a:lnRef idx="2">
-        <a:scrgbClr r="0" g="0" b="0"/>
-      </a:lnRef>
-      <a:fillRef idx="0">
-        <a:scrgbClr r="0" g="0" b="0"/>
-      </a:fillRef>
-      <a:effectRef idx="0">
-        <a:scrgbClr r="0" g="0" b="0"/>
-      </a:effectRef>
-      <a:fontRef idx="minor"/>
-    </dgm:style>
-  </dgm:styleLbl>
-  <dgm:styleLbl name="parChTrans1D4">
-    <dgm:scene3d>
-      <a:camera prst="orthographicFront"/>
-      <a:lightRig rig="threePt" dir="t"/>
-    </dgm:scene3d>
-    <dgm:sp3d/>
-    <dgm:txPr/>
-    <dgm:style>
-      <a:lnRef idx="2">
-        <a:scrgbClr r="0" g="0" b="0"/>
-      </a:lnRef>
-      <a:fillRef idx="0">
-        <a:scrgbClr r="0" g="0" b="0"/>
-      </a:fillRef>
-      <a:effectRef idx="0">
-        <a:scrgbClr r="0" g="0" b="0"/>
-      </a:effectRef>
-      <a:fontRef idx="minor"/>
-    </dgm:style>
-  </dgm:styleLbl>
-  <dgm:styleLbl name="fgAcc1">
-    <dgm:scene3d>
-      <a:camera prst="orthographicFront"/>
-      <a:lightRig rig="threePt" dir="t"/>
-    </dgm:scene3d>
-    <dgm:sp3d/>
-    <dgm:txPr/>
-    <dgm:style>
-      <a:lnRef idx="2">
-        <a:scrgbClr r="0" g="0" b="0"/>
-      </a:lnRef>
-      <a:fillRef idx="1">
-        <a:scrgbClr r="0" g="0" b="0"/>
-      </a:fillRef>
-      <a:effectRef idx="0">
-        <a:scrgbClr r="0" g="0" b="0"/>
-      </a:effectRef>
-      <a:fontRef idx="minor"/>
-    </dgm:style>
-  </dgm:styleLbl>
-  <dgm:styleLbl name="conFgAcc1">
-    <dgm:scene3d>
-      <a:camera prst="orthographicFront"/>
-      <a:lightRig rig="threePt" dir="t"/>
-    </dgm:scene3d>
-    <dgm:sp3d/>
-    <dgm:txPr/>
-    <dgm:style>
-      <a:lnRef idx="2">
-        <a:scrgbClr r="0" g="0" b="0"/>
-      </a:lnRef>
-      <a:fillRef idx="1">
-        <a:scrgbClr r="0" g="0" b="0"/>
-      </a:fillRef>
-      <a:effectRef idx="0">
-        <a:scrgbClr r="0" g="0" b="0"/>
-      </a:effectRef>
-      <a:fontRef idx="minor"/>
-    </dgm:style>
-  </dgm:styleLbl>
-  <dgm:styleLbl name="alignAcc1">
-    <dgm:scene3d>
-      <a:camera prst="orthographicFront"/>
-      <a:lightRig rig="threePt" dir="t"/>
-    </dgm:scene3d>
-    <dgm:sp3d/>
-    <dgm:txPr/>
-    <dgm:style>
-      <a:lnRef idx="2">
-        <a:scrgbClr r="0" g="0" b="0"/>
-      </a:lnRef>
-      <a:fillRef idx="1">
-        <a:scrgbClr r="0" g="0" b="0"/>
-      </a:fillRef>
-      <a:effectRef idx="0">
-        <a:scrgbClr r="0" g="0" b="0"/>
-      </a:effectRef>
-      <a:fontRef idx="minor"/>
-    </dgm:style>
-  </dgm:styleLbl>
-  <dgm:styleLbl name="trAlignAcc1">
-    <dgm:scene3d>
-      <a:camera prst="orthographicFront"/>
-      <a:lightRig rig="threePt" dir="t"/>
-    </dgm:scene3d>
-    <dgm:sp3d/>
-    <dgm:txPr/>
-    <dgm:style>
-      <a:lnRef idx="1">
-        <a:scrgbClr r="0" g="0" b="0"/>
-      </a:lnRef>
-      <a:fillRef idx="1">
-        <a:scrgbClr r="0" g="0" b="0"/>
-      </a:fillRef>
-      <a:effectRef idx="0">
-        <a:scrgbClr r="0" g="0" b="0"/>
-      </a:effectRef>
-      <a:fontRef idx="minor"/>
-    </dgm:style>
-  </dgm:styleLbl>
-  <dgm:styleLbl name="bgAcc1">
-    <dgm:scene3d>
-      <a:camera prst="orthographicFront"/>
-      <a:lightRig rig="threePt" dir="t"/>
-    </dgm:scene3d>
-    <dgm:sp3d/>
-    <dgm:txPr/>
-    <dgm:style>
-      <a:lnRef idx="2">
-        <a:scrgbClr r="0" g="0" b="0"/>
-      </a:lnRef>
-      <a:fillRef idx="1">
-        <a:scrgbClr r="0" g="0" b="0"/>
-      </a:fillRef>
-      <a:effectRef idx="0">
-        <a:scrgbClr r="0" g="0" b="0"/>
-      </a:effectRef>
-      <a:fontRef idx="minor"/>
-    </dgm:style>
-  </dgm:styleLbl>
-  <dgm:styleLbl name="solidFgAcc1">
-    <dgm:scene3d>
-      <a:camera prst="orthographicFront"/>
-      <a:lightRig rig="threePt" dir="t"/>
-    </dgm:scene3d>
-    <dgm:sp3d/>
-    <dgm:txPr/>
-    <dgm:style>
-      <a:lnRef idx="2">
-        <a:scrgbClr r="0" g="0" b="0"/>
-      </a:lnRef>
-      <a:fillRef idx="1">
-        <a:scrgbClr r="0" g="0" b="0"/>
-      </a:fillRef>
-      <a:effectRef idx="0">
-        <a:scrgbClr r="0" g="0" b="0"/>
-      </a:effectRef>
-      <a:fontRef idx="minor"/>
-    </dgm:style>
-  </dgm:styleLbl>
-  <dgm:styleLbl name="solidAlignAcc1">
-    <dgm:scene3d>
-      <a:camera prst="orthographicFront"/>
-      <a:lightRig rig="threePt" dir="t"/>
-    </dgm:scene3d>
-    <dgm:sp3d/>
-    <dgm:txPr/>
-    <dgm:style>
-      <a:lnRef idx="2">
-        <a:scrgbClr r="0" g="0" b="0"/>
-      </a:lnRef>
-      <a:fillRef idx="1">
-        <a:scrgbClr r="0" g="0" b="0"/>
-      </a:fillRef>
-      <a:effectRef idx="0">
-        <a:scrgbClr r="0" g="0" b="0"/>
-      </a:effectRef>
-      <a:fontRef idx="minor"/>
-    </dgm:style>
-  </dgm:styleLbl>
-  <dgm:styleLbl name="solidBgAcc1">
-    <dgm:scene3d>
-      <a:camera prst="orthographicFront"/>
-      <a:lightRig rig="threePt" dir="t"/>
-    </dgm:scene3d>
-    <dgm:sp3d/>
-    <dgm:txPr/>
-    <dgm:style>
-      <a:lnRef idx="2">
-        <a:scrgbClr r="0" g="0" b="0"/>
-      </a:lnRef>
-      <a:fillRef idx="1">
-        <a:scrgbClr r="0" g="0" b="0"/>
-      </a:fillRef>
-      <a:effectRef idx="0">
-        <a:scrgbClr r="0" g="0" b="0"/>
-      </a:effectRef>
-      <a:fontRef idx="minor"/>
-    </dgm:style>
-  </dgm:styleLbl>
-  <dgm:styleLbl name="fgAccFollowNode1">
-    <dgm:scene3d>
-      <a:camera prst="orthographicFront"/>
-      <a:lightRig rig="threePt" dir="t"/>
-    </dgm:scene3d>
-    <dgm:sp3d/>
-    <dgm:txPr/>
-    <dgm:style>
-      <a:lnRef idx="2">
-        <a:scrgbClr r="0" g="0" b="0"/>
-      </a:lnRef>
-      <a:fillRef idx="1">
-        <a:scrgbClr r="0" g="0" b="0"/>
-      </a:fillRef>
-      <a:effectRef idx="0">
-        <a:scrgbClr r="0" g="0" b="0"/>
-      </a:effectRef>
-      <a:fontRef idx="minor"/>
-    </dgm:style>
-  </dgm:styleLbl>
-  <dgm:styleLbl name="alignAccFollowNode1">
-    <dgm:scene3d>
-      <a:camera prst="orthographicFront"/>
-      <a:lightRig rig="threePt" dir="t"/>
-    </dgm:scene3d>
-    <dgm:sp3d/>
-    <dgm:txPr/>
-    <dgm:style>
-      <a:lnRef idx="2">
-        <a:scrgbClr r="0" g="0" b="0"/>
-      </a:lnRef>
-      <a:fillRef idx="1">
-        <a:scrgbClr r="0" g="0" b="0"/>
-      </a:fillRef>
-      <a:effectRef idx="0">
-        <a:scrgbClr r="0" g="0" b="0"/>
-      </a:effectRef>
-      <a:fontRef idx="minor"/>
-    </dgm:style>
-  </dgm:styleLbl>
-  <dgm:styleLbl name="bgAccFollowNode1">
-    <dgm:scene3d>
-      <a:camera prst="orthographicFront"/>
-      <a:lightRig rig="threePt" dir="t"/>
-    </dgm:scene3d>
-    <dgm:sp3d/>
-    <dgm:txPr/>
-    <dgm:style>
-      <a:lnRef idx="2">
-        <a:scrgbClr r="0" g="0" b="0"/>
-      </a:lnRef>
-      <a:fillRef idx="1">
-        <a:scrgbClr r="0" g="0" b="0"/>
-      </a:fillRef>
-      <a:effectRef idx="0">
-        <a:scrgbClr r="0" g="0" b="0"/>
-      </a:effectRef>
-      <a:fontRef idx="minor"/>
-    </dgm:style>
-  </dgm:styleLbl>
-  <dgm:styleLbl name="fgAcc0">
-    <dgm:scene3d>
-      <a:camera prst="orthographicFront"/>
-      <a:lightRig rig="threePt" dir="t"/>
-    </dgm:scene3d>
-    <dgm:sp3d/>
-    <dgm:txPr/>
-    <dgm:style>
-      <a:lnRef idx="2">
-        <a:scrgbClr r="0" g="0" b="0"/>
-      </a:lnRef>
-      <a:fillRef idx="1">
-        <a:scrgbClr r="0" g="0" b="0"/>
-      </a:fillRef>
-      <a:effectRef idx="0">
-        <a:scrgbClr r="0" g="0" b="0"/>
-      </a:effectRef>
-      <a:fontRef idx="minor"/>
-    </dgm:style>
-  </dgm:styleLbl>
-  <dgm:styleLbl name="fgAcc2">
-    <dgm:scene3d>
-      <a:camera prst="orthographicFront"/>
-      <a:lightRig rig="threePt" dir="t"/>
-    </dgm:scene3d>
-    <dgm:sp3d/>
-    <dgm:txPr/>
-    <dgm:style>
-      <a:lnRef idx="2">
-        <a:scrgbClr r="0" g="0" b="0"/>
-      </a:lnRef>
-      <a:fillRef idx="1">
-        <a:scrgbClr r="0" g="0" b="0"/>
-      </a:fillRef>
-      <a:effectRef idx="0">
-        <a:scrgbClr r="0" g="0" b="0"/>
-      </a:effectRef>
-      <a:fontRef idx="minor"/>
-    </dgm:style>
-  </dgm:styleLbl>
-  <dgm:styleLbl name="fgAcc3">
-    <dgm:scene3d>
-      <a:camera prst="orthographicFront"/>
-      <a:lightRig rig="threePt" dir="t"/>
-    </dgm:scene3d>
-    <dgm:sp3d/>
-    <dgm:txPr/>
-    <dgm:style>
-      <a:lnRef idx="2">
-        <a:scrgbClr r="0" g="0" b="0"/>
-      </a:lnRef>
-      <a:fillRef idx="1">
-        <a:scrgbClr r="0" g="0" b="0"/>
-      </a:fillRef>
-      <a:effectRef idx="0">
-        <a:scrgbClr r="0" g="0" b="0"/>
-      </a:effectRef>
-      <a:fontRef idx="minor"/>
-    </dgm:style>
-  </dgm:styleLbl>
-  <dgm:styleLbl name="fgAcc4">
-    <dgm:scene3d>
-      <a:camera prst="orthographicFront"/>
-      <a:lightRig rig="threePt" dir="t"/>
-    </dgm:scene3d>
-    <dgm:sp3d/>
-    <dgm:txPr/>
-    <dgm:style>
-      <a:lnRef idx="2">
-        <a:scrgbClr r="0" g="0" b="0"/>
-      </a:lnRef>
-      <a:fillRef idx="1">
-        <a:scrgbClr r="0" g="0" b="0"/>
-      </a:fillRef>
-      <a:effectRef idx="0">
-        <a:scrgbClr r="0" g="0" b="0"/>
-      </a:effectRef>
-      <a:fontRef idx="minor"/>
-    </dgm:style>
-  </dgm:styleLbl>
-  <dgm:styleLbl name="bgShp">
-    <dgm:scene3d>
-      <a:camera prst="orthographicFront"/>
-      <a:lightRig rig="threePt" dir="t"/>
-    </dgm:scene3d>
-    <dgm:sp3d/>
-    <dgm:txPr/>
-    <dgm:style>
-      <a:lnRef idx="0">
-        <a:scrgbClr r="0" g="0" b="0"/>
-      </a:lnRef>
-      <a:fillRef idx="1">
-        <a:scrgbClr r="0" g="0" b="0"/>
-      </a:fillRef>
-      <a:effectRef idx="0">
-        <a:scrgbClr r="0" g="0" b="0"/>
-      </a:effectRef>
-      <a:fontRef idx="minor"/>
-    </dgm:style>
-  </dgm:styleLbl>
-  <dgm:styleLbl name="dkBgShp">
-    <dgm:scene3d>
-      <a:camera prst="orthographicFront"/>
-      <a:lightRig rig="threePt" dir="t"/>
-    </dgm:scene3d>
-    <dgm:sp3d/>
-    <dgm:txPr/>
-    <dgm:style>
-      <a:lnRef idx="0">
-        <a:scrgbClr r="0" g="0" b="0"/>
-      </a:lnRef>
-      <a:fillRef idx="1">
-        <a:scrgbClr r="0" g="0" b="0"/>
-      </a:fillRef>
-      <a:effectRef idx="0">
-        <a:scrgbClr r="0" g="0" b="0"/>
-      </a:effectRef>
-      <a:fontRef idx="minor"/>
-    </dgm:style>
-  </dgm:styleLbl>
-  <dgm:styleLbl name="trBgShp">
-    <dgm:scene3d>
-      <a:camera prst="orthographicFront"/>
-      <a:lightRig rig="threePt" dir="t"/>
-    </dgm:scene3d>
-    <dgm:sp3d/>
-    <dgm:txPr/>
-    <dgm:style>
-      <a:lnRef idx="0">
-        <a:scrgbClr r="0" g="0" b="0"/>
-      </a:lnRef>
-      <a:fillRef idx="1">
-        <a:scrgbClr r="0" g="0" b="0"/>
-      </a:fillRef>
-      <a:effectRef idx="0">
-        <a:scrgbClr r="0" g="0" b="0"/>
-      </a:effectRef>
-      <a:fontRef idx="minor"/>
-    </dgm:style>
-  </dgm:styleLbl>
-  <dgm:styleLbl name="fgShp">
-    <dgm:scene3d>
-      <a:camera prst="orthographicFront"/>
-      <a:lightRig rig="threePt" dir="t"/>
-    </dgm:scene3d>
-    <dgm:sp3d/>
-    <dgm:txPr/>
-    <dgm:style>
-      <a:lnRef idx="2">
-        <a:scrgbClr r="0" g="0" b="0"/>
-      </a:lnRef>
-      <a:fillRef idx="1">
-        <a:scrgbClr r="0" g="0" b="0"/>
-      </a:fillRef>
-      <a:effectRef idx="0">
-        <a:scrgbClr r="0" g="0" b="0"/>
-      </a:effectRef>
-      <a:fontRef idx="minor"/>
-    </dgm:style>
-  </dgm:styleLbl>
-  <dgm:styleLbl name="revTx">
-    <dgm:scene3d>
-      <a:camera prst="orthographicFront"/>
-      <a:lightRig rig="threePt" dir="t"/>
-    </dgm:scene3d>
-    <dgm:sp3d/>
-    <dgm:txPr/>
-    <dgm:style>
-      <a:lnRef idx="0">
-        <a:scrgbClr r="0" g="0" b="0"/>
-      </a:lnRef>
-      <a:fillRef idx="0">
-        <a:scrgbClr r="0" g="0" b="0"/>
-      </a:fillRef>
-      <a:effectRef idx="0">
-        <a:scrgbClr r="0" g="0" b="0"/>
-      </a:effectRef>
-      <a:fontRef idx="minor"/>
-    </dgm:style>
-  </dgm:styleLbl>
-</dgm:styleDef>
-</file>
-
 <file path=ppt/handoutMasters/handoutMaster1.xml><?xml version="1.0" encoding="utf-8"?>
 <p:handoutMaster xmlns:a="http://schemas.openxmlformats.org/drawingml/2006/main" xmlns:r="http://schemas.openxmlformats.org/officeDocument/2006/relationships" xmlns:p="http://schemas.openxmlformats.org/presentationml/2006/main">
   <p:cSld>
@@ -2986,7 +228,7 @@
             <a:pPr rtl="0"/>
             <a:fld id="{5BD5BFF2-36B0-40CE-983F-64CA5BF905E6}" type="datetime1">
               <a:rPr lang="ru-RU" smtClean="0"/>
-              <a:t>08.06.2018</a:t>
+              <a:t>10.06.2018</a:t>
             </a:fld>
             <a:endParaRPr lang="ru-RU" dirty="0"/>
           </a:p>
@@ -3156,7 +398,7 @@
             <a:pPr rtl="0"/>
             <a:fld id="{6B74801A-CACC-46E2-B8AA-437C9E8A750C}" type="datetime1">
               <a:rPr lang="ru-RU" smtClean="0"/>
-              <a:t>08.06.2018</a:t>
+              <a:t>10.06.2018</a:t>
             </a:fld>
             <a:endParaRPr lang="ru-RU" dirty="0"/>
           </a:p>
@@ -3524,261 +766,6 @@
 </p:notes>
 </file>
 
-<file path=ppt/notesSlides/notesSlide10.xml><?xml version="1.0" encoding="utf-8"?>
-<p:notes xmlns:a="http://schemas.openxmlformats.org/drawingml/2006/main" xmlns:r="http://schemas.openxmlformats.org/officeDocument/2006/relationships" xmlns:p="http://schemas.openxmlformats.org/presentationml/2006/main">
-  <p:cSld>
-    <p:spTree>
-      <p:nvGrpSpPr>
-        <p:cNvPr id="1" name=""/>
-        <p:cNvGrpSpPr/>
-        <p:nvPr/>
-      </p:nvGrpSpPr>
-      <p:grpSpPr>
-        <a:xfrm>
-          <a:off x="0" y="0"/>
-          <a:ext cx="0" cy="0"/>
-          <a:chOff x="0" y="0"/>
-          <a:chExt cx="0" cy="0"/>
-        </a:xfrm>
-      </p:grpSpPr>
-      <p:sp>
-        <p:nvSpPr>
-          <p:cNvPr id="2" name="Образ слайда 1"/>
-          <p:cNvSpPr>
-            <a:spLocks noGrp="1" noRot="1" noChangeAspect="1"/>
-          </p:cNvSpPr>
-          <p:nvPr>
-            <p:ph type="sldImg"/>
-          </p:nvPr>
-        </p:nvSpPr>
-        <p:spPr/>
-      </p:sp>
-      <p:sp>
-        <p:nvSpPr>
-          <p:cNvPr id="3" name="Заметки 2"/>
-          <p:cNvSpPr>
-            <a:spLocks noGrp="1"/>
-          </p:cNvSpPr>
-          <p:nvPr>
-            <p:ph type="body" idx="1"/>
-          </p:nvPr>
-        </p:nvSpPr>
-        <p:spPr/>
-        <p:txBody>
-          <a:bodyPr/>
-          <a:lstStyle/>
-          <a:p>
-            <a:endParaRPr lang="ru-RU" dirty="0"/>
-          </a:p>
-        </p:txBody>
-      </p:sp>
-      <p:sp>
-        <p:nvSpPr>
-          <p:cNvPr id="4" name="Номер слайда 3"/>
-          <p:cNvSpPr>
-            <a:spLocks noGrp="1"/>
-          </p:cNvSpPr>
-          <p:nvPr>
-            <p:ph type="sldNum" sz="quarter" idx="10"/>
-          </p:nvPr>
-        </p:nvSpPr>
-        <p:spPr/>
-        <p:txBody>
-          <a:bodyPr/>
-          <a:lstStyle/>
-          <a:p>
-            <a:pPr rtl="0"/>
-            <a:fld id="{1B9A179D-2D27-49E2-B022-8EDDA2EFE682}" type="slidenum">
-              <a:rPr lang="ru-RU" smtClean="0"/>
-              <a:t>22</a:t>
-            </a:fld>
-            <a:endParaRPr lang="ru-RU" dirty="0"/>
-          </a:p>
-        </p:txBody>
-      </p:sp>
-    </p:spTree>
-    <p:extLst>
-      <p:ext uri="{BB962C8B-B14F-4D97-AF65-F5344CB8AC3E}">
-        <p14:creationId xmlns:p14="http://schemas.microsoft.com/office/powerpoint/2010/main" val="762595405"/>
-      </p:ext>
-    </p:extLst>
-  </p:cSld>
-  <p:clrMapOvr>
-    <a:masterClrMapping/>
-  </p:clrMapOvr>
-</p:notes>
-</file>
-
-<file path=ppt/notesSlides/notesSlide11.xml><?xml version="1.0" encoding="utf-8"?>
-<p:notes xmlns:a="http://schemas.openxmlformats.org/drawingml/2006/main" xmlns:r="http://schemas.openxmlformats.org/officeDocument/2006/relationships" xmlns:p="http://schemas.openxmlformats.org/presentationml/2006/main">
-  <p:cSld>
-    <p:spTree>
-      <p:nvGrpSpPr>
-        <p:cNvPr id="1" name=""/>
-        <p:cNvGrpSpPr/>
-        <p:nvPr/>
-      </p:nvGrpSpPr>
-      <p:grpSpPr>
-        <a:xfrm>
-          <a:off x="0" y="0"/>
-          <a:ext cx="0" cy="0"/>
-          <a:chOff x="0" y="0"/>
-          <a:chExt cx="0" cy="0"/>
-        </a:xfrm>
-      </p:grpSpPr>
-      <p:sp>
-        <p:nvSpPr>
-          <p:cNvPr id="2" name="Образ слайда 1"/>
-          <p:cNvSpPr>
-            <a:spLocks noGrp="1" noRot="1" noChangeAspect="1"/>
-          </p:cNvSpPr>
-          <p:nvPr>
-            <p:ph type="sldImg"/>
-          </p:nvPr>
-        </p:nvSpPr>
-        <p:spPr/>
-      </p:sp>
-      <p:sp>
-        <p:nvSpPr>
-          <p:cNvPr id="3" name="Заметки 2"/>
-          <p:cNvSpPr>
-            <a:spLocks noGrp="1"/>
-          </p:cNvSpPr>
-          <p:nvPr>
-            <p:ph type="body" idx="1"/>
-          </p:nvPr>
-        </p:nvSpPr>
-        <p:spPr/>
-        <p:txBody>
-          <a:bodyPr/>
-          <a:lstStyle/>
-          <a:p>
-            <a:endParaRPr lang="ru-RU" dirty="0"/>
-          </a:p>
-        </p:txBody>
-      </p:sp>
-      <p:sp>
-        <p:nvSpPr>
-          <p:cNvPr id="4" name="Номер слайда 3"/>
-          <p:cNvSpPr>
-            <a:spLocks noGrp="1"/>
-          </p:cNvSpPr>
-          <p:nvPr>
-            <p:ph type="sldNum" sz="quarter" idx="10"/>
-          </p:nvPr>
-        </p:nvSpPr>
-        <p:spPr/>
-        <p:txBody>
-          <a:bodyPr/>
-          <a:lstStyle/>
-          <a:p>
-            <a:pPr rtl="0"/>
-            <a:fld id="{1B9A179D-2D27-49E2-B022-8EDDA2EFE682}" type="slidenum">
-              <a:rPr lang="ru-RU" smtClean="0"/>
-              <a:t>23</a:t>
-            </a:fld>
-            <a:endParaRPr lang="ru-RU" dirty="0"/>
-          </a:p>
-        </p:txBody>
-      </p:sp>
-    </p:spTree>
-    <p:extLst>
-      <p:ext uri="{BB962C8B-B14F-4D97-AF65-F5344CB8AC3E}">
-        <p14:creationId xmlns:p14="http://schemas.microsoft.com/office/powerpoint/2010/main" val="1482267385"/>
-      </p:ext>
-    </p:extLst>
-  </p:cSld>
-  <p:clrMapOvr>
-    <a:masterClrMapping/>
-  </p:clrMapOvr>
-</p:notes>
-</file>
-
-<file path=ppt/notesSlides/notesSlide12.xml><?xml version="1.0" encoding="utf-8"?>
-<p:notes xmlns:a="http://schemas.openxmlformats.org/drawingml/2006/main" xmlns:r="http://schemas.openxmlformats.org/officeDocument/2006/relationships" xmlns:p="http://schemas.openxmlformats.org/presentationml/2006/main">
-  <p:cSld>
-    <p:spTree>
-      <p:nvGrpSpPr>
-        <p:cNvPr id="1" name=""/>
-        <p:cNvGrpSpPr/>
-        <p:nvPr/>
-      </p:nvGrpSpPr>
-      <p:grpSpPr>
-        <a:xfrm>
-          <a:off x="0" y="0"/>
-          <a:ext cx="0" cy="0"/>
-          <a:chOff x="0" y="0"/>
-          <a:chExt cx="0" cy="0"/>
-        </a:xfrm>
-      </p:grpSpPr>
-      <p:sp>
-        <p:nvSpPr>
-          <p:cNvPr id="2" name="Образ слайда 1"/>
-          <p:cNvSpPr>
-            <a:spLocks noGrp="1" noRot="1" noChangeAspect="1"/>
-          </p:cNvSpPr>
-          <p:nvPr>
-            <p:ph type="sldImg"/>
-          </p:nvPr>
-        </p:nvSpPr>
-        <p:spPr/>
-      </p:sp>
-      <p:sp>
-        <p:nvSpPr>
-          <p:cNvPr id="3" name="Заметки 2"/>
-          <p:cNvSpPr>
-            <a:spLocks noGrp="1"/>
-          </p:cNvSpPr>
-          <p:nvPr>
-            <p:ph type="body" idx="1"/>
-          </p:nvPr>
-        </p:nvSpPr>
-        <p:spPr/>
-        <p:txBody>
-          <a:bodyPr/>
-          <a:lstStyle/>
-          <a:p>
-            <a:endParaRPr lang="ru-RU" dirty="0"/>
-          </a:p>
-        </p:txBody>
-      </p:sp>
-      <p:sp>
-        <p:nvSpPr>
-          <p:cNvPr id="4" name="Номер слайда 3"/>
-          <p:cNvSpPr>
-            <a:spLocks noGrp="1"/>
-          </p:cNvSpPr>
-          <p:nvPr>
-            <p:ph type="sldNum" sz="quarter" idx="10"/>
-          </p:nvPr>
-        </p:nvSpPr>
-        <p:spPr/>
-        <p:txBody>
-          <a:bodyPr/>
-          <a:lstStyle/>
-          <a:p>
-            <a:pPr rtl="0"/>
-            <a:fld id="{1B9A179D-2D27-49E2-B022-8EDDA2EFE682}" type="slidenum">
-              <a:rPr lang="ru-RU" smtClean="0"/>
-              <a:t>24</a:t>
-            </a:fld>
-            <a:endParaRPr lang="ru-RU" dirty="0"/>
-          </a:p>
-        </p:txBody>
-      </p:sp>
-    </p:spTree>
-    <p:extLst>
-      <p:ext uri="{BB962C8B-B14F-4D97-AF65-F5344CB8AC3E}">
-        <p14:creationId xmlns:p14="http://schemas.microsoft.com/office/powerpoint/2010/main" val="550034712"/>
-      </p:ext>
-    </p:extLst>
-  </p:cSld>
-  <p:clrMapOvr>
-    <a:masterClrMapping/>
-  </p:clrMapOvr>
-</p:notes>
-</file>
-
 <file path=ppt/notesSlides/notesSlide2.xml><?xml version="1.0" encoding="utf-8"?>
 <p:notes xmlns:a="http://schemas.openxmlformats.org/drawingml/2006/main" xmlns:r="http://schemas.openxmlformats.org/officeDocument/2006/relationships" xmlns:p="http://schemas.openxmlformats.org/presentationml/2006/main">
   <p:cSld>
@@ -3940,516 +927,6 @@
     <p:extLst>
       <p:ext uri="{BB962C8B-B14F-4D97-AF65-F5344CB8AC3E}">
         <p14:creationId xmlns:p14="http://schemas.microsoft.com/office/powerpoint/2010/main" val="4053198037"/>
-      </p:ext>
-    </p:extLst>
-  </p:cSld>
-  <p:clrMapOvr>
-    <a:masterClrMapping/>
-  </p:clrMapOvr>
-</p:notes>
-</file>
-
-<file path=ppt/notesSlides/notesSlide4.xml><?xml version="1.0" encoding="utf-8"?>
-<p:notes xmlns:a="http://schemas.openxmlformats.org/drawingml/2006/main" xmlns:r="http://schemas.openxmlformats.org/officeDocument/2006/relationships" xmlns:p="http://schemas.openxmlformats.org/presentationml/2006/main">
-  <p:cSld>
-    <p:spTree>
-      <p:nvGrpSpPr>
-        <p:cNvPr id="1" name=""/>
-        <p:cNvGrpSpPr/>
-        <p:nvPr/>
-      </p:nvGrpSpPr>
-      <p:grpSpPr>
-        <a:xfrm>
-          <a:off x="0" y="0"/>
-          <a:ext cx="0" cy="0"/>
-          <a:chOff x="0" y="0"/>
-          <a:chExt cx="0" cy="0"/>
-        </a:xfrm>
-      </p:grpSpPr>
-      <p:sp>
-        <p:nvSpPr>
-          <p:cNvPr id="2" name="Образ слайда 1"/>
-          <p:cNvSpPr>
-            <a:spLocks noGrp="1" noRot="1" noChangeAspect="1"/>
-          </p:cNvSpPr>
-          <p:nvPr>
-            <p:ph type="sldImg"/>
-          </p:nvPr>
-        </p:nvSpPr>
-        <p:spPr/>
-      </p:sp>
-      <p:sp>
-        <p:nvSpPr>
-          <p:cNvPr id="3" name="Заметки 2"/>
-          <p:cNvSpPr>
-            <a:spLocks noGrp="1"/>
-          </p:cNvSpPr>
-          <p:nvPr>
-            <p:ph type="body" idx="1"/>
-          </p:nvPr>
-        </p:nvSpPr>
-        <p:spPr/>
-        <p:txBody>
-          <a:bodyPr/>
-          <a:lstStyle/>
-          <a:p>
-            <a:endParaRPr lang="ru-RU" dirty="0"/>
-          </a:p>
-        </p:txBody>
-      </p:sp>
-      <p:sp>
-        <p:nvSpPr>
-          <p:cNvPr id="4" name="Номер слайда 3"/>
-          <p:cNvSpPr>
-            <a:spLocks noGrp="1"/>
-          </p:cNvSpPr>
-          <p:nvPr>
-            <p:ph type="sldNum" sz="quarter" idx="10"/>
-          </p:nvPr>
-        </p:nvSpPr>
-        <p:spPr/>
-        <p:txBody>
-          <a:bodyPr/>
-          <a:lstStyle/>
-          <a:p>
-            <a:pPr rtl="0"/>
-            <a:fld id="{1B9A179D-2D27-49E2-B022-8EDDA2EFE682}" type="slidenum">
-              <a:rPr lang="ru-RU" smtClean="0"/>
-              <a:t>16</a:t>
-            </a:fld>
-            <a:endParaRPr lang="ru-RU" dirty="0"/>
-          </a:p>
-        </p:txBody>
-      </p:sp>
-    </p:spTree>
-    <p:extLst>
-      <p:ext uri="{BB962C8B-B14F-4D97-AF65-F5344CB8AC3E}">
-        <p14:creationId xmlns:p14="http://schemas.microsoft.com/office/powerpoint/2010/main" val="3916484599"/>
-      </p:ext>
-    </p:extLst>
-  </p:cSld>
-  <p:clrMapOvr>
-    <a:masterClrMapping/>
-  </p:clrMapOvr>
-</p:notes>
-</file>
-
-<file path=ppt/notesSlides/notesSlide5.xml><?xml version="1.0" encoding="utf-8"?>
-<p:notes xmlns:a="http://schemas.openxmlformats.org/drawingml/2006/main" xmlns:r="http://schemas.openxmlformats.org/officeDocument/2006/relationships" xmlns:p="http://schemas.openxmlformats.org/presentationml/2006/main">
-  <p:cSld>
-    <p:spTree>
-      <p:nvGrpSpPr>
-        <p:cNvPr id="1" name=""/>
-        <p:cNvGrpSpPr/>
-        <p:nvPr/>
-      </p:nvGrpSpPr>
-      <p:grpSpPr>
-        <a:xfrm>
-          <a:off x="0" y="0"/>
-          <a:ext cx="0" cy="0"/>
-          <a:chOff x="0" y="0"/>
-          <a:chExt cx="0" cy="0"/>
-        </a:xfrm>
-      </p:grpSpPr>
-      <p:sp>
-        <p:nvSpPr>
-          <p:cNvPr id="2" name="Образ слайда 1"/>
-          <p:cNvSpPr>
-            <a:spLocks noGrp="1" noRot="1" noChangeAspect="1"/>
-          </p:cNvSpPr>
-          <p:nvPr>
-            <p:ph type="sldImg"/>
-          </p:nvPr>
-        </p:nvSpPr>
-        <p:spPr/>
-      </p:sp>
-      <p:sp>
-        <p:nvSpPr>
-          <p:cNvPr id="3" name="Заметки 2"/>
-          <p:cNvSpPr>
-            <a:spLocks noGrp="1"/>
-          </p:cNvSpPr>
-          <p:nvPr>
-            <p:ph type="body" idx="1"/>
-          </p:nvPr>
-        </p:nvSpPr>
-        <p:spPr/>
-        <p:txBody>
-          <a:bodyPr/>
-          <a:lstStyle/>
-          <a:p>
-            <a:endParaRPr lang="ru-RU" dirty="0"/>
-          </a:p>
-        </p:txBody>
-      </p:sp>
-      <p:sp>
-        <p:nvSpPr>
-          <p:cNvPr id="4" name="Номер слайда 3"/>
-          <p:cNvSpPr>
-            <a:spLocks noGrp="1"/>
-          </p:cNvSpPr>
-          <p:nvPr>
-            <p:ph type="sldNum" sz="quarter" idx="10"/>
-          </p:nvPr>
-        </p:nvSpPr>
-        <p:spPr/>
-        <p:txBody>
-          <a:bodyPr/>
-          <a:lstStyle/>
-          <a:p>
-            <a:pPr rtl="0"/>
-            <a:fld id="{1B9A179D-2D27-49E2-B022-8EDDA2EFE682}" type="slidenum">
-              <a:rPr lang="ru-RU" smtClean="0"/>
-              <a:t>17</a:t>
-            </a:fld>
-            <a:endParaRPr lang="ru-RU" dirty="0"/>
-          </a:p>
-        </p:txBody>
-      </p:sp>
-    </p:spTree>
-    <p:extLst>
-      <p:ext uri="{BB962C8B-B14F-4D97-AF65-F5344CB8AC3E}">
-        <p14:creationId xmlns:p14="http://schemas.microsoft.com/office/powerpoint/2010/main" val="2670305104"/>
-      </p:ext>
-    </p:extLst>
-  </p:cSld>
-  <p:clrMapOvr>
-    <a:masterClrMapping/>
-  </p:clrMapOvr>
-</p:notes>
-</file>
-
-<file path=ppt/notesSlides/notesSlide6.xml><?xml version="1.0" encoding="utf-8"?>
-<p:notes xmlns:a="http://schemas.openxmlformats.org/drawingml/2006/main" xmlns:r="http://schemas.openxmlformats.org/officeDocument/2006/relationships" xmlns:p="http://schemas.openxmlformats.org/presentationml/2006/main">
-  <p:cSld>
-    <p:spTree>
-      <p:nvGrpSpPr>
-        <p:cNvPr id="1" name=""/>
-        <p:cNvGrpSpPr/>
-        <p:nvPr/>
-      </p:nvGrpSpPr>
-      <p:grpSpPr>
-        <a:xfrm>
-          <a:off x="0" y="0"/>
-          <a:ext cx="0" cy="0"/>
-          <a:chOff x="0" y="0"/>
-          <a:chExt cx="0" cy="0"/>
-        </a:xfrm>
-      </p:grpSpPr>
-      <p:sp>
-        <p:nvSpPr>
-          <p:cNvPr id="2" name="Образ слайда 1"/>
-          <p:cNvSpPr>
-            <a:spLocks noGrp="1" noRot="1" noChangeAspect="1"/>
-          </p:cNvSpPr>
-          <p:nvPr>
-            <p:ph type="sldImg"/>
-          </p:nvPr>
-        </p:nvSpPr>
-        <p:spPr/>
-      </p:sp>
-      <p:sp>
-        <p:nvSpPr>
-          <p:cNvPr id="3" name="Заметки 2"/>
-          <p:cNvSpPr>
-            <a:spLocks noGrp="1"/>
-          </p:cNvSpPr>
-          <p:nvPr>
-            <p:ph type="body" idx="1"/>
-          </p:nvPr>
-        </p:nvSpPr>
-        <p:spPr/>
-        <p:txBody>
-          <a:bodyPr/>
-          <a:lstStyle/>
-          <a:p>
-            <a:endParaRPr lang="ru-RU" dirty="0"/>
-          </a:p>
-        </p:txBody>
-      </p:sp>
-      <p:sp>
-        <p:nvSpPr>
-          <p:cNvPr id="4" name="Номер слайда 3"/>
-          <p:cNvSpPr>
-            <a:spLocks noGrp="1"/>
-          </p:cNvSpPr>
-          <p:nvPr>
-            <p:ph type="sldNum" sz="quarter" idx="10"/>
-          </p:nvPr>
-        </p:nvSpPr>
-        <p:spPr/>
-        <p:txBody>
-          <a:bodyPr/>
-          <a:lstStyle/>
-          <a:p>
-            <a:pPr rtl="0"/>
-            <a:fld id="{1B9A179D-2D27-49E2-B022-8EDDA2EFE682}" type="slidenum">
-              <a:rPr lang="ru-RU" smtClean="0"/>
-              <a:t>18</a:t>
-            </a:fld>
-            <a:endParaRPr lang="ru-RU" dirty="0"/>
-          </a:p>
-        </p:txBody>
-      </p:sp>
-    </p:spTree>
-    <p:extLst>
-      <p:ext uri="{BB962C8B-B14F-4D97-AF65-F5344CB8AC3E}">
-        <p14:creationId xmlns:p14="http://schemas.microsoft.com/office/powerpoint/2010/main" val="3857200049"/>
-      </p:ext>
-    </p:extLst>
-  </p:cSld>
-  <p:clrMapOvr>
-    <a:masterClrMapping/>
-  </p:clrMapOvr>
-</p:notes>
-</file>
-
-<file path=ppt/notesSlides/notesSlide7.xml><?xml version="1.0" encoding="utf-8"?>
-<p:notes xmlns:a="http://schemas.openxmlformats.org/drawingml/2006/main" xmlns:r="http://schemas.openxmlformats.org/officeDocument/2006/relationships" xmlns:p="http://schemas.openxmlformats.org/presentationml/2006/main">
-  <p:cSld>
-    <p:spTree>
-      <p:nvGrpSpPr>
-        <p:cNvPr id="1" name=""/>
-        <p:cNvGrpSpPr/>
-        <p:nvPr/>
-      </p:nvGrpSpPr>
-      <p:grpSpPr>
-        <a:xfrm>
-          <a:off x="0" y="0"/>
-          <a:ext cx="0" cy="0"/>
-          <a:chOff x="0" y="0"/>
-          <a:chExt cx="0" cy="0"/>
-        </a:xfrm>
-      </p:grpSpPr>
-      <p:sp>
-        <p:nvSpPr>
-          <p:cNvPr id="2" name="Образ слайда 1"/>
-          <p:cNvSpPr>
-            <a:spLocks noGrp="1" noRot="1" noChangeAspect="1"/>
-          </p:cNvSpPr>
-          <p:nvPr>
-            <p:ph type="sldImg"/>
-          </p:nvPr>
-        </p:nvSpPr>
-        <p:spPr/>
-      </p:sp>
-      <p:sp>
-        <p:nvSpPr>
-          <p:cNvPr id="3" name="Заметки 2"/>
-          <p:cNvSpPr>
-            <a:spLocks noGrp="1"/>
-          </p:cNvSpPr>
-          <p:nvPr>
-            <p:ph type="body" idx="1"/>
-          </p:nvPr>
-        </p:nvSpPr>
-        <p:spPr/>
-        <p:txBody>
-          <a:bodyPr/>
-          <a:lstStyle/>
-          <a:p>
-            <a:endParaRPr lang="ru-RU" dirty="0"/>
-          </a:p>
-        </p:txBody>
-      </p:sp>
-      <p:sp>
-        <p:nvSpPr>
-          <p:cNvPr id="4" name="Номер слайда 3"/>
-          <p:cNvSpPr>
-            <a:spLocks noGrp="1"/>
-          </p:cNvSpPr>
-          <p:nvPr>
-            <p:ph type="sldNum" sz="quarter" idx="10"/>
-          </p:nvPr>
-        </p:nvSpPr>
-        <p:spPr/>
-        <p:txBody>
-          <a:bodyPr/>
-          <a:lstStyle/>
-          <a:p>
-            <a:pPr rtl="0"/>
-            <a:fld id="{1B9A179D-2D27-49E2-B022-8EDDA2EFE682}" type="slidenum">
-              <a:rPr lang="ru-RU" smtClean="0"/>
-              <a:t>19</a:t>
-            </a:fld>
-            <a:endParaRPr lang="ru-RU" dirty="0"/>
-          </a:p>
-        </p:txBody>
-      </p:sp>
-    </p:spTree>
-    <p:extLst>
-      <p:ext uri="{BB962C8B-B14F-4D97-AF65-F5344CB8AC3E}">
-        <p14:creationId xmlns:p14="http://schemas.microsoft.com/office/powerpoint/2010/main" val="1735083036"/>
-      </p:ext>
-    </p:extLst>
-  </p:cSld>
-  <p:clrMapOvr>
-    <a:masterClrMapping/>
-  </p:clrMapOvr>
-</p:notes>
-</file>
-
-<file path=ppt/notesSlides/notesSlide8.xml><?xml version="1.0" encoding="utf-8"?>
-<p:notes xmlns:a="http://schemas.openxmlformats.org/drawingml/2006/main" xmlns:r="http://schemas.openxmlformats.org/officeDocument/2006/relationships" xmlns:p="http://schemas.openxmlformats.org/presentationml/2006/main">
-  <p:cSld>
-    <p:spTree>
-      <p:nvGrpSpPr>
-        <p:cNvPr id="1" name=""/>
-        <p:cNvGrpSpPr/>
-        <p:nvPr/>
-      </p:nvGrpSpPr>
-      <p:grpSpPr>
-        <a:xfrm>
-          <a:off x="0" y="0"/>
-          <a:ext cx="0" cy="0"/>
-          <a:chOff x="0" y="0"/>
-          <a:chExt cx="0" cy="0"/>
-        </a:xfrm>
-      </p:grpSpPr>
-      <p:sp>
-        <p:nvSpPr>
-          <p:cNvPr id="2" name="Образ слайда 1"/>
-          <p:cNvSpPr>
-            <a:spLocks noGrp="1" noRot="1" noChangeAspect="1"/>
-          </p:cNvSpPr>
-          <p:nvPr>
-            <p:ph type="sldImg"/>
-          </p:nvPr>
-        </p:nvSpPr>
-        <p:spPr/>
-      </p:sp>
-      <p:sp>
-        <p:nvSpPr>
-          <p:cNvPr id="3" name="Заметки 2"/>
-          <p:cNvSpPr>
-            <a:spLocks noGrp="1"/>
-          </p:cNvSpPr>
-          <p:nvPr>
-            <p:ph type="body" idx="1"/>
-          </p:nvPr>
-        </p:nvSpPr>
-        <p:spPr/>
-        <p:txBody>
-          <a:bodyPr/>
-          <a:lstStyle/>
-          <a:p>
-            <a:endParaRPr lang="ru-RU" dirty="0"/>
-          </a:p>
-        </p:txBody>
-      </p:sp>
-      <p:sp>
-        <p:nvSpPr>
-          <p:cNvPr id="4" name="Номер слайда 3"/>
-          <p:cNvSpPr>
-            <a:spLocks noGrp="1"/>
-          </p:cNvSpPr>
-          <p:nvPr>
-            <p:ph type="sldNum" sz="quarter" idx="10"/>
-          </p:nvPr>
-        </p:nvSpPr>
-        <p:spPr/>
-        <p:txBody>
-          <a:bodyPr/>
-          <a:lstStyle/>
-          <a:p>
-            <a:pPr rtl="0"/>
-            <a:fld id="{1B9A179D-2D27-49E2-B022-8EDDA2EFE682}" type="slidenum">
-              <a:rPr lang="ru-RU" smtClean="0"/>
-              <a:t>20</a:t>
-            </a:fld>
-            <a:endParaRPr lang="ru-RU" dirty="0"/>
-          </a:p>
-        </p:txBody>
-      </p:sp>
-    </p:spTree>
-    <p:extLst>
-      <p:ext uri="{BB962C8B-B14F-4D97-AF65-F5344CB8AC3E}">
-        <p14:creationId xmlns:p14="http://schemas.microsoft.com/office/powerpoint/2010/main" val="1682704142"/>
-      </p:ext>
-    </p:extLst>
-  </p:cSld>
-  <p:clrMapOvr>
-    <a:masterClrMapping/>
-  </p:clrMapOvr>
-</p:notes>
-</file>
-
-<file path=ppt/notesSlides/notesSlide9.xml><?xml version="1.0" encoding="utf-8"?>
-<p:notes xmlns:a="http://schemas.openxmlformats.org/drawingml/2006/main" xmlns:r="http://schemas.openxmlformats.org/officeDocument/2006/relationships" xmlns:p="http://schemas.openxmlformats.org/presentationml/2006/main">
-  <p:cSld>
-    <p:spTree>
-      <p:nvGrpSpPr>
-        <p:cNvPr id="1" name=""/>
-        <p:cNvGrpSpPr/>
-        <p:nvPr/>
-      </p:nvGrpSpPr>
-      <p:grpSpPr>
-        <a:xfrm>
-          <a:off x="0" y="0"/>
-          <a:ext cx="0" cy="0"/>
-          <a:chOff x="0" y="0"/>
-          <a:chExt cx="0" cy="0"/>
-        </a:xfrm>
-      </p:grpSpPr>
-      <p:sp>
-        <p:nvSpPr>
-          <p:cNvPr id="2" name="Образ слайда 1"/>
-          <p:cNvSpPr>
-            <a:spLocks noGrp="1" noRot="1" noChangeAspect="1"/>
-          </p:cNvSpPr>
-          <p:nvPr>
-            <p:ph type="sldImg"/>
-          </p:nvPr>
-        </p:nvSpPr>
-        <p:spPr/>
-      </p:sp>
-      <p:sp>
-        <p:nvSpPr>
-          <p:cNvPr id="3" name="Заметки 2"/>
-          <p:cNvSpPr>
-            <a:spLocks noGrp="1"/>
-          </p:cNvSpPr>
-          <p:nvPr>
-            <p:ph type="body" idx="1"/>
-          </p:nvPr>
-        </p:nvSpPr>
-        <p:spPr/>
-        <p:txBody>
-          <a:bodyPr/>
-          <a:lstStyle/>
-          <a:p>
-            <a:endParaRPr lang="ru-RU" dirty="0"/>
-          </a:p>
-        </p:txBody>
-      </p:sp>
-      <p:sp>
-        <p:nvSpPr>
-          <p:cNvPr id="4" name="Номер слайда 3"/>
-          <p:cNvSpPr>
-            <a:spLocks noGrp="1"/>
-          </p:cNvSpPr>
-          <p:nvPr>
-            <p:ph type="sldNum" sz="quarter" idx="10"/>
-          </p:nvPr>
-        </p:nvSpPr>
-        <p:spPr/>
-        <p:txBody>
-          <a:bodyPr/>
-          <a:lstStyle/>
-          <a:p>
-            <a:pPr rtl="0"/>
-            <a:fld id="{1B9A179D-2D27-49E2-B022-8EDDA2EFE682}" type="slidenum">
-              <a:rPr lang="ru-RU" smtClean="0"/>
-              <a:t>21</a:t>
-            </a:fld>
-            <a:endParaRPr lang="ru-RU" dirty="0"/>
-          </a:p>
-        </p:txBody>
-      </p:sp>
-    </p:spTree>
-    <p:extLst>
-      <p:ext uri="{BB962C8B-B14F-4D97-AF65-F5344CB8AC3E}">
-        <p14:creationId xmlns:p14="http://schemas.microsoft.com/office/powerpoint/2010/main" val="3454980106"/>
       </p:ext>
     </p:extLst>
   </p:cSld>
@@ -5062,7 +1539,7 @@
             <a:pPr rtl="0"/>
             <a:fld id="{140575E8-20DE-4252-9577-F47C50C1B37A}" type="datetime1">
               <a:rPr lang="ru-RU" smtClean="0"/>
-              <a:t>08.06.2018</a:t>
+              <a:t>10.06.2018</a:t>
             </a:fld>
             <a:endParaRPr lang="ru-RU" dirty="0"/>
           </a:p>
@@ -5677,7 +2154,7 @@
             <a:pPr rtl="0"/>
             <a:fld id="{4CBB2D27-AFF1-4B8F-B8A4-E700F781D02D}" type="datetime1">
               <a:rPr lang="ru-RU" smtClean="0"/>
-              <a:t>08.06.2018</a:t>
+              <a:t>10.06.2018</a:t>
             </a:fld>
             <a:endParaRPr lang="ru-RU" dirty="0"/>
           </a:p>
@@ -5867,7 +2344,7 @@
             <a:pPr rtl="0"/>
             <a:fld id="{6C80CA05-2CA9-48C2-A2A2-F70EC9B7976F}" type="datetime1">
               <a:rPr lang="ru-RU" smtClean="0"/>
-              <a:t>08.06.2018</a:t>
+              <a:t>10.06.2018</a:t>
             </a:fld>
             <a:endParaRPr lang="ru-RU" dirty="0"/>
           </a:p>
@@ -6207,7 +2684,7 @@
             <a:pPr rtl="0"/>
             <a:fld id="{B4A58D3D-3011-410D-B5E8-9AA1758E7836}" type="datetime1">
               <a:rPr lang="ru-RU" smtClean="0"/>
-              <a:t>08.06.2018</a:t>
+              <a:t>10.06.2018</a:t>
             </a:fld>
             <a:endParaRPr lang="ru-RU" dirty="0"/>
           </a:p>
@@ -6406,7 +2883,7 @@
             <a:pPr rtl="0"/>
             <a:fld id="{FDCF8B90-C5EE-4840-9D92-1C12066C774B}" type="datetime1">
               <a:rPr lang="ru-RU" smtClean="0"/>
-              <a:t>08.06.2018</a:t>
+              <a:t>10.06.2018</a:t>
             </a:fld>
             <a:endParaRPr lang="ru-RU" dirty="0"/>
           </a:p>
@@ -7588,7 +4065,7 @@
             <a:pPr rtl="0"/>
             <a:fld id="{D0B65557-1451-43E1-9AE5-4BF1475D4D1F}" type="datetime1">
               <a:rPr lang="ru-RU" smtClean="0"/>
-              <a:t>08.06.2018</a:t>
+              <a:t>10.06.2018</a:t>
             </a:fld>
             <a:endParaRPr lang="ru-RU" dirty="0"/>
           </a:p>
@@ -7979,7 +4456,7 @@
             <a:pPr rtl="0"/>
             <a:fld id="{62E58E16-40AA-41E4-A4FF-9BEA6A78A973}" type="datetime1">
               <a:rPr lang="ru-RU" smtClean="0"/>
-              <a:t>08.06.2018</a:t>
+              <a:t>10.06.2018</a:t>
             </a:fld>
             <a:endParaRPr lang="ru-RU" dirty="0"/>
           </a:p>
@@ -8117,7 +4594,7 @@
             <a:pPr rtl="0"/>
             <a:fld id="{475D3081-5B82-4D9C-864E-0FF48C8922DF}" type="datetime1">
               <a:rPr lang="ru-RU" smtClean="0"/>
-              <a:t>08.06.2018</a:t>
+              <a:t>10.06.2018</a:t>
             </a:fld>
             <a:endParaRPr lang="ru-RU" dirty="0"/>
           </a:p>
@@ -8231,7 +4708,7 @@
             <a:pPr rtl="0"/>
             <a:fld id="{324F1F8F-3FA7-4DE2-BFC3-204A60A31AF6}" type="datetime1">
               <a:rPr lang="ru-RU" smtClean="0"/>
-              <a:t>08.06.2018</a:t>
+              <a:t>10.06.2018</a:t>
             </a:fld>
             <a:endParaRPr lang="ru-RU" dirty="0"/>
           </a:p>
@@ -8530,7 +5007,7 @@
             <a:pPr rtl="0"/>
             <a:fld id="{5144496B-DA29-42D1-8823-4C2E233F6E2C}" type="datetime1">
               <a:rPr lang="ru-RU" smtClean="0"/>
-              <a:t>08.06.2018</a:t>
+              <a:t>10.06.2018</a:t>
             </a:fld>
             <a:endParaRPr lang="ru-RU" dirty="0"/>
           </a:p>
@@ -8917,7 +5394,7 @@
             <a:pPr rtl="0"/>
             <a:fld id="{29BD460F-BF29-45B1-9B3A-A20D54FADEC1}" type="datetime1">
               <a:rPr lang="ru-RU" smtClean="0"/>
-              <a:t>08.06.2018</a:t>
+              <a:t>10.06.2018</a:t>
             </a:fld>
             <a:endParaRPr lang="ru-RU" dirty="0"/>
           </a:p>
@@ -11007,7 +7484,7 @@
       </p:grpSpPr>
       <p:pic>
         <p:nvPicPr>
-          <p:cNvPr id="2" name="Рисунок 1"/>
+          <p:cNvPr id="3" name="Рисунок 2"/>
           <p:cNvPicPr>
             <a:picLocks noChangeAspect="1"/>
           </p:cNvPicPr>
@@ -11021,8 +7498,8 @@
         </p:blipFill>
         <p:spPr>
           <a:xfrm>
-            <a:off x="0" y="369702"/>
-            <a:ext cx="12137422" cy="6088247"/>
+            <a:off x="0" y="324464"/>
+            <a:ext cx="11998252" cy="6282813"/>
           </a:xfrm>
           <a:prstGeom prst="rect">
             <a:avLst/>
@@ -11078,9 +7555,86 @@
           <a:chExt cx="0" cy="0"/>
         </a:xfrm>
       </p:grpSpPr>
+      <p:sp>
+        <p:nvSpPr>
+          <p:cNvPr id="2" name="Заголовок 1"/>
+          <p:cNvSpPr>
+            <a:spLocks noGrp="1"/>
+          </p:cNvSpPr>
+          <p:nvPr>
+            <p:ph type="title"/>
+          </p:nvPr>
+        </p:nvSpPr>
+        <p:spPr/>
+        <p:txBody>
+          <a:bodyPr/>
+          <a:lstStyle/>
+          <a:p>
+            <a:r>
+              <a:rPr lang="ru-RU" dirty="0" smtClean="0"/>
+              <a:t>Интерфейс </a:t>
+            </a:r>
+            <a:r>
+              <a:rPr lang="en-US" dirty="0" smtClean="0"/>
+              <a:t>web-</a:t>
+            </a:r>
+            <a:r>
+              <a:rPr lang="uk-UA" dirty="0" err="1" smtClean="0"/>
+              <a:t>приложения</a:t>
+            </a:r>
+            <a:endParaRPr lang="ru-RU" dirty="0"/>
+          </a:p>
+        </p:txBody>
+      </p:sp>
+      <p:sp>
+        <p:nvSpPr>
+          <p:cNvPr id="5" name="Прямоугольник 4"/>
+          <p:cNvSpPr/>
+          <p:nvPr/>
+        </p:nvSpPr>
+        <p:spPr>
+          <a:xfrm>
+            <a:off x="0" y="1516380"/>
+            <a:ext cx="12192000" cy="5341620"/>
+          </a:xfrm>
+          <a:prstGeom prst="rect">
+            <a:avLst/>
+          </a:prstGeom>
+          <a:solidFill>
+            <a:schemeClr val="bg1"/>
+          </a:solidFill>
+          <a:ln>
+            <a:noFill/>
+          </a:ln>
+        </p:spPr>
+        <p:style>
+          <a:lnRef idx="2">
+            <a:schemeClr val="accent1">
+              <a:shade val="50000"/>
+            </a:schemeClr>
+          </a:lnRef>
+          <a:fillRef idx="1">
+            <a:schemeClr val="accent1"/>
+          </a:fillRef>
+          <a:effectRef idx="0">
+            <a:schemeClr val="accent1"/>
+          </a:effectRef>
+          <a:fontRef idx="minor">
+            <a:schemeClr val="lt1"/>
+          </a:fontRef>
+        </p:style>
+        <p:txBody>
+          <a:bodyPr rtlCol="0" anchor="ctr"/>
+          <a:lstStyle/>
+          <a:p>
+            <a:pPr algn="ctr"/>
+            <a:endParaRPr lang="ru-RU"/>
+          </a:p>
+        </p:txBody>
+      </p:sp>
       <p:pic>
         <p:nvPicPr>
-          <p:cNvPr id="2" name="Рисунок 1"/>
+          <p:cNvPr id="7" name="Рисунок 6"/>
           <p:cNvPicPr>
             <a:picLocks noChangeAspect="1"/>
           </p:cNvPicPr>
@@ -11094,8 +7648,32 @@
         </p:blipFill>
         <p:spPr>
           <a:xfrm>
-            <a:off x="0" y="495300"/>
-            <a:ext cx="12142940" cy="5695950"/>
+            <a:off x="1124177" y="2134870"/>
+            <a:ext cx="3876675" cy="4104640"/>
+          </a:xfrm>
+          <a:prstGeom prst="rect">
+            <a:avLst/>
+          </a:prstGeom>
+        </p:spPr>
+      </p:pic>
+      <p:pic>
+        <p:nvPicPr>
+          <p:cNvPr id="8" name="Рисунок 7"/>
+          <p:cNvPicPr>
+            <a:picLocks noChangeAspect="1"/>
+          </p:cNvPicPr>
+          <p:nvPr/>
+        </p:nvPicPr>
+        <p:blipFill>
+          <a:blip r:embed="rId3"/>
+          <a:stretch>
+            <a:fillRect/>
+          </a:stretch>
+        </p:blipFill>
+        <p:spPr>
+          <a:xfrm>
+            <a:off x="7037098" y="2134870"/>
+            <a:ext cx="3859502" cy="4104640"/>
           </a:xfrm>
           <a:prstGeom prst="rect">
             <a:avLst/>
@@ -11105,7 +7683,7 @@
     </p:spTree>
     <p:extLst>
       <p:ext uri="{BB962C8B-B14F-4D97-AF65-F5344CB8AC3E}">
-        <p14:creationId xmlns:p14="http://schemas.microsoft.com/office/powerpoint/2010/main" val="388129792"/>
+        <p14:creationId xmlns:p14="http://schemas.microsoft.com/office/powerpoint/2010/main" val="4016605336"/>
       </p:ext>
     </p:extLst>
   </p:cSld>
@@ -11163,51 +7741,99 @@
         </p:nvSpPr>
         <p:spPr/>
         <p:txBody>
-          <a:bodyPr rtlCol="0"/>
+          <a:bodyPr/>
           <a:lstStyle/>
           <a:p>
-            <a:pPr rtl="0"/>
             <a:r>
               <a:rPr lang="ru-RU" dirty="0" smtClean="0"/>
-              <a:t>Макет заголовка и объекта со </a:t>
-            </a:r>
-            <a:r>
-              <a:rPr lang="ru-RU" dirty="0" err="1" smtClean="0"/>
-              <a:t>SmartArt</a:t>
+              <a:t>Интерфейс </a:t>
+            </a:r>
+            <a:r>
+              <a:rPr lang="en-US" dirty="0" smtClean="0"/>
+              <a:t>web-</a:t>
+            </a:r>
+            <a:r>
+              <a:rPr lang="uk-UA" dirty="0" err="1" smtClean="0"/>
+              <a:t>приложения</a:t>
             </a:r>
             <a:endParaRPr lang="ru-RU" dirty="0"/>
           </a:p>
         </p:txBody>
       </p:sp>
-      <p:graphicFrame>
-        <p:nvGraphicFramePr>
-          <p:cNvPr id="6" name="Объект 5" descr="Простая схема с шевронами, показывающая 4 этапа, расположенные слева направо"/>
-          <p:cNvGraphicFramePr>
-            <a:graphicFrameLocks noGrp="1"/>
-          </p:cNvGraphicFramePr>
-          <p:nvPr>
-            <p:ph idx="1"/>
-            <p:extLst>
-              <p:ext uri="{D42A27DB-BD31-4B8C-83A1-F6EECF244321}">
-                <p14:modId xmlns:p14="http://schemas.microsoft.com/office/powerpoint/2010/main" val="3386389685"/>
-              </p:ext>
-            </p:extLst>
-          </p:nvPr>
-        </p:nvGraphicFramePr>
-        <p:xfrm>
-          <a:off x="1295400" y="1828800"/>
-          <a:ext cx="9601200" cy="4343400"/>
-        </p:xfrm>
-        <a:graphic>
-          <a:graphicData uri="http://schemas.openxmlformats.org/drawingml/2006/diagram">
-            <dgm:relIds xmlns:dgm="http://schemas.openxmlformats.org/drawingml/2006/diagram" xmlns:r="http://schemas.openxmlformats.org/officeDocument/2006/relationships" r:dm="rId3" r:lo="rId4" r:qs="rId5" r:cs="rId6"/>
-          </a:graphicData>
-        </a:graphic>
-      </p:graphicFrame>
+      <p:sp>
+        <p:nvSpPr>
+          <p:cNvPr id="5" name="Прямоугольник 4"/>
+          <p:cNvSpPr/>
+          <p:nvPr/>
+        </p:nvSpPr>
+        <p:spPr>
+          <a:xfrm>
+            <a:off x="0" y="1516380"/>
+            <a:ext cx="12192000" cy="5341620"/>
+          </a:xfrm>
+          <a:prstGeom prst="rect">
+            <a:avLst/>
+          </a:prstGeom>
+          <a:solidFill>
+            <a:schemeClr val="bg1"/>
+          </a:solidFill>
+          <a:ln>
+            <a:noFill/>
+          </a:ln>
+        </p:spPr>
+        <p:style>
+          <a:lnRef idx="2">
+            <a:schemeClr val="accent1">
+              <a:shade val="50000"/>
+            </a:schemeClr>
+          </a:lnRef>
+          <a:fillRef idx="1">
+            <a:schemeClr val="accent1"/>
+          </a:fillRef>
+          <a:effectRef idx="0">
+            <a:schemeClr val="accent1"/>
+          </a:effectRef>
+          <a:fontRef idx="minor">
+            <a:schemeClr val="lt1"/>
+          </a:fontRef>
+        </p:style>
+        <p:txBody>
+          <a:bodyPr rtlCol="0" anchor="ctr"/>
+          <a:lstStyle/>
+          <a:p>
+            <a:pPr algn="ctr"/>
+            <a:endParaRPr lang="ru-RU"/>
+          </a:p>
+        </p:txBody>
+      </p:sp>
+      <p:pic>
+        <p:nvPicPr>
+          <p:cNvPr id="6" name="Рисунок 5"/>
+          <p:cNvPicPr>
+            <a:picLocks noChangeAspect="1"/>
+          </p:cNvPicPr>
+          <p:nvPr/>
+        </p:nvPicPr>
+        <p:blipFill>
+          <a:blip r:embed="rId2"/>
+          <a:stretch>
+            <a:fillRect/>
+          </a:stretch>
+        </p:blipFill>
+        <p:spPr>
+          <a:xfrm>
+            <a:off x="2357532" y="1667147"/>
+            <a:ext cx="7476936" cy="5040086"/>
+          </a:xfrm>
+          <a:prstGeom prst="rect">
+            <a:avLst/>
+          </a:prstGeom>
+        </p:spPr>
+      </p:pic>
     </p:spTree>
     <p:extLst>
       <p:ext uri="{BB962C8B-B14F-4D97-AF65-F5344CB8AC3E}">
-        <p14:creationId xmlns:p14="http://schemas.microsoft.com/office/powerpoint/2010/main" val="3112142608"/>
+        <p14:creationId xmlns:p14="http://schemas.microsoft.com/office/powerpoint/2010/main" val="3439962989"/>
       </p:ext>
     </p:extLst>
   </p:cSld>
@@ -11260,18 +7886,25 @@
             <a:spLocks noGrp="1"/>
           </p:cNvSpPr>
           <p:nvPr>
-            <p:ph type="ctrTitle"/>
+            <p:ph type="title"/>
           </p:nvPr>
         </p:nvSpPr>
         <p:spPr/>
         <p:txBody>
-          <a:bodyPr rtlCol="0"/>
+          <a:bodyPr/>
           <a:lstStyle/>
           <a:p>
-            <a:pPr rtl="0"/>
             <a:r>
               <a:rPr lang="ru-RU" dirty="0" smtClean="0"/>
-              <a:t>Добавить заголовок слайда — 1</a:t>
+              <a:t>Интерфейс </a:t>
+            </a:r>
+            <a:r>
+              <a:rPr lang="en-US" dirty="0" smtClean="0"/>
+              <a:t>web-</a:t>
+            </a:r>
+            <a:r>
+              <a:rPr lang="uk-UA" dirty="0" err="1" smtClean="0"/>
+              <a:t>приложения</a:t>
             </a:r>
             <a:endParaRPr lang="ru-RU" dirty="0"/>
           </a:p>
@@ -11279,28 +7912,78 @@
       </p:sp>
       <p:sp>
         <p:nvSpPr>
-          <p:cNvPr id="4" name="Подзаголовок 3"/>
-          <p:cNvSpPr>
-            <a:spLocks noGrp="1"/>
-          </p:cNvSpPr>
-          <p:nvPr>
-            <p:ph type="subTitle" idx="1"/>
-          </p:nvPr>
+          <p:cNvPr id="5" name="Прямоугольник 4"/>
+          <p:cNvSpPr/>
+          <p:nvPr/>
         </p:nvSpPr>
-        <p:spPr/>
+        <p:spPr>
+          <a:xfrm>
+            <a:off x="0" y="1516380"/>
+            <a:ext cx="12192000" cy="5341620"/>
+          </a:xfrm>
+          <a:prstGeom prst="rect">
+            <a:avLst/>
+          </a:prstGeom>
+          <a:solidFill>
+            <a:schemeClr val="bg1"/>
+          </a:solidFill>
+          <a:ln>
+            <a:noFill/>
+          </a:ln>
+        </p:spPr>
+        <p:style>
+          <a:lnRef idx="2">
+            <a:schemeClr val="accent1">
+              <a:shade val="50000"/>
+            </a:schemeClr>
+          </a:lnRef>
+          <a:fillRef idx="1">
+            <a:schemeClr val="accent1"/>
+          </a:fillRef>
+          <a:effectRef idx="0">
+            <a:schemeClr val="accent1"/>
+          </a:effectRef>
+          <a:fontRef idx="minor">
+            <a:schemeClr val="lt1"/>
+          </a:fontRef>
+        </p:style>
         <p:txBody>
-          <a:bodyPr rtlCol="0"/>
+          <a:bodyPr rtlCol="0" anchor="ctr"/>
           <a:lstStyle/>
           <a:p>
-            <a:pPr rtl="0"/>
-            <a:endParaRPr lang="ru-RU" dirty="0"/>
+            <a:pPr algn="ctr"/>
+            <a:endParaRPr lang="ru-RU"/>
           </a:p>
         </p:txBody>
       </p:sp>
+      <p:pic>
+        <p:nvPicPr>
+          <p:cNvPr id="7" name="Рисунок 6"/>
+          <p:cNvPicPr>
+            <a:picLocks noChangeAspect="1"/>
+          </p:cNvPicPr>
+          <p:nvPr/>
+        </p:nvPicPr>
+        <p:blipFill>
+          <a:blip r:embed="rId2"/>
+          <a:stretch>
+            <a:fillRect/>
+          </a:stretch>
+        </p:blipFill>
+        <p:spPr>
+          <a:xfrm>
+            <a:off x="3651022" y="1952942"/>
+            <a:ext cx="4699182" cy="4099515"/>
+          </a:xfrm>
+          <a:prstGeom prst="rect">
+            <a:avLst/>
+          </a:prstGeom>
+        </p:spPr>
+      </p:pic>
     </p:spTree>
     <p:extLst>
       <p:ext uri="{BB962C8B-B14F-4D97-AF65-F5344CB8AC3E}">
-        <p14:creationId xmlns:p14="http://schemas.microsoft.com/office/powerpoint/2010/main" val="1636679273"/>
+        <p14:creationId xmlns:p14="http://schemas.microsoft.com/office/powerpoint/2010/main" val="2966149239"/>
       </p:ext>
     </p:extLst>
   </p:cSld>
@@ -11358,13 +8041,12 @@
         </p:nvSpPr>
         <p:spPr/>
         <p:txBody>
-          <a:bodyPr rtlCol="0"/>
+          <a:bodyPr/>
           <a:lstStyle/>
           <a:p>
-            <a:pPr rtl="0"/>
             <a:r>
               <a:rPr lang="ru-RU" dirty="0" smtClean="0"/>
-              <a:t>Добавить заголовок слайда — 2</a:t>
+              <a:t>Интерфейс web-приложения</a:t>
             </a:r>
             <a:endParaRPr lang="ru-RU" dirty="0"/>
           </a:p>
@@ -11372,28 +8054,78 @@
       </p:sp>
       <p:sp>
         <p:nvSpPr>
-          <p:cNvPr id="4" name="Текст 3"/>
-          <p:cNvSpPr>
-            <a:spLocks noGrp="1"/>
-          </p:cNvSpPr>
-          <p:nvPr>
-            <p:ph type="body" idx="1"/>
-          </p:nvPr>
+          <p:cNvPr id="5" name="Прямоугольник 4"/>
+          <p:cNvSpPr/>
+          <p:nvPr/>
         </p:nvSpPr>
-        <p:spPr/>
+        <p:spPr>
+          <a:xfrm>
+            <a:off x="0" y="1516380"/>
+            <a:ext cx="12192000" cy="5341620"/>
+          </a:xfrm>
+          <a:prstGeom prst="rect">
+            <a:avLst/>
+          </a:prstGeom>
+          <a:solidFill>
+            <a:schemeClr val="bg1"/>
+          </a:solidFill>
+          <a:ln>
+            <a:noFill/>
+          </a:ln>
+        </p:spPr>
+        <p:style>
+          <a:lnRef idx="2">
+            <a:schemeClr val="accent1">
+              <a:shade val="50000"/>
+            </a:schemeClr>
+          </a:lnRef>
+          <a:fillRef idx="1">
+            <a:schemeClr val="accent1"/>
+          </a:fillRef>
+          <a:effectRef idx="0">
+            <a:schemeClr val="accent1"/>
+          </a:effectRef>
+          <a:fontRef idx="minor">
+            <a:schemeClr val="lt1"/>
+          </a:fontRef>
+        </p:style>
         <p:txBody>
-          <a:bodyPr rtlCol="0"/>
+          <a:bodyPr rtlCol="0" anchor="ctr"/>
           <a:lstStyle/>
           <a:p>
-            <a:pPr rtl="0"/>
-            <a:endParaRPr lang="ru-RU" dirty="0"/>
+            <a:pPr algn="ctr"/>
+            <a:endParaRPr lang="ru-RU"/>
           </a:p>
         </p:txBody>
       </p:sp>
+      <p:pic>
+        <p:nvPicPr>
+          <p:cNvPr id="6" name="Рисунок 5"/>
+          <p:cNvPicPr>
+            <a:picLocks noChangeAspect="1"/>
+          </p:cNvPicPr>
+          <p:nvPr/>
+        </p:nvPicPr>
+        <p:blipFill>
+          <a:blip r:embed="rId2"/>
+          <a:stretch>
+            <a:fillRect/>
+          </a:stretch>
+        </p:blipFill>
+        <p:spPr>
+          <a:xfrm>
+            <a:off x="1295400" y="1756318"/>
+            <a:ext cx="9851571" cy="4849015"/>
+          </a:xfrm>
+          <a:prstGeom prst="rect">
+            <a:avLst/>
+          </a:prstGeom>
+        </p:spPr>
+      </p:pic>
     </p:spTree>
     <p:extLst>
       <p:ext uri="{BB962C8B-B14F-4D97-AF65-F5344CB8AC3E}">
-        <p14:creationId xmlns:p14="http://schemas.microsoft.com/office/powerpoint/2010/main" val="3374778722"/>
+        <p14:creationId xmlns:p14="http://schemas.microsoft.com/office/powerpoint/2010/main" val="4224263220"/>
       </p:ext>
     </p:extLst>
   </p:cSld>
@@ -11449,15 +8181,19 @@
             <p:ph type="title"/>
           </p:nvPr>
         </p:nvSpPr>
-        <p:spPr/>
+        <p:spPr>
+          <a:xfrm>
+            <a:off x="798285" y="255134"/>
+            <a:ext cx="11553371" cy="1036850"/>
+          </a:xfrm>
+        </p:spPr>
         <p:txBody>
-          <a:bodyPr rtlCol="0"/>
+          <a:bodyPr/>
           <a:lstStyle/>
           <a:p>
-            <a:pPr rtl="0"/>
             <a:r>
               <a:rPr lang="ru-RU" dirty="0" smtClean="0"/>
-              <a:t>Добавить заголовок слайда — 3</a:t>
+              <a:t>Интерфейс web-приложения. Окно настроек аккаунта</a:t>
             </a:r>
             <a:endParaRPr lang="ru-RU" dirty="0"/>
           </a:p>
@@ -11465,88 +8201,78 @@
       </p:sp>
       <p:sp>
         <p:nvSpPr>
-          <p:cNvPr id="11" name="Текст 10"/>
-          <p:cNvSpPr>
-            <a:spLocks noGrp="1"/>
-          </p:cNvSpPr>
-          <p:nvPr>
-            <p:ph type="body" idx="1"/>
-          </p:nvPr>
+          <p:cNvPr id="5" name="Прямоугольник 4"/>
+          <p:cNvSpPr/>
+          <p:nvPr/>
         </p:nvSpPr>
-        <p:spPr/>
+        <p:spPr>
+          <a:xfrm>
+            <a:off x="0" y="1516380"/>
+            <a:ext cx="12192000" cy="5341620"/>
+          </a:xfrm>
+          <a:prstGeom prst="rect">
+            <a:avLst/>
+          </a:prstGeom>
+          <a:solidFill>
+            <a:schemeClr val="bg1"/>
+          </a:solidFill>
+          <a:ln>
+            <a:noFill/>
+          </a:ln>
+        </p:spPr>
+        <p:style>
+          <a:lnRef idx="2">
+            <a:schemeClr val="accent1">
+              <a:shade val="50000"/>
+            </a:schemeClr>
+          </a:lnRef>
+          <a:fillRef idx="1">
+            <a:schemeClr val="accent1"/>
+          </a:fillRef>
+          <a:effectRef idx="0">
+            <a:schemeClr val="accent1"/>
+          </a:effectRef>
+          <a:fontRef idx="minor">
+            <a:schemeClr val="lt1"/>
+          </a:fontRef>
+        </p:style>
         <p:txBody>
-          <a:bodyPr rtlCol="0"/>
+          <a:bodyPr rtlCol="0" anchor="ctr"/>
           <a:lstStyle/>
           <a:p>
-            <a:pPr rtl="0"/>
-            <a:endParaRPr lang="ru-RU" dirty="0"/>
+            <a:pPr algn="ctr"/>
+            <a:endParaRPr lang="ru-RU"/>
           </a:p>
         </p:txBody>
       </p:sp>
-      <p:sp>
-        <p:nvSpPr>
-          <p:cNvPr id="12" name="Объект 11"/>
-          <p:cNvSpPr>
-            <a:spLocks noGrp="1"/>
-          </p:cNvSpPr>
-          <p:nvPr>
-            <p:ph sz="half" idx="2"/>
-          </p:nvPr>
-        </p:nvSpPr>
-        <p:spPr/>
-        <p:txBody>
-          <a:bodyPr rtlCol="0"/>
-          <a:lstStyle/>
-          <a:p>
-            <a:pPr rtl="0"/>
-            <a:endParaRPr lang="ru-RU" dirty="0"/>
-          </a:p>
-        </p:txBody>
-      </p:sp>
-      <p:sp>
-        <p:nvSpPr>
-          <p:cNvPr id="13" name="Текст 12"/>
-          <p:cNvSpPr>
-            <a:spLocks noGrp="1"/>
-          </p:cNvSpPr>
-          <p:nvPr>
-            <p:ph type="body" sz="quarter" idx="3"/>
-          </p:nvPr>
-        </p:nvSpPr>
-        <p:spPr/>
-        <p:txBody>
-          <a:bodyPr rtlCol="0"/>
-          <a:lstStyle/>
-          <a:p>
-            <a:pPr rtl="0"/>
-            <a:endParaRPr lang="ru-RU" dirty="0"/>
-          </a:p>
-        </p:txBody>
-      </p:sp>
-      <p:sp>
-        <p:nvSpPr>
-          <p:cNvPr id="14" name="Объект 13"/>
-          <p:cNvSpPr>
-            <a:spLocks noGrp="1"/>
-          </p:cNvSpPr>
-          <p:nvPr>
-            <p:ph sz="quarter" idx="4"/>
-          </p:nvPr>
-        </p:nvSpPr>
-        <p:spPr/>
-        <p:txBody>
-          <a:bodyPr rtlCol="0"/>
-          <a:lstStyle/>
-          <a:p>
-            <a:pPr rtl="0"/>
-            <a:endParaRPr lang="ru-RU" dirty="0"/>
-          </a:p>
-        </p:txBody>
-      </p:sp>
+      <p:pic>
+        <p:nvPicPr>
+          <p:cNvPr id="7" name="Рисунок 6"/>
+          <p:cNvPicPr>
+            <a:picLocks noChangeAspect="1"/>
+          </p:cNvPicPr>
+          <p:nvPr/>
+        </p:nvPicPr>
+        <p:blipFill>
+          <a:blip r:embed="rId2"/>
+          <a:stretch>
+            <a:fillRect/>
+          </a:stretch>
+        </p:blipFill>
+        <p:spPr>
+          <a:xfrm>
+            <a:off x="2423719" y="1683362"/>
+            <a:ext cx="7344562" cy="5007656"/>
+          </a:xfrm>
+          <a:prstGeom prst="rect">
+            <a:avLst/>
+          </a:prstGeom>
+        </p:spPr>
+      </p:pic>
     </p:spTree>
     <p:extLst>
       <p:ext uri="{BB962C8B-B14F-4D97-AF65-F5344CB8AC3E}">
-        <p14:creationId xmlns:p14="http://schemas.microsoft.com/office/powerpoint/2010/main" val="737118897"/>
+        <p14:creationId xmlns:p14="http://schemas.microsoft.com/office/powerpoint/2010/main" val="3374446537"/>
       </p:ext>
     </p:extLst>
   </p:cSld>
@@ -12339,33 +9065,137 @@
         </p:nvSpPr>
         <p:spPr/>
         <p:txBody>
-          <a:bodyPr rtlCol="0"/>
+          <a:bodyPr/>
           <a:lstStyle/>
           <a:p>
             <a:r>
               <a:rPr lang="ru-RU" dirty="0" smtClean="0"/>
-              <a:t>Добавить заголовок </a:t>
-            </a:r>
-            <a:r>
-              <a:rPr lang="ru-RU" smtClean="0"/>
-              <a:t>слайда </a:t>
-            </a:r>
-            <a:r>
-              <a:rPr lang="ru-RU"/>
-              <a:t>— </a:t>
-            </a:r>
-            <a:r>
-              <a:rPr lang="ru-RU" dirty="0" smtClean="0"/>
-              <a:t>4</a:t>
+              <a:t>Приложения для серверов-хранилищ</a:t>
             </a:r>
             <a:endParaRPr lang="ru-RU" dirty="0"/>
           </a:p>
         </p:txBody>
       </p:sp>
+      <p:sp>
+        <p:nvSpPr>
+          <p:cNvPr id="5" name="Прямоугольник 4"/>
+          <p:cNvSpPr/>
+          <p:nvPr/>
+        </p:nvSpPr>
+        <p:spPr>
+          <a:xfrm>
+            <a:off x="0" y="1516380"/>
+            <a:ext cx="12192000" cy="5341620"/>
+          </a:xfrm>
+          <a:prstGeom prst="rect">
+            <a:avLst/>
+          </a:prstGeom>
+          <a:solidFill>
+            <a:schemeClr val="bg1"/>
+          </a:solidFill>
+          <a:ln>
+            <a:noFill/>
+          </a:ln>
+        </p:spPr>
+        <p:style>
+          <a:lnRef idx="2">
+            <a:schemeClr val="accent1">
+              <a:shade val="50000"/>
+            </a:schemeClr>
+          </a:lnRef>
+          <a:fillRef idx="1">
+            <a:schemeClr val="accent1"/>
+          </a:fillRef>
+          <a:effectRef idx="0">
+            <a:schemeClr val="accent1"/>
+          </a:effectRef>
+          <a:fontRef idx="minor">
+            <a:schemeClr val="lt1"/>
+          </a:fontRef>
+        </p:style>
+        <p:txBody>
+          <a:bodyPr rtlCol="0" anchor="ctr"/>
+          <a:lstStyle/>
+          <a:p>
+            <a:pPr algn="ctr"/>
+            <a:endParaRPr lang="ru-RU"/>
+          </a:p>
+        </p:txBody>
+      </p:sp>
+      <p:pic>
+        <p:nvPicPr>
+          <p:cNvPr id="6" name="Рисунок 5" descr="C:\Users\Иван\Desktop\Screenshot_2018-06-09-12-05-07.png"/>
+          <p:cNvPicPr>
+            <a:picLocks noChangeAspect="1" noChangeArrowheads="1"/>
+          </p:cNvPicPr>
+          <p:nvPr/>
+        </p:nvPicPr>
+        <p:blipFill>
+          <a:blip r:embed="rId2" cstate="print">
+            <a:extLst>
+              <a:ext uri="{28A0092B-C50C-407E-A947-70E740481C1C}">
+                <a14:useLocalDpi xmlns:a14="http://schemas.microsoft.com/office/drawing/2010/main" val="0"/>
+              </a:ext>
+            </a:extLst>
+          </a:blip>
+          <a:srcRect/>
+          <a:stretch>
+            <a:fillRect/>
+          </a:stretch>
+        </p:blipFill>
+        <p:spPr>
+          <a:xfrm>
+            <a:off x="1926589" y="1719026"/>
+            <a:ext cx="2892153" cy="4936327"/>
+          </a:xfrm>
+          <a:prstGeom prst="rect">
+            <a:avLst/>
+          </a:prstGeom>
+          <a:noFill/>
+          <a:ln>
+            <a:noFill/>
+          </a:ln>
+        </p:spPr>
+      </p:pic>
+      <p:pic>
+        <p:nvPicPr>
+          <p:cNvPr id="8" name="Рисунок 7" descr="C:\Users\Иван\Desktop\Screenshot_2018-06-09-12-04-32.png"/>
+          <p:cNvPicPr>
+            <a:picLocks noChangeAspect="1" noChangeArrowheads="1"/>
+          </p:cNvPicPr>
+          <p:nvPr/>
+        </p:nvPicPr>
+        <p:blipFill>
+          <a:blip r:embed="rId3">
+            <a:extLst>
+              <a:ext uri="{28A0092B-C50C-407E-A947-70E740481C1C}">
+                <a14:useLocalDpi xmlns:a14="http://schemas.microsoft.com/office/drawing/2010/main" val="0"/>
+              </a:ext>
+            </a:extLst>
+          </a:blip>
+          <a:srcRect/>
+          <a:stretch>
+            <a:fillRect/>
+          </a:stretch>
+        </p:blipFill>
+        <p:spPr>
+          <a:xfrm>
+            <a:off x="7025453" y="1719026"/>
+            <a:ext cx="2892459" cy="4936327"/>
+          </a:xfrm>
+          <a:prstGeom prst="rect">
+            <a:avLst/>
+          </a:prstGeom>
+          <a:noFill/>
+          <a:ln>
+            <a:noFill/>
+          </a:ln>
+        </p:spPr>
+      </p:pic>
     </p:spTree>
     <p:extLst>
       <p:ext uri="{BB962C8B-B14F-4D97-AF65-F5344CB8AC3E}">
-        <p14:creationId xmlns:p14="http://schemas.microsoft.com/office/powerpoint/2010/main" val="3061729273"/>
+        <p14:creationId xmlns:p14="http://schemas.microsoft.com/office/powerpoint/2010/main" val="2367912166"/>
       </p:ext>
     </p:extLst>
   </p:cSld>
@@ -12384,6 +9214,13 @@
       </p:transition>
     </mc:Fallback>
   </mc:AlternateContent>
+  <p:timing>
+    <p:tnLst>
+      <p:par>
+        <p:cTn id="1" dur="indefinite" restart="never" nodeType="tmRoot"/>
+      </p:par>
+    </p:tnLst>
+  </p:timing>
 </p:sld>
 </file>
 
@@ -12404,10 +9241,96 @@
           <a:chExt cx="0" cy="0"/>
         </a:xfrm>
       </p:grpSpPr>
+      <p:sp>
+        <p:nvSpPr>
+          <p:cNvPr id="2" name="Заголовок 1"/>
+          <p:cNvSpPr>
+            <a:spLocks noGrp="1"/>
+          </p:cNvSpPr>
+          <p:nvPr>
+            <p:ph type="title"/>
+          </p:nvPr>
+        </p:nvSpPr>
+        <p:spPr/>
+        <p:txBody>
+          <a:bodyPr/>
+          <a:lstStyle/>
+          <a:p>
+            <a:r>
+              <a:rPr lang="ru-RU" dirty="0" smtClean="0"/>
+              <a:t>Диаграмма классов проекта </a:t>
+            </a:r>
+            <a:r>
+              <a:rPr lang="en-US" dirty="0" err="1" smtClean="0"/>
+              <a:t>CloudService</a:t>
+            </a:r>
+            <a:r>
+              <a:rPr lang="en-US" dirty="0" smtClean="0"/>
+              <a:t> </a:t>
+            </a:r>
+            <a:r>
+              <a:rPr lang="ru-RU" dirty="0" smtClean="0"/>
+              <a:t>и </a:t>
+            </a:r>
+            <a:r>
+              <a:rPr lang="en-US" dirty="0" err="1" smtClean="0"/>
+              <a:t>LoadBalancerSvc</a:t>
+            </a:r>
+            <a:endParaRPr lang="uk-UA" dirty="0"/>
+          </a:p>
+        </p:txBody>
+      </p:sp>
+      <p:pic>
+        <p:nvPicPr>
+          <p:cNvPr id="3" name="Рисунок 2"/>
+          <p:cNvPicPr>
+            <a:picLocks noChangeAspect="1"/>
+          </p:cNvPicPr>
+          <p:nvPr/>
+        </p:nvPicPr>
+        <p:blipFill rotWithShape="1">
+          <a:blip r:embed="rId2"/>
+          <a:srcRect b="49340"/>
+          <a:stretch/>
+        </p:blipFill>
+        <p:spPr>
+          <a:xfrm>
+            <a:off x="165643" y="1817641"/>
+            <a:ext cx="6209907" cy="4162244"/>
+          </a:xfrm>
+          <a:prstGeom prst="rect">
+            <a:avLst/>
+          </a:prstGeom>
+        </p:spPr>
+      </p:pic>
+      <p:pic>
+        <p:nvPicPr>
+          <p:cNvPr id="4" name="Рисунок 3"/>
+          <p:cNvPicPr>
+            <a:picLocks noChangeAspect="1"/>
+          </p:cNvPicPr>
+          <p:nvPr/>
+        </p:nvPicPr>
+        <p:blipFill>
+          <a:blip r:embed="rId3"/>
+          <a:stretch>
+            <a:fillRect/>
+          </a:stretch>
+        </p:blipFill>
+        <p:spPr>
+          <a:xfrm>
+            <a:off x="6313079" y="1817641"/>
+            <a:ext cx="5878921" cy="4759598"/>
+          </a:xfrm>
+          <a:prstGeom prst="rect">
+            <a:avLst/>
+          </a:prstGeom>
+        </p:spPr>
+      </p:pic>
     </p:spTree>
     <p:extLst>
       <p:ext uri="{BB962C8B-B14F-4D97-AF65-F5344CB8AC3E}">
-        <p14:creationId xmlns:p14="http://schemas.microsoft.com/office/powerpoint/2010/main" val="1455343978"/>
+        <p14:creationId xmlns:p14="http://schemas.microsoft.com/office/powerpoint/2010/main" val="4031032384"/>
       </p:ext>
     </p:extLst>
   </p:cSld>
@@ -12465,62 +9388,49 @@
         </p:nvSpPr>
         <p:spPr/>
         <p:txBody>
-          <a:bodyPr rtlCol="0"/>
+          <a:bodyPr/>
           <a:lstStyle/>
           <a:p>
-            <a:pPr rtl="0"/>
             <a:r>
               <a:rPr lang="ru-RU" dirty="0" smtClean="0"/>
-              <a:t>Добавить заголовок слайда — 5</a:t>
-            </a:r>
-            <a:endParaRPr lang="ru-RU" dirty="0"/>
+              <a:t>Диаграмма классов проекта </a:t>
+            </a:r>
+            <a:r>
+              <a:rPr lang="en-US" dirty="0" err="1" smtClean="0"/>
+              <a:t>FDService</a:t>
+            </a:r>
+            <a:endParaRPr lang="uk-UA" dirty="0"/>
           </a:p>
         </p:txBody>
       </p:sp>
-      <p:sp>
-        <p:nvSpPr>
-          <p:cNvPr id="5" name="Объект 4"/>
-          <p:cNvSpPr>
-            <a:spLocks noGrp="1"/>
-          </p:cNvSpPr>
-          <p:nvPr>
-            <p:ph idx="1"/>
-          </p:nvPr>
-        </p:nvSpPr>
-        <p:spPr/>
-        <p:txBody>
-          <a:bodyPr rtlCol="0"/>
-          <a:lstStyle/>
-          <a:p>
-            <a:pPr rtl="0"/>
-            <a:endParaRPr lang="ru-RU" dirty="0"/>
-          </a:p>
-        </p:txBody>
-      </p:sp>
-      <p:sp>
-        <p:nvSpPr>
-          <p:cNvPr id="6" name="Текст 5"/>
-          <p:cNvSpPr>
-            <a:spLocks noGrp="1"/>
-          </p:cNvSpPr>
-          <p:nvPr>
-            <p:ph type="body" sz="half" idx="2"/>
-          </p:nvPr>
-        </p:nvSpPr>
-        <p:spPr/>
-        <p:txBody>
-          <a:bodyPr rtlCol="0"/>
-          <a:lstStyle/>
-          <a:p>
-            <a:pPr rtl="0"/>
-            <a:endParaRPr lang="ru-RU" dirty="0"/>
-          </a:p>
-        </p:txBody>
-      </p:sp>
+      <p:pic>
+        <p:nvPicPr>
+          <p:cNvPr id="3" name="Рисунок 2"/>
+          <p:cNvPicPr>
+            <a:picLocks noChangeAspect="1"/>
+          </p:cNvPicPr>
+          <p:nvPr/>
+        </p:nvPicPr>
+        <p:blipFill>
+          <a:blip r:embed="rId2"/>
+          <a:stretch>
+            <a:fillRect/>
+          </a:stretch>
+        </p:blipFill>
+        <p:spPr>
+          <a:xfrm>
+            <a:off x="620818" y="2406286"/>
+            <a:ext cx="10950363" cy="3065600"/>
+          </a:xfrm>
+          <a:prstGeom prst="rect">
+            <a:avLst/>
+          </a:prstGeom>
+        </p:spPr>
+      </p:pic>
     </p:spTree>
     <p:extLst>
       <p:ext uri="{BB962C8B-B14F-4D97-AF65-F5344CB8AC3E}">
-        <p14:creationId xmlns:p14="http://schemas.microsoft.com/office/powerpoint/2010/main" val="332843759"/>
+        <p14:creationId xmlns:p14="http://schemas.microsoft.com/office/powerpoint/2010/main" val="2900743428"/>
       </p:ext>
     </p:extLst>
   </p:cSld>
@@ -12539,6 +9449,13 @@
       </p:transition>
     </mc:Fallback>
   </mc:AlternateContent>
+  <p:timing>
+    <p:tnLst>
+      <p:par>
+        <p:cTn id="1" dur="indefinite" restart="never" nodeType="tmRoot"/>
+      </p:par>
+    </p:tnLst>
+  </p:timing>
 </p:sld>
 </file>
 
@@ -12559,66 +9476,51 @@
           <a:chExt cx="0" cy="0"/>
         </a:xfrm>
       </p:grpSpPr>
-      <p:sp>
-        <p:nvSpPr>
-          <p:cNvPr id="2" name="Заголовок 1"/>
-          <p:cNvSpPr>
-            <a:spLocks noGrp="1"/>
-          </p:cNvSpPr>
-          <p:nvPr>
-            <p:ph type="title"/>
-          </p:nvPr>
-        </p:nvSpPr>
-        <p:spPr/>
-        <p:txBody>
-          <a:bodyPr rtlCol="0"/>
-          <a:lstStyle/>
-          <a:p>
-            <a:pPr rtl="0"/>
-            <a:r>
-              <a:rPr lang="ru-RU" dirty="0" smtClean="0"/>
-              <a:t>Добавить заголовок слайда — 6</a:t>
-            </a:r>
-            <a:endParaRPr lang="ru-RU" dirty="0"/>
-          </a:p>
-        </p:txBody>
-      </p:sp>
-      <p:sp>
-        <p:nvSpPr>
-          <p:cNvPr id="5" name="Рисунок 4" descr="Пустой заполнитель, вместо которого можно добавить изображение. Щелкните заполнитель и выберите изображение, которое необходимо добавить"/>
-          <p:cNvSpPr>
-            <a:spLocks noGrp="1"/>
-          </p:cNvSpPr>
-          <p:nvPr>
-            <p:ph type="pic" idx="1"/>
-          </p:nvPr>
-        </p:nvSpPr>
-        <p:spPr/>
-      </p:sp>
-      <p:sp>
-        <p:nvSpPr>
-          <p:cNvPr id="6" name="Текст 5"/>
-          <p:cNvSpPr>
-            <a:spLocks noGrp="1"/>
-          </p:cNvSpPr>
-          <p:nvPr>
-            <p:ph type="body" sz="half" idx="2"/>
-          </p:nvPr>
-        </p:nvSpPr>
-        <p:spPr/>
-        <p:txBody>
-          <a:bodyPr rtlCol="0"/>
-          <a:lstStyle/>
-          <a:p>
-            <a:pPr rtl="0"/>
-            <a:endParaRPr lang="ru-RU" dirty="0"/>
-          </a:p>
-        </p:txBody>
-      </p:sp>
+      <p:pic>
+        <p:nvPicPr>
+          <p:cNvPr id="1026" name="Picture 2" descr="C:\Users\3C8A~1\AppData\Local\Temp\ksohtml\wps90DA.tmp.png"/>
+          <p:cNvPicPr>
+            <a:picLocks noChangeAspect="1" noChangeArrowheads="1"/>
+          </p:cNvPicPr>
+          <p:nvPr/>
+        </p:nvPicPr>
+        <p:blipFill>
+          <a:blip r:embed="rId2">
+            <a:extLst>
+              <a:ext uri="{28A0092B-C50C-407E-A947-70E740481C1C}">
+                <a14:useLocalDpi xmlns:a14="http://schemas.microsoft.com/office/drawing/2010/main" val="0"/>
+              </a:ext>
+            </a:extLst>
+          </a:blip>
+          <a:srcRect/>
+          <a:stretch>
+            <a:fillRect/>
+          </a:stretch>
+        </p:blipFill>
+        <p:spPr bwMode="auto">
+          <a:xfrm>
+            <a:off x="4093030" y="141630"/>
+            <a:ext cx="5316310" cy="6716370"/>
+          </a:xfrm>
+          <a:prstGeom prst="rect">
+            <a:avLst/>
+          </a:prstGeom>
+          <a:noFill/>
+          <a:extLst>
+            <a:ext uri="{909E8E84-426E-40DD-AFC4-6F175D3DCCD1}">
+              <a14:hiddenFill xmlns:a14="http://schemas.microsoft.com/office/drawing/2010/main">
+                <a:solidFill>
+                  <a:srgbClr val="FFFFFF"/>
+                </a:solidFill>
+              </a14:hiddenFill>
+            </a:ext>
+          </a:extLst>
+        </p:spPr>
+      </p:pic>
     </p:spTree>
     <p:extLst>
       <p:ext uri="{BB962C8B-B14F-4D97-AF65-F5344CB8AC3E}">
-        <p14:creationId xmlns:p14="http://schemas.microsoft.com/office/powerpoint/2010/main" val="4129926194"/>
+        <p14:creationId xmlns:p14="http://schemas.microsoft.com/office/powerpoint/2010/main" val="3748992572"/>
       </p:ext>
     </p:extLst>
   </p:cSld>
@@ -12637,6 +9539,13 @@
       </p:transition>
     </mc:Fallback>
   </mc:AlternateContent>
+  <p:timing>
+    <p:tnLst>
+      <p:par>
+        <p:cTn id="1" dur="indefinite" restart="never" nodeType="tmRoot"/>
+      </p:par>
+    </p:tnLst>
+  </p:timing>
 </p:sld>
 </file>
 
@@ -12669,86 +9578,189 @@
         </p:nvSpPr>
         <p:spPr/>
         <p:txBody>
-          <a:bodyPr rtlCol="0"/>
+          <a:bodyPr/>
           <a:lstStyle/>
           <a:p>
-            <a:pPr rtl="0"/>
             <a:r>
               <a:rPr lang="ru-RU" dirty="0" smtClean="0"/>
-              <a:t>Добавить заголовок слайда — 7</a:t>
-            </a:r>
-            <a:endParaRPr lang="ru-RU" dirty="0"/>
+              <a:t>Тестирование</a:t>
+            </a:r>
+            <a:endParaRPr lang="uk-UA" dirty="0"/>
           </a:p>
         </p:txBody>
       </p:sp>
       <p:sp>
         <p:nvSpPr>
-          <p:cNvPr id="4" name="Рисунок 3"/>
-          <p:cNvSpPr>
-            <a:spLocks noGrp="1"/>
-          </p:cNvSpPr>
-          <p:nvPr>
-            <p:ph type="pic" idx="1"/>
-          </p:nvPr>
+          <p:cNvPr id="3" name="TextBox 2"/>
+          <p:cNvSpPr txBox="1"/>
+          <p:nvPr/>
         </p:nvSpPr>
-        <p:spPr/>
-      </p:sp>
-      <p:sp>
-        <p:nvSpPr>
-          <p:cNvPr id="5" name="Текст 4"/>
-          <p:cNvSpPr>
-            <a:spLocks noGrp="1"/>
-          </p:cNvSpPr>
-          <p:nvPr>
-            <p:ph type="body" sz="half" idx="2"/>
-          </p:nvPr>
-        </p:nvSpPr>
-        <p:spPr/>
+        <p:spPr>
+          <a:xfrm>
+            <a:off x="1295400" y="2031999"/>
+            <a:ext cx="10649857" cy="4031873"/>
+          </a:xfrm>
+          <a:prstGeom prst="rect">
+            <a:avLst/>
+          </a:prstGeom>
+          <a:noFill/>
+        </p:spPr>
         <p:txBody>
-          <a:bodyPr rtlCol="0"/>
+          <a:bodyPr wrap="square" rtlCol="0">
+            <a:spAutoFit/>
+          </a:bodyPr>
           <a:lstStyle/>
           <a:p>
-            <a:pPr rtl="0"/>
-            <a:endParaRPr lang="ru-RU" dirty="0"/>
-          </a:p>
-        </p:txBody>
-      </p:sp>
-      <p:sp>
-        <p:nvSpPr>
-          <p:cNvPr id="6" name="Рисунок 5"/>
-          <p:cNvSpPr>
-            <a:spLocks noGrp="1"/>
-          </p:cNvSpPr>
-          <p:nvPr>
-            <p:ph type="pic" idx="13"/>
-          </p:nvPr>
-        </p:nvSpPr>
-        <p:spPr/>
-      </p:sp>
-      <p:sp>
-        <p:nvSpPr>
-          <p:cNvPr id="11" name="Текст 10"/>
-          <p:cNvSpPr>
-            <a:spLocks noGrp="1"/>
-          </p:cNvSpPr>
-          <p:nvPr>
-            <p:ph type="body" sz="half" idx="14"/>
-          </p:nvPr>
-        </p:nvSpPr>
-        <p:spPr/>
-        <p:txBody>
-          <a:bodyPr rtlCol="0"/>
-          <a:lstStyle/>
-          <a:p>
-            <a:pPr rtl="0"/>
-            <a:endParaRPr lang="ru-RU" dirty="0"/>
+            <a:pPr marL="342900" indent="-342900">
+              <a:buClr>
+                <a:srgbClr val="92D050"/>
+              </a:buClr>
+              <a:buFont typeface="Wingdings" panose="05000000000000000000" pitchFamily="2" charset="2"/>
+              <a:buChar char="ü"/>
+            </a:pPr>
+            <a:r>
+              <a:rPr lang="ru-RU" sz="3200" dirty="0" smtClean="0"/>
+              <a:t>загрузка </a:t>
+            </a:r>
+            <a:r>
+              <a:rPr lang="ru-RU" sz="3200" dirty="0"/>
+              <a:t>файла на </a:t>
+            </a:r>
+            <a:r>
+              <a:rPr lang="ru-RU" sz="3200" dirty="0" smtClean="0"/>
+              <a:t>сервер</a:t>
+            </a:r>
+          </a:p>
+          <a:p>
+            <a:pPr marL="342900" indent="-342900">
+              <a:buClr>
+                <a:srgbClr val="92D050"/>
+              </a:buClr>
+              <a:buFont typeface="Wingdings" panose="05000000000000000000" pitchFamily="2" charset="2"/>
+              <a:buChar char="ü"/>
+            </a:pPr>
+            <a:r>
+              <a:rPr lang="ru-RU" sz="3200" dirty="0" smtClean="0"/>
+              <a:t>скачивание файла/файлов</a:t>
+            </a:r>
+            <a:endParaRPr lang="ru-RU" sz="3200" dirty="0"/>
+          </a:p>
+          <a:p>
+            <a:pPr marL="342900" indent="-342900">
+              <a:buClr>
+                <a:srgbClr val="92D050"/>
+              </a:buClr>
+              <a:buFont typeface="Wingdings" panose="05000000000000000000" pitchFamily="2" charset="2"/>
+              <a:buChar char="ü"/>
+            </a:pPr>
+            <a:r>
+              <a:rPr lang="ru-RU" sz="3200" dirty="0" smtClean="0"/>
+              <a:t>переименование </a:t>
+            </a:r>
+            <a:r>
+              <a:rPr lang="ru-RU" sz="3200" dirty="0"/>
+              <a:t>папки/файла</a:t>
+            </a:r>
+          </a:p>
+          <a:p>
+            <a:pPr marL="342900" indent="-342900">
+              <a:buClr>
+                <a:srgbClr val="92D050"/>
+              </a:buClr>
+              <a:buFont typeface="Wingdings" panose="05000000000000000000" pitchFamily="2" charset="2"/>
+              <a:buChar char="ü"/>
+            </a:pPr>
+            <a:r>
+              <a:rPr lang="ru-RU" sz="3200" dirty="0" smtClean="0"/>
+              <a:t>удаление </a:t>
+            </a:r>
+            <a:r>
+              <a:rPr lang="ru-RU" sz="3200" dirty="0"/>
+              <a:t>папки/файла</a:t>
+            </a:r>
+          </a:p>
+          <a:p>
+            <a:pPr marL="342900" indent="-342900">
+              <a:buClr>
+                <a:srgbClr val="92D050"/>
+              </a:buClr>
+              <a:buFont typeface="Wingdings" panose="05000000000000000000" pitchFamily="2" charset="2"/>
+              <a:buChar char="ü"/>
+            </a:pPr>
+            <a:r>
+              <a:rPr lang="ru-RU" sz="3200" dirty="0" smtClean="0"/>
+              <a:t>создание </a:t>
+            </a:r>
+            <a:r>
+              <a:rPr lang="ru-RU" sz="3200" dirty="0"/>
+              <a:t>папки/файла</a:t>
+            </a:r>
+          </a:p>
+          <a:p>
+            <a:pPr marL="342900" indent="-342900">
+              <a:buClr>
+                <a:srgbClr val="92D050"/>
+              </a:buClr>
+              <a:buFont typeface="Wingdings" panose="05000000000000000000" pitchFamily="2" charset="2"/>
+              <a:buChar char="ü"/>
+            </a:pPr>
+            <a:r>
+              <a:rPr lang="ru-RU" sz="3200" dirty="0" err="1"/>
+              <a:t>х</a:t>
+            </a:r>
+            <a:r>
+              <a:rPr lang="ru-RU" sz="3200" dirty="0" err="1" smtClean="0"/>
+              <a:t>эширование</a:t>
+            </a:r>
+            <a:r>
+              <a:rPr lang="ru-RU" sz="3200" dirty="0" smtClean="0"/>
+              <a:t> </a:t>
+            </a:r>
+            <a:r>
+              <a:rPr lang="ru-RU" sz="3200" dirty="0"/>
+              <a:t>пароля пользователя</a:t>
+            </a:r>
+          </a:p>
+          <a:p>
+            <a:pPr marL="342900" indent="-342900">
+              <a:buClr>
+                <a:srgbClr val="92D050"/>
+              </a:buClr>
+              <a:buFont typeface="Wingdings" panose="05000000000000000000" pitchFamily="2" charset="2"/>
+              <a:buChar char="ü"/>
+            </a:pPr>
+            <a:r>
+              <a:rPr lang="ru-RU" sz="3200" dirty="0" smtClean="0"/>
+              <a:t>шифрование </a:t>
+            </a:r>
+            <a:r>
+              <a:rPr lang="ru-RU" sz="3200" dirty="0"/>
+              <a:t>и дешифрование </a:t>
+            </a:r>
+            <a:r>
+              <a:rPr lang="ru-RU" sz="3200" dirty="0" smtClean="0"/>
+              <a:t>файла алгоритмами </a:t>
+            </a:r>
+            <a:r>
+              <a:rPr lang="en-US" sz="3200" dirty="0" smtClean="0"/>
+              <a:t>DES </a:t>
+            </a:r>
+            <a:r>
+              <a:rPr lang="uk-UA" sz="3200" dirty="0" smtClean="0"/>
+              <a:t>и</a:t>
+            </a:r>
+            <a:r>
+              <a:rPr lang="en-US" sz="3200" dirty="0" smtClean="0"/>
+              <a:t> RSA</a:t>
+            </a:r>
+            <a:endParaRPr lang="uk-UA" sz="3200" dirty="0"/>
           </a:p>
         </p:txBody>
       </p:sp>
     </p:spTree>
     <p:extLst>
       <p:ext uri="{BB962C8B-B14F-4D97-AF65-F5344CB8AC3E}">
-        <p14:creationId xmlns:p14="http://schemas.microsoft.com/office/powerpoint/2010/main" val="188841400"/>
+        <p14:creationId xmlns:p14="http://schemas.microsoft.com/office/powerpoint/2010/main" val="4233285630"/>
       </p:ext>
     </p:extLst>
   </p:cSld>
@@ -12767,6 +9779,13 @@
       </p:transition>
     </mc:Fallback>
   </mc:AlternateContent>
+  <p:timing>
+    <p:tnLst>
+      <p:par>
+        <p:cTn id="1" dur="indefinite" restart="never" nodeType="tmRoot"/>
+      </p:par>
+    </p:tnLst>
+  </p:timing>
 </p:sld>
 </file>
 
@@ -16479,7 +13498,7 @@
         </p:nvGraphicFramePr>
         <p:xfrm>
           <a:off x="630346" y="349763"/>
-          <a:ext cx="8234255" cy="6251437"/>
+          <a:ext cx="8234255" cy="6413235"/>
         </p:xfrm>
         <a:graphic>
           <a:graphicData uri="http://schemas.openxmlformats.org/drawingml/2006/table">
@@ -17590,7 +14609,7 @@
         <p:spPr>
           <a:xfrm>
             <a:off x="4445000" y="349762"/>
-            <a:ext cx="1155700" cy="6251437"/>
+            <a:ext cx="1155700" cy="6413236"/>
           </a:xfrm>
           <a:prstGeom prst="rect">
             <a:avLst/>
